--- a/Sistema_Embarcado_Monitoramento.pptx
+++ b/Sistema_Embarcado_Monitoramento.pptx
@@ -131,16 +131,204 @@
 </p:presentation>
 </file>
 
+<file path=ppt/revisionInfo.xml><?xml version="1.0" encoding="utf-8"?>
+<p1510:revInfo xmlns:a="http://schemas.openxmlformats.org/drawingml/2006/main" xmlns:r="http://schemas.openxmlformats.org/officeDocument/2006/relationships" xmlns:p1510="http://schemas.microsoft.com/office/powerpoint/2015/10/main">
+  <p1510:revLst>
+    <p1510:client id="{5984AAC9-020F-42B9-BA1F-82638D6643C3}" v="2" dt="2025-12-03T00:37:54.535"/>
+  </p1510:revLst>
+</p1510:revInfo>
+</file>
+
+<file path=ppt/changesInfos/changesInfo1.xml><?xml version="1.0" encoding="utf-8"?>
+<pc:chgInfo xmlns:a="http://schemas.openxmlformats.org/drawingml/2006/main" xmlns:r="http://schemas.openxmlformats.org/officeDocument/2006/relationships" xmlns:ac="http://schemas.microsoft.com/office/drawing/2013/main/command" xmlns:pc="http://schemas.microsoft.com/office/powerpoint/2013/main/command">
+  <pc:docChgLst>
+    <pc:chgData name="Nathan Saldanha" userId="1a8e11d681821b69" providerId="LiveId" clId="{DD1AE910-D254-47AF-A879-2E25B4632160}"/>
+    <pc:docChg chg="undo custSel modSld">
+      <pc:chgData name="Nathan Saldanha" userId="1a8e11d681821b69" providerId="LiveId" clId="{DD1AE910-D254-47AF-A879-2E25B4632160}" dt="2025-12-03T00:39:52.297" v="32" actId="20577"/>
+      <pc:docMkLst>
+        <pc:docMk/>
+      </pc:docMkLst>
+      <pc:sldChg chg="addSp delSp modSp mod">
+        <pc:chgData name="Nathan Saldanha" userId="1a8e11d681821b69" providerId="LiveId" clId="{DD1AE910-D254-47AF-A879-2E25B4632160}" dt="2025-12-03T00:39:52.297" v="32" actId="20577"/>
+        <pc:sldMkLst>
+          <pc:docMk/>
+          <pc:sldMk cId="0" sldId="256"/>
+        </pc:sldMkLst>
+        <pc:spChg chg="mod">
+          <ac:chgData name="Nathan Saldanha" userId="1a8e11d681821b69" providerId="LiveId" clId="{DD1AE910-D254-47AF-A879-2E25B4632160}" dt="2025-12-03T00:39:30.898" v="31" actId="26606"/>
+          <ac:spMkLst>
+            <pc:docMk/>
+            <pc:sldMk cId="0" sldId="256"/>
+            <ac:spMk id="2" creationId="{00000000-0000-0000-0000-000000000000}"/>
+          </ac:spMkLst>
+        </pc:spChg>
+        <pc:spChg chg="del">
+          <ac:chgData name="Nathan Saldanha" userId="1a8e11d681821b69" providerId="LiveId" clId="{DD1AE910-D254-47AF-A879-2E25B4632160}" dt="2025-12-03T00:39:30.898" v="31" actId="26606"/>
+          <ac:spMkLst>
+            <pc:docMk/>
+            <pc:sldMk cId="0" sldId="256"/>
+            <ac:spMk id="9" creationId="{2659FDB4-FCBE-4A89-B46D-43D4FA54464D}"/>
+          </ac:spMkLst>
+        </pc:spChg>
+        <pc:spChg chg="add">
+          <ac:chgData name="Nathan Saldanha" userId="1a8e11d681821b69" providerId="LiveId" clId="{DD1AE910-D254-47AF-A879-2E25B4632160}" dt="2025-12-03T00:39:30.898" v="31" actId="26606"/>
+          <ac:spMkLst>
+            <pc:docMk/>
+            <pc:sldMk cId="0" sldId="256"/>
+            <ac:spMk id="16" creationId="{9DBC8166-481C-4473-95F5-9A5B9073B7F1}"/>
+          </ac:spMkLst>
+        </pc:spChg>
+        <pc:spChg chg="add">
+          <ac:chgData name="Nathan Saldanha" userId="1a8e11d681821b69" providerId="LiveId" clId="{DD1AE910-D254-47AF-A879-2E25B4632160}" dt="2025-12-03T00:39:30.898" v="31" actId="26606"/>
+          <ac:spMkLst>
+            <pc:docMk/>
+            <pc:sldMk cId="0" sldId="256"/>
+            <ac:spMk id="18" creationId="{A5A5CE6E-90AF-4D43-A014-1F9EC83EB93D}"/>
+          </ac:spMkLst>
+        </pc:spChg>
+        <pc:graphicFrameChg chg="mod modGraphic">
+          <ac:chgData name="Nathan Saldanha" userId="1a8e11d681821b69" providerId="LiveId" clId="{DD1AE910-D254-47AF-A879-2E25B4632160}" dt="2025-12-03T00:39:52.297" v="32" actId="20577"/>
+          <ac:graphicFrameMkLst>
+            <pc:docMk/>
+            <pc:sldMk cId="0" sldId="256"/>
+            <ac:graphicFrameMk id="5" creationId="{8103AAE5-8D28-3460-859E-4A28BBB1AA8A}"/>
+          </ac:graphicFrameMkLst>
+        </pc:graphicFrameChg>
+        <pc:cxnChg chg="del">
+          <ac:chgData name="Nathan Saldanha" userId="1a8e11d681821b69" providerId="LiveId" clId="{DD1AE910-D254-47AF-A879-2E25B4632160}" dt="2025-12-03T00:39:30.898" v="31" actId="26606"/>
+          <ac:cxnSpMkLst>
+            <pc:docMk/>
+            <pc:sldMk cId="0" sldId="256"/>
+            <ac:cxnSpMk id="11" creationId="{C8F51B3F-8331-4E4A-AE96-D47B1006EEAD}"/>
+          </ac:cxnSpMkLst>
+        </pc:cxnChg>
+      </pc:sldChg>
+      <pc:sldChg chg="addSp delSp modSp mod">
+        <pc:chgData name="Nathan Saldanha" userId="1a8e11d681821b69" providerId="LiveId" clId="{DD1AE910-D254-47AF-A879-2E25B4632160}" dt="2025-12-03T00:38:20.895" v="16" actId="26606"/>
+        <pc:sldMkLst>
+          <pc:docMk/>
+          <pc:sldMk cId="0" sldId="258"/>
+        </pc:sldMkLst>
+        <pc:spChg chg="mod">
+          <ac:chgData name="Nathan Saldanha" userId="1a8e11d681821b69" providerId="LiveId" clId="{DD1AE910-D254-47AF-A879-2E25B4632160}" dt="2025-12-03T00:38:20.895" v="16" actId="26606"/>
+          <ac:spMkLst>
+            <pc:docMk/>
+            <pc:sldMk cId="0" sldId="258"/>
+            <ac:spMk id="2" creationId="{00000000-0000-0000-0000-000000000000}"/>
+          </ac:spMkLst>
+        </pc:spChg>
+        <pc:spChg chg="del">
+          <ac:chgData name="Nathan Saldanha" userId="1a8e11d681821b69" providerId="LiveId" clId="{DD1AE910-D254-47AF-A879-2E25B4632160}" dt="2025-12-03T00:36:50.301" v="5" actId="26606"/>
+          <ac:spMkLst>
+            <pc:docMk/>
+            <pc:sldMk cId="0" sldId="258"/>
+            <ac:spMk id="9" creationId="{2659FDB4-FCBE-4A89-B46D-43D4FA54464D}"/>
+          </ac:spMkLst>
+        </pc:spChg>
+        <pc:spChg chg="add del">
+          <ac:chgData name="Nathan Saldanha" userId="1a8e11d681821b69" providerId="LiveId" clId="{DD1AE910-D254-47AF-A879-2E25B4632160}" dt="2025-12-03T00:38:20.895" v="16" actId="26606"/>
+          <ac:spMkLst>
+            <pc:docMk/>
+            <pc:sldMk cId="0" sldId="258"/>
+            <ac:spMk id="16" creationId="{955A2079-FA98-4876-80F0-72364A7D2EA4}"/>
+          </ac:spMkLst>
+        </pc:spChg>
+        <pc:spChg chg="add del">
+          <ac:chgData name="Nathan Saldanha" userId="1a8e11d681821b69" providerId="LiveId" clId="{DD1AE910-D254-47AF-A879-2E25B4632160}" dt="2025-12-03T00:38:08.807" v="11" actId="26606"/>
+          <ac:spMkLst>
+            <pc:docMk/>
+            <pc:sldMk cId="0" sldId="258"/>
+            <ac:spMk id="21" creationId="{1D63C574-BFD2-41A1-A567-B0C3CC7FDD4F}"/>
+          </ac:spMkLst>
+        </pc:spChg>
+        <pc:spChg chg="add del">
+          <ac:chgData name="Nathan Saldanha" userId="1a8e11d681821b69" providerId="LiveId" clId="{DD1AE910-D254-47AF-A879-2E25B4632160}" dt="2025-12-03T00:38:08.807" v="11" actId="26606"/>
+          <ac:spMkLst>
+            <pc:docMk/>
+            <pc:sldMk cId="0" sldId="258"/>
+            <ac:spMk id="23" creationId="{E2A46BAB-8C31-42B2-90E8-B26DD3E81D37}"/>
+          </ac:spMkLst>
+        </pc:spChg>
+        <pc:spChg chg="add del">
+          <ac:chgData name="Nathan Saldanha" userId="1a8e11d681821b69" providerId="LiveId" clId="{DD1AE910-D254-47AF-A879-2E25B4632160}" dt="2025-12-03T00:38:16.116" v="13" actId="26606"/>
+          <ac:spMkLst>
+            <pc:docMk/>
+            <pc:sldMk cId="0" sldId="258"/>
+            <ac:spMk id="38" creationId="{6C4028FD-8BAA-4A19-BFDE-594D991B7552}"/>
+          </ac:spMkLst>
+        </pc:spChg>
+        <pc:spChg chg="add del">
+          <ac:chgData name="Nathan Saldanha" userId="1a8e11d681821b69" providerId="LiveId" clId="{DD1AE910-D254-47AF-A879-2E25B4632160}" dt="2025-12-03T00:38:20.799" v="15" actId="26606"/>
+          <ac:spMkLst>
+            <pc:docMk/>
+            <pc:sldMk cId="0" sldId="258"/>
+            <ac:spMk id="40" creationId="{6C4028FD-8BAA-4A19-BFDE-594D991B7552}"/>
+          </ac:spMkLst>
+        </pc:spChg>
+        <pc:spChg chg="add">
+          <ac:chgData name="Nathan Saldanha" userId="1a8e11d681821b69" providerId="LiveId" clId="{DD1AE910-D254-47AF-A879-2E25B4632160}" dt="2025-12-03T00:38:20.895" v="16" actId="26606"/>
+          <ac:spMkLst>
+            <pc:docMk/>
+            <pc:sldMk cId="0" sldId="258"/>
+            <ac:spMk id="42" creationId="{9DBC8166-481C-4473-95F5-9A5B9073B7F1}"/>
+          </ac:spMkLst>
+        </pc:spChg>
+        <pc:spChg chg="add">
+          <ac:chgData name="Nathan Saldanha" userId="1a8e11d681821b69" providerId="LiveId" clId="{DD1AE910-D254-47AF-A879-2E25B4632160}" dt="2025-12-03T00:38:20.895" v="16" actId="26606"/>
+          <ac:spMkLst>
+            <pc:docMk/>
+            <pc:sldMk cId="0" sldId="258"/>
+            <ac:spMk id="43" creationId="{A5A5CE6E-90AF-4D43-A014-1F9EC83EB93D}"/>
+          </ac:spMkLst>
+        </pc:spChg>
+        <pc:grpChg chg="add del">
+          <ac:chgData name="Nathan Saldanha" userId="1a8e11d681821b69" providerId="LiveId" clId="{DD1AE910-D254-47AF-A879-2E25B4632160}" dt="2025-12-03T00:38:08.807" v="11" actId="26606"/>
+          <ac:grpSpMkLst>
+            <pc:docMk/>
+            <pc:sldMk cId="0" sldId="258"/>
+            <ac:grpSpMk id="25" creationId="{B3F7A3C7-0737-4E57-B30E-8EEFE638B401}"/>
+          </ac:grpSpMkLst>
+        </pc:grpChg>
+        <pc:grpChg chg="add del">
+          <ac:chgData name="Nathan Saldanha" userId="1a8e11d681821b69" providerId="LiveId" clId="{DD1AE910-D254-47AF-A879-2E25B4632160}" dt="2025-12-03T00:38:08.807" v="11" actId="26606"/>
+          <ac:grpSpMkLst>
+            <pc:docMk/>
+            <pc:sldMk cId="0" sldId="258"/>
+            <ac:grpSpMk id="29" creationId="{43F5E015-E085-4624-B431-B42414448684}"/>
+          </ac:grpSpMkLst>
+        </pc:grpChg>
+        <pc:graphicFrameChg chg="mod modGraphic">
+          <ac:chgData name="Nathan Saldanha" userId="1a8e11d681821b69" providerId="LiveId" clId="{DD1AE910-D254-47AF-A879-2E25B4632160}" dt="2025-12-03T00:38:20.895" v="16" actId="26606"/>
+          <ac:graphicFrameMkLst>
+            <pc:docMk/>
+            <pc:sldMk cId="0" sldId="258"/>
+            <ac:graphicFrameMk id="5" creationId="{B5C81537-A7FC-093D-205D-420DEEB10479}"/>
+          </ac:graphicFrameMkLst>
+        </pc:graphicFrameChg>
+        <pc:cxnChg chg="del">
+          <ac:chgData name="Nathan Saldanha" userId="1a8e11d681821b69" providerId="LiveId" clId="{DD1AE910-D254-47AF-A879-2E25B4632160}" dt="2025-12-03T00:36:50.301" v="5" actId="26606"/>
+          <ac:cxnSpMkLst>
+            <pc:docMk/>
+            <pc:sldMk cId="0" sldId="258"/>
+            <ac:cxnSpMk id="11" creationId="{C8F51B3F-8331-4E4A-AE96-D47B1006EEAD}"/>
+          </ac:cxnSpMkLst>
+        </pc:cxnChg>
+      </pc:sldChg>
+    </pc:docChg>
+  </pc:docChgLst>
+</pc:chgInfo>
+</file>
+
 <file path=ppt/diagrams/colors1.xml><?xml version="1.0" encoding="utf-8"?>
-<dgm:colorsDef xmlns:dgm="http://schemas.openxmlformats.org/drawingml/2006/diagram" xmlns:a="http://schemas.openxmlformats.org/drawingml/2006/main" uniqueId="urn:microsoft.com/office/officeart/2018/5/colors/Iconchunking_neutralicontext_colorful1">
+<dgm:colorsDef xmlns:dgm="http://schemas.openxmlformats.org/drawingml/2006/diagram" xmlns:a="http://schemas.openxmlformats.org/drawingml/2006/main" uniqueId="urn:microsoft.com/office/officeart/2005/8/colors/accent2_2">
   <dgm:title val=""/>
   <dgm:desc val=""/>
   <dgm:catLst>
-    <dgm:cat type="colorful" pri="10100"/>
+    <dgm:cat type="accent2" pri="11200"/>
   </dgm:catLst>
   <dgm:styleLbl name="node0">
     <dgm:fillClrLst meth="repeat">
-      <a:schemeClr val="accent1"/>
+      <a:schemeClr val="accent2"/>
     </dgm:fillClrLst>
     <dgm:linClrLst meth="repeat">
       <a:schemeClr val="lt1"/>
@@ -152,34 +340,22 @@
   </dgm:styleLbl>
   <dgm:styleLbl name="node1">
     <dgm:fillClrLst meth="repeat">
-      <a:schemeClr val="bg1"/>
-    </dgm:fillClrLst>
-    <dgm:linClrLst meth="repeat">
-      <a:schemeClr val="lt1">
-        <a:alpha val="0"/>
-      </a:schemeClr>
-    </dgm:linClrLst>
-    <dgm:effectClrLst/>
-    <dgm:txLinClrLst/>
-    <dgm:txFillClrLst meth="repeat">
-      <a:schemeClr val="dk1"/>
-    </dgm:txFillClrLst>
+      <a:schemeClr val="accent2"/>
+    </dgm:fillClrLst>
+    <dgm:linClrLst meth="repeat">
+      <a:schemeClr val="lt1"/>
+    </dgm:linClrLst>
+    <dgm:effectClrLst/>
+    <dgm:txLinClrLst/>
+    <dgm:txFillClrLst/>
     <dgm:txEffectClrLst/>
   </dgm:styleLbl>
   <dgm:styleLbl name="alignNode1">
     <dgm:fillClrLst meth="repeat">
       <a:schemeClr val="accent2"/>
-      <a:schemeClr val="accent3"/>
-      <a:schemeClr val="accent4"/>
-      <a:schemeClr val="accent5"/>
-      <a:schemeClr val="accent6"/>
     </dgm:fillClrLst>
     <dgm:linClrLst meth="repeat">
       <a:schemeClr val="accent2"/>
-      <a:schemeClr val="accent3"/>
-      <a:schemeClr val="accent4"/>
-      <a:schemeClr val="accent5"/>
-      <a:schemeClr val="accent6"/>
     </dgm:linClrLst>
     <dgm:effectClrLst/>
     <dgm:txLinClrLst/>
@@ -189,10 +365,6 @@
   <dgm:styleLbl name="lnNode1">
     <dgm:fillClrLst meth="repeat">
       <a:schemeClr val="accent2"/>
-      <a:schemeClr val="accent3"/>
-      <a:schemeClr val="accent4"/>
-      <a:schemeClr val="accent5"/>
-      <a:schemeClr val="accent6"/>
     </dgm:fillClrLst>
     <dgm:linClrLst meth="repeat">
       <a:schemeClr val="lt1"/>
@@ -207,18 +379,6 @@
       <a:schemeClr val="accent2">
         <a:alpha val="50000"/>
       </a:schemeClr>
-      <a:schemeClr val="accent3">
-        <a:alpha val="50000"/>
-      </a:schemeClr>
-      <a:schemeClr val="accent4">
-        <a:alpha val="50000"/>
-      </a:schemeClr>
-      <a:schemeClr val="accent5">
-        <a:alpha val="50000"/>
-      </a:schemeClr>
-      <a:schemeClr val="accent6">
-        <a:alpha val="50000"/>
-      </a:schemeClr>
     </dgm:fillClrLst>
     <dgm:linClrLst meth="repeat">
       <a:schemeClr val="lt1"/>
@@ -229,7 +389,7 @@
     <dgm:txEffectClrLst/>
   </dgm:styleLbl>
   <dgm:styleLbl name="node2">
-    <dgm:fillClrLst>
+    <dgm:fillClrLst meth="repeat">
       <a:schemeClr val="accent2"/>
     </dgm:fillClrLst>
     <dgm:linClrLst meth="repeat">
@@ -241,8 +401,8 @@
     <dgm:txEffectClrLst/>
   </dgm:styleLbl>
   <dgm:styleLbl name="node3">
-    <dgm:fillClrLst>
-      <a:schemeClr val="accent3"/>
+    <dgm:fillClrLst meth="repeat">
+      <a:schemeClr val="accent2"/>
     </dgm:fillClrLst>
     <dgm:linClrLst meth="repeat">
       <a:schemeClr val="lt1"/>
@@ -253,8 +413,8 @@
     <dgm:txEffectClrLst/>
   </dgm:styleLbl>
   <dgm:styleLbl name="node4">
-    <dgm:fillClrLst>
-      <a:schemeClr val="accent4"/>
+    <dgm:fillClrLst meth="repeat">
+      <a:schemeClr val="accent2"/>
     </dgm:fillClrLst>
     <dgm:linClrLst meth="repeat">
       <a:schemeClr val="lt1"/>
@@ -269,18 +429,6 @@
       <a:schemeClr val="accent2">
         <a:tint val="50000"/>
       </a:schemeClr>
-      <a:schemeClr val="accent3">
-        <a:tint val="50000"/>
-      </a:schemeClr>
-      <a:schemeClr val="accent4">
-        <a:tint val="50000"/>
-      </a:schemeClr>
-      <a:schemeClr val="accent5">
-        <a:tint val="50000"/>
-      </a:schemeClr>
-      <a:schemeClr val="accent6">
-        <a:tint val="50000"/>
-      </a:schemeClr>
     </dgm:fillClrLst>
     <dgm:linClrLst meth="repeat">
       <a:schemeClr val="lt1"/>
@@ -293,12 +441,9 @@
     <dgm:txEffectClrLst/>
   </dgm:styleLbl>
   <dgm:styleLbl name="alignImgPlace1">
-    <dgm:fillClrLst>
-      <a:schemeClr val="accent1">
+    <dgm:fillClrLst meth="repeat">
+      <a:schemeClr val="accent2">
         <a:tint val="50000"/>
-      </a:schemeClr>
-      <a:schemeClr val="accent2">
-        <a:tint val="20000"/>
       </a:schemeClr>
     </dgm:fillClrLst>
     <dgm:linClrLst meth="repeat">
@@ -312,12 +457,9 @@
     <dgm:txEffectClrLst/>
   </dgm:styleLbl>
   <dgm:styleLbl name="bgImgPlace1">
-    <dgm:fillClrLst>
-      <a:schemeClr val="accent1">
+    <dgm:fillClrLst meth="repeat">
+      <a:schemeClr val="accent2">
         <a:tint val="50000"/>
-      </a:schemeClr>
-      <a:schemeClr val="accent2">
-        <a:tint val="20000"/>
       </a:schemeClr>
     </dgm:fillClrLst>
     <dgm:linClrLst meth="repeat">
@@ -332,14 +474,14 @@
   </dgm:styleLbl>
   <dgm:styleLbl name="sibTrans2D1">
     <dgm:fillClrLst meth="repeat">
-      <a:schemeClr val="accent2"/>
-      <a:schemeClr val="accent3"/>
-      <a:schemeClr val="accent4"/>
-      <a:schemeClr val="accent5"/>
-      <a:schemeClr val="accent6"/>
-    </dgm:fillClrLst>
-    <dgm:linClrLst meth="cycle">
-      <a:schemeClr val="lt1"/>
+      <a:schemeClr val="accent2">
+        <a:tint val="60000"/>
+      </a:schemeClr>
+    </dgm:fillClrLst>
+    <dgm:linClrLst meth="repeat">
+      <a:schemeClr val="accent2">
+        <a:tint val="60000"/>
+      </a:schemeClr>
     </dgm:linClrLst>
     <dgm:effectClrLst/>
     <dgm:txLinClrLst/>
@@ -348,14 +490,136 @@
   </dgm:styleLbl>
   <dgm:styleLbl name="fgSibTrans2D1">
     <dgm:fillClrLst meth="repeat">
+      <a:schemeClr val="accent2">
+        <a:tint val="60000"/>
+      </a:schemeClr>
+    </dgm:fillClrLst>
+    <dgm:linClrLst meth="repeat">
+      <a:schemeClr val="accent2">
+        <a:tint val="60000"/>
+      </a:schemeClr>
+    </dgm:linClrLst>
+    <dgm:effectClrLst/>
+    <dgm:txLinClrLst/>
+    <dgm:txFillClrLst/>
+    <dgm:txEffectClrLst/>
+  </dgm:styleLbl>
+  <dgm:styleLbl name="bgSibTrans2D1">
+    <dgm:fillClrLst meth="repeat">
+      <a:schemeClr val="accent2">
+        <a:tint val="60000"/>
+      </a:schemeClr>
+    </dgm:fillClrLst>
+    <dgm:linClrLst meth="repeat">
+      <a:schemeClr val="accent2">
+        <a:tint val="60000"/>
+      </a:schemeClr>
+    </dgm:linClrLst>
+    <dgm:effectClrLst/>
+    <dgm:txLinClrLst/>
+    <dgm:txFillClrLst/>
+    <dgm:txEffectClrLst/>
+  </dgm:styleLbl>
+  <dgm:styleLbl name="sibTrans1D1">
+    <dgm:fillClrLst meth="repeat">
       <a:schemeClr val="accent2"/>
-      <a:schemeClr val="accent3"/>
-      <a:schemeClr val="accent4"/>
-      <a:schemeClr val="accent5"/>
-      <a:schemeClr val="accent6"/>
-    </dgm:fillClrLst>
-    <dgm:linClrLst meth="cycle">
+    </dgm:fillClrLst>
+    <dgm:linClrLst meth="repeat">
+      <a:schemeClr val="accent2"/>
+    </dgm:linClrLst>
+    <dgm:effectClrLst/>
+    <dgm:txLinClrLst/>
+    <dgm:txFillClrLst meth="repeat">
+      <a:schemeClr val="tx1"/>
+    </dgm:txFillClrLst>
+    <dgm:txEffectClrLst/>
+  </dgm:styleLbl>
+  <dgm:styleLbl name="callout">
+    <dgm:fillClrLst meth="repeat">
+      <a:schemeClr val="accent2"/>
+    </dgm:fillClrLst>
+    <dgm:linClrLst meth="repeat">
+      <a:schemeClr val="accent2">
+        <a:tint val="50000"/>
+      </a:schemeClr>
+    </dgm:linClrLst>
+    <dgm:effectClrLst/>
+    <dgm:txLinClrLst/>
+    <dgm:txFillClrLst meth="repeat">
+      <a:schemeClr val="tx1"/>
+    </dgm:txFillClrLst>
+    <dgm:txEffectClrLst/>
+  </dgm:styleLbl>
+  <dgm:styleLbl name="asst0">
+    <dgm:fillClrLst meth="repeat">
+      <a:schemeClr val="accent2"/>
+    </dgm:fillClrLst>
+    <dgm:linClrLst meth="repeat">
       <a:schemeClr val="lt1"/>
+    </dgm:linClrLst>
+    <dgm:effectClrLst/>
+    <dgm:txLinClrLst/>
+    <dgm:txFillClrLst/>
+    <dgm:txEffectClrLst/>
+  </dgm:styleLbl>
+  <dgm:styleLbl name="asst1">
+    <dgm:fillClrLst meth="repeat">
+      <a:schemeClr val="accent2"/>
+    </dgm:fillClrLst>
+    <dgm:linClrLst meth="repeat">
+      <a:schemeClr val="lt1"/>
+    </dgm:linClrLst>
+    <dgm:effectClrLst/>
+    <dgm:txLinClrLst/>
+    <dgm:txFillClrLst/>
+    <dgm:txEffectClrLst/>
+  </dgm:styleLbl>
+  <dgm:styleLbl name="asst2">
+    <dgm:fillClrLst meth="repeat">
+      <a:schemeClr val="accent2"/>
+    </dgm:fillClrLst>
+    <dgm:linClrLst meth="repeat">
+      <a:schemeClr val="lt1"/>
+    </dgm:linClrLst>
+    <dgm:effectClrLst/>
+    <dgm:txLinClrLst/>
+    <dgm:txFillClrLst/>
+    <dgm:txEffectClrLst/>
+  </dgm:styleLbl>
+  <dgm:styleLbl name="asst3">
+    <dgm:fillClrLst meth="repeat">
+      <a:schemeClr val="accent2"/>
+    </dgm:fillClrLst>
+    <dgm:linClrLst meth="repeat">
+      <a:schemeClr val="lt1"/>
+    </dgm:linClrLst>
+    <dgm:effectClrLst/>
+    <dgm:txLinClrLst/>
+    <dgm:txFillClrLst/>
+    <dgm:txEffectClrLst/>
+  </dgm:styleLbl>
+  <dgm:styleLbl name="asst4">
+    <dgm:fillClrLst meth="repeat">
+      <a:schemeClr val="accent2"/>
+    </dgm:fillClrLst>
+    <dgm:linClrLst meth="repeat">
+      <a:schemeClr val="lt1"/>
+    </dgm:linClrLst>
+    <dgm:effectClrLst/>
+    <dgm:txLinClrLst/>
+    <dgm:txFillClrLst/>
+    <dgm:txEffectClrLst/>
+  </dgm:styleLbl>
+  <dgm:styleLbl name="parChTrans2D1">
+    <dgm:fillClrLst meth="repeat">
+      <a:schemeClr val="accent2">
+        <a:tint val="60000"/>
+      </a:schemeClr>
+    </dgm:fillClrLst>
+    <dgm:linClrLst meth="repeat">
+      <a:schemeClr val="accent2">
+        <a:tint val="60000"/>
+      </a:schemeClr>
     </dgm:linClrLst>
     <dgm:effectClrLst/>
     <dgm:txLinClrLst/>
@@ -364,16 +628,12 @@
     </dgm:txFillClrLst>
     <dgm:txEffectClrLst/>
   </dgm:styleLbl>
-  <dgm:styleLbl name="bgSibTrans2D1">
+  <dgm:styleLbl name="parChTrans2D2">
     <dgm:fillClrLst meth="repeat">
       <a:schemeClr val="accent2"/>
-      <a:schemeClr val="accent3"/>
-      <a:schemeClr val="accent4"/>
-      <a:schemeClr val="accent5"/>
-      <a:schemeClr val="accent6"/>
-    </dgm:fillClrLst>
-    <dgm:linClrLst meth="cycle">
-      <a:schemeClr val="lt1"/>
+    </dgm:fillClrLst>
+    <dgm:linClrLst meth="repeat">
+      <a:schemeClr val="accent2"/>
     </dgm:linClrLst>
     <dgm:effectClrLst/>
     <dgm:txLinClrLst/>
@@ -382,20 +642,42 @@
     </dgm:txFillClrLst>
     <dgm:txEffectClrLst/>
   </dgm:styleLbl>
-  <dgm:styleLbl name="sibTrans1D1">
+  <dgm:styleLbl name="parChTrans2D3">
     <dgm:fillClrLst meth="repeat">
       <a:schemeClr val="accent2"/>
-      <a:schemeClr val="accent3"/>
-      <a:schemeClr val="accent4"/>
-      <a:schemeClr val="accent5"/>
-      <a:schemeClr val="accent6"/>
     </dgm:fillClrLst>
     <dgm:linClrLst meth="repeat">
       <a:schemeClr val="accent2"/>
-      <a:schemeClr val="accent3"/>
-      <a:schemeClr val="accent4"/>
-      <a:schemeClr val="accent5"/>
-      <a:schemeClr val="accent6"/>
+    </dgm:linClrLst>
+    <dgm:effectClrLst/>
+    <dgm:txLinClrLst/>
+    <dgm:txFillClrLst meth="repeat">
+      <a:schemeClr val="lt1"/>
+    </dgm:txFillClrLst>
+    <dgm:txEffectClrLst/>
+  </dgm:styleLbl>
+  <dgm:styleLbl name="parChTrans2D4">
+    <dgm:fillClrLst meth="repeat">
+      <a:schemeClr val="accent2"/>
+    </dgm:fillClrLst>
+    <dgm:linClrLst meth="repeat">
+      <a:schemeClr val="accent2"/>
+    </dgm:linClrLst>
+    <dgm:effectClrLst/>
+    <dgm:txLinClrLst/>
+    <dgm:txFillClrLst meth="repeat">
+      <a:schemeClr val="lt1"/>
+    </dgm:txFillClrLst>
+    <dgm:txEffectClrLst/>
+  </dgm:styleLbl>
+  <dgm:styleLbl name="parChTrans1D1">
+    <dgm:fillClrLst meth="repeat">
+      <a:schemeClr val="accent2"/>
+    </dgm:fillClrLst>
+    <dgm:linClrLst meth="repeat">
+      <a:schemeClr val="accent2">
+        <a:shade val="60000"/>
+      </a:schemeClr>
     </dgm:linClrLst>
     <dgm:effectClrLst/>
     <dgm:txLinClrLst/>
@@ -404,13 +686,13 @@
     </dgm:txFillClrLst>
     <dgm:txEffectClrLst/>
   </dgm:styleLbl>
-  <dgm:styleLbl name="callout">
+  <dgm:styleLbl name="parChTrans1D2">
     <dgm:fillClrLst meth="repeat">
       <a:schemeClr val="accent2"/>
     </dgm:fillClrLst>
     <dgm:linClrLst meth="repeat">
       <a:schemeClr val="accent2">
-        <a:tint val="50000"/>
+        <a:shade val="60000"/>
       </a:schemeClr>
     </dgm:linClrLst>
     <dgm:effectClrLst/>
@@ -420,124 +702,14 @@
     </dgm:txFillClrLst>
     <dgm:txEffectClrLst/>
   </dgm:styleLbl>
-  <dgm:styleLbl name="asst0">
-    <dgm:fillClrLst meth="repeat">
-      <a:schemeClr val="accent1"/>
-    </dgm:fillClrLst>
-    <dgm:linClrLst meth="repeat">
-      <a:schemeClr val="lt1"/>
-    </dgm:linClrLst>
-    <dgm:effectClrLst/>
-    <dgm:txLinClrLst/>
-    <dgm:txFillClrLst/>
-    <dgm:txEffectClrLst/>
-  </dgm:styleLbl>
-  <dgm:styleLbl name="asst1">
+  <dgm:styleLbl name="parChTrans1D3">
     <dgm:fillClrLst meth="repeat">
       <a:schemeClr val="accent2"/>
     </dgm:fillClrLst>
     <dgm:linClrLst meth="repeat">
-      <a:schemeClr val="lt1"/>
-    </dgm:linClrLst>
-    <dgm:effectClrLst/>
-    <dgm:txLinClrLst/>
-    <dgm:txFillClrLst/>
-    <dgm:txEffectClrLst/>
-  </dgm:styleLbl>
-  <dgm:styleLbl name="asst2">
-    <dgm:fillClrLst>
-      <a:schemeClr val="accent3"/>
-    </dgm:fillClrLst>
-    <dgm:linClrLst meth="repeat">
-      <a:schemeClr val="lt1"/>
-    </dgm:linClrLst>
-    <dgm:effectClrLst/>
-    <dgm:txLinClrLst/>
-    <dgm:txFillClrLst/>
-    <dgm:txEffectClrLst/>
-  </dgm:styleLbl>
-  <dgm:styleLbl name="asst3">
-    <dgm:fillClrLst>
-      <a:schemeClr val="accent4"/>
-    </dgm:fillClrLst>
-    <dgm:linClrLst meth="repeat">
-      <a:schemeClr val="lt1"/>
-    </dgm:linClrLst>
-    <dgm:effectClrLst/>
-    <dgm:txLinClrLst/>
-    <dgm:txFillClrLst/>
-    <dgm:txEffectClrLst/>
-  </dgm:styleLbl>
-  <dgm:styleLbl name="asst4">
-    <dgm:fillClrLst>
-      <a:schemeClr val="accent5"/>
-    </dgm:fillClrLst>
-    <dgm:linClrLst meth="repeat">
-      <a:schemeClr val="lt1"/>
-    </dgm:linClrLst>
-    <dgm:effectClrLst/>
-    <dgm:txLinClrLst/>
-    <dgm:txFillClrLst/>
-    <dgm:txEffectClrLst/>
-  </dgm:styleLbl>
-  <dgm:styleLbl name="parChTrans2D1">
-    <dgm:fillClrLst meth="repeat">
-      <a:schemeClr val="accent2"/>
-    </dgm:fillClrLst>
-    <dgm:linClrLst meth="repeat">
-      <a:schemeClr val="lt1"/>
-    </dgm:linClrLst>
-    <dgm:effectClrLst/>
-    <dgm:txLinClrLst/>
-    <dgm:txFillClrLst meth="repeat">
-      <a:schemeClr val="lt1"/>
-    </dgm:txFillClrLst>
-    <dgm:txEffectClrLst/>
-  </dgm:styleLbl>
-  <dgm:styleLbl name="parChTrans2D2">
-    <dgm:fillClrLst meth="repeat">
-      <a:schemeClr val="accent3"/>
-    </dgm:fillClrLst>
-    <dgm:linClrLst meth="repeat">
-      <a:schemeClr val="lt1"/>
-    </dgm:linClrLst>
-    <dgm:effectClrLst/>
-    <dgm:txLinClrLst/>
-    <dgm:txFillClrLst/>
-    <dgm:txEffectClrLst/>
-  </dgm:styleLbl>
-  <dgm:styleLbl name="parChTrans2D3">
-    <dgm:fillClrLst meth="repeat">
-      <a:schemeClr val="accent4"/>
-    </dgm:fillClrLst>
-    <dgm:linClrLst meth="repeat">
-      <a:schemeClr val="lt1"/>
-    </dgm:linClrLst>
-    <dgm:effectClrLst/>
-    <dgm:txLinClrLst/>
-    <dgm:txFillClrLst/>
-    <dgm:txEffectClrLst/>
-  </dgm:styleLbl>
-  <dgm:styleLbl name="parChTrans2D4">
-    <dgm:fillClrLst meth="repeat">
-      <a:schemeClr val="accent5"/>
-    </dgm:fillClrLst>
-    <dgm:linClrLst meth="repeat">
-      <a:schemeClr val="lt1"/>
-    </dgm:linClrLst>
-    <dgm:effectClrLst/>
-    <dgm:txLinClrLst/>
-    <dgm:txFillClrLst meth="repeat">
-      <a:schemeClr val="lt1"/>
-    </dgm:txFillClrLst>
-    <dgm:txEffectClrLst/>
-  </dgm:styleLbl>
-  <dgm:styleLbl name="parChTrans1D1">
-    <dgm:fillClrLst meth="repeat">
-      <a:schemeClr val="accent2"/>
-    </dgm:fillClrLst>
-    <dgm:linClrLst meth="repeat">
-      <a:schemeClr val="accent1"/>
+      <a:schemeClr val="accent2">
+        <a:shade val="80000"/>
+      </a:schemeClr>
     </dgm:linClrLst>
     <dgm:effectClrLst/>
     <dgm:txLinClrLst/>
@@ -546,46 +718,14 @@
     </dgm:txFillClrLst>
     <dgm:txEffectClrLst/>
   </dgm:styleLbl>
-  <dgm:styleLbl name="parChTrans1D2">
-    <dgm:fillClrLst meth="repeat">
-      <a:schemeClr val="accent3">
-        <a:tint val="90000"/>
-      </a:schemeClr>
-    </dgm:fillClrLst>
-    <dgm:linClrLst meth="repeat">
-      <a:schemeClr val="accent2"/>
-    </dgm:linClrLst>
-    <dgm:effectClrLst/>
-    <dgm:txLinClrLst/>
-    <dgm:txFillClrLst meth="repeat">
-      <a:schemeClr val="tx1"/>
-    </dgm:txFillClrLst>
-    <dgm:txEffectClrLst/>
-  </dgm:styleLbl>
-  <dgm:styleLbl name="parChTrans1D3">
-    <dgm:fillClrLst meth="repeat">
-      <a:schemeClr val="accent4">
-        <a:tint val="70000"/>
-      </a:schemeClr>
-    </dgm:fillClrLst>
-    <dgm:linClrLst meth="repeat">
-      <a:schemeClr val="accent3"/>
-    </dgm:linClrLst>
-    <dgm:effectClrLst/>
-    <dgm:txLinClrLst/>
-    <dgm:txFillClrLst meth="repeat">
-      <a:schemeClr val="tx1"/>
-    </dgm:txFillClrLst>
-    <dgm:txEffectClrLst/>
-  </dgm:styleLbl>
   <dgm:styleLbl name="parChTrans1D4">
     <dgm:fillClrLst meth="repeat">
-      <a:schemeClr val="accent5">
-        <a:tint val="50000"/>
-      </a:schemeClr>
-    </dgm:fillClrLst>
-    <dgm:linClrLst meth="repeat">
-      <a:schemeClr val="accent4"/>
+      <a:schemeClr val="accent2"/>
+    </dgm:fillClrLst>
+    <dgm:linClrLst meth="repeat">
+      <a:schemeClr val="accent2">
+        <a:shade val="80000"/>
+      </a:schemeClr>
     </dgm:linClrLst>
     <dgm:effectClrLst/>
     <dgm:txLinClrLst/>
@@ -602,10 +742,6 @@
     </dgm:fillClrLst>
     <dgm:linClrLst meth="repeat">
       <a:schemeClr val="accent2"/>
-      <a:schemeClr val="accent3"/>
-      <a:schemeClr val="accent4"/>
-      <a:schemeClr val="accent5"/>
-      <a:schemeClr val="accent6"/>
     </dgm:linClrLst>
     <dgm:effectClrLst/>
     <dgm:txLinClrLst/>
@@ -622,10 +758,6 @@
     </dgm:fillClrLst>
     <dgm:linClrLst meth="repeat">
       <a:schemeClr val="accent2"/>
-      <a:schemeClr val="accent3"/>
-      <a:schemeClr val="accent4"/>
-      <a:schemeClr val="accent5"/>
-      <a:schemeClr val="accent6"/>
     </dgm:linClrLst>
     <dgm:effectClrLst/>
     <dgm:txLinClrLst/>
@@ -642,10 +774,6 @@
     </dgm:fillClrLst>
     <dgm:linClrLst meth="repeat">
       <a:schemeClr val="accent2"/>
-      <a:schemeClr val="accent3"/>
-      <a:schemeClr val="accent4"/>
-      <a:schemeClr val="accent5"/>
-      <a:schemeClr val="accent6"/>
     </dgm:linClrLst>
     <dgm:effectClrLst/>
     <dgm:txLinClrLst/>
@@ -661,7 +789,7 @@
       </a:schemeClr>
     </dgm:fillClrLst>
     <dgm:linClrLst meth="repeat">
-      <a:schemeClr val="accent1"/>
+      <a:schemeClr val="accent2"/>
     </dgm:linClrLst>
     <dgm:effectClrLst/>
     <dgm:txLinClrLst/>
@@ -678,10 +806,6 @@
     </dgm:fillClrLst>
     <dgm:linClrLst meth="repeat">
       <a:schemeClr val="accent2"/>
-      <a:schemeClr val="accent3"/>
-      <a:schemeClr val="accent4"/>
-      <a:schemeClr val="accent5"/>
-      <a:schemeClr val="accent6"/>
     </dgm:linClrLst>
     <dgm:effectClrLst/>
     <dgm:txLinClrLst/>
@@ -696,10 +820,6 @@
     </dgm:fillClrLst>
     <dgm:linClrLst meth="repeat">
       <a:schemeClr val="accent2"/>
-      <a:schemeClr val="accent3"/>
-      <a:schemeClr val="accent4"/>
-      <a:schemeClr val="accent5"/>
-      <a:schemeClr val="accent6"/>
     </dgm:linClrLst>
     <dgm:effectClrLst/>
     <dgm:txLinClrLst/>
@@ -714,10 +834,6 @@
     </dgm:fillClrLst>
     <dgm:linClrLst meth="repeat">
       <a:schemeClr val="accent2"/>
-      <a:schemeClr val="accent3"/>
-      <a:schemeClr val="accent4"/>
-      <a:schemeClr val="accent5"/>
-      <a:schemeClr val="accent6"/>
     </dgm:linClrLst>
     <dgm:effectClrLst/>
     <dgm:txLinClrLst/>
@@ -732,10 +848,6 @@
     </dgm:fillClrLst>
     <dgm:linClrLst meth="repeat">
       <a:schemeClr val="accent2"/>
-      <a:schemeClr val="accent3"/>
-      <a:schemeClr val="accent4"/>
-      <a:schemeClr val="accent5"/>
-      <a:schemeClr val="accent6"/>
     </dgm:linClrLst>
     <dgm:effectClrLst/>
     <dgm:txLinClrLst/>
@@ -747,46 +859,14 @@
   <dgm:styleLbl name="fgAccFollowNode1">
     <dgm:fillClrLst meth="repeat">
       <a:schemeClr val="accent2">
+        <a:alpha val="90000"/>
         <a:tint val="40000"/>
+      </a:schemeClr>
+    </dgm:fillClrLst>
+    <dgm:linClrLst meth="repeat">
+      <a:schemeClr val="accent2">
         <a:alpha val="90000"/>
-      </a:schemeClr>
-      <a:schemeClr val="accent3">
         <a:tint val="40000"/>
-        <a:alpha val="90000"/>
-      </a:schemeClr>
-      <a:schemeClr val="accent4">
-        <a:tint val="40000"/>
-        <a:alpha val="90000"/>
-      </a:schemeClr>
-      <a:schemeClr val="accent5">
-        <a:tint val="40000"/>
-        <a:alpha val="90000"/>
-      </a:schemeClr>
-      <a:schemeClr val="accent6">
-        <a:tint val="40000"/>
-        <a:alpha val="90000"/>
-      </a:schemeClr>
-    </dgm:fillClrLst>
-    <dgm:linClrLst meth="repeat">
-      <a:schemeClr val="accent2">
-        <a:tint val="40000"/>
-        <a:alpha val="90000"/>
-      </a:schemeClr>
-      <a:schemeClr val="accent3">
-        <a:tint val="40000"/>
-        <a:alpha val="90000"/>
-      </a:schemeClr>
-      <a:schemeClr val="accent4">
-        <a:tint val="40000"/>
-        <a:alpha val="90000"/>
-      </a:schemeClr>
-      <a:schemeClr val="accent5">
-        <a:tint val="40000"/>
-        <a:alpha val="90000"/>
-      </a:schemeClr>
-      <a:schemeClr val="accent6">
-        <a:tint val="40000"/>
-        <a:alpha val="90000"/>
       </a:schemeClr>
     </dgm:linClrLst>
     <dgm:effectClrLst/>
@@ -799,46 +879,14 @@
   <dgm:styleLbl name="alignAccFollowNode1">
     <dgm:fillClrLst meth="repeat">
       <a:schemeClr val="accent2">
+        <a:alpha val="90000"/>
         <a:tint val="40000"/>
+      </a:schemeClr>
+    </dgm:fillClrLst>
+    <dgm:linClrLst meth="repeat">
+      <a:schemeClr val="accent2">
         <a:alpha val="90000"/>
-      </a:schemeClr>
-      <a:schemeClr val="accent3">
         <a:tint val="40000"/>
-        <a:alpha val="90000"/>
-      </a:schemeClr>
-      <a:schemeClr val="accent4">
-        <a:tint val="40000"/>
-        <a:alpha val="90000"/>
-      </a:schemeClr>
-      <a:schemeClr val="accent5">
-        <a:tint val="40000"/>
-        <a:alpha val="90000"/>
-      </a:schemeClr>
-      <a:schemeClr val="accent6">
-        <a:tint val="40000"/>
-        <a:alpha val="90000"/>
-      </a:schemeClr>
-    </dgm:fillClrLst>
-    <dgm:linClrLst meth="repeat">
-      <a:schemeClr val="accent2">
-        <a:tint val="40000"/>
-        <a:alpha val="90000"/>
-      </a:schemeClr>
-      <a:schemeClr val="accent3">
-        <a:tint val="40000"/>
-        <a:alpha val="90000"/>
-      </a:schemeClr>
-      <a:schemeClr val="accent4">
-        <a:tint val="40000"/>
-        <a:alpha val="90000"/>
-      </a:schemeClr>
-      <a:schemeClr val="accent5">
-        <a:tint val="40000"/>
-        <a:alpha val="90000"/>
-      </a:schemeClr>
-      <a:schemeClr val="accent6">
-        <a:tint val="40000"/>
-        <a:alpha val="90000"/>
       </a:schemeClr>
     </dgm:linClrLst>
     <dgm:effectClrLst/>
@@ -851,46 +899,14 @@
   <dgm:styleLbl name="bgAccFollowNode1">
     <dgm:fillClrLst meth="repeat">
       <a:schemeClr val="accent2">
+        <a:alpha val="90000"/>
         <a:tint val="40000"/>
+      </a:schemeClr>
+    </dgm:fillClrLst>
+    <dgm:linClrLst meth="repeat">
+      <a:schemeClr val="accent2">
         <a:alpha val="90000"/>
-      </a:schemeClr>
-      <a:schemeClr val="accent3">
         <a:tint val="40000"/>
-        <a:alpha val="90000"/>
-      </a:schemeClr>
-      <a:schemeClr val="accent4">
-        <a:tint val="40000"/>
-        <a:alpha val="90000"/>
-      </a:schemeClr>
-      <a:schemeClr val="accent5">
-        <a:tint val="40000"/>
-        <a:alpha val="90000"/>
-      </a:schemeClr>
-      <a:schemeClr val="accent6">
-        <a:tint val="40000"/>
-        <a:alpha val="90000"/>
-      </a:schemeClr>
-    </dgm:fillClrLst>
-    <dgm:linClrLst meth="repeat">
-      <a:schemeClr val="accent2">
-        <a:tint val="40000"/>
-        <a:alpha val="90000"/>
-      </a:schemeClr>
-      <a:schemeClr val="accent3">
-        <a:tint val="40000"/>
-        <a:alpha val="90000"/>
-      </a:schemeClr>
-      <a:schemeClr val="accent4">
-        <a:tint val="40000"/>
-        <a:alpha val="90000"/>
-      </a:schemeClr>
-      <a:schemeClr val="accent5">
-        <a:tint val="40000"/>
-        <a:alpha val="90000"/>
-      </a:schemeClr>
-      <a:schemeClr val="accent6">
-        <a:tint val="40000"/>
-        <a:alpha val="90000"/>
       </a:schemeClr>
     </dgm:linClrLst>
     <dgm:effectClrLst/>
@@ -906,8 +922,8 @@
         <a:alpha val="90000"/>
       </a:schemeClr>
     </dgm:fillClrLst>
-    <dgm:linClrLst>
-      <a:schemeClr val="accent1"/>
+    <dgm:linClrLst meth="repeat">
+      <a:schemeClr val="accent2"/>
     </dgm:linClrLst>
     <dgm:effectClrLst/>
     <dgm:txLinClrLst/>
@@ -922,7 +938,7 @@
         <a:alpha val="90000"/>
       </a:schemeClr>
     </dgm:fillClrLst>
-    <dgm:linClrLst>
+    <dgm:linClrLst meth="repeat">
       <a:schemeClr val="accent2"/>
     </dgm:linClrLst>
     <dgm:effectClrLst/>
@@ -938,8 +954,8 @@
         <a:alpha val="90000"/>
       </a:schemeClr>
     </dgm:fillClrLst>
-    <dgm:linClrLst>
-      <a:schemeClr val="accent3"/>
+    <dgm:linClrLst meth="repeat">
+      <a:schemeClr val="accent2"/>
     </dgm:linClrLst>
     <dgm:effectClrLst/>
     <dgm:txLinClrLst/>
@@ -954,8 +970,8 @@
         <a:alpha val="90000"/>
       </a:schemeClr>
     </dgm:fillClrLst>
-    <dgm:linClrLst>
-      <a:schemeClr val="accent4"/>
+    <dgm:linClrLst meth="repeat">
+      <a:schemeClr val="accent2"/>
     </dgm:linClrLst>
     <dgm:effectClrLst/>
     <dgm:txLinClrLst/>
@@ -966,30 +982,28 @@
   </dgm:styleLbl>
   <dgm:styleLbl name="bgShp">
     <dgm:fillClrLst meth="repeat">
+      <a:schemeClr val="accent2">
+        <a:tint val="40000"/>
+      </a:schemeClr>
+    </dgm:fillClrLst>
+    <dgm:linClrLst meth="repeat">
       <a:schemeClr val="accent2"/>
-      <a:schemeClr val="accent3"/>
-      <a:schemeClr val="accent4"/>
-      <a:schemeClr val="accent5"/>
-      <a:schemeClr val="accent6"/>
-    </dgm:fillClrLst>
-    <dgm:linClrLst meth="repeat">
-      <a:schemeClr val="lt1">
-        <a:alpha val="0"/>
-      </a:schemeClr>
-    </dgm:linClrLst>
-    <dgm:effectClrLst/>
-    <dgm:txLinClrLst/>
-    <dgm:txFillClrLst/>
+    </dgm:linClrLst>
+    <dgm:effectClrLst/>
+    <dgm:txLinClrLst/>
+    <dgm:txFillClrLst meth="repeat">
+      <a:schemeClr val="dk1"/>
+    </dgm:txFillClrLst>
     <dgm:txEffectClrLst/>
   </dgm:styleLbl>
   <dgm:styleLbl name="dkBgShp">
     <dgm:fillClrLst meth="repeat">
       <a:schemeClr val="accent2">
-        <a:shade val="90000"/>
-      </a:schemeClr>
-    </dgm:fillClrLst>
-    <dgm:linClrLst meth="repeat">
-      <a:schemeClr val="dk1"/>
+        <a:shade val="80000"/>
+      </a:schemeClr>
+    </dgm:fillClrLst>
+    <dgm:linClrLst meth="repeat">
+      <a:schemeClr val="accent2"/>
     </dgm:linClrLst>
     <dgm:effectClrLst/>
     <dgm:txLinClrLst/>
@@ -1000,7 +1014,7 @@
   </dgm:styleLbl>
   <dgm:styleLbl name="trBgShp">
     <dgm:fillClrLst meth="repeat">
-      <a:schemeClr val="accent1">
+      <a:schemeClr val="accent2">
         <a:tint val="50000"/>
         <a:alpha val="40000"/>
       </a:schemeClr>
@@ -1018,7 +1032,7 @@
   <dgm:styleLbl name="fgShp">
     <dgm:fillClrLst meth="repeat">
       <a:schemeClr val="accent2">
-        <a:tint val="40000"/>
+        <a:tint val="60000"/>
       </a:schemeClr>
     </dgm:fillClrLst>
     <dgm:linClrLst meth="repeat">
@@ -1045,7 +1059,7 @@
     <dgm:effectClrLst/>
     <dgm:txLinClrLst/>
     <dgm:txFillClrLst meth="repeat">
-      <a:schemeClr val="bg1"/>
+      <a:schemeClr val="tx1"/>
     </dgm:txFillClrLst>
     <dgm:txEffectClrLst/>
   </dgm:styleLbl>
@@ -1835,15 +1849,15 @@
 </file>
 
 <file path=ppt/diagrams/colors3.xml><?xml version="1.0" encoding="utf-8"?>
-<dgm:colorsDef xmlns:dgm="http://schemas.openxmlformats.org/drawingml/2006/diagram" xmlns:a="http://schemas.openxmlformats.org/drawingml/2006/main" uniqueId="urn:microsoft.com/office/officeart/2005/8/colors/colorful2">
+<dgm:colorsDef xmlns:dgm="http://schemas.openxmlformats.org/drawingml/2006/diagram" xmlns:a="http://schemas.openxmlformats.org/drawingml/2006/main" uniqueId="urn:microsoft.com/office/officeart/2005/8/colors/accent2_2">
   <dgm:title val=""/>
   <dgm:desc val=""/>
   <dgm:catLst>
-    <dgm:cat type="colorful" pri="10200"/>
+    <dgm:cat type="accent2" pri="11200"/>
   </dgm:catLst>
   <dgm:styleLbl name="node0">
     <dgm:fillClrLst meth="repeat">
-      <a:schemeClr val="accent1"/>
+      <a:schemeClr val="accent2"/>
     </dgm:fillClrLst>
     <dgm:linClrLst meth="repeat">
       <a:schemeClr val="lt1"/>
@@ -1854,9 +1868,8 @@
     <dgm:txEffectClrLst/>
   </dgm:styleLbl>
   <dgm:styleLbl name="node1">
-    <dgm:fillClrLst>
+    <dgm:fillClrLst meth="repeat">
       <a:schemeClr val="accent2"/>
-      <a:schemeClr val="accent3"/>
     </dgm:fillClrLst>
     <dgm:linClrLst meth="repeat">
       <a:schemeClr val="lt1"/>
@@ -1867,13 +1880,11 @@
     <dgm:txEffectClrLst/>
   </dgm:styleLbl>
   <dgm:styleLbl name="alignNode1">
-    <dgm:fillClrLst>
+    <dgm:fillClrLst meth="repeat">
       <a:schemeClr val="accent2"/>
-      <a:schemeClr val="accent3"/>
-    </dgm:fillClrLst>
-    <dgm:linClrLst>
+    </dgm:fillClrLst>
+    <dgm:linClrLst meth="repeat">
       <a:schemeClr val="accent2"/>
-      <a:schemeClr val="accent3"/>
     </dgm:linClrLst>
     <dgm:effectClrLst/>
     <dgm:txLinClrLst/>
@@ -1881,9 +1892,8 @@
     <dgm:txEffectClrLst/>
   </dgm:styleLbl>
   <dgm:styleLbl name="lnNode1">
-    <dgm:fillClrLst>
+    <dgm:fillClrLst meth="repeat">
       <a:schemeClr val="accent2"/>
-      <a:schemeClr val="accent3"/>
     </dgm:fillClrLst>
     <dgm:linClrLst meth="repeat">
       <a:schemeClr val="lt1"/>
@@ -1894,13 +1904,10 @@
     <dgm:txEffectClrLst/>
   </dgm:styleLbl>
   <dgm:styleLbl name="vennNode1">
-    <dgm:fillClrLst>
+    <dgm:fillClrLst meth="repeat">
       <a:schemeClr val="accent2">
         <a:alpha val="50000"/>
       </a:schemeClr>
-      <a:schemeClr val="accent3">
-        <a:alpha val="50000"/>
-      </a:schemeClr>
     </dgm:fillClrLst>
     <dgm:linClrLst meth="repeat">
       <a:schemeClr val="lt1"/>
@@ -1911,8 +1918,8 @@
     <dgm:txEffectClrLst/>
   </dgm:styleLbl>
   <dgm:styleLbl name="node2">
-    <dgm:fillClrLst>
-      <a:schemeClr val="accent3"/>
+    <dgm:fillClrLst meth="repeat">
+      <a:schemeClr val="accent2"/>
     </dgm:fillClrLst>
     <dgm:linClrLst meth="repeat">
       <a:schemeClr val="lt1"/>
@@ -1923,8 +1930,8 @@
     <dgm:txEffectClrLst/>
   </dgm:styleLbl>
   <dgm:styleLbl name="node3">
-    <dgm:fillClrLst>
-      <a:schemeClr val="accent4"/>
+    <dgm:fillClrLst meth="repeat">
+      <a:schemeClr val="accent2"/>
     </dgm:fillClrLst>
     <dgm:linClrLst meth="repeat">
       <a:schemeClr val="lt1"/>
@@ -1935,8 +1942,8 @@
     <dgm:txEffectClrLst/>
   </dgm:styleLbl>
   <dgm:styleLbl name="node4">
-    <dgm:fillClrLst>
-      <a:schemeClr val="accent5"/>
+    <dgm:fillClrLst meth="repeat">
+      <a:schemeClr val="accent2"/>
     </dgm:fillClrLst>
     <dgm:linClrLst meth="repeat">
       <a:schemeClr val="lt1"/>
@@ -1947,11 +1954,8 @@
     <dgm:txEffectClrLst/>
   </dgm:styleLbl>
   <dgm:styleLbl name="fgImgPlace1">
-    <dgm:fillClrLst>
+    <dgm:fillClrLst meth="repeat">
       <a:schemeClr val="accent2">
-        <a:tint val="50000"/>
-      </a:schemeClr>
-      <a:schemeClr val="accent3">
         <a:tint val="50000"/>
       </a:schemeClr>
     </dgm:fillClrLst>
@@ -1966,12 +1970,9 @@
     <dgm:txEffectClrLst/>
   </dgm:styleLbl>
   <dgm:styleLbl name="alignImgPlace1">
-    <dgm:fillClrLst>
+    <dgm:fillClrLst meth="repeat">
       <a:schemeClr val="accent2">
         <a:tint val="50000"/>
-      </a:schemeClr>
-      <a:schemeClr val="accent3">
-        <a:tint val="20000"/>
       </a:schemeClr>
     </dgm:fillClrLst>
     <dgm:linClrLst meth="repeat">
@@ -1985,12 +1986,9 @@
     <dgm:txEffectClrLst/>
   </dgm:styleLbl>
   <dgm:styleLbl name="bgImgPlace1">
-    <dgm:fillClrLst>
+    <dgm:fillClrLst meth="repeat">
       <a:schemeClr val="accent2">
         <a:tint val="50000"/>
-      </a:schemeClr>
-      <a:schemeClr val="accent3">
-        <a:tint val="20000"/>
       </a:schemeClr>
     </dgm:fillClrLst>
     <dgm:linClrLst meth="repeat">
@@ -2004,9 +2002,86 @@
     <dgm:txEffectClrLst/>
   </dgm:styleLbl>
   <dgm:styleLbl name="sibTrans2D1">
-    <dgm:fillClrLst>
+    <dgm:fillClrLst meth="repeat">
+      <a:schemeClr val="accent2">
+        <a:tint val="60000"/>
+      </a:schemeClr>
+    </dgm:fillClrLst>
+    <dgm:linClrLst meth="repeat">
+      <a:schemeClr val="accent2">
+        <a:tint val="60000"/>
+      </a:schemeClr>
+    </dgm:linClrLst>
+    <dgm:effectClrLst/>
+    <dgm:txLinClrLst/>
+    <dgm:txFillClrLst/>
+    <dgm:txEffectClrLst/>
+  </dgm:styleLbl>
+  <dgm:styleLbl name="fgSibTrans2D1">
+    <dgm:fillClrLst meth="repeat">
+      <a:schemeClr val="accent2">
+        <a:tint val="60000"/>
+      </a:schemeClr>
+    </dgm:fillClrLst>
+    <dgm:linClrLst meth="repeat">
+      <a:schemeClr val="accent2">
+        <a:tint val="60000"/>
+      </a:schemeClr>
+    </dgm:linClrLst>
+    <dgm:effectClrLst/>
+    <dgm:txLinClrLst/>
+    <dgm:txFillClrLst/>
+    <dgm:txEffectClrLst/>
+  </dgm:styleLbl>
+  <dgm:styleLbl name="bgSibTrans2D1">
+    <dgm:fillClrLst meth="repeat">
+      <a:schemeClr val="accent2">
+        <a:tint val="60000"/>
+      </a:schemeClr>
+    </dgm:fillClrLst>
+    <dgm:linClrLst meth="repeat">
+      <a:schemeClr val="accent2">
+        <a:tint val="60000"/>
+      </a:schemeClr>
+    </dgm:linClrLst>
+    <dgm:effectClrLst/>
+    <dgm:txLinClrLst/>
+    <dgm:txFillClrLst/>
+    <dgm:txEffectClrLst/>
+  </dgm:styleLbl>
+  <dgm:styleLbl name="sibTrans1D1">
+    <dgm:fillClrLst meth="repeat">
       <a:schemeClr val="accent2"/>
-      <a:schemeClr val="accent3"/>
+    </dgm:fillClrLst>
+    <dgm:linClrLst meth="repeat">
+      <a:schemeClr val="accent2"/>
+    </dgm:linClrLst>
+    <dgm:effectClrLst/>
+    <dgm:txLinClrLst/>
+    <dgm:txFillClrLst meth="repeat">
+      <a:schemeClr val="tx1"/>
+    </dgm:txFillClrLst>
+    <dgm:txEffectClrLst/>
+  </dgm:styleLbl>
+  <dgm:styleLbl name="callout">
+    <dgm:fillClrLst meth="repeat">
+      <a:schemeClr val="accent2"/>
+    </dgm:fillClrLst>
+    <dgm:linClrLst meth="repeat">
+      <a:schemeClr val="accent2">
+        <a:tint val="50000"/>
+      </a:schemeClr>
+    </dgm:linClrLst>
+    <dgm:effectClrLst/>
+    <dgm:txLinClrLst/>
+    <dgm:txFillClrLst meth="repeat">
+      <a:schemeClr val="tx1"/>
+    </dgm:txFillClrLst>
+    <dgm:txEffectClrLst/>
+  </dgm:styleLbl>
+  <dgm:styleLbl name="asst0">
+    <dgm:fillClrLst meth="repeat">
+      <a:schemeClr val="accent2"/>
     </dgm:fillClrLst>
     <dgm:linClrLst meth="repeat">
       <a:schemeClr val="lt1"/>
@@ -2016,13 +2091,64 @@
     <dgm:txFillClrLst/>
     <dgm:txEffectClrLst/>
   </dgm:styleLbl>
-  <dgm:styleLbl name="fgSibTrans2D1">
-    <dgm:fillClrLst>
+  <dgm:styleLbl name="asst1">
+    <dgm:fillClrLst meth="repeat">
       <a:schemeClr val="accent2"/>
-      <a:schemeClr val="accent3"/>
     </dgm:fillClrLst>
     <dgm:linClrLst meth="repeat">
       <a:schemeClr val="lt1"/>
+    </dgm:linClrLst>
+    <dgm:effectClrLst/>
+    <dgm:txLinClrLst/>
+    <dgm:txFillClrLst/>
+    <dgm:txEffectClrLst/>
+  </dgm:styleLbl>
+  <dgm:styleLbl name="asst2">
+    <dgm:fillClrLst meth="repeat">
+      <a:schemeClr val="accent2"/>
+    </dgm:fillClrLst>
+    <dgm:linClrLst meth="repeat">
+      <a:schemeClr val="lt1"/>
+    </dgm:linClrLst>
+    <dgm:effectClrLst/>
+    <dgm:txLinClrLst/>
+    <dgm:txFillClrLst/>
+    <dgm:txEffectClrLst/>
+  </dgm:styleLbl>
+  <dgm:styleLbl name="asst3">
+    <dgm:fillClrLst meth="repeat">
+      <a:schemeClr val="accent2"/>
+    </dgm:fillClrLst>
+    <dgm:linClrLst meth="repeat">
+      <a:schemeClr val="lt1"/>
+    </dgm:linClrLst>
+    <dgm:effectClrLst/>
+    <dgm:txLinClrLst/>
+    <dgm:txFillClrLst/>
+    <dgm:txEffectClrLst/>
+  </dgm:styleLbl>
+  <dgm:styleLbl name="asst4">
+    <dgm:fillClrLst meth="repeat">
+      <a:schemeClr val="accent2"/>
+    </dgm:fillClrLst>
+    <dgm:linClrLst meth="repeat">
+      <a:schemeClr val="lt1"/>
+    </dgm:linClrLst>
+    <dgm:effectClrLst/>
+    <dgm:txLinClrLst/>
+    <dgm:txFillClrLst/>
+    <dgm:txEffectClrLst/>
+  </dgm:styleLbl>
+  <dgm:styleLbl name="parChTrans2D1">
+    <dgm:fillClrLst meth="repeat">
+      <a:schemeClr val="accent2">
+        <a:tint val="60000"/>
+      </a:schemeClr>
+    </dgm:fillClrLst>
+    <dgm:linClrLst meth="repeat">
+      <a:schemeClr val="accent2">
+        <a:tint val="60000"/>
+      </a:schemeClr>
     </dgm:linClrLst>
     <dgm:effectClrLst/>
     <dgm:txLinClrLst/>
@@ -2031,13 +2157,12 @@
     </dgm:txFillClrLst>
     <dgm:txEffectClrLst/>
   </dgm:styleLbl>
-  <dgm:styleLbl name="bgSibTrans2D1">
-    <dgm:fillClrLst>
+  <dgm:styleLbl name="parChTrans2D2">
+    <dgm:fillClrLst meth="repeat">
       <a:schemeClr val="accent2"/>
-      <a:schemeClr val="accent3"/>
-    </dgm:fillClrLst>
-    <dgm:linClrLst meth="repeat">
-      <a:schemeClr val="lt1"/>
+    </dgm:fillClrLst>
+    <dgm:linClrLst meth="repeat">
+      <a:schemeClr val="accent2"/>
     </dgm:linClrLst>
     <dgm:effectClrLst/>
     <dgm:txLinClrLst/>
@@ -2046,11 +2171,42 @@
     </dgm:txFillClrLst>
     <dgm:txEffectClrLst/>
   </dgm:styleLbl>
-  <dgm:styleLbl name="sibTrans1D1">
-    <dgm:fillClrLst/>
-    <dgm:linClrLst>
+  <dgm:styleLbl name="parChTrans2D3">
+    <dgm:fillClrLst meth="repeat">
       <a:schemeClr val="accent2"/>
-      <a:schemeClr val="accent3"/>
+    </dgm:fillClrLst>
+    <dgm:linClrLst meth="repeat">
+      <a:schemeClr val="accent2"/>
+    </dgm:linClrLst>
+    <dgm:effectClrLst/>
+    <dgm:txLinClrLst/>
+    <dgm:txFillClrLst meth="repeat">
+      <a:schemeClr val="lt1"/>
+    </dgm:txFillClrLst>
+    <dgm:txEffectClrLst/>
+  </dgm:styleLbl>
+  <dgm:styleLbl name="parChTrans2D4">
+    <dgm:fillClrLst meth="repeat">
+      <a:schemeClr val="accent2"/>
+    </dgm:fillClrLst>
+    <dgm:linClrLst meth="repeat">
+      <a:schemeClr val="accent2"/>
+    </dgm:linClrLst>
+    <dgm:effectClrLst/>
+    <dgm:txLinClrLst/>
+    <dgm:txFillClrLst meth="repeat">
+      <a:schemeClr val="lt1"/>
+    </dgm:txFillClrLst>
+    <dgm:txEffectClrLst/>
+  </dgm:styleLbl>
+  <dgm:styleLbl name="parChTrans1D1">
+    <dgm:fillClrLst meth="repeat">
+      <a:schemeClr val="accent2"/>
+    </dgm:fillClrLst>
+    <dgm:linClrLst meth="repeat">
+      <a:schemeClr val="accent2">
+        <a:shade val="60000"/>
+      </a:schemeClr>
     </dgm:linClrLst>
     <dgm:effectClrLst/>
     <dgm:txLinClrLst/>
@@ -2059,13 +2215,13 @@
     </dgm:txFillClrLst>
     <dgm:txEffectClrLst/>
   </dgm:styleLbl>
-  <dgm:styleLbl name="callout">
+  <dgm:styleLbl name="parChTrans1D2">
     <dgm:fillClrLst meth="repeat">
       <a:schemeClr val="accent2"/>
     </dgm:fillClrLst>
     <dgm:linClrLst meth="repeat">
       <a:schemeClr val="accent2">
-        <a:tint val="50000"/>
+        <a:shade val="60000"/>
       </a:schemeClr>
     </dgm:linClrLst>
     <dgm:effectClrLst/>
@@ -2075,128 +2231,14 @@
     </dgm:txFillClrLst>
     <dgm:txEffectClrLst/>
   </dgm:styleLbl>
-  <dgm:styleLbl name="asst0">
+  <dgm:styleLbl name="parChTrans1D3">
     <dgm:fillClrLst meth="repeat">
       <a:schemeClr val="accent2"/>
     </dgm:fillClrLst>
     <dgm:linClrLst meth="repeat">
-      <a:schemeClr val="lt1">
+      <a:schemeClr val="accent2">
         <a:shade val="80000"/>
       </a:schemeClr>
-    </dgm:linClrLst>
-    <dgm:effectClrLst/>
-    <dgm:txLinClrLst/>
-    <dgm:txFillClrLst/>
-    <dgm:txEffectClrLst/>
-  </dgm:styleLbl>
-  <dgm:styleLbl name="asst1">
-    <dgm:fillClrLst meth="repeat">
-      <a:schemeClr val="accent3"/>
-    </dgm:fillClrLst>
-    <dgm:linClrLst meth="repeat">
-      <a:schemeClr val="lt1">
-        <a:shade val="80000"/>
-      </a:schemeClr>
-    </dgm:linClrLst>
-    <dgm:effectClrLst/>
-    <dgm:txLinClrLst/>
-    <dgm:txFillClrLst/>
-    <dgm:txEffectClrLst/>
-  </dgm:styleLbl>
-  <dgm:styleLbl name="asst2">
-    <dgm:fillClrLst>
-      <a:schemeClr val="accent4"/>
-    </dgm:fillClrLst>
-    <dgm:linClrLst meth="repeat">
-      <a:schemeClr val="lt1"/>
-    </dgm:linClrLst>
-    <dgm:effectClrLst/>
-    <dgm:txLinClrLst/>
-    <dgm:txFillClrLst/>
-    <dgm:txEffectClrLst/>
-  </dgm:styleLbl>
-  <dgm:styleLbl name="asst3">
-    <dgm:fillClrLst>
-      <a:schemeClr val="accent5"/>
-    </dgm:fillClrLst>
-    <dgm:linClrLst meth="repeat">
-      <a:schemeClr val="lt1"/>
-    </dgm:linClrLst>
-    <dgm:effectClrLst/>
-    <dgm:txLinClrLst/>
-    <dgm:txFillClrLst/>
-    <dgm:txEffectClrLst/>
-  </dgm:styleLbl>
-  <dgm:styleLbl name="asst4">
-    <dgm:fillClrLst>
-      <a:schemeClr val="accent6"/>
-    </dgm:fillClrLst>
-    <dgm:linClrLst meth="repeat">
-      <a:schemeClr val="lt1"/>
-    </dgm:linClrLst>
-    <dgm:effectClrLst/>
-    <dgm:txLinClrLst/>
-    <dgm:txFillClrLst/>
-    <dgm:txEffectClrLst/>
-  </dgm:styleLbl>
-  <dgm:styleLbl name="parChTrans2D1">
-    <dgm:fillClrLst meth="repeat">
-      <a:schemeClr val="accent2"/>
-    </dgm:fillClrLst>
-    <dgm:linClrLst meth="repeat">
-      <a:schemeClr val="lt1"/>
-    </dgm:linClrLst>
-    <dgm:effectClrLst/>
-    <dgm:txLinClrLst/>
-    <dgm:txFillClrLst meth="repeat">
-      <a:schemeClr val="lt1"/>
-    </dgm:txFillClrLst>
-    <dgm:txEffectClrLst/>
-  </dgm:styleLbl>
-  <dgm:styleLbl name="parChTrans2D2">
-    <dgm:fillClrLst meth="repeat">
-      <a:schemeClr val="accent3"/>
-    </dgm:fillClrLst>
-    <dgm:linClrLst meth="repeat">
-      <a:schemeClr val="lt1"/>
-    </dgm:linClrLst>
-    <dgm:effectClrLst/>
-    <dgm:txLinClrLst/>
-    <dgm:txFillClrLst/>
-    <dgm:txEffectClrLst/>
-  </dgm:styleLbl>
-  <dgm:styleLbl name="parChTrans2D3">
-    <dgm:fillClrLst meth="repeat">
-      <a:schemeClr val="accent4"/>
-    </dgm:fillClrLst>
-    <dgm:linClrLst meth="repeat">
-      <a:schemeClr val="lt1"/>
-    </dgm:linClrLst>
-    <dgm:effectClrLst/>
-    <dgm:txLinClrLst/>
-    <dgm:txFillClrLst/>
-    <dgm:txEffectClrLst/>
-  </dgm:styleLbl>
-  <dgm:styleLbl name="parChTrans2D4">
-    <dgm:fillClrLst meth="repeat">
-      <a:schemeClr val="accent5"/>
-    </dgm:fillClrLst>
-    <dgm:linClrLst meth="repeat">
-      <a:schemeClr val="lt1"/>
-    </dgm:linClrLst>
-    <dgm:effectClrLst/>
-    <dgm:txLinClrLst/>
-    <dgm:txFillClrLst meth="repeat">
-      <a:schemeClr val="lt1"/>
-    </dgm:txFillClrLst>
-    <dgm:txEffectClrLst/>
-  </dgm:styleLbl>
-  <dgm:styleLbl name="parChTrans1D1">
-    <dgm:fillClrLst meth="repeat">
-      <a:schemeClr val="accent2"/>
-    </dgm:fillClrLst>
-    <dgm:linClrLst meth="repeat">
-      <a:schemeClr val="accent2"/>
     </dgm:linClrLst>
     <dgm:effectClrLst/>
     <dgm:txLinClrLst/>
@@ -2205,46 +2247,14 @@
     </dgm:txFillClrLst>
     <dgm:txEffectClrLst/>
   </dgm:styleLbl>
-  <dgm:styleLbl name="parChTrans1D2">
-    <dgm:fillClrLst meth="repeat">
-      <a:schemeClr val="accent2">
-        <a:tint val="90000"/>
-      </a:schemeClr>
-    </dgm:fillClrLst>
-    <dgm:linClrLst meth="repeat">
-      <a:schemeClr val="accent3"/>
-    </dgm:linClrLst>
-    <dgm:effectClrLst/>
-    <dgm:txLinClrLst/>
-    <dgm:txFillClrLst meth="repeat">
-      <a:schemeClr val="tx1"/>
-    </dgm:txFillClrLst>
-    <dgm:txEffectClrLst/>
-  </dgm:styleLbl>
-  <dgm:styleLbl name="parChTrans1D3">
-    <dgm:fillClrLst meth="repeat">
-      <a:schemeClr val="accent2">
-        <a:tint val="70000"/>
-      </a:schemeClr>
-    </dgm:fillClrLst>
-    <dgm:linClrLst meth="repeat">
-      <a:schemeClr val="accent4"/>
-    </dgm:linClrLst>
-    <dgm:effectClrLst/>
-    <dgm:txLinClrLst/>
-    <dgm:txFillClrLst meth="repeat">
-      <a:schemeClr val="tx1"/>
-    </dgm:txFillClrLst>
-    <dgm:txEffectClrLst/>
-  </dgm:styleLbl>
   <dgm:styleLbl name="parChTrans1D4">
     <dgm:fillClrLst meth="repeat">
+      <a:schemeClr val="accent2"/>
+    </dgm:fillClrLst>
+    <dgm:linClrLst meth="repeat">
       <a:schemeClr val="accent2">
-        <a:tint val="50000"/>
-      </a:schemeClr>
-    </dgm:fillClrLst>
-    <dgm:linClrLst meth="repeat">
-      <a:schemeClr val="accent5"/>
+        <a:shade val="80000"/>
+      </a:schemeClr>
     </dgm:linClrLst>
     <dgm:effectClrLst/>
     <dgm:txLinClrLst/>
@@ -2259,9 +2269,8 @@
         <a:alpha val="90000"/>
       </a:schemeClr>
     </dgm:fillClrLst>
-    <dgm:linClrLst>
+    <dgm:linClrLst meth="repeat">
       <a:schemeClr val="accent2"/>
-      <a:schemeClr val="accent3"/>
     </dgm:linClrLst>
     <dgm:effectClrLst/>
     <dgm:txLinClrLst/>
@@ -2276,9 +2285,8 @@
         <a:alpha val="90000"/>
       </a:schemeClr>
     </dgm:fillClrLst>
-    <dgm:linClrLst>
+    <dgm:linClrLst meth="repeat">
       <a:schemeClr val="accent2"/>
-      <a:schemeClr val="accent3"/>
     </dgm:linClrLst>
     <dgm:effectClrLst/>
     <dgm:txLinClrLst/>
@@ -2293,9 +2301,8 @@
         <a:alpha val="90000"/>
       </a:schemeClr>
     </dgm:fillClrLst>
-    <dgm:linClrLst>
+    <dgm:linClrLst meth="repeat">
       <a:schemeClr val="accent2"/>
-      <a:schemeClr val="accent3"/>
     </dgm:linClrLst>
     <dgm:effectClrLst/>
     <dgm:txLinClrLst/>
@@ -2326,9 +2333,8 @@
         <a:alpha val="90000"/>
       </a:schemeClr>
     </dgm:fillClrLst>
-    <dgm:linClrLst>
+    <dgm:linClrLst meth="repeat">
       <a:schemeClr val="accent2"/>
-      <a:schemeClr val="accent3"/>
     </dgm:linClrLst>
     <dgm:effectClrLst/>
     <dgm:txLinClrLst/>
@@ -2341,9 +2347,8 @@
     <dgm:fillClrLst meth="repeat">
       <a:schemeClr val="lt1"/>
     </dgm:fillClrLst>
-    <dgm:linClrLst>
+    <dgm:linClrLst meth="repeat">
       <a:schemeClr val="accent2"/>
-      <a:schemeClr val="accent3"/>
     </dgm:linClrLst>
     <dgm:effectClrLst/>
     <dgm:txLinClrLst/>
@@ -2356,9 +2361,8 @@
     <dgm:fillClrLst meth="repeat">
       <a:schemeClr val="lt1"/>
     </dgm:fillClrLst>
-    <dgm:linClrLst>
+    <dgm:linClrLst meth="repeat">
       <a:schemeClr val="accent2"/>
-      <a:schemeClr val="accent3"/>
     </dgm:linClrLst>
     <dgm:effectClrLst/>
     <dgm:txLinClrLst/>
@@ -2371,9 +2375,8 @@
     <dgm:fillClrLst meth="repeat">
       <a:schemeClr val="lt1"/>
     </dgm:fillClrLst>
-    <dgm:linClrLst>
+    <dgm:linClrLst meth="repeat">
       <a:schemeClr val="accent2"/>
-      <a:schemeClr val="accent3"/>
     </dgm:linClrLst>
     <dgm:effectClrLst/>
     <dgm:txLinClrLst/>
@@ -2383,24 +2386,16 @@
     <dgm:txEffectClrLst/>
   </dgm:styleLbl>
   <dgm:styleLbl name="fgAccFollowNode1">
-    <dgm:fillClrLst>
+    <dgm:fillClrLst meth="repeat">
       <a:schemeClr val="accent2">
+        <a:alpha val="90000"/>
         <a:tint val="40000"/>
+      </a:schemeClr>
+    </dgm:fillClrLst>
+    <dgm:linClrLst meth="repeat">
+      <a:schemeClr val="accent2">
         <a:alpha val="90000"/>
-      </a:schemeClr>
-      <a:schemeClr val="accent3">
         <a:tint val="40000"/>
-        <a:alpha val="90000"/>
-      </a:schemeClr>
-    </dgm:fillClrLst>
-    <dgm:linClrLst>
-      <a:schemeClr val="accent2">
-        <a:tint val="40000"/>
-        <a:alpha val="90000"/>
-      </a:schemeClr>
-      <a:schemeClr val="accent3">
-        <a:tint val="40000"/>
-        <a:alpha val="90000"/>
       </a:schemeClr>
     </dgm:linClrLst>
     <dgm:effectClrLst/>
@@ -2411,24 +2406,16 @@
     <dgm:txEffectClrLst/>
   </dgm:styleLbl>
   <dgm:styleLbl name="alignAccFollowNode1">
-    <dgm:fillClrLst>
+    <dgm:fillClrLst meth="repeat">
       <a:schemeClr val="accent2">
+        <a:alpha val="90000"/>
         <a:tint val="40000"/>
+      </a:schemeClr>
+    </dgm:fillClrLst>
+    <dgm:linClrLst meth="repeat">
+      <a:schemeClr val="accent2">
         <a:alpha val="90000"/>
-      </a:schemeClr>
-      <a:schemeClr val="accent3">
         <a:tint val="40000"/>
-        <a:alpha val="90000"/>
-      </a:schemeClr>
-    </dgm:fillClrLst>
-    <dgm:linClrLst>
-      <a:schemeClr val="accent2">
-        <a:tint val="40000"/>
-        <a:alpha val="90000"/>
-      </a:schemeClr>
-      <a:schemeClr val="accent3">
-        <a:tint val="40000"/>
-        <a:alpha val="90000"/>
       </a:schemeClr>
     </dgm:linClrLst>
     <dgm:effectClrLst/>
@@ -2439,24 +2426,16 @@
     <dgm:txEffectClrLst/>
   </dgm:styleLbl>
   <dgm:styleLbl name="bgAccFollowNode1">
-    <dgm:fillClrLst>
+    <dgm:fillClrLst meth="repeat">
       <a:schemeClr val="accent2">
+        <a:alpha val="90000"/>
         <a:tint val="40000"/>
+      </a:schemeClr>
+    </dgm:fillClrLst>
+    <dgm:linClrLst meth="repeat">
+      <a:schemeClr val="accent2">
         <a:alpha val="90000"/>
-      </a:schemeClr>
-      <a:schemeClr val="accent3">
         <a:tint val="40000"/>
-        <a:alpha val="90000"/>
-      </a:schemeClr>
-    </dgm:fillClrLst>
-    <dgm:linClrLst>
-      <a:schemeClr val="accent2">
-        <a:tint val="40000"/>
-        <a:alpha val="90000"/>
-      </a:schemeClr>
-      <a:schemeClr val="accent3">
-        <a:tint val="40000"/>
-        <a:alpha val="90000"/>
       </a:schemeClr>
     </dgm:linClrLst>
     <dgm:effectClrLst/>
@@ -2472,8 +2451,8 @@
         <a:alpha val="90000"/>
       </a:schemeClr>
     </dgm:fillClrLst>
-    <dgm:linClrLst>
-      <a:schemeClr val="accent1"/>
+    <dgm:linClrLst meth="repeat">
+      <a:schemeClr val="accent2"/>
     </dgm:linClrLst>
     <dgm:effectClrLst/>
     <dgm:txLinClrLst/>
@@ -2488,8 +2467,8 @@
         <a:alpha val="90000"/>
       </a:schemeClr>
     </dgm:fillClrLst>
-    <dgm:linClrLst>
-      <a:schemeClr val="accent3"/>
+    <dgm:linClrLst meth="repeat">
+      <a:schemeClr val="accent2"/>
     </dgm:linClrLst>
     <dgm:effectClrLst/>
     <dgm:txLinClrLst/>
@@ -2504,8 +2483,8 @@
         <a:alpha val="90000"/>
       </a:schemeClr>
     </dgm:fillClrLst>
-    <dgm:linClrLst>
-      <a:schemeClr val="accent4"/>
+    <dgm:linClrLst meth="repeat">
+      <a:schemeClr val="accent2"/>
     </dgm:linClrLst>
     <dgm:effectClrLst/>
     <dgm:txLinClrLst/>
@@ -2520,8 +2499,8 @@
         <a:alpha val="90000"/>
       </a:schemeClr>
     </dgm:fillClrLst>
-    <dgm:linClrLst>
-      <a:schemeClr val="accent5"/>
+    <dgm:linClrLst meth="repeat">
+      <a:schemeClr val="accent2"/>
     </dgm:linClrLst>
     <dgm:effectClrLst/>
     <dgm:txLinClrLst/>
@@ -2537,7 +2516,7 @@
       </a:schemeClr>
     </dgm:fillClrLst>
     <dgm:linClrLst meth="repeat">
-      <a:schemeClr val="dk1"/>
+      <a:schemeClr val="accent2"/>
     </dgm:linClrLst>
     <dgm:effectClrLst/>
     <dgm:txLinClrLst/>
@@ -2549,11 +2528,11 @@
   <dgm:styleLbl name="dkBgShp">
     <dgm:fillClrLst meth="repeat">
       <a:schemeClr val="accent2">
-        <a:shade val="90000"/>
-      </a:schemeClr>
-    </dgm:fillClrLst>
-    <dgm:linClrLst meth="repeat">
-      <a:schemeClr val="dk1"/>
+        <a:shade val="80000"/>
+      </a:schemeClr>
+    </dgm:fillClrLst>
+    <dgm:linClrLst meth="repeat">
+      <a:schemeClr val="accent2"/>
     </dgm:linClrLst>
     <dgm:effectClrLst/>
     <dgm:txLinClrLst/>
@@ -2582,7 +2561,7 @@
   <dgm:styleLbl name="fgShp">
     <dgm:fillClrLst meth="repeat">
       <a:schemeClr val="accent2">
-        <a:tint val="40000"/>
+        <a:tint val="60000"/>
       </a:schemeClr>
     </dgm:fillClrLst>
     <dgm:linClrLst meth="repeat">
@@ -6532,7 +6511,7 @@
 <dgm:dataModel xmlns:dgm="http://schemas.openxmlformats.org/drawingml/2006/diagram" xmlns:a="http://schemas.openxmlformats.org/drawingml/2006/main">
   <dgm:ptLst>
     <dgm:pt modelId="{0A4F8E0B-B905-4019-B184-A7250E482426}" type="doc">
-      <dgm:prSet loTypeId="urn:microsoft.com/office/officeart/2018/2/layout/IconVerticalSolidList" loCatId="icon" qsTypeId="urn:microsoft.com/office/officeart/2005/8/quickstyle/simple1" qsCatId="simple" csTypeId="urn:microsoft.com/office/officeart/2018/5/colors/Iconchunking_neutralicontext_colorful1" csCatId="colorful" phldr="1"/>
+      <dgm:prSet loTypeId="urn:microsoft.com/office/officeart/2008/layout/LinedList" loCatId="list" qsTypeId="urn:microsoft.com/office/officeart/2005/8/quickstyle/simple1" qsCatId="simple" csTypeId="urn:microsoft.com/office/officeart/2005/8/colors/accent2_2" csCatId="accent2" phldr="1"/>
       <dgm:spPr/>
       <dgm:t>
         <a:bodyPr/>
@@ -6550,14 +6529,42 @@
         <a:lstStyle/>
         <a:p>
           <a:r>
-            <a:rPr lang="en-US"/>
-            <a:t>Projeto: Sistema para Monitoramento de Presença e Gases Tóxicos/Inflamáveis</a:t>
+            <a:rPr lang="en-US" dirty="0"/>
+            <a:t>Sistema para </a:t>
           </a:r>
           <a:r>
-            <a:rPr lang="pt-BR"/>
+            <a:rPr lang="en-US" dirty="0" err="1"/>
+            <a:t>Monitoramento</a:t>
+          </a:r>
+          <a:r>
+            <a:rPr lang="en-US" dirty="0"/>
+            <a:t> de </a:t>
+          </a:r>
+          <a:r>
+            <a:rPr lang="en-US" dirty="0" err="1"/>
+            <a:t>Presença</a:t>
+          </a:r>
+          <a:r>
+            <a:rPr lang="en-US" dirty="0"/>
+            <a:t> e Gases </a:t>
+          </a:r>
+          <a:r>
+            <a:rPr lang="en-US" dirty="0" err="1"/>
+            <a:t>Tóxicos</a:t>
+          </a:r>
+          <a:r>
+            <a:rPr lang="en-US" dirty="0"/>
+            <a:t>/</a:t>
+          </a:r>
+          <a:r>
+            <a:rPr lang="en-US" dirty="0" err="1"/>
+            <a:t>Inflamáveis</a:t>
+          </a:r>
+          <a:r>
+            <a:rPr lang="pt-BR" dirty="0"/>
             <a:t> – Safe Track</a:t>
           </a:r>
-          <a:endParaRPr lang="en-US"/>
+          <a:endParaRPr lang="en-US" dirty="0"/>
         </a:p>
       </dgm:t>
     </dgm:pt>
@@ -6671,196 +6678,85 @@
         </a:p>
       </dgm:t>
     </dgm:pt>
-    <dgm:pt modelId="{89A6BBBE-4719-4BC5-812F-0B1414749140}" type="pres">
-      <dgm:prSet presAssocID="{0A4F8E0B-B905-4019-B184-A7250E482426}" presName="root" presStyleCnt="0">
+    <dgm:pt modelId="{1627F77A-957E-4963-8E8D-BF13D10CFF66}" type="pres">
+      <dgm:prSet presAssocID="{0A4F8E0B-B905-4019-B184-A7250E482426}" presName="vert0" presStyleCnt="0">
         <dgm:presLayoutVars>
           <dgm:dir/>
-          <dgm:resizeHandles val="exact"/>
+          <dgm:animOne val="branch"/>
+          <dgm:animLvl val="lvl"/>
         </dgm:presLayoutVars>
       </dgm:prSet>
       <dgm:spPr/>
     </dgm:pt>
-    <dgm:pt modelId="{A25E450D-5DF1-4ED5-B028-885B49DDD39A}" type="pres">
-      <dgm:prSet presAssocID="{71A30C27-28A6-415F-B1FB-67136813632E}" presName="compNode" presStyleCnt="0"/>
+    <dgm:pt modelId="{8C0ABC05-9A6C-4CFC-AA80-4705ADCA5B17}" type="pres">
+      <dgm:prSet presAssocID="{71A30C27-28A6-415F-B1FB-67136813632E}" presName="thickLine" presStyleLbl="alignNode1" presStyleIdx="0" presStyleCnt="3"/>
       <dgm:spPr/>
     </dgm:pt>
-    <dgm:pt modelId="{60FE5080-ED70-4A47-940B-E40BFFC6F272}" type="pres">
-      <dgm:prSet presAssocID="{71A30C27-28A6-415F-B1FB-67136813632E}" presName="bgRect" presStyleLbl="bgShp" presStyleIdx="0" presStyleCnt="3"/>
+    <dgm:pt modelId="{3DB873FD-EA40-49C3-BBCA-06313DB8F4E6}" type="pres">
+      <dgm:prSet presAssocID="{71A30C27-28A6-415F-B1FB-67136813632E}" presName="horz1" presStyleCnt="0"/>
       <dgm:spPr/>
     </dgm:pt>
-    <dgm:pt modelId="{E7BE460E-DD9C-4255-8139-D0EEC22B1A16}" type="pres">
-      <dgm:prSet presAssocID="{71A30C27-28A6-415F-B1FB-67136813632E}" presName="iconRect" presStyleLbl="node1" presStyleIdx="0" presStyleCnt="3"/>
-      <dgm:spPr>
-        <a:blipFill>
-          <a:blip xmlns:r="http://schemas.openxmlformats.org/officeDocument/2006/relationships" r:embed="rId1">
-            <a:extLst>
-              <a:ext uri="{28A0092B-C50C-407E-A947-70E740481C1C}">
-                <a14:useLocalDpi xmlns:a14="http://schemas.microsoft.com/office/drawing/2010/main" val="0"/>
-              </a:ext>
-              <a:ext uri="{96DAC541-7B7A-43D3-8B79-37D633B846F1}">
-                <asvg:svgBlip xmlns:asvg="http://schemas.microsoft.com/office/drawing/2016/SVG/main" r:embed="rId2"/>
-              </a:ext>
-            </a:extLst>
-          </a:blip>
-          <a:stretch>
-            <a:fillRect/>
-          </a:stretch>
-        </a:blipFill>
-        <a:ln>
-          <a:noFill/>
-        </a:ln>
-      </dgm:spPr>
-      <dgm:extLst>
-        <a:ext uri="{E40237B7-FDA0-4F09-8148-C483321AD2D9}">
-          <dgm14:cNvPr xmlns:dgm14="http://schemas.microsoft.com/office/drawing/2010/diagram" id="0" name="" descr="Inflamável"/>
-        </a:ext>
-      </dgm:extLst>
-    </dgm:pt>
-    <dgm:pt modelId="{44A2AD55-4AF1-49BD-8DA6-27D7FB7DA67C}" type="pres">
-      <dgm:prSet presAssocID="{71A30C27-28A6-415F-B1FB-67136813632E}" presName="spaceRect" presStyleCnt="0"/>
+    <dgm:pt modelId="{BD11850E-33CB-44AB-A474-3F2570AADA8E}" type="pres">
+      <dgm:prSet presAssocID="{71A30C27-28A6-415F-B1FB-67136813632E}" presName="tx1" presStyleLbl="revTx" presStyleIdx="0" presStyleCnt="3"/>
       <dgm:spPr/>
     </dgm:pt>
-    <dgm:pt modelId="{3625F63A-0422-47AC-B5B0-ACC44FADACF9}" type="pres">
-      <dgm:prSet presAssocID="{71A30C27-28A6-415F-B1FB-67136813632E}" presName="parTx" presStyleLbl="revTx" presStyleIdx="0" presStyleCnt="3">
-        <dgm:presLayoutVars>
-          <dgm:chMax val="0"/>
-          <dgm:chPref val="0"/>
-        </dgm:presLayoutVars>
-      </dgm:prSet>
+    <dgm:pt modelId="{D6279FC9-2A97-4947-9C47-16716ACE2842}" type="pres">
+      <dgm:prSet presAssocID="{71A30C27-28A6-415F-B1FB-67136813632E}" presName="vert1" presStyleCnt="0"/>
       <dgm:spPr/>
     </dgm:pt>
-    <dgm:pt modelId="{08CAB10E-668E-4B3F-997A-FAA8BE061F47}" type="pres">
-      <dgm:prSet presAssocID="{3300C23B-EA3C-405E-AFB5-6777B7B7FFC0}" presName="sibTrans" presStyleCnt="0"/>
+    <dgm:pt modelId="{C359EDBC-6682-4709-A3DC-F78F98C3684A}" type="pres">
+      <dgm:prSet presAssocID="{4A335050-BA1C-475F-BED2-0BA38A0A163A}" presName="thickLine" presStyleLbl="alignNode1" presStyleIdx="1" presStyleCnt="3"/>
       <dgm:spPr/>
     </dgm:pt>
-    <dgm:pt modelId="{8C3032FE-B000-45EA-BA3D-3AAED07B3C36}" type="pres">
-      <dgm:prSet presAssocID="{4A335050-BA1C-475F-BED2-0BA38A0A163A}" presName="compNode" presStyleCnt="0"/>
+    <dgm:pt modelId="{E1D699BE-7C3B-434E-A83F-FA348F20FE1C}" type="pres">
+      <dgm:prSet presAssocID="{4A335050-BA1C-475F-BED2-0BA38A0A163A}" presName="horz1" presStyleCnt="0"/>
       <dgm:spPr/>
     </dgm:pt>
-    <dgm:pt modelId="{EA8F0738-1E0E-4D49-A053-9AD664CB4DB5}" type="pres">
-      <dgm:prSet presAssocID="{4A335050-BA1C-475F-BED2-0BA38A0A163A}" presName="bgRect" presStyleLbl="bgShp" presStyleIdx="1" presStyleCnt="3"/>
+    <dgm:pt modelId="{81E78DD5-DAB6-46E6-BA05-1E1AAB700FF8}" type="pres">
+      <dgm:prSet presAssocID="{4A335050-BA1C-475F-BED2-0BA38A0A163A}" presName="tx1" presStyleLbl="revTx" presStyleIdx="1" presStyleCnt="3"/>
       <dgm:spPr/>
     </dgm:pt>
-    <dgm:pt modelId="{BC3803D1-359D-4E17-AA9B-8AFB59DF71F0}" type="pres">
-      <dgm:prSet presAssocID="{4A335050-BA1C-475F-BED2-0BA38A0A163A}" presName="iconRect" presStyleLbl="node1" presStyleIdx="1" presStyleCnt="3"/>
-      <dgm:spPr>
-        <a:blipFill>
-          <a:blip xmlns:r="http://schemas.openxmlformats.org/officeDocument/2006/relationships" r:embed="rId3">
-            <a:extLst>
-              <a:ext uri="{28A0092B-C50C-407E-A947-70E740481C1C}">
-                <a14:useLocalDpi xmlns:a14="http://schemas.microsoft.com/office/drawing/2010/main" val="0"/>
-              </a:ext>
-              <a:ext uri="{96DAC541-7B7A-43D3-8B79-37D633B846F1}">
-                <asvg:svgBlip xmlns:asvg="http://schemas.microsoft.com/office/drawing/2016/SVG/main" r:embed="rId4"/>
-              </a:ext>
-            </a:extLst>
-          </a:blip>
-          <a:stretch>
-            <a:fillRect/>
-          </a:stretch>
-        </a:blipFill>
-        <a:ln>
-          <a:noFill/>
-        </a:ln>
-      </dgm:spPr>
-      <dgm:extLst>
-        <a:ext uri="{E40237B7-FDA0-4F09-8148-C483321AD2D9}">
-          <dgm14:cNvPr xmlns:dgm14="http://schemas.microsoft.com/office/drawing/2010/diagram" id="0" name="" descr="Adicionar"/>
-        </a:ext>
-      </dgm:extLst>
-    </dgm:pt>
-    <dgm:pt modelId="{6FDDE76F-16BC-4391-ABDB-7D24D9A885D2}" type="pres">
-      <dgm:prSet presAssocID="{4A335050-BA1C-475F-BED2-0BA38A0A163A}" presName="spaceRect" presStyleCnt="0"/>
+    <dgm:pt modelId="{871ACED3-CD39-4EA8-9DB9-5F9228CED1F9}" type="pres">
+      <dgm:prSet presAssocID="{4A335050-BA1C-475F-BED2-0BA38A0A163A}" presName="vert1" presStyleCnt="0"/>
       <dgm:spPr/>
     </dgm:pt>
-    <dgm:pt modelId="{70C2A14A-5E59-48E0-9323-261A993B8E08}" type="pres">
-      <dgm:prSet presAssocID="{4A335050-BA1C-475F-BED2-0BA38A0A163A}" presName="parTx" presStyleLbl="revTx" presStyleIdx="1" presStyleCnt="3">
-        <dgm:presLayoutVars>
-          <dgm:chMax val="0"/>
-          <dgm:chPref val="0"/>
-        </dgm:presLayoutVars>
-      </dgm:prSet>
+    <dgm:pt modelId="{14F625C6-EA7C-49EC-A1FC-B92896B78046}" type="pres">
+      <dgm:prSet presAssocID="{A83B6CF2-2BBC-4A48-9CED-B9C7DEF3EB21}" presName="thickLine" presStyleLbl="alignNode1" presStyleIdx="2" presStyleCnt="3"/>
       <dgm:spPr/>
     </dgm:pt>
-    <dgm:pt modelId="{B178B3C2-61A0-4C4B-BD9B-48720DEE9B5A}" type="pres">
-      <dgm:prSet presAssocID="{93901FE4-CFAF-4357-82A9-F90C8B97E928}" presName="sibTrans" presStyleCnt="0"/>
+    <dgm:pt modelId="{C789AA31-7126-4353-84BA-1FFF6E9F88C3}" type="pres">
+      <dgm:prSet presAssocID="{A83B6CF2-2BBC-4A48-9CED-B9C7DEF3EB21}" presName="horz1" presStyleCnt="0"/>
       <dgm:spPr/>
     </dgm:pt>
-    <dgm:pt modelId="{F5FC9248-13B5-473A-A0D7-3D26643E8A26}" type="pres">
-      <dgm:prSet presAssocID="{A83B6CF2-2BBC-4A48-9CED-B9C7DEF3EB21}" presName="compNode" presStyleCnt="0"/>
+    <dgm:pt modelId="{7615E398-1DD4-4C2D-89BE-1CABDDB5971D}" type="pres">
+      <dgm:prSet presAssocID="{A83B6CF2-2BBC-4A48-9CED-B9C7DEF3EB21}" presName="tx1" presStyleLbl="revTx" presStyleIdx="2" presStyleCnt="3"/>
       <dgm:spPr/>
     </dgm:pt>
-    <dgm:pt modelId="{331B04E2-55AB-4412-9629-15688B37597D}" type="pres">
-      <dgm:prSet presAssocID="{A83B6CF2-2BBC-4A48-9CED-B9C7DEF3EB21}" presName="bgRect" presStyleLbl="bgShp" presStyleIdx="2" presStyleCnt="3"/>
-      <dgm:spPr/>
-    </dgm:pt>
-    <dgm:pt modelId="{EA371313-00FF-4750-8105-F90BF19E9847}" type="pres">
-      <dgm:prSet presAssocID="{A83B6CF2-2BBC-4A48-9CED-B9C7DEF3EB21}" presName="iconRect" presStyleLbl="node1" presStyleIdx="2" presStyleCnt="3"/>
-      <dgm:spPr>
-        <a:blipFill>
-          <a:blip xmlns:r="http://schemas.openxmlformats.org/officeDocument/2006/relationships" r:embed="rId5">
-            <a:extLst>
-              <a:ext uri="{28A0092B-C50C-407E-A947-70E740481C1C}">
-                <a14:useLocalDpi xmlns:a14="http://schemas.microsoft.com/office/drawing/2010/main" val="0"/>
-              </a:ext>
-              <a:ext uri="{96DAC541-7B7A-43D3-8B79-37D633B846F1}">
-                <asvg:svgBlip xmlns:asvg="http://schemas.microsoft.com/office/drawing/2016/SVG/main" r:embed="rId6"/>
-              </a:ext>
-            </a:extLst>
-          </a:blip>
-          <a:stretch>
-            <a:fillRect/>
-          </a:stretch>
-        </a:blipFill>
-        <a:ln>
-          <a:noFill/>
-        </a:ln>
-      </dgm:spPr>
-      <dgm:extLst>
-        <a:ext uri="{E40237B7-FDA0-4F09-8148-C483321AD2D9}">
-          <dgm14:cNvPr xmlns:dgm14="http://schemas.microsoft.com/office/drawing/2010/diagram" id="0" name="" descr="Daily Calendar"/>
-        </a:ext>
-      </dgm:extLst>
-    </dgm:pt>
-    <dgm:pt modelId="{510494EE-9117-44AC-98D4-BD707990161B}" type="pres">
-      <dgm:prSet presAssocID="{A83B6CF2-2BBC-4A48-9CED-B9C7DEF3EB21}" presName="spaceRect" presStyleCnt="0"/>
-      <dgm:spPr/>
-    </dgm:pt>
-    <dgm:pt modelId="{5B408AE9-A9FE-4A7C-BA86-6529B0F6E94C}" type="pres">
-      <dgm:prSet presAssocID="{A83B6CF2-2BBC-4A48-9CED-B9C7DEF3EB21}" presName="parTx" presStyleLbl="revTx" presStyleIdx="2" presStyleCnt="3">
-        <dgm:presLayoutVars>
-          <dgm:chMax val="0"/>
-          <dgm:chPref val="0"/>
-        </dgm:presLayoutVars>
-      </dgm:prSet>
+    <dgm:pt modelId="{A036CAF8-150D-4326-A136-45129E4928C9}" type="pres">
+      <dgm:prSet presAssocID="{A83B6CF2-2BBC-4A48-9CED-B9C7DEF3EB21}" presName="vert1" presStyleCnt="0"/>
       <dgm:spPr/>
     </dgm:pt>
   </dgm:ptLst>
   <dgm:cxnLst>
-    <dgm:cxn modelId="{62B88223-EFE6-49ED-B570-B5034C95FA8C}" type="presOf" srcId="{71A30C27-28A6-415F-B1FB-67136813632E}" destId="{3625F63A-0422-47AC-B5B0-ACC44FADACF9}" srcOrd="0" destOrd="0" presId="urn:microsoft.com/office/officeart/2018/2/layout/IconVerticalSolidList"/>
-    <dgm:cxn modelId="{C214F84A-B728-49C5-BE30-BE605E2D1AE2}" type="presOf" srcId="{0A4F8E0B-B905-4019-B184-A7250E482426}" destId="{89A6BBBE-4719-4BC5-812F-0B1414749140}" srcOrd="0" destOrd="0" presId="urn:microsoft.com/office/officeart/2018/2/layout/IconVerticalSolidList"/>
-    <dgm:cxn modelId="{AAFEB254-7DC4-47CF-8855-DDCEE6B14844}" type="presOf" srcId="{4A335050-BA1C-475F-BED2-0BA38A0A163A}" destId="{70C2A14A-5E59-48E0-9323-261A993B8E08}" srcOrd="0" destOrd="0" presId="urn:microsoft.com/office/officeart/2018/2/layout/IconVerticalSolidList"/>
+    <dgm:cxn modelId="{89074C71-9FCB-4881-8ABC-6CAF4DA8F102}" type="presOf" srcId="{0A4F8E0B-B905-4019-B184-A7250E482426}" destId="{1627F77A-957E-4963-8E8D-BF13D10CFF66}" srcOrd="0" destOrd="0" presId="urn:microsoft.com/office/officeart/2008/layout/LinedList"/>
     <dgm:cxn modelId="{4644028B-0027-4BB5-9187-7FE1670C2C8F}" srcId="{0A4F8E0B-B905-4019-B184-A7250E482426}" destId="{4A335050-BA1C-475F-BED2-0BA38A0A163A}" srcOrd="1" destOrd="0" parTransId="{33D21B3A-DCD8-480C-8A7F-8ACA519A8092}" sibTransId="{93901FE4-CFAF-4357-82A9-F90C8B97E928}"/>
+    <dgm:cxn modelId="{F62B128E-1CD4-49B2-9CA9-659DC6B04E9E}" type="presOf" srcId="{A83B6CF2-2BBC-4A48-9CED-B9C7DEF3EB21}" destId="{7615E398-1DD4-4C2D-89BE-1CABDDB5971D}" srcOrd="0" destOrd="0" presId="urn:microsoft.com/office/officeart/2008/layout/LinedList"/>
+    <dgm:cxn modelId="{8CB9A891-0E92-43E9-A942-1ACC33987818}" type="presOf" srcId="{4A335050-BA1C-475F-BED2-0BA38A0A163A}" destId="{81E78DD5-DAB6-46E6-BA05-1E1AAB700FF8}" srcOrd="0" destOrd="0" presId="urn:microsoft.com/office/officeart/2008/layout/LinedList"/>
     <dgm:cxn modelId="{C9DC97B8-575C-425D-AB79-977A7C80BAD1}" srcId="{0A4F8E0B-B905-4019-B184-A7250E482426}" destId="{71A30C27-28A6-415F-B1FB-67136813632E}" srcOrd="0" destOrd="0" parTransId="{15E6A15F-DD26-4BCA-B071-AF700CC8A048}" sibTransId="{3300C23B-EA3C-405E-AFB5-6777B7B7FFC0}"/>
-    <dgm:cxn modelId="{4FC958CF-2CEF-430D-9C21-DBFD26BADA54}" type="presOf" srcId="{A83B6CF2-2BBC-4A48-9CED-B9C7DEF3EB21}" destId="{5B408AE9-A9FE-4A7C-BA86-6529B0F6E94C}" srcOrd="0" destOrd="0" presId="urn:microsoft.com/office/officeart/2018/2/layout/IconVerticalSolidList"/>
     <dgm:cxn modelId="{6098E9E6-0CBE-45FE-9199-112A33051B0F}" srcId="{0A4F8E0B-B905-4019-B184-A7250E482426}" destId="{A83B6CF2-2BBC-4A48-9CED-B9C7DEF3EB21}" srcOrd="2" destOrd="0" parTransId="{8B618A73-4FD0-4ABC-9D82-5BFF1180174A}" sibTransId="{EC73D671-9F01-4EED-85CA-EDA48984EFCD}"/>
-    <dgm:cxn modelId="{F33A3CEF-9FA1-4FB1-8C87-933E1DF3BE55}" type="presParOf" srcId="{89A6BBBE-4719-4BC5-812F-0B1414749140}" destId="{A25E450D-5DF1-4ED5-B028-885B49DDD39A}" srcOrd="0" destOrd="0" presId="urn:microsoft.com/office/officeart/2018/2/layout/IconVerticalSolidList"/>
-    <dgm:cxn modelId="{8C303E73-8207-411F-8A5A-C21050D93C2B}" type="presParOf" srcId="{A25E450D-5DF1-4ED5-B028-885B49DDD39A}" destId="{60FE5080-ED70-4A47-940B-E40BFFC6F272}" srcOrd="0" destOrd="0" presId="urn:microsoft.com/office/officeart/2018/2/layout/IconVerticalSolidList"/>
-    <dgm:cxn modelId="{5A78C49F-2206-483F-B3B1-F27CBD57D8A3}" type="presParOf" srcId="{A25E450D-5DF1-4ED5-B028-885B49DDD39A}" destId="{E7BE460E-DD9C-4255-8139-D0EEC22B1A16}" srcOrd="1" destOrd="0" presId="urn:microsoft.com/office/officeart/2018/2/layout/IconVerticalSolidList"/>
-    <dgm:cxn modelId="{0E25144E-184C-4F40-BC49-D10B437EEA46}" type="presParOf" srcId="{A25E450D-5DF1-4ED5-B028-885B49DDD39A}" destId="{44A2AD55-4AF1-49BD-8DA6-27D7FB7DA67C}" srcOrd="2" destOrd="0" presId="urn:microsoft.com/office/officeart/2018/2/layout/IconVerticalSolidList"/>
-    <dgm:cxn modelId="{D7A4DE0F-91EA-446C-8262-90BF96E3672F}" type="presParOf" srcId="{A25E450D-5DF1-4ED5-B028-885B49DDD39A}" destId="{3625F63A-0422-47AC-B5B0-ACC44FADACF9}" srcOrd="3" destOrd="0" presId="urn:microsoft.com/office/officeart/2018/2/layout/IconVerticalSolidList"/>
-    <dgm:cxn modelId="{D7E6E886-56FB-4239-A351-9C875B27D6D0}" type="presParOf" srcId="{89A6BBBE-4719-4BC5-812F-0B1414749140}" destId="{08CAB10E-668E-4B3F-997A-FAA8BE061F47}" srcOrd="1" destOrd="0" presId="urn:microsoft.com/office/officeart/2018/2/layout/IconVerticalSolidList"/>
-    <dgm:cxn modelId="{9EA7B024-F1C5-4D18-AA56-ABD7C64B6F81}" type="presParOf" srcId="{89A6BBBE-4719-4BC5-812F-0B1414749140}" destId="{8C3032FE-B000-45EA-BA3D-3AAED07B3C36}" srcOrd="2" destOrd="0" presId="urn:microsoft.com/office/officeart/2018/2/layout/IconVerticalSolidList"/>
-    <dgm:cxn modelId="{3D5B2067-7119-4BE4-B4D9-4F4505B049B2}" type="presParOf" srcId="{8C3032FE-B000-45EA-BA3D-3AAED07B3C36}" destId="{EA8F0738-1E0E-4D49-A053-9AD664CB4DB5}" srcOrd="0" destOrd="0" presId="urn:microsoft.com/office/officeart/2018/2/layout/IconVerticalSolidList"/>
-    <dgm:cxn modelId="{200604D7-4589-4095-BF55-C3DCE7E286AC}" type="presParOf" srcId="{8C3032FE-B000-45EA-BA3D-3AAED07B3C36}" destId="{BC3803D1-359D-4E17-AA9B-8AFB59DF71F0}" srcOrd="1" destOrd="0" presId="urn:microsoft.com/office/officeart/2018/2/layout/IconVerticalSolidList"/>
-    <dgm:cxn modelId="{889CD65A-473F-4A6C-8F73-CCD14C99AAB5}" type="presParOf" srcId="{8C3032FE-B000-45EA-BA3D-3AAED07B3C36}" destId="{6FDDE76F-16BC-4391-ABDB-7D24D9A885D2}" srcOrd="2" destOrd="0" presId="urn:microsoft.com/office/officeart/2018/2/layout/IconVerticalSolidList"/>
-    <dgm:cxn modelId="{9343362B-22F9-4FA0-9999-103BEDCF91FB}" type="presParOf" srcId="{8C3032FE-B000-45EA-BA3D-3AAED07B3C36}" destId="{70C2A14A-5E59-48E0-9323-261A993B8E08}" srcOrd="3" destOrd="0" presId="urn:microsoft.com/office/officeart/2018/2/layout/IconVerticalSolidList"/>
-    <dgm:cxn modelId="{DEA32EF9-F5CA-4DA6-9B1E-AA8D0ED0F0A7}" type="presParOf" srcId="{89A6BBBE-4719-4BC5-812F-0B1414749140}" destId="{B178B3C2-61A0-4C4B-BD9B-48720DEE9B5A}" srcOrd="3" destOrd="0" presId="urn:microsoft.com/office/officeart/2018/2/layout/IconVerticalSolidList"/>
-    <dgm:cxn modelId="{AC95C524-4EFB-4367-A048-C4E5623B12CA}" type="presParOf" srcId="{89A6BBBE-4719-4BC5-812F-0B1414749140}" destId="{F5FC9248-13B5-473A-A0D7-3D26643E8A26}" srcOrd="4" destOrd="0" presId="urn:microsoft.com/office/officeart/2018/2/layout/IconVerticalSolidList"/>
-    <dgm:cxn modelId="{446421B4-26C1-46ED-80B1-0B487F082AFF}" type="presParOf" srcId="{F5FC9248-13B5-473A-A0D7-3D26643E8A26}" destId="{331B04E2-55AB-4412-9629-15688B37597D}" srcOrd="0" destOrd="0" presId="urn:microsoft.com/office/officeart/2018/2/layout/IconVerticalSolidList"/>
-    <dgm:cxn modelId="{AAF1F44D-7174-4EA9-9166-CD2449F7F6A7}" type="presParOf" srcId="{F5FC9248-13B5-473A-A0D7-3D26643E8A26}" destId="{EA371313-00FF-4750-8105-F90BF19E9847}" srcOrd="1" destOrd="0" presId="urn:microsoft.com/office/officeart/2018/2/layout/IconVerticalSolidList"/>
-    <dgm:cxn modelId="{D92F23B3-FE9E-4ED5-8AEE-6C6FEFFB37EE}" type="presParOf" srcId="{F5FC9248-13B5-473A-A0D7-3D26643E8A26}" destId="{510494EE-9117-44AC-98D4-BD707990161B}" srcOrd="2" destOrd="0" presId="urn:microsoft.com/office/officeart/2018/2/layout/IconVerticalSolidList"/>
-    <dgm:cxn modelId="{3B1AB891-7AAD-497D-B112-DCEE2DB8F059}" type="presParOf" srcId="{F5FC9248-13B5-473A-A0D7-3D26643E8A26}" destId="{5B408AE9-A9FE-4A7C-BA86-6529B0F6E94C}" srcOrd="3" destOrd="0" presId="urn:microsoft.com/office/officeart/2018/2/layout/IconVerticalSolidList"/>
+    <dgm:cxn modelId="{C0EE54FD-6FAC-4FE8-B2E5-1E7BDB6A6C8F}" type="presOf" srcId="{71A30C27-28A6-415F-B1FB-67136813632E}" destId="{BD11850E-33CB-44AB-A474-3F2570AADA8E}" srcOrd="0" destOrd="0" presId="urn:microsoft.com/office/officeart/2008/layout/LinedList"/>
+    <dgm:cxn modelId="{846A6CDE-D978-4CE6-A2FD-FD7A72C43A56}" type="presParOf" srcId="{1627F77A-957E-4963-8E8D-BF13D10CFF66}" destId="{8C0ABC05-9A6C-4CFC-AA80-4705ADCA5B17}" srcOrd="0" destOrd="0" presId="urn:microsoft.com/office/officeart/2008/layout/LinedList"/>
+    <dgm:cxn modelId="{2ACC5E0C-D570-49C4-BA62-8B172225A68D}" type="presParOf" srcId="{1627F77A-957E-4963-8E8D-BF13D10CFF66}" destId="{3DB873FD-EA40-49C3-BBCA-06313DB8F4E6}" srcOrd="1" destOrd="0" presId="urn:microsoft.com/office/officeart/2008/layout/LinedList"/>
+    <dgm:cxn modelId="{CA350784-E0A8-4BDA-BD7A-B2F74ECCBBDE}" type="presParOf" srcId="{3DB873FD-EA40-49C3-BBCA-06313DB8F4E6}" destId="{BD11850E-33CB-44AB-A474-3F2570AADA8E}" srcOrd="0" destOrd="0" presId="urn:microsoft.com/office/officeart/2008/layout/LinedList"/>
+    <dgm:cxn modelId="{81C5EC60-F580-4D64-91EF-9CD7BE3D0077}" type="presParOf" srcId="{3DB873FD-EA40-49C3-BBCA-06313DB8F4E6}" destId="{D6279FC9-2A97-4947-9C47-16716ACE2842}" srcOrd="1" destOrd="0" presId="urn:microsoft.com/office/officeart/2008/layout/LinedList"/>
+    <dgm:cxn modelId="{77148941-309C-40A4-90EB-3C48DA49CAAC}" type="presParOf" srcId="{1627F77A-957E-4963-8E8D-BF13D10CFF66}" destId="{C359EDBC-6682-4709-A3DC-F78F98C3684A}" srcOrd="2" destOrd="0" presId="urn:microsoft.com/office/officeart/2008/layout/LinedList"/>
+    <dgm:cxn modelId="{BABEA9EA-C9BA-4639-87BE-A11EFACCF867}" type="presParOf" srcId="{1627F77A-957E-4963-8E8D-BF13D10CFF66}" destId="{E1D699BE-7C3B-434E-A83F-FA348F20FE1C}" srcOrd="3" destOrd="0" presId="urn:microsoft.com/office/officeart/2008/layout/LinedList"/>
+    <dgm:cxn modelId="{2448E339-00BF-48BA-A48E-C89EDF22402A}" type="presParOf" srcId="{E1D699BE-7C3B-434E-A83F-FA348F20FE1C}" destId="{81E78DD5-DAB6-46E6-BA05-1E1AAB700FF8}" srcOrd="0" destOrd="0" presId="urn:microsoft.com/office/officeart/2008/layout/LinedList"/>
+    <dgm:cxn modelId="{0D63E8D5-B745-416F-BD55-D3D00FF1EAE2}" type="presParOf" srcId="{E1D699BE-7C3B-434E-A83F-FA348F20FE1C}" destId="{871ACED3-CD39-4EA8-9DB9-5F9228CED1F9}" srcOrd="1" destOrd="0" presId="urn:microsoft.com/office/officeart/2008/layout/LinedList"/>
+    <dgm:cxn modelId="{08B640E3-04B2-43B8-A0BF-D7FC8D2788DF}" type="presParOf" srcId="{1627F77A-957E-4963-8E8D-BF13D10CFF66}" destId="{14F625C6-EA7C-49EC-A1FC-B92896B78046}" srcOrd="4" destOrd="0" presId="urn:microsoft.com/office/officeart/2008/layout/LinedList"/>
+    <dgm:cxn modelId="{8D113926-12F3-43B8-8AC1-A7C3A9917672}" type="presParOf" srcId="{1627F77A-957E-4963-8E8D-BF13D10CFF66}" destId="{C789AA31-7126-4353-84BA-1FFF6E9F88C3}" srcOrd="5" destOrd="0" presId="urn:microsoft.com/office/officeart/2008/layout/LinedList"/>
+    <dgm:cxn modelId="{7C94ED82-C803-4B20-9742-7ECB76010ADA}" type="presParOf" srcId="{C789AA31-7126-4353-84BA-1FFF6E9F88C3}" destId="{7615E398-1DD4-4C2D-89BE-1CABDDB5971D}" srcOrd="0" destOrd="0" presId="urn:microsoft.com/office/officeart/2008/layout/LinedList"/>
+    <dgm:cxn modelId="{8C940663-70C1-4B73-899B-D98D46E77350}" type="presParOf" srcId="{C789AA31-7126-4353-84BA-1FFF6E9F88C3}" destId="{A036CAF8-150D-4326-A136-45129E4928C9}" srcOrd="1" destOrd="0" presId="urn:microsoft.com/office/officeart/2008/layout/LinedList"/>
   </dgm:cxnLst>
   <dgm:bg/>
   <dgm:whole/>
@@ -7173,7 +7069,7 @@
 <dgm:dataModel xmlns:dgm="http://schemas.openxmlformats.org/drawingml/2006/diagram" xmlns:a="http://schemas.openxmlformats.org/drawingml/2006/main">
   <dgm:ptLst>
     <dgm:pt modelId="{752508F4-F204-42CB-BE79-275F44EF59CE}" type="doc">
-      <dgm:prSet loTypeId="urn:microsoft.com/office/officeart/2005/8/layout/vList2" loCatId="list" qsTypeId="urn:microsoft.com/office/officeart/2005/8/quickstyle/simple1" qsCatId="simple" csTypeId="urn:microsoft.com/office/officeart/2005/8/colors/colorful2" csCatId="colorful"/>
+      <dgm:prSet loTypeId="urn:microsoft.com/office/officeart/2008/layout/LinedList" loCatId="list" qsTypeId="urn:microsoft.com/office/officeart/2005/8/quickstyle/simple1" qsCatId="simple" csTypeId="urn:microsoft.com/office/officeart/2005/8/colors/accent2_2" csCatId="accent2" phldr="1"/>
       <dgm:spPr/>
       <dgm:t>
         <a:bodyPr/>
@@ -7191,9 +7087,10 @@
         <a:lstStyle/>
         <a:p>
           <a:r>
-            <a:rPr lang="en-US"/>
-            <a:t>- Sensor de gases</a:t>
+            <a:rPr lang="pt-PT" dirty="0"/>
+            <a:t>RF-01  O sistema deve conter um sensor para medir o volume de gases tóxicos/inflamáveis presentes no ambiente.</a:t>
           </a:r>
+          <a:endParaRPr lang="en-US" dirty="0"/>
         </a:p>
       </dgm:t>
     </dgm:pt>
@@ -7219,295 +7116,599 @@
         </a:p>
       </dgm:t>
     </dgm:pt>
-    <dgm:pt modelId="{210FF0E5-EAE0-4F61-BF66-B770381C06F7}">
+    <dgm:pt modelId="{61440B69-23C4-4055-A698-9A052369147F}">
       <dgm:prSet/>
       <dgm:spPr/>
       <dgm:t>
         <a:bodyPr/>
         <a:lstStyle/>
         <a:p>
+          <a:pPr>
+            <a:buNone/>
+          </a:pPr>
           <a:r>
-            <a:rPr lang="en-US"/>
-            <a:t>- Sensor de presença</a:t>
+            <a:rPr lang="pt-PT"/>
+            <a:t>RF-02    O sistema deve conter um sensor de presença.</a:t>
           </a:r>
+          <a:endParaRPr lang="pt-BR"/>
         </a:p>
       </dgm:t>
     </dgm:pt>
-    <dgm:pt modelId="{BE3427CD-8CEF-40DD-9CF0-290746BA20D6}" type="parTrans" cxnId="{C9C81FD6-71FB-4156-88E7-F1E915316E49}">
+    <dgm:pt modelId="{87B6A63E-1B56-4FB8-ABFB-1C78647A9AF4}" type="parTrans" cxnId="{EB597B7F-2E2F-4323-8399-5683D8AB60A2}">
       <dgm:prSet/>
       <dgm:spPr/>
       <dgm:t>
         <a:bodyPr/>
         <a:lstStyle/>
         <a:p>
-          <a:endParaRPr lang="en-US"/>
+          <a:endParaRPr lang="pt-BR"/>
         </a:p>
       </dgm:t>
     </dgm:pt>
-    <dgm:pt modelId="{2D2F8948-6B14-4676-991B-D43735F5780D}" type="sibTrans" cxnId="{C9C81FD6-71FB-4156-88E7-F1E915316E49}">
+    <dgm:pt modelId="{BCCBA00A-1458-4105-888B-A1739075D13B}" type="sibTrans" cxnId="{EB597B7F-2E2F-4323-8399-5683D8AB60A2}">
       <dgm:prSet/>
       <dgm:spPr/>
       <dgm:t>
         <a:bodyPr/>
         <a:lstStyle/>
         <a:p>
-          <a:endParaRPr lang="en-US"/>
+          <a:endParaRPr lang="pt-BR"/>
         </a:p>
       </dgm:t>
     </dgm:pt>
-    <dgm:pt modelId="{3E2C1335-2895-431A-8D0B-1FE596FBB0C5}">
+    <dgm:pt modelId="{10211204-4537-4336-89A9-C8081F61B82F}">
       <dgm:prSet/>
       <dgm:spPr/>
       <dgm:t>
         <a:bodyPr/>
         <a:lstStyle/>
         <a:p>
+          <a:pPr>
+            <a:buNone/>
+          </a:pPr>
           <a:r>
-            <a:rPr lang="en-US"/>
-            <a:t>- Envio de dados a cada 1 min</a:t>
+            <a:rPr lang="pt-PT"/>
+            <a:t>RF-03   O sistema deve identificar se foi atingido o nível de 400 ppm de gás.</a:t>
           </a:r>
+          <a:endParaRPr lang="pt-BR"/>
         </a:p>
       </dgm:t>
     </dgm:pt>
-    <dgm:pt modelId="{C093621D-AB74-4016-98FA-07F30F7C9D08}" type="parTrans" cxnId="{35FAE0E2-8447-4D25-B6C5-9C3C457EC527}">
+    <dgm:pt modelId="{05AC3C30-1822-4FB8-8CFD-8ADB741E7C1A}" type="parTrans" cxnId="{C1EF61BE-57F0-4808-8BD4-C0FF38B14948}">
       <dgm:prSet/>
       <dgm:spPr/>
       <dgm:t>
         <a:bodyPr/>
         <a:lstStyle/>
         <a:p>
-          <a:endParaRPr lang="en-US"/>
+          <a:endParaRPr lang="pt-BR"/>
         </a:p>
       </dgm:t>
     </dgm:pt>
-    <dgm:pt modelId="{76919345-6385-4632-B50A-50CB8DDC84F5}" type="sibTrans" cxnId="{35FAE0E2-8447-4D25-B6C5-9C3C457EC527}">
+    <dgm:pt modelId="{C78372CD-CEF2-4579-BEBE-B2EBF3E0BD87}" type="sibTrans" cxnId="{C1EF61BE-57F0-4808-8BD4-C0FF38B14948}">
       <dgm:prSet/>
       <dgm:spPr/>
       <dgm:t>
         <a:bodyPr/>
         <a:lstStyle/>
         <a:p>
-          <a:endParaRPr lang="en-US"/>
+          <a:endParaRPr lang="pt-BR"/>
         </a:p>
       </dgm:t>
     </dgm:pt>
-    <dgm:pt modelId="{57859D26-35BA-45C0-A046-10FA4904839B}">
+    <dgm:pt modelId="{DB23D6AD-05C9-4EC0-8F6D-F9517BA9B3C5}">
       <dgm:prSet/>
       <dgm:spPr/>
       <dgm:t>
         <a:bodyPr/>
         <a:lstStyle/>
         <a:p>
+          <a:pPr>
+            <a:buNone/>
+          </a:pPr>
           <a:r>
-            <a:rPr lang="en-US"/>
-            <a:t>- Memória para 24h</a:t>
+            <a:rPr lang="pt-PT" dirty="0"/>
+            <a:t>RF-04  O sistema deve transmitir dados indicando se há presença de pessoas e ou volume de gás a cada 1 minutos via rede sem fio para servidor IoT.</a:t>
           </a:r>
+          <a:endParaRPr lang="pt-BR" dirty="0"/>
         </a:p>
       </dgm:t>
     </dgm:pt>
-    <dgm:pt modelId="{0C41D064-0FC8-460C-9021-47AE46B30671}" type="parTrans" cxnId="{64484E28-54DD-4310-B3C6-A11F43F1AA51}">
+    <dgm:pt modelId="{BB358BED-12FD-47DE-9CEE-9EA11BAA3948}" type="parTrans" cxnId="{8ABA8484-DC20-4BCF-A94F-AE0D95230BDC}">
       <dgm:prSet/>
       <dgm:spPr/>
       <dgm:t>
         <a:bodyPr/>
         <a:lstStyle/>
         <a:p>
-          <a:endParaRPr lang="en-US"/>
+          <a:endParaRPr lang="pt-BR"/>
         </a:p>
       </dgm:t>
     </dgm:pt>
-    <dgm:pt modelId="{23FC6A75-374A-48E4-8A7F-F3232081EAAC}" type="sibTrans" cxnId="{64484E28-54DD-4310-B3C6-A11F43F1AA51}">
+    <dgm:pt modelId="{4786D3BB-560B-4E41-8A82-E6A0B953DF95}" type="sibTrans" cxnId="{8ABA8484-DC20-4BCF-A94F-AE0D95230BDC}">
       <dgm:prSet/>
       <dgm:spPr/>
       <dgm:t>
         <a:bodyPr/>
         <a:lstStyle/>
         <a:p>
-          <a:endParaRPr lang="en-US"/>
+          <a:endParaRPr lang="pt-BR"/>
         </a:p>
       </dgm:t>
     </dgm:pt>
-    <dgm:pt modelId="{1B3AF8EB-6DA4-460E-A52E-05EEC4C611F4}">
+    <dgm:pt modelId="{67CBE557-2E31-406A-A7D4-518A7BFEE93D}">
       <dgm:prSet/>
       <dgm:spPr/>
       <dgm:t>
         <a:bodyPr/>
         <a:lstStyle/>
         <a:p>
+          <a:pPr>
+            <a:buNone/>
+          </a:pPr>
           <a:r>
-            <a:rPr lang="en-US"/>
-            <a:t>- LED + alarme</a:t>
+            <a:rPr lang="pt-PT" dirty="0"/>
+            <a:t>RF-05   Armazenar localmente até 24h de medições em caso de falha de conexão.</a:t>
           </a:r>
+          <a:endParaRPr lang="pt-BR" dirty="0"/>
         </a:p>
       </dgm:t>
     </dgm:pt>
-    <dgm:pt modelId="{2A979476-CC95-4D85-9D78-6130188BAAA6}" type="parTrans" cxnId="{B27141FA-C8E8-4628-AC55-9B0FF95AE468}">
+    <dgm:pt modelId="{82611553-46B7-4AD3-9C52-57F4F61CFE76}" type="parTrans" cxnId="{E28926BA-247D-49CF-9E05-24A433809503}">
       <dgm:prSet/>
       <dgm:spPr/>
       <dgm:t>
         <a:bodyPr/>
         <a:lstStyle/>
         <a:p>
-          <a:endParaRPr lang="en-US"/>
+          <a:endParaRPr lang="pt-BR"/>
         </a:p>
       </dgm:t>
     </dgm:pt>
-    <dgm:pt modelId="{C15254AE-16ED-463A-AC43-08D7FA9D6D75}" type="sibTrans" cxnId="{B27141FA-C8E8-4628-AC55-9B0FF95AE468}">
+    <dgm:pt modelId="{CACFB764-F2B2-4BA6-8C30-986B729C03F6}" type="sibTrans" cxnId="{E28926BA-247D-49CF-9E05-24A433809503}">
       <dgm:prSet/>
       <dgm:spPr/>
       <dgm:t>
         <a:bodyPr/>
         <a:lstStyle/>
         <a:p>
-          <a:endParaRPr lang="en-US"/>
+          <a:endParaRPr lang="pt-BR"/>
         </a:p>
       </dgm:t>
     </dgm:pt>
-    <dgm:pt modelId="{946F08E9-8E0D-451B-A073-9B539FA8A979}">
+    <dgm:pt modelId="{A2C335CE-4308-4F73-BEBB-A96E55EB216A}">
       <dgm:prSet/>
       <dgm:spPr/>
       <dgm:t>
         <a:bodyPr/>
         <a:lstStyle/>
         <a:p>
+          <a:pPr>
+            <a:buNone/>
+          </a:pPr>
           <a:r>
-            <a:rPr lang="en-US"/>
-            <a:t>- Microcontrolador + rede sem fio</a:t>
+            <a:rPr lang="pt-PT" dirty="0"/>
+            <a:t>RF-06    Verificar se há presença de pessoas no ambiente confinado.</a:t>
           </a:r>
+          <a:endParaRPr lang="pt-BR" dirty="0"/>
         </a:p>
       </dgm:t>
     </dgm:pt>
-    <dgm:pt modelId="{F5D50D0D-F736-4707-A6E1-48BF01790F8D}" type="parTrans" cxnId="{4EF1737C-9CCE-440C-ABA5-703758B447F0}">
+    <dgm:pt modelId="{DDDAE2FB-83F8-4588-977C-6E178E57C203}" type="parTrans" cxnId="{1598F9AC-7835-42AD-AC9E-814702F209A6}">
       <dgm:prSet/>
       <dgm:spPr/>
       <dgm:t>
         <a:bodyPr/>
         <a:lstStyle/>
         <a:p>
-          <a:endParaRPr lang="en-US"/>
+          <a:endParaRPr lang="pt-BR"/>
         </a:p>
       </dgm:t>
     </dgm:pt>
-    <dgm:pt modelId="{E86ACDD8-3133-415E-B1CF-9751789B7448}" type="sibTrans" cxnId="{4EF1737C-9CCE-440C-ABA5-703758B447F0}">
+    <dgm:pt modelId="{CE16CEDE-F17E-4A58-AB4A-2776A2264275}" type="sibTrans" cxnId="{1598F9AC-7835-42AD-AC9E-814702F209A6}">
       <dgm:prSet/>
       <dgm:spPr/>
       <dgm:t>
         <a:bodyPr/>
         <a:lstStyle/>
         <a:p>
-          <a:endParaRPr lang="en-US"/>
+          <a:endParaRPr lang="pt-BR"/>
         </a:p>
       </dgm:t>
     </dgm:pt>
-    <dgm:pt modelId="{A38C079F-8B14-45D5-978D-A83175C9774B}" type="pres">
-      <dgm:prSet presAssocID="{752508F4-F204-42CB-BE79-275F44EF59CE}" presName="linear" presStyleCnt="0">
+    <dgm:pt modelId="{27CAF07B-A5D6-47CE-B303-4DFEFA98F1F3}">
+      <dgm:prSet/>
+      <dgm:spPr/>
+      <dgm:t>
+        <a:bodyPr/>
+        <a:lstStyle/>
+        <a:p>
+          <a:pPr>
+            <a:buNone/>
+          </a:pPr>
+          <a:r>
+            <a:rPr lang="pt-PT" dirty="0"/>
+            <a:t>RF-07  Interface de rede para realizar a comunicação do embarcado com a plataforma IoT.</a:t>
+          </a:r>
+          <a:endParaRPr lang="pt-BR" dirty="0"/>
+        </a:p>
+      </dgm:t>
+    </dgm:pt>
+    <dgm:pt modelId="{E3881F25-3EDD-4969-8AF3-160D650A07E2}" type="parTrans" cxnId="{C000F65E-C612-4AD1-B2AE-53639BC2F3F1}">
+      <dgm:prSet/>
+      <dgm:spPr/>
+      <dgm:t>
+        <a:bodyPr/>
+        <a:lstStyle/>
+        <a:p>
+          <a:endParaRPr lang="pt-BR"/>
+        </a:p>
+      </dgm:t>
+    </dgm:pt>
+    <dgm:pt modelId="{D591A3A2-994C-455A-9F82-9E2A97E355D1}" type="sibTrans" cxnId="{C000F65E-C612-4AD1-B2AE-53639BC2F3F1}">
+      <dgm:prSet/>
+      <dgm:spPr/>
+      <dgm:t>
+        <a:bodyPr/>
+        <a:lstStyle/>
+        <a:p>
+          <a:endParaRPr lang="pt-BR"/>
+        </a:p>
+      </dgm:t>
+    </dgm:pt>
+    <dgm:pt modelId="{04F806EF-F3D3-4C1D-B123-DAF933FC75CB}">
+      <dgm:prSet/>
+      <dgm:spPr/>
+      <dgm:t>
+        <a:bodyPr/>
+        <a:lstStyle/>
+        <a:p>
+          <a:pPr>
+            <a:buNone/>
+          </a:pPr>
+          <a:r>
+            <a:rPr lang="pt-PT"/>
+            <a:t>RF-08	Dispositivo para emitir alarme sonoro caso o sensor de gases detecte mais de 400 ppm e tenha pessoas no ambiente.</a:t>
+          </a:r>
+          <a:endParaRPr lang="pt-BR" dirty="0"/>
+        </a:p>
+      </dgm:t>
+    </dgm:pt>
+    <dgm:pt modelId="{23FA862B-1B8B-45FD-A1C8-8B5943E27887}" type="parTrans" cxnId="{2CC376D4-4243-42FE-9918-41B59155522D}">
+      <dgm:prSet/>
+      <dgm:spPr/>
+      <dgm:t>
+        <a:bodyPr/>
+        <a:lstStyle/>
+        <a:p>
+          <a:endParaRPr lang="pt-BR"/>
+        </a:p>
+      </dgm:t>
+    </dgm:pt>
+    <dgm:pt modelId="{0F7821D9-F8B4-4FA3-8170-05A2B0441405}" type="sibTrans" cxnId="{2CC376D4-4243-42FE-9918-41B59155522D}">
+      <dgm:prSet/>
+      <dgm:spPr/>
+      <dgm:t>
+        <a:bodyPr/>
+        <a:lstStyle/>
+        <a:p>
+          <a:endParaRPr lang="pt-BR"/>
+        </a:p>
+      </dgm:t>
+    </dgm:pt>
+    <dgm:pt modelId="{BA35E8BF-A9AE-4828-8197-FE6690833BD9}">
+      <dgm:prSet/>
+      <dgm:spPr/>
+      <dgm:t>
+        <a:bodyPr/>
+        <a:lstStyle/>
+        <a:p>
+          <a:pPr>
+            <a:buNone/>
+          </a:pPr>
+          <a:r>
+            <a:rPr lang="pt-PT"/>
+            <a:t>RF-09 – Led para indicar caso o sensor de gases detecte mais de 400 ppm e tenha pessoas no ambiente.</a:t>
+          </a:r>
+          <a:endParaRPr lang="pt-BR"/>
+        </a:p>
+      </dgm:t>
+    </dgm:pt>
+    <dgm:pt modelId="{DCA654F6-9064-449F-9731-136FB94BB598}" type="parTrans" cxnId="{E70DA878-D09B-4D08-882D-8700A6E9B5BF}">
+      <dgm:prSet/>
+      <dgm:spPr/>
+      <dgm:t>
+        <a:bodyPr/>
+        <a:lstStyle/>
+        <a:p>
+          <a:endParaRPr lang="pt-BR"/>
+        </a:p>
+      </dgm:t>
+    </dgm:pt>
+    <dgm:pt modelId="{B6DEB0AD-AD94-4546-AA5C-35242BE01632}" type="sibTrans" cxnId="{E70DA878-D09B-4D08-882D-8700A6E9B5BF}">
+      <dgm:prSet/>
+      <dgm:spPr/>
+      <dgm:t>
+        <a:bodyPr/>
+        <a:lstStyle/>
+        <a:p>
+          <a:endParaRPr lang="pt-BR"/>
+        </a:p>
+      </dgm:t>
+    </dgm:pt>
+    <dgm:pt modelId="{20E6D860-4D31-43C0-9ED3-4F611ED14B6B}">
+      <dgm:prSet/>
+      <dgm:spPr/>
+      <dgm:t>
+        <a:bodyPr/>
+        <a:lstStyle/>
+        <a:p>
+          <a:pPr>
+            <a:buNone/>
+          </a:pPr>
+          <a:r>
+            <a:rPr lang="pt-PT"/>
+            <a:t>RF-10 – O sistema deve conter um microcontrolador.</a:t>
+          </a:r>
+          <a:endParaRPr lang="pt-BR"/>
+        </a:p>
+      </dgm:t>
+    </dgm:pt>
+    <dgm:pt modelId="{2D836E69-A180-4C25-BEB5-11866CA0F660}" type="parTrans" cxnId="{F6B7D227-2446-49C9-AD4F-21B1E4B163AA}">
+      <dgm:prSet/>
+      <dgm:spPr/>
+      <dgm:t>
+        <a:bodyPr/>
+        <a:lstStyle/>
+        <a:p>
+          <a:endParaRPr lang="pt-BR"/>
+        </a:p>
+      </dgm:t>
+    </dgm:pt>
+    <dgm:pt modelId="{F98CE2B5-8384-4BEF-A0BF-3B33B407E8F0}" type="sibTrans" cxnId="{F6B7D227-2446-49C9-AD4F-21B1E4B163AA}">
+      <dgm:prSet/>
+      <dgm:spPr/>
+      <dgm:t>
+        <a:bodyPr/>
+        <a:lstStyle/>
+        <a:p>
+          <a:endParaRPr lang="pt-BR"/>
+        </a:p>
+      </dgm:t>
+    </dgm:pt>
+    <dgm:pt modelId="{16A4D7A6-CCC4-46DF-9754-BCDDFF545647}" type="pres">
+      <dgm:prSet presAssocID="{752508F4-F204-42CB-BE79-275F44EF59CE}" presName="vert0" presStyleCnt="0">
         <dgm:presLayoutVars>
+          <dgm:dir/>
+          <dgm:animOne val="branch"/>
           <dgm:animLvl val="lvl"/>
-          <dgm:resizeHandles val="exact"/>
         </dgm:presLayoutVars>
       </dgm:prSet>
       <dgm:spPr/>
     </dgm:pt>
-    <dgm:pt modelId="{1DF80606-7D06-4294-BFE0-8AF88FDCD51A}" type="pres">
-      <dgm:prSet presAssocID="{591CF5CF-8F2D-46F2-A1F0-4676A30D0A74}" presName="parentText" presStyleLbl="node1" presStyleIdx="0" presStyleCnt="6">
-        <dgm:presLayoutVars>
-          <dgm:chMax val="0"/>
-          <dgm:bulletEnabled val="1"/>
-        </dgm:presLayoutVars>
-      </dgm:prSet>
+    <dgm:pt modelId="{7BDDABC9-5858-4C6A-B2F4-1A99FA420370}" type="pres">
+      <dgm:prSet presAssocID="{591CF5CF-8F2D-46F2-A1F0-4676A30D0A74}" presName="thickLine" presStyleLbl="alignNode1" presStyleIdx="0" presStyleCnt="10"/>
       <dgm:spPr/>
     </dgm:pt>
-    <dgm:pt modelId="{43630E9E-823F-4B3F-BCCD-8067E20E13C7}" type="pres">
-      <dgm:prSet presAssocID="{ABEB2F2E-1B81-4B2E-8D34-9A707D266D5C}" presName="spacer" presStyleCnt="0"/>
+    <dgm:pt modelId="{C18AD6C7-E914-427D-AFF7-DDEFE64C3847}" type="pres">
+      <dgm:prSet presAssocID="{591CF5CF-8F2D-46F2-A1F0-4676A30D0A74}" presName="horz1" presStyleCnt="0"/>
       <dgm:spPr/>
     </dgm:pt>
-    <dgm:pt modelId="{4560046C-AA1B-4602-AA23-B165FA96D2E7}" type="pres">
-      <dgm:prSet presAssocID="{210FF0E5-EAE0-4F61-BF66-B770381C06F7}" presName="parentText" presStyleLbl="node1" presStyleIdx="1" presStyleCnt="6">
-        <dgm:presLayoutVars>
-          <dgm:chMax val="0"/>
-          <dgm:bulletEnabled val="1"/>
-        </dgm:presLayoutVars>
-      </dgm:prSet>
+    <dgm:pt modelId="{122689A0-03A3-49EC-B7E3-4260782D3B3F}" type="pres">
+      <dgm:prSet presAssocID="{591CF5CF-8F2D-46F2-A1F0-4676A30D0A74}" presName="tx1" presStyleLbl="revTx" presStyleIdx="0" presStyleCnt="10"/>
       <dgm:spPr/>
     </dgm:pt>
-    <dgm:pt modelId="{CEB8E888-62F5-4742-AD2E-70D2AEA0B552}" type="pres">
-      <dgm:prSet presAssocID="{2D2F8948-6B14-4676-991B-D43735F5780D}" presName="spacer" presStyleCnt="0"/>
+    <dgm:pt modelId="{CDC9A010-4264-4865-B770-DD0476B37140}" type="pres">
+      <dgm:prSet presAssocID="{591CF5CF-8F2D-46F2-A1F0-4676A30D0A74}" presName="vert1" presStyleCnt="0"/>
       <dgm:spPr/>
     </dgm:pt>
-    <dgm:pt modelId="{9A0DAA70-F38F-4494-93FC-6167A73D8D9A}" type="pres">
-      <dgm:prSet presAssocID="{3E2C1335-2895-431A-8D0B-1FE596FBB0C5}" presName="parentText" presStyleLbl="node1" presStyleIdx="2" presStyleCnt="6">
-        <dgm:presLayoutVars>
-          <dgm:chMax val="0"/>
-          <dgm:bulletEnabled val="1"/>
-        </dgm:presLayoutVars>
-      </dgm:prSet>
+    <dgm:pt modelId="{8328EB1E-BD32-405D-9E42-90227A5F0362}" type="pres">
+      <dgm:prSet presAssocID="{61440B69-23C4-4055-A698-9A052369147F}" presName="thickLine" presStyleLbl="alignNode1" presStyleIdx="1" presStyleCnt="10"/>
       <dgm:spPr/>
     </dgm:pt>
-    <dgm:pt modelId="{615FC3D6-3361-4ADC-8B22-34A6420DB45A}" type="pres">
-      <dgm:prSet presAssocID="{76919345-6385-4632-B50A-50CB8DDC84F5}" presName="spacer" presStyleCnt="0"/>
+    <dgm:pt modelId="{070A81E2-4B37-4F05-816A-CF53A51BF176}" type="pres">
+      <dgm:prSet presAssocID="{61440B69-23C4-4055-A698-9A052369147F}" presName="horz1" presStyleCnt="0"/>
       <dgm:spPr/>
     </dgm:pt>
-    <dgm:pt modelId="{5814D466-1F92-42E5-A81A-D69F9E5F145C}" type="pres">
-      <dgm:prSet presAssocID="{57859D26-35BA-45C0-A046-10FA4904839B}" presName="parentText" presStyleLbl="node1" presStyleIdx="3" presStyleCnt="6">
-        <dgm:presLayoutVars>
-          <dgm:chMax val="0"/>
-          <dgm:bulletEnabled val="1"/>
-        </dgm:presLayoutVars>
-      </dgm:prSet>
+    <dgm:pt modelId="{78D3808E-FD8D-436F-8CB5-CF19430654DD}" type="pres">
+      <dgm:prSet presAssocID="{61440B69-23C4-4055-A698-9A052369147F}" presName="tx1" presStyleLbl="revTx" presStyleIdx="1" presStyleCnt="10"/>
       <dgm:spPr/>
     </dgm:pt>
-    <dgm:pt modelId="{07AE23F8-9E90-47BF-9B8C-4709013DB55D}" type="pres">
-      <dgm:prSet presAssocID="{23FC6A75-374A-48E4-8A7F-F3232081EAAC}" presName="spacer" presStyleCnt="0"/>
+    <dgm:pt modelId="{96844083-C722-4B7B-8D9B-2588E5C898F7}" type="pres">
+      <dgm:prSet presAssocID="{61440B69-23C4-4055-A698-9A052369147F}" presName="vert1" presStyleCnt="0"/>
       <dgm:spPr/>
     </dgm:pt>
-    <dgm:pt modelId="{A5968135-11FB-4013-845D-B2B296C05757}" type="pres">
-      <dgm:prSet presAssocID="{1B3AF8EB-6DA4-460E-A52E-05EEC4C611F4}" presName="parentText" presStyleLbl="node1" presStyleIdx="4" presStyleCnt="6">
-        <dgm:presLayoutVars>
-          <dgm:chMax val="0"/>
-          <dgm:bulletEnabled val="1"/>
-        </dgm:presLayoutVars>
-      </dgm:prSet>
+    <dgm:pt modelId="{5C4296B2-2AFE-4690-B089-317E249984A0}" type="pres">
+      <dgm:prSet presAssocID="{10211204-4537-4336-89A9-C8081F61B82F}" presName="thickLine" presStyleLbl="alignNode1" presStyleIdx="2" presStyleCnt="10"/>
       <dgm:spPr/>
     </dgm:pt>
-    <dgm:pt modelId="{EDBA394A-4B1C-4C16-80CA-68DD606D5BDD}" type="pres">
-      <dgm:prSet presAssocID="{C15254AE-16ED-463A-AC43-08D7FA9D6D75}" presName="spacer" presStyleCnt="0"/>
+    <dgm:pt modelId="{94503C25-C699-400D-A865-87A0B7CE38BD}" type="pres">
+      <dgm:prSet presAssocID="{10211204-4537-4336-89A9-C8081F61B82F}" presName="horz1" presStyleCnt="0"/>
       <dgm:spPr/>
     </dgm:pt>
-    <dgm:pt modelId="{4436741A-51F3-49EB-8654-E6278ADECFA6}" type="pres">
-      <dgm:prSet presAssocID="{946F08E9-8E0D-451B-A073-9B539FA8A979}" presName="parentText" presStyleLbl="node1" presStyleIdx="5" presStyleCnt="6">
-        <dgm:presLayoutVars>
-          <dgm:chMax val="0"/>
-          <dgm:bulletEnabled val="1"/>
-        </dgm:presLayoutVars>
-      </dgm:prSet>
+    <dgm:pt modelId="{78E69FB7-9A69-4E26-A3E4-E00CCC9EE426}" type="pres">
+      <dgm:prSet presAssocID="{10211204-4537-4336-89A9-C8081F61B82F}" presName="tx1" presStyleLbl="revTx" presStyleIdx="2" presStyleCnt="10"/>
+      <dgm:spPr/>
+    </dgm:pt>
+    <dgm:pt modelId="{C9D2C65F-90BB-4970-91D1-82D38222803F}" type="pres">
+      <dgm:prSet presAssocID="{10211204-4537-4336-89A9-C8081F61B82F}" presName="vert1" presStyleCnt="0"/>
+      <dgm:spPr/>
+    </dgm:pt>
+    <dgm:pt modelId="{0647D4E7-23C9-46A8-8597-D2678E82975A}" type="pres">
+      <dgm:prSet presAssocID="{DB23D6AD-05C9-4EC0-8F6D-F9517BA9B3C5}" presName="thickLine" presStyleLbl="alignNode1" presStyleIdx="3" presStyleCnt="10"/>
+      <dgm:spPr/>
+    </dgm:pt>
+    <dgm:pt modelId="{CEC670AE-F043-4B48-B702-AF6AF08CE964}" type="pres">
+      <dgm:prSet presAssocID="{DB23D6AD-05C9-4EC0-8F6D-F9517BA9B3C5}" presName="horz1" presStyleCnt="0"/>
+      <dgm:spPr/>
+    </dgm:pt>
+    <dgm:pt modelId="{42C30A3E-28A9-429D-8F60-7271AEA916F8}" type="pres">
+      <dgm:prSet presAssocID="{DB23D6AD-05C9-4EC0-8F6D-F9517BA9B3C5}" presName="tx1" presStyleLbl="revTx" presStyleIdx="3" presStyleCnt="10"/>
+      <dgm:spPr/>
+    </dgm:pt>
+    <dgm:pt modelId="{ECFE16D6-AA83-4B11-ABA8-704588C60666}" type="pres">
+      <dgm:prSet presAssocID="{DB23D6AD-05C9-4EC0-8F6D-F9517BA9B3C5}" presName="vert1" presStyleCnt="0"/>
+      <dgm:spPr/>
+    </dgm:pt>
+    <dgm:pt modelId="{F172999B-CBCF-4E84-AB6C-433C434652B1}" type="pres">
+      <dgm:prSet presAssocID="{67CBE557-2E31-406A-A7D4-518A7BFEE93D}" presName="thickLine" presStyleLbl="alignNode1" presStyleIdx="4" presStyleCnt="10"/>
+      <dgm:spPr/>
+    </dgm:pt>
+    <dgm:pt modelId="{A00D4987-E7E6-412B-944D-C533ADF9F6C8}" type="pres">
+      <dgm:prSet presAssocID="{67CBE557-2E31-406A-A7D4-518A7BFEE93D}" presName="horz1" presStyleCnt="0"/>
+      <dgm:spPr/>
+    </dgm:pt>
+    <dgm:pt modelId="{178F9617-1ECC-4D4B-BDDB-79A31F1D5554}" type="pres">
+      <dgm:prSet presAssocID="{67CBE557-2E31-406A-A7D4-518A7BFEE93D}" presName="tx1" presStyleLbl="revTx" presStyleIdx="4" presStyleCnt="10"/>
+      <dgm:spPr/>
+    </dgm:pt>
+    <dgm:pt modelId="{7AFF3068-AB2B-4F94-A9E5-ADF5F2A7AB78}" type="pres">
+      <dgm:prSet presAssocID="{67CBE557-2E31-406A-A7D4-518A7BFEE93D}" presName="vert1" presStyleCnt="0"/>
+      <dgm:spPr/>
+    </dgm:pt>
+    <dgm:pt modelId="{12207EB9-06CE-4763-B8A6-ACD7843DC888}" type="pres">
+      <dgm:prSet presAssocID="{A2C335CE-4308-4F73-BEBB-A96E55EB216A}" presName="thickLine" presStyleLbl="alignNode1" presStyleIdx="5" presStyleCnt="10"/>
+      <dgm:spPr/>
+    </dgm:pt>
+    <dgm:pt modelId="{A072BD3B-0765-4524-960B-42E355A4CBE5}" type="pres">
+      <dgm:prSet presAssocID="{A2C335CE-4308-4F73-BEBB-A96E55EB216A}" presName="horz1" presStyleCnt="0"/>
+      <dgm:spPr/>
+    </dgm:pt>
+    <dgm:pt modelId="{70F73029-5233-4132-BC01-89EE6C38E8E3}" type="pres">
+      <dgm:prSet presAssocID="{A2C335CE-4308-4F73-BEBB-A96E55EB216A}" presName="tx1" presStyleLbl="revTx" presStyleIdx="5" presStyleCnt="10"/>
+      <dgm:spPr/>
+    </dgm:pt>
+    <dgm:pt modelId="{7B9786E0-7F79-47A7-B7E2-B48DFA3C4133}" type="pres">
+      <dgm:prSet presAssocID="{A2C335CE-4308-4F73-BEBB-A96E55EB216A}" presName="vert1" presStyleCnt="0"/>
+      <dgm:spPr/>
+    </dgm:pt>
+    <dgm:pt modelId="{AC5FC2CB-F7F7-44FC-8FAC-8721A03FF58E}" type="pres">
+      <dgm:prSet presAssocID="{27CAF07B-A5D6-47CE-B303-4DFEFA98F1F3}" presName="thickLine" presStyleLbl="alignNode1" presStyleIdx="6" presStyleCnt="10"/>
+      <dgm:spPr/>
+    </dgm:pt>
+    <dgm:pt modelId="{1D546BFD-1671-4ABD-8857-3D14307AC6C9}" type="pres">
+      <dgm:prSet presAssocID="{27CAF07B-A5D6-47CE-B303-4DFEFA98F1F3}" presName="horz1" presStyleCnt="0"/>
+      <dgm:spPr/>
+    </dgm:pt>
+    <dgm:pt modelId="{57AD1B85-C95B-4A54-BDB6-6C6A755C4AE8}" type="pres">
+      <dgm:prSet presAssocID="{27CAF07B-A5D6-47CE-B303-4DFEFA98F1F3}" presName="tx1" presStyleLbl="revTx" presStyleIdx="6" presStyleCnt="10"/>
+      <dgm:spPr/>
+    </dgm:pt>
+    <dgm:pt modelId="{9E54FF9A-496C-42F4-A81C-1C67F0EB3B58}" type="pres">
+      <dgm:prSet presAssocID="{27CAF07B-A5D6-47CE-B303-4DFEFA98F1F3}" presName="vert1" presStyleCnt="0"/>
+      <dgm:spPr/>
+    </dgm:pt>
+    <dgm:pt modelId="{D165BDD2-B9AA-4253-BF88-59304FC695C4}" type="pres">
+      <dgm:prSet presAssocID="{04F806EF-F3D3-4C1D-B123-DAF933FC75CB}" presName="thickLine" presStyleLbl="alignNode1" presStyleIdx="7" presStyleCnt="10"/>
+      <dgm:spPr/>
+    </dgm:pt>
+    <dgm:pt modelId="{CCC427EF-4B8C-4D7A-BBAF-59B32640FD31}" type="pres">
+      <dgm:prSet presAssocID="{04F806EF-F3D3-4C1D-B123-DAF933FC75CB}" presName="horz1" presStyleCnt="0"/>
+      <dgm:spPr/>
+    </dgm:pt>
+    <dgm:pt modelId="{51BACDAA-6B5D-49DE-8C86-DBB71516C7A9}" type="pres">
+      <dgm:prSet presAssocID="{04F806EF-F3D3-4C1D-B123-DAF933FC75CB}" presName="tx1" presStyleLbl="revTx" presStyleIdx="7" presStyleCnt="10"/>
+      <dgm:spPr/>
+    </dgm:pt>
+    <dgm:pt modelId="{0D2041F3-416E-444D-9C32-2FFC891BF0D6}" type="pres">
+      <dgm:prSet presAssocID="{04F806EF-F3D3-4C1D-B123-DAF933FC75CB}" presName="vert1" presStyleCnt="0"/>
+      <dgm:spPr/>
+    </dgm:pt>
+    <dgm:pt modelId="{CF70A836-1006-4207-93C8-D8E9AF7B95B5}" type="pres">
+      <dgm:prSet presAssocID="{BA35E8BF-A9AE-4828-8197-FE6690833BD9}" presName="thickLine" presStyleLbl="alignNode1" presStyleIdx="8" presStyleCnt="10"/>
+      <dgm:spPr/>
+    </dgm:pt>
+    <dgm:pt modelId="{C8D33100-68EE-4443-85AA-754F79D88173}" type="pres">
+      <dgm:prSet presAssocID="{BA35E8BF-A9AE-4828-8197-FE6690833BD9}" presName="horz1" presStyleCnt="0"/>
+      <dgm:spPr/>
+    </dgm:pt>
+    <dgm:pt modelId="{2B70572E-A80C-4C91-A76B-F346B86FC0FA}" type="pres">
+      <dgm:prSet presAssocID="{BA35E8BF-A9AE-4828-8197-FE6690833BD9}" presName="tx1" presStyleLbl="revTx" presStyleIdx="8" presStyleCnt="10"/>
+      <dgm:spPr/>
+    </dgm:pt>
+    <dgm:pt modelId="{3CE86FD5-83C0-455C-8DAF-6D21954C757C}" type="pres">
+      <dgm:prSet presAssocID="{BA35E8BF-A9AE-4828-8197-FE6690833BD9}" presName="vert1" presStyleCnt="0"/>
+      <dgm:spPr/>
+    </dgm:pt>
+    <dgm:pt modelId="{D205C6B0-0CC1-4C18-A70F-B947AF177780}" type="pres">
+      <dgm:prSet presAssocID="{20E6D860-4D31-43C0-9ED3-4F611ED14B6B}" presName="thickLine" presStyleLbl="alignNode1" presStyleIdx="9" presStyleCnt="10"/>
+      <dgm:spPr/>
+    </dgm:pt>
+    <dgm:pt modelId="{A2D9B952-B13B-4251-8DE8-6DB5DAAFE9CE}" type="pres">
+      <dgm:prSet presAssocID="{20E6D860-4D31-43C0-9ED3-4F611ED14B6B}" presName="horz1" presStyleCnt="0"/>
+      <dgm:spPr/>
+    </dgm:pt>
+    <dgm:pt modelId="{B561691F-AC23-4673-8E3B-429A97BBB31D}" type="pres">
+      <dgm:prSet presAssocID="{20E6D860-4D31-43C0-9ED3-4F611ED14B6B}" presName="tx1" presStyleLbl="revTx" presStyleIdx="9" presStyleCnt="10"/>
+      <dgm:spPr/>
+    </dgm:pt>
+    <dgm:pt modelId="{B9B7F02B-51BC-440A-B425-74B652417887}" type="pres">
+      <dgm:prSet presAssocID="{20E6D860-4D31-43C0-9ED3-4F611ED14B6B}" presName="vert1" presStyleCnt="0"/>
       <dgm:spPr/>
     </dgm:pt>
   </dgm:ptLst>
   <dgm:cxnLst>
+    <dgm:cxn modelId="{09F56A03-963D-4532-9B0B-27C274D8484C}" type="presOf" srcId="{27CAF07B-A5D6-47CE-B303-4DFEFA98F1F3}" destId="{57AD1B85-C95B-4A54-BDB6-6C6A755C4AE8}" srcOrd="0" destOrd="0" presId="urn:microsoft.com/office/officeart/2008/layout/LinedList"/>
+    <dgm:cxn modelId="{4373460A-D674-4C75-A7CE-F862EA9E1223}" type="presOf" srcId="{20E6D860-4D31-43C0-9ED3-4F611ED14B6B}" destId="{B561691F-AC23-4673-8E3B-429A97BBB31D}" srcOrd="0" destOrd="0" presId="urn:microsoft.com/office/officeart/2008/layout/LinedList"/>
     <dgm:cxn modelId="{23901011-15CC-483E-88F1-960554859EE3}" srcId="{752508F4-F204-42CB-BE79-275F44EF59CE}" destId="{591CF5CF-8F2D-46F2-A1F0-4676A30D0A74}" srcOrd="0" destOrd="0" parTransId="{850EC5A8-9A55-4E46-9BD7-793F7EE75E06}" sibTransId="{ABEB2F2E-1B81-4B2E-8D34-9A707D266D5C}"/>
-    <dgm:cxn modelId="{846EBE14-85EC-4D76-A2FA-B411F53323E0}" type="presOf" srcId="{591CF5CF-8F2D-46F2-A1F0-4676A30D0A74}" destId="{1DF80606-7D06-4294-BFE0-8AF88FDCD51A}" srcOrd="0" destOrd="0" presId="urn:microsoft.com/office/officeart/2005/8/layout/vList2"/>
-    <dgm:cxn modelId="{64484E28-54DD-4310-B3C6-A11F43F1AA51}" srcId="{752508F4-F204-42CB-BE79-275F44EF59CE}" destId="{57859D26-35BA-45C0-A046-10FA4904839B}" srcOrd="3" destOrd="0" parTransId="{0C41D064-0FC8-460C-9021-47AE46B30671}" sibTransId="{23FC6A75-374A-48E4-8A7F-F3232081EAAC}"/>
-    <dgm:cxn modelId="{454A4E74-D8CF-4DB5-B383-526C24879702}" type="presOf" srcId="{752508F4-F204-42CB-BE79-275F44EF59CE}" destId="{A38C079F-8B14-45D5-978D-A83175C9774B}" srcOrd="0" destOrd="0" presId="urn:microsoft.com/office/officeart/2005/8/layout/vList2"/>
-    <dgm:cxn modelId="{7B97CD56-F6B5-4ED7-AB40-220748CADFF9}" type="presOf" srcId="{57859D26-35BA-45C0-A046-10FA4904839B}" destId="{5814D466-1F92-42E5-A81A-D69F9E5F145C}" srcOrd="0" destOrd="0" presId="urn:microsoft.com/office/officeart/2005/8/layout/vList2"/>
-    <dgm:cxn modelId="{4EF1737C-9CCE-440C-ABA5-703758B447F0}" srcId="{752508F4-F204-42CB-BE79-275F44EF59CE}" destId="{946F08E9-8E0D-451B-A073-9B539FA8A979}" srcOrd="5" destOrd="0" parTransId="{F5D50D0D-F736-4707-A6E1-48BF01790F8D}" sibTransId="{E86ACDD8-3133-415E-B1CF-9751789B7448}"/>
-    <dgm:cxn modelId="{37D0BE83-5173-4056-9B08-8E66F93282C3}" type="presOf" srcId="{3E2C1335-2895-431A-8D0B-1FE596FBB0C5}" destId="{9A0DAA70-F38F-4494-93FC-6167A73D8D9A}" srcOrd="0" destOrd="0" presId="urn:microsoft.com/office/officeart/2005/8/layout/vList2"/>
-    <dgm:cxn modelId="{D59E658D-B7FE-4589-80DF-4614C7F34F68}" type="presOf" srcId="{1B3AF8EB-6DA4-460E-A52E-05EEC4C611F4}" destId="{A5968135-11FB-4013-845D-B2B296C05757}" srcOrd="0" destOrd="0" presId="urn:microsoft.com/office/officeart/2005/8/layout/vList2"/>
-    <dgm:cxn modelId="{5E4C29BA-C1A7-4D0C-A48D-A370D90F3038}" type="presOf" srcId="{946F08E9-8E0D-451B-A073-9B539FA8A979}" destId="{4436741A-51F3-49EB-8654-E6278ADECFA6}" srcOrd="0" destOrd="0" presId="urn:microsoft.com/office/officeart/2005/8/layout/vList2"/>
-    <dgm:cxn modelId="{41414FD0-7026-496E-9AD4-32864C36CCC2}" type="presOf" srcId="{210FF0E5-EAE0-4F61-BF66-B770381C06F7}" destId="{4560046C-AA1B-4602-AA23-B165FA96D2E7}" srcOrd="0" destOrd="0" presId="urn:microsoft.com/office/officeart/2005/8/layout/vList2"/>
-    <dgm:cxn modelId="{C9C81FD6-71FB-4156-88E7-F1E915316E49}" srcId="{752508F4-F204-42CB-BE79-275F44EF59CE}" destId="{210FF0E5-EAE0-4F61-BF66-B770381C06F7}" srcOrd="1" destOrd="0" parTransId="{BE3427CD-8CEF-40DD-9CF0-290746BA20D6}" sibTransId="{2D2F8948-6B14-4676-991B-D43735F5780D}"/>
-    <dgm:cxn modelId="{35FAE0E2-8447-4D25-B6C5-9C3C457EC527}" srcId="{752508F4-F204-42CB-BE79-275F44EF59CE}" destId="{3E2C1335-2895-431A-8D0B-1FE596FBB0C5}" srcOrd="2" destOrd="0" parTransId="{C093621D-AB74-4016-98FA-07F30F7C9D08}" sibTransId="{76919345-6385-4632-B50A-50CB8DDC84F5}"/>
-    <dgm:cxn modelId="{B27141FA-C8E8-4628-AC55-9B0FF95AE468}" srcId="{752508F4-F204-42CB-BE79-275F44EF59CE}" destId="{1B3AF8EB-6DA4-460E-A52E-05EEC4C611F4}" srcOrd="4" destOrd="0" parTransId="{2A979476-CC95-4D85-9D78-6130188BAAA6}" sibTransId="{C15254AE-16ED-463A-AC43-08D7FA9D6D75}"/>
-    <dgm:cxn modelId="{5E131B1A-9CC8-48EE-9823-67B863C50D36}" type="presParOf" srcId="{A38C079F-8B14-45D5-978D-A83175C9774B}" destId="{1DF80606-7D06-4294-BFE0-8AF88FDCD51A}" srcOrd="0" destOrd="0" presId="urn:microsoft.com/office/officeart/2005/8/layout/vList2"/>
-    <dgm:cxn modelId="{282D80D4-2A3F-4FA3-89FD-931EABC14FB7}" type="presParOf" srcId="{A38C079F-8B14-45D5-978D-A83175C9774B}" destId="{43630E9E-823F-4B3F-BCCD-8067E20E13C7}" srcOrd="1" destOrd="0" presId="urn:microsoft.com/office/officeart/2005/8/layout/vList2"/>
-    <dgm:cxn modelId="{67DB6DD5-979F-48A3-ACCE-149E3D0C490D}" type="presParOf" srcId="{A38C079F-8B14-45D5-978D-A83175C9774B}" destId="{4560046C-AA1B-4602-AA23-B165FA96D2E7}" srcOrd="2" destOrd="0" presId="urn:microsoft.com/office/officeart/2005/8/layout/vList2"/>
-    <dgm:cxn modelId="{1BFA4A86-4917-44E9-9191-BAB28A89A2FD}" type="presParOf" srcId="{A38C079F-8B14-45D5-978D-A83175C9774B}" destId="{CEB8E888-62F5-4742-AD2E-70D2AEA0B552}" srcOrd="3" destOrd="0" presId="urn:microsoft.com/office/officeart/2005/8/layout/vList2"/>
-    <dgm:cxn modelId="{B6FEFD3A-366E-40A1-8BEA-4A075F12236D}" type="presParOf" srcId="{A38C079F-8B14-45D5-978D-A83175C9774B}" destId="{9A0DAA70-F38F-4494-93FC-6167A73D8D9A}" srcOrd="4" destOrd="0" presId="urn:microsoft.com/office/officeart/2005/8/layout/vList2"/>
-    <dgm:cxn modelId="{2B0C2E3C-8564-4B35-987A-AF2260B99F4F}" type="presParOf" srcId="{A38C079F-8B14-45D5-978D-A83175C9774B}" destId="{615FC3D6-3361-4ADC-8B22-34A6420DB45A}" srcOrd="5" destOrd="0" presId="urn:microsoft.com/office/officeart/2005/8/layout/vList2"/>
-    <dgm:cxn modelId="{B975E651-9F0D-4A20-BFF8-0C875510BC2A}" type="presParOf" srcId="{A38C079F-8B14-45D5-978D-A83175C9774B}" destId="{5814D466-1F92-42E5-A81A-D69F9E5F145C}" srcOrd="6" destOrd="0" presId="urn:microsoft.com/office/officeart/2005/8/layout/vList2"/>
-    <dgm:cxn modelId="{8BA246D5-34D8-473C-A370-3A7E8472210A}" type="presParOf" srcId="{A38C079F-8B14-45D5-978D-A83175C9774B}" destId="{07AE23F8-9E90-47BF-9B8C-4709013DB55D}" srcOrd="7" destOrd="0" presId="urn:microsoft.com/office/officeart/2005/8/layout/vList2"/>
-    <dgm:cxn modelId="{4385842E-EBCE-415D-9D2D-A0BB13D06CD0}" type="presParOf" srcId="{A38C079F-8B14-45D5-978D-A83175C9774B}" destId="{A5968135-11FB-4013-845D-B2B296C05757}" srcOrd="8" destOrd="0" presId="urn:microsoft.com/office/officeart/2005/8/layout/vList2"/>
-    <dgm:cxn modelId="{07BDCF90-CE98-425E-AB25-5228AF5108D8}" type="presParOf" srcId="{A38C079F-8B14-45D5-978D-A83175C9774B}" destId="{EDBA394A-4B1C-4C16-80CA-68DD606D5BDD}" srcOrd="9" destOrd="0" presId="urn:microsoft.com/office/officeart/2005/8/layout/vList2"/>
-    <dgm:cxn modelId="{B8903E97-1EE5-4D62-A75D-D830B095DBB7}" type="presParOf" srcId="{A38C079F-8B14-45D5-978D-A83175C9774B}" destId="{4436741A-51F3-49EB-8654-E6278ADECFA6}" srcOrd="10" destOrd="0" presId="urn:microsoft.com/office/officeart/2005/8/layout/vList2"/>
+    <dgm:cxn modelId="{86CA6824-230E-43AE-8842-B3052C397218}" type="presOf" srcId="{61440B69-23C4-4055-A698-9A052369147F}" destId="{78D3808E-FD8D-436F-8CB5-CF19430654DD}" srcOrd="0" destOrd="0" presId="urn:microsoft.com/office/officeart/2008/layout/LinedList"/>
+    <dgm:cxn modelId="{F6B7D227-2446-49C9-AD4F-21B1E4B163AA}" srcId="{752508F4-F204-42CB-BE79-275F44EF59CE}" destId="{20E6D860-4D31-43C0-9ED3-4F611ED14B6B}" srcOrd="9" destOrd="0" parTransId="{2D836E69-A180-4C25-BEB5-11866CA0F660}" sibTransId="{F98CE2B5-8384-4BEF-A0BF-3B33B407E8F0}"/>
+    <dgm:cxn modelId="{C000F65E-C612-4AD1-B2AE-53639BC2F3F1}" srcId="{752508F4-F204-42CB-BE79-275F44EF59CE}" destId="{27CAF07B-A5D6-47CE-B303-4DFEFA98F1F3}" srcOrd="6" destOrd="0" parTransId="{E3881F25-3EDD-4969-8AF3-160D650A07E2}" sibTransId="{D591A3A2-994C-455A-9F82-9E2A97E355D1}"/>
+    <dgm:cxn modelId="{5E880660-E7AB-46B6-BE41-680DFAC072E5}" type="presOf" srcId="{04F806EF-F3D3-4C1D-B123-DAF933FC75CB}" destId="{51BACDAA-6B5D-49DE-8C86-DBB71516C7A9}" srcOrd="0" destOrd="0" presId="urn:microsoft.com/office/officeart/2008/layout/LinedList"/>
+    <dgm:cxn modelId="{E9C93167-0DCE-47DC-BEE5-6A8B89A63F53}" type="presOf" srcId="{A2C335CE-4308-4F73-BEBB-A96E55EB216A}" destId="{70F73029-5233-4132-BC01-89EE6C38E8E3}" srcOrd="0" destOrd="0" presId="urn:microsoft.com/office/officeart/2008/layout/LinedList"/>
+    <dgm:cxn modelId="{8C134167-7018-4361-9AB9-7B9CB42E166E}" type="presOf" srcId="{591CF5CF-8F2D-46F2-A1F0-4676A30D0A74}" destId="{122689A0-03A3-49EC-B7E3-4260782D3B3F}" srcOrd="0" destOrd="0" presId="urn:microsoft.com/office/officeart/2008/layout/LinedList"/>
+    <dgm:cxn modelId="{E70DA878-D09B-4D08-882D-8700A6E9B5BF}" srcId="{752508F4-F204-42CB-BE79-275F44EF59CE}" destId="{BA35E8BF-A9AE-4828-8197-FE6690833BD9}" srcOrd="8" destOrd="0" parTransId="{DCA654F6-9064-449F-9731-136FB94BB598}" sibTransId="{B6DEB0AD-AD94-4546-AA5C-35242BE01632}"/>
+    <dgm:cxn modelId="{EB597B7F-2E2F-4323-8399-5683D8AB60A2}" srcId="{752508F4-F204-42CB-BE79-275F44EF59CE}" destId="{61440B69-23C4-4055-A698-9A052369147F}" srcOrd="1" destOrd="0" parTransId="{87B6A63E-1B56-4FB8-ABFB-1C78647A9AF4}" sibTransId="{BCCBA00A-1458-4105-888B-A1739075D13B}"/>
+    <dgm:cxn modelId="{8ABA8484-DC20-4BCF-A94F-AE0D95230BDC}" srcId="{752508F4-F204-42CB-BE79-275F44EF59CE}" destId="{DB23D6AD-05C9-4EC0-8F6D-F9517BA9B3C5}" srcOrd="3" destOrd="0" parTransId="{BB358BED-12FD-47DE-9CEE-9EA11BAA3948}" sibTransId="{4786D3BB-560B-4E41-8A82-E6A0B953DF95}"/>
+    <dgm:cxn modelId="{62B98C9C-D8AC-4EDE-9655-22BFD07A9F23}" type="presOf" srcId="{752508F4-F204-42CB-BE79-275F44EF59CE}" destId="{16A4D7A6-CCC4-46DF-9754-BCDDFF545647}" srcOrd="0" destOrd="0" presId="urn:microsoft.com/office/officeart/2008/layout/LinedList"/>
+    <dgm:cxn modelId="{59A180A7-D4C7-4562-9746-575B046FEEBE}" type="presOf" srcId="{67CBE557-2E31-406A-A7D4-518A7BFEE93D}" destId="{178F9617-1ECC-4D4B-BDDB-79A31F1D5554}" srcOrd="0" destOrd="0" presId="urn:microsoft.com/office/officeart/2008/layout/LinedList"/>
+    <dgm:cxn modelId="{1598F9AC-7835-42AD-AC9E-814702F209A6}" srcId="{752508F4-F204-42CB-BE79-275F44EF59CE}" destId="{A2C335CE-4308-4F73-BEBB-A96E55EB216A}" srcOrd="5" destOrd="0" parTransId="{DDDAE2FB-83F8-4588-977C-6E178E57C203}" sibTransId="{CE16CEDE-F17E-4A58-AB4A-2776A2264275}"/>
+    <dgm:cxn modelId="{E28926BA-247D-49CF-9E05-24A433809503}" srcId="{752508F4-F204-42CB-BE79-275F44EF59CE}" destId="{67CBE557-2E31-406A-A7D4-518A7BFEE93D}" srcOrd="4" destOrd="0" parTransId="{82611553-46B7-4AD3-9C52-57F4F61CFE76}" sibTransId="{CACFB764-F2B2-4BA6-8C30-986B729C03F6}"/>
+    <dgm:cxn modelId="{C1EF61BE-57F0-4808-8BD4-C0FF38B14948}" srcId="{752508F4-F204-42CB-BE79-275F44EF59CE}" destId="{10211204-4537-4336-89A9-C8081F61B82F}" srcOrd="2" destOrd="0" parTransId="{05AC3C30-1822-4FB8-8CFD-8ADB741E7C1A}" sibTransId="{C78372CD-CEF2-4579-BEBE-B2EBF3E0BD87}"/>
+    <dgm:cxn modelId="{36A640C4-D6E8-4022-B101-A5971AAE39AF}" type="presOf" srcId="{10211204-4537-4336-89A9-C8081F61B82F}" destId="{78E69FB7-9A69-4E26-A3E4-E00CCC9EE426}" srcOrd="0" destOrd="0" presId="urn:microsoft.com/office/officeart/2008/layout/LinedList"/>
+    <dgm:cxn modelId="{2CC376D4-4243-42FE-9918-41B59155522D}" srcId="{752508F4-F204-42CB-BE79-275F44EF59CE}" destId="{04F806EF-F3D3-4C1D-B123-DAF933FC75CB}" srcOrd="7" destOrd="0" parTransId="{23FA862B-1B8B-45FD-A1C8-8B5943E27887}" sibTransId="{0F7821D9-F8B4-4FA3-8170-05A2B0441405}"/>
+    <dgm:cxn modelId="{F8C27FDA-4E34-421D-A76F-D3D8BA93DD07}" type="presOf" srcId="{BA35E8BF-A9AE-4828-8197-FE6690833BD9}" destId="{2B70572E-A80C-4C91-A76B-F346B86FC0FA}" srcOrd="0" destOrd="0" presId="urn:microsoft.com/office/officeart/2008/layout/LinedList"/>
+    <dgm:cxn modelId="{3BAB5AFC-5622-4BA3-8347-996D963BF49C}" type="presOf" srcId="{DB23D6AD-05C9-4EC0-8F6D-F9517BA9B3C5}" destId="{42C30A3E-28A9-429D-8F60-7271AEA916F8}" srcOrd="0" destOrd="0" presId="urn:microsoft.com/office/officeart/2008/layout/LinedList"/>
+    <dgm:cxn modelId="{451C44A7-8A2B-4285-808E-74A7F0066209}" type="presParOf" srcId="{16A4D7A6-CCC4-46DF-9754-BCDDFF545647}" destId="{7BDDABC9-5858-4C6A-B2F4-1A99FA420370}" srcOrd="0" destOrd="0" presId="urn:microsoft.com/office/officeart/2008/layout/LinedList"/>
+    <dgm:cxn modelId="{F80725A2-7541-405D-B664-FDB161BE8F56}" type="presParOf" srcId="{16A4D7A6-CCC4-46DF-9754-BCDDFF545647}" destId="{C18AD6C7-E914-427D-AFF7-DDEFE64C3847}" srcOrd="1" destOrd="0" presId="urn:microsoft.com/office/officeart/2008/layout/LinedList"/>
+    <dgm:cxn modelId="{DDC0ABBA-6451-49FB-B7E3-7934709A3AAA}" type="presParOf" srcId="{C18AD6C7-E914-427D-AFF7-DDEFE64C3847}" destId="{122689A0-03A3-49EC-B7E3-4260782D3B3F}" srcOrd="0" destOrd="0" presId="urn:microsoft.com/office/officeart/2008/layout/LinedList"/>
+    <dgm:cxn modelId="{1B2D57DB-9FE5-4167-8C51-07DEB3CED0EE}" type="presParOf" srcId="{C18AD6C7-E914-427D-AFF7-DDEFE64C3847}" destId="{CDC9A010-4264-4865-B770-DD0476B37140}" srcOrd="1" destOrd="0" presId="urn:microsoft.com/office/officeart/2008/layout/LinedList"/>
+    <dgm:cxn modelId="{B0E8CB39-79E0-4F53-AB6E-3C6EE899F1FA}" type="presParOf" srcId="{16A4D7A6-CCC4-46DF-9754-BCDDFF545647}" destId="{8328EB1E-BD32-405D-9E42-90227A5F0362}" srcOrd="2" destOrd="0" presId="urn:microsoft.com/office/officeart/2008/layout/LinedList"/>
+    <dgm:cxn modelId="{2CE0468C-0040-4F87-AA96-3ADAC81FC1F7}" type="presParOf" srcId="{16A4D7A6-CCC4-46DF-9754-BCDDFF545647}" destId="{070A81E2-4B37-4F05-816A-CF53A51BF176}" srcOrd="3" destOrd="0" presId="urn:microsoft.com/office/officeart/2008/layout/LinedList"/>
+    <dgm:cxn modelId="{01AE09E0-8573-4C33-9C41-028D93C37718}" type="presParOf" srcId="{070A81E2-4B37-4F05-816A-CF53A51BF176}" destId="{78D3808E-FD8D-436F-8CB5-CF19430654DD}" srcOrd="0" destOrd="0" presId="urn:microsoft.com/office/officeart/2008/layout/LinedList"/>
+    <dgm:cxn modelId="{CD4BC116-49C4-4A0B-89EC-C4E9F6CD4DEF}" type="presParOf" srcId="{070A81E2-4B37-4F05-816A-CF53A51BF176}" destId="{96844083-C722-4B7B-8D9B-2588E5C898F7}" srcOrd="1" destOrd="0" presId="urn:microsoft.com/office/officeart/2008/layout/LinedList"/>
+    <dgm:cxn modelId="{9C691820-C58A-4DF2-B5EB-F310C05D24EE}" type="presParOf" srcId="{16A4D7A6-CCC4-46DF-9754-BCDDFF545647}" destId="{5C4296B2-2AFE-4690-B089-317E249984A0}" srcOrd="4" destOrd="0" presId="urn:microsoft.com/office/officeart/2008/layout/LinedList"/>
+    <dgm:cxn modelId="{A1E725D9-5B22-4DB6-B19B-56B9A821FBA2}" type="presParOf" srcId="{16A4D7A6-CCC4-46DF-9754-BCDDFF545647}" destId="{94503C25-C699-400D-A865-87A0B7CE38BD}" srcOrd="5" destOrd="0" presId="urn:microsoft.com/office/officeart/2008/layout/LinedList"/>
+    <dgm:cxn modelId="{91C5911E-5DD4-4842-9B6E-F71F46228714}" type="presParOf" srcId="{94503C25-C699-400D-A865-87A0B7CE38BD}" destId="{78E69FB7-9A69-4E26-A3E4-E00CCC9EE426}" srcOrd="0" destOrd="0" presId="urn:microsoft.com/office/officeart/2008/layout/LinedList"/>
+    <dgm:cxn modelId="{743654AD-4AAE-4ED2-B889-D97F698C78FE}" type="presParOf" srcId="{94503C25-C699-400D-A865-87A0B7CE38BD}" destId="{C9D2C65F-90BB-4970-91D1-82D38222803F}" srcOrd="1" destOrd="0" presId="urn:microsoft.com/office/officeart/2008/layout/LinedList"/>
+    <dgm:cxn modelId="{2816D0D2-0FAD-4FC7-9B89-D6E89E66EDA3}" type="presParOf" srcId="{16A4D7A6-CCC4-46DF-9754-BCDDFF545647}" destId="{0647D4E7-23C9-46A8-8597-D2678E82975A}" srcOrd="6" destOrd="0" presId="urn:microsoft.com/office/officeart/2008/layout/LinedList"/>
+    <dgm:cxn modelId="{8D294A39-86BF-4ADA-9B75-357ED3ABB4E3}" type="presParOf" srcId="{16A4D7A6-CCC4-46DF-9754-BCDDFF545647}" destId="{CEC670AE-F043-4B48-B702-AF6AF08CE964}" srcOrd="7" destOrd="0" presId="urn:microsoft.com/office/officeart/2008/layout/LinedList"/>
+    <dgm:cxn modelId="{7F11FD01-D87F-4E00-9997-8DEE3DF1B3C7}" type="presParOf" srcId="{CEC670AE-F043-4B48-B702-AF6AF08CE964}" destId="{42C30A3E-28A9-429D-8F60-7271AEA916F8}" srcOrd="0" destOrd="0" presId="urn:microsoft.com/office/officeart/2008/layout/LinedList"/>
+    <dgm:cxn modelId="{705D9E28-187A-4711-B204-125499E874C2}" type="presParOf" srcId="{CEC670AE-F043-4B48-B702-AF6AF08CE964}" destId="{ECFE16D6-AA83-4B11-ABA8-704588C60666}" srcOrd="1" destOrd="0" presId="urn:microsoft.com/office/officeart/2008/layout/LinedList"/>
+    <dgm:cxn modelId="{231EF548-D546-4C20-9C05-84EB3F5AE61C}" type="presParOf" srcId="{16A4D7A6-CCC4-46DF-9754-BCDDFF545647}" destId="{F172999B-CBCF-4E84-AB6C-433C434652B1}" srcOrd="8" destOrd="0" presId="urn:microsoft.com/office/officeart/2008/layout/LinedList"/>
+    <dgm:cxn modelId="{D3DE21F5-1F46-4727-99DA-BDA5A955E7F9}" type="presParOf" srcId="{16A4D7A6-CCC4-46DF-9754-BCDDFF545647}" destId="{A00D4987-E7E6-412B-944D-C533ADF9F6C8}" srcOrd="9" destOrd="0" presId="urn:microsoft.com/office/officeart/2008/layout/LinedList"/>
+    <dgm:cxn modelId="{7F0FF9C0-FB6D-4CC1-9AF0-1785C55AD06B}" type="presParOf" srcId="{A00D4987-E7E6-412B-944D-C533ADF9F6C8}" destId="{178F9617-1ECC-4D4B-BDDB-79A31F1D5554}" srcOrd="0" destOrd="0" presId="urn:microsoft.com/office/officeart/2008/layout/LinedList"/>
+    <dgm:cxn modelId="{01AFE5A3-4FB1-41E1-A82C-DB1F19021798}" type="presParOf" srcId="{A00D4987-E7E6-412B-944D-C533ADF9F6C8}" destId="{7AFF3068-AB2B-4F94-A9E5-ADF5F2A7AB78}" srcOrd="1" destOrd="0" presId="urn:microsoft.com/office/officeart/2008/layout/LinedList"/>
+    <dgm:cxn modelId="{0DC24521-B49E-4591-8631-9DBA9521BE93}" type="presParOf" srcId="{16A4D7A6-CCC4-46DF-9754-BCDDFF545647}" destId="{12207EB9-06CE-4763-B8A6-ACD7843DC888}" srcOrd="10" destOrd="0" presId="urn:microsoft.com/office/officeart/2008/layout/LinedList"/>
+    <dgm:cxn modelId="{6666275E-D8BD-40D5-8B5D-42D00389C13B}" type="presParOf" srcId="{16A4D7A6-CCC4-46DF-9754-BCDDFF545647}" destId="{A072BD3B-0765-4524-960B-42E355A4CBE5}" srcOrd="11" destOrd="0" presId="urn:microsoft.com/office/officeart/2008/layout/LinedList"/>
+    <dgm:cxn modelId="{92AD9841-CF64-4D07-90E4-2742193258B7}" type="presParOf" srcId="{A072BD3B-0765-4524-960B-42E355A4CBE5}" destId="{70F73029-5233-4132-BC01-89EE6C38E8E3}" srcOrd="0" destOrd="0" presId="urn:microsoft.com/office/officeart/2008/layout/LinedList"/>
+    <dgm:cxn modelId="{E5D9F6A6-9A6F-43D0-90B0-27924BA3C2BE}" type="presParOf" srcId="{A072BD3B-0765-4524-960B-42E355A4CBE5}" destId="{7B9786E0-7F79-47A7-B7E2-B48DFA3C4133}" srcOrd="1" destOrd="0" presId="urn:microsoft.com/office/officeart/2008/layout/LinedList"/>
+    <dgm:cxn modelId="{CC89EF7D-6B18-425D-8A83-E752A53B9FF0}" type="presParOf" srcId="{16A4D7A6-CCC4-46DF-9754-BCDDFF545647}" destId="{AC5FC2CB-F7F7-44FC-8FAC-8721A03FF58E}" srcOrd="12" destOrd="0" presId="urn:microsoft.com/office/officeart/2008/layout/LinedList"/>
+    <dgm:cxn modelId="{E081FAE2-F2F7-44E8-AA59-49682429572B}" type="presParOf" srcId="{16A4D7A6-CCC4-46DF-9754-BCDDFF545647}" destId="{1D546BFD-1671-4ABD-8857-3D14307AC6C9}" srcOrd="13" destOrd="0" presId="urn:microsoft.com/office/officeart/2008/layout/LinedList"/>
+    <dgm:cxn modelId="{5ECC1B4D-C902-42A9-AE72-ACDCB64FFF9E}" type="presParOf" srcId="{1D546BFD-1671-4ABD-8857-3D14307AC6C9}" destId="{57AD1B85-C95B-4A54-BDB6-6C6A755C4AE8}" srcOrd="0" destOrd="0" presId="urn:microsoft.com/office/officeart/2008/layout/LinedList"/>
+    <dgm:cxn modelId="{10AA90B9-524C-41D6-BADE-C6559BE5F833}" type="presParOf" srcId="{1D546BFD-1671-4ABD-8857-3D14307AC6C9}" destId="{9E54FF9A-496C-42F4-A81C-1C67F0EB3B58}" srcOrd="1" destOrd="0" presId="urn:microsoft.com/office/officeart/2008/layout/LinedList"/>
+    <dgm:cxn modelId="{87484EB0-BB0D-448D-9F03-802A10BEF111}" type="presParOf" srcId="{16A4D7A6-CCC4-46DF-9754-BCDDFF545647}" destId="{D165BDD2-B9AA-4253-BF88-59304FC695C4}" srcOrd="14" destOrd="0" presId="urn:microsoft.com/office/officeart/2008/layout/LinedList"/>
+    <dgm:cxn modelId="{375B36B6-33BA-483A-BBAD-B4F0969F3CF9}" type="presParOf" srcId="{16A4D7A6-CCC4-46DF-9754-BCDDFF545647}" destId="{CCC427EF-4B8C-4D7A-BBAF-59B32640FD31}" srcOrd="15" destOrd="0" presId="urn:microsoft.com/office/officeart/2008/layout/LinedList"/>
+    <dgm:cxn modelId="{D6132594-76BB-41BE-A61F-B90BFBB8CBDF}" type="presParOf" srcId="{CCC427EF-4B8C-4D7A-BBAF-59B32640FD31}" destId="{51BACDAA-6B5D-49DE-8C86-DBB71516C7A9}" srcOrd="0" destOrd="0" presId="urn:microsoft.com/office/officeart/2008/layout/LinedList"/>
+    <dgm:cxn modelId="{971D0C3F-62B7-40F8-8746-D683200DCC39}" type="presParOf" srcId="{CCC427EF-4B8C-4D7A-BBAF-59B32640FD31}" destId="{0D2041F3-416E-444D-9C32-2FFC891BF0D6}" srcOrd="1" destOrd="0" presId="urn:microsoft.com/office/officeart/2008/layout/LinedList"/>
+    <dgm:cxn modelId="{85C744C3-56F1-4CE6-A22E-2AA4204CBD06}" type="presParOf" srcId="{16A4D7A6-CCC4-46DF-9754-BCDDFF545647}" destId="{CF70A836-1006-4207-93C8-D8E9AF7B95B5}" srcOrd="16" destOrd="0" presId="urn:microsoft.com/office/officeart/2008/layout/LinedList"/>
+    <dgm:cxn modelId="{89684A87-6867-4882-87C2-9D7C85DFD63E}" type="presParOf" srcId="{16A4D7A6-CCC4-46DF-9754-BCDDFF545647}" destId="{C8D33100-68EE-4443-85AA-754F79D88173}" srcOrd="17" destOrd="0" presId="urn:microsoft.com/office/officeart/2008/layout/LinedList"/>
+    <dgm:cxn modelId="{AF912108-92AB-43D7-9431-BCFD1444D979}" type="presParOf" srcId="{C8D33100-68EE-4443-85AA-754F79D88173}" destId="{2B70572E-A80C-4C91-A76B-F346B86FC0FA}" srcOrd="0" destOrd="0" presId="urn:microsoft.com/office/officeart/2008/layout/LinedList"/>
+    <dgm:cxn modelId="{06451C70-A069-40EB-846A-BD68D2C5FF7A}" type="presParOf" srcId="{C8D33100-68EE-4443-85AA-754F79D88173}" destId="{3CE86FD5-83C0-455C-8DAF-6D21954C757C}" srcOrd="1" destOrd="0" presId="urn:microsoft.com/office/officeart/2008/layout/LinedList"/>
+    <dgm:cxn modelId="{FCDB2C66-1447-4D7B-A7C2-5A6EC448B51D}" type="presParOf" srcId="{16A4D7A6-CCC4-46DF-9754-BCDDFF545647}" destId="{D205C6B0-0CC1-4C18-A70F-B947AF177780}" srcOrd="18" destOrd="0" presId="urn:microsoft.com/office/officeart/2008/layout/LinedList"/>
+    <dgm:cxn modelId="{89EDA5AD-33A7-48A0-96BE-D75DCFBAA092}" type="presParOf" srcId="{16A4D7A6-CCC4-46DF-9754-BCDDFF545647}" destId="{A2D9B952-B13B-4251-8DE8-6DB5DAAFE9CE}" srcOrd="19" destOrd="0" presId="urn:microsoft.com/office/officeart/2008/layout/LinedList"/>
+    <dgm:cxn modelId="{E6E8295E-A8B7-4152-BCEE-DACAD34C3EB7}" type="presParOf" srcId="{A2D9B952-B13B-4251-8DE8-6DB5DAAFE9CE}" destId="{B561691F-AC23-4673-8E3B-429A97BBB31D}" srcOrd="0" destOrd="0" presId="urn:microsoft.com/office/officeart/2008/layout/LinedList"/>
+    <dgm:cxn modelId="{A1C7BD9A-BA7D-4ACF-8EF3-E3BDAB7C21D8}" type="presParOf" srcId="{A2D9B952-B13B-4251-8DE8-6DB5DAAFE9CE}" destId="{B9B7F02B-51BC-440A-B425-74B652417887}" srcOrd="1" destOrd="0" presId="urn:microsoft.com/office/officeart/2008/layout/LinedList"/>
   </dgm:cxnLst>
   <dgm:bg/>
   <dgm:whole/>
@@ -8782,20 +8983,18 @@
       <dsp:cNvGrpSpPr/>
     </dsp:nvGrpSpPr>
     <dsp:grpSpPr/>
-    <dsp:sp modelId="{60FE5080-ED70-4A47-940B-E40BFFC6F272}">
+    <dsp:sp modelId="{8C0ABC05-9A6C-4CFC-AA80-4705ADCA5B17}">
       <dsp:nvSpPr>
         <dsp:cNvPr id="0" name=""/>
         <dsp:cNvSpPr/>
       </dsp:nvSpPr>
       <dsp:spPr>
         <a:xfrm>
-          <a:off x="0" y="682"/>
-          <a:ext cx="4683949" cy="1596566"/>
+          <a:off x="0" y="2700"/>
+          <a:ext cx="4718785" cy="0"/>
         </a:xfrm>
-        <a:prstGeom prst="roundRect">
-          <a:avLst>
-            <a:gd name="adj" fmla="val 10000"/>
-          </a:avLst>
+        <a:prstGeom prst="line">
+          <a:avLst/>
         </a:prstGeom>
         <a:solidFill>
           <a:schemeClr val="accent2">
@@ -8805,54 +9004,15 @@
             <a:alphaOff val="0"/>
           </a:schemeClr>
         </a:solidFill>
-        <a:ln>
-          <a:noFill/>
-        </a:ln>
-        <a:effectLst/>
-      </dsp:spPr>
-      <dsp:style>
-        <a:lnRef idx="0">
-          <a:scrgbClr r="0" g="0" b="0"/>
-        </a:lnRef>
-        <a:fillRef idx="1">
-          <a:scrgbClr r="0" g="0" b="0"/>
-        </a:fillRef>
-        <a:effectRef idx="0">
-          <a:scrgbClr r="0" g="0" b="0"/>
-        </a:effectRef>
-        <a:fontRef idx="minor"/>
-      </dsp:style>
-    </dsp:sp>
-    <dsp:sp modelId="{E7BE460E-DD9C-4255-8139-D0EEC22B1A16}">
-      <dsp:nvSpPr>
-        <dsp:cNvPr id="0" name=""/>
-        <dsp:cNvSpPr/>
-      </dsp:nvSpPr>
-      <dsp:spPr>
-        <a:xfrm>
-          <a:off x="482961" y="359909"/>
-          <a:ext cx="878111" cy="878111"/>
-        </a:xfrm>
-        <a:prstGeom prst="rect">
-          <a:avLst/>
-        </a:prstGeom>
-        <a:blipFill>
-          <a:blip xmlns:r="http://schemas.openxmlformats.org/officeDocument/2006/relationships" r:embed="rId1">
-            <a:extLst>
-              <a:ext uri="{28A0092B-C50C-407E-A947-70E740481C1C}">
-                <a14:useLocalDpi xmlns:a14="http://schemas.microsoft.com/office/drawing/2010/main" val="0"/>
-              </a:ext>
-              <a:ext uri="{96DAC541-7B7A-43D3-8B79-37D633B846F1}">
-                <asvg:svgBlip xmlns:asvg="http://schemas.microsoft.com/office/drawing/2016/SVG/main" r:embed="rId2"/>
-              </a:ext>
-            </a:extLst>
-          </a:blip>
-          <a:stretch>
-            <a:fillRect/>
-          </a:stretch>
-        </a:blipFill>
         <a:ln w="25400" cap="flat" cmpd="sng" algn="ctr">
-          <a:noFill/>
+          <a:solidFill>
+            <a:schemeClr val="accent2">
+              <a:hueOff val="0"/>
+              <a:satOff val="0"/>
+              <a:lumOff val="0"/>
+              <a:alphaOff val="0"/>
+            </a:schemeClr>
+          </a:solidFill>
           <a:prstDash val="solid"/>
         </a:ln>
         <a:effectLst/>
@@ -8872,15 +9032,15 @@
         </a:fontRef>
       </dsp:style>
     </dsp:sp>
-    <dsp:sp modelId="{3625F63A-0422-47AC-B5B0-ACC44FADACF9}">
+    <dsp:sp modelId="{BD11850E-33CB-44AB-A474-3F2570AADA8E}">
       <dsp:nvSpPr>
         <dsp:cNvPr id="0" name=""/>
         <dsp:cNvSpPr/>
       </dsp:nvSpPr>
       <dsp:spPr>
         <a:xfrm>
-          <a:off x="1844034" y="682"/>
-          <a:ext cx="2839914" cy="1596566"/>
+          <a:off x="0" y="2700"/>
+          <a:ext cx="4718785" cy="1841777"/>
         </a:xfrm>
         <a:prstGeom prst="rect">
           <a:avLst/>
@@ -8904,12 +9064,12 @@
         <a:fontRef idx="minor"/>
       </dsp:style>
       <dsp:txBody>
-        <a:bodyPr spcFirstLastPara="0" vert="horz" wrap="square" lIns="168970" tIns="168970" rIns="168970" bIns="168970" numCol="1" spcCol="1270" anchor="ctr" anchorCtr="0">
+        <a:bodyPr spcFirstLastPara="0" vert="horz" wrap="square" lIns="110490" tIns="110490" rIns="110490" bIns="110490" numCol="1" spcCol="1270" anchor="t" anchorCtr="0">
           <a:noAutofit/>
         </a:bodyPr>
         <a:lstStyle/>
         <a:p>
-          <a:pPr marL="0" lvl="0" indent="0" algn="l" defTabSz="800100">
+          <a:pPr marL="0" lvl="0" indent="0" algn="l" defTabSz="1289050">
             <a:lnSpc>
               <a:spcPct val="90000"/>
             </a:lnSpc>
@@ -8922,92 +9082,79 @@
             <a:buNone/>
           </a:pPr>
           <a:r>
-            <a:rPr lang="en-US" sz="1800" kern="1200"/>
-            <a:t>Projeto: Sistema para Monitoramento de Presença e Gases Tóxicos/Inflamáveis</a:t>
+            <a:rPr lang="en-US" sz="2900" kern="1200" dirty="0"/>
+            <a:t>Sistema para </a:t>
           </a:r>
           <a:r>
-            <a:rPr lang="pt-BR" sz="1800" kern="1200"/>
+            <a:rPr lang="en-US" sz="2900" kern="1200" dirty="0" err="1"/>
+            <a:t>Monitoramento</a:t>
+          </a:r>
+          <a:r>
+            <a:rPr lang="en-US" sz="2900" kern="1200" dirty="0"/>
+            <a:t> de </a:t>
+          </a:r>
+          <a:r>
+            <a:rPr lang="en-US" sz="2900" kern="1200" dirty="0" err="1"/>
+            <a:t>Presença</a:t>
+          </a:r>
+          <a:r>
+            <a:rPr lang="en-US" sz="2900" kern="1200" dirty="0"/>
+            <a:t> e Gases </a:t>
+          </a:r>
+          <a:r>
+            <a:rPr lang="en-US" sz="2900" kern="1200" dirty="0" err="1"/>
+            <a:t>Tóxicos</a:t>
+          </a:r>
+          <a:r>
+            <a:rPr lang="en-US" sz="2900" kern="1200" dirty="0"/>
+            <a:t>/</a:t>
+          </a:r>
+          <a:r>
+            <a:rPr lang="en-US" sz="2900" kern="1200" dirty="0" err="1"/>
+            <a:t>Inflamáveis</a:t>
+          </a:r>
+          <a:r>
+            <a:rPr lang="pt-BR" sz="2900" kern="1200" dirty="0"/>
             <a:t> – Safe Track</a:t>
           </a:r>
-          <a:endParaRPr lang="en-US" sz="1800" kern="1200"/>
+          <a:endParaRPr lang="en-US" sz="2900" kern="1200" dirty="0"/>
         </a:p>
       </dsp:txBody>
       <dsp:txXfrm>
-        <a:off x="1844034" y="682"/>
-        <a:ext cx="2839914" cy="1596566"/>
+        <a:off x="0" y="2700"/>
+        <a:ext cx="4718785" cy="1841777"/>
       </dsp:txXfrm>
     </dsp:sp>
-    <dsp:sp modelId="{EA8F0738-1E0E-4D49-A053-9AD664CB4DB5}">
+    <dsp:sp modelId="{C359EDBC-6682-4709-A3DC-F78F98C3684A}">
       <dsp:nvSpPr>
         <dsp:cNvPr id="0" name=""/>
         <dsp:cNvSpPr/>
       </dsp:nvSpPr>
       <dsp:spPr>
         <a:xfrm>
-          <a:off x="0" y="1996390"/>
-          <a:ext cx="4683949" cy="1596566"/>
+          <a:off x="0" y="1844478"/>
+          <a:ext cx="4718785" cy="0"/>
         </a:xfrm>
-        <a:prstGeom prst="roundRect">
-          <a:avLst>
-            <a:gd name="adj" fmla="val 10000"/>
-          </a:avLst>
+        <a:prstGeom prst="line">
+          <a:avLst/>
         </a:prstGeom>
         <a:solidFill>
-          <a:schemeClr val="accent3">
+          <a:schemeClr val="accent2">
             <a:hueOff val="0"/>
             <a:satOff val="0"/>
             <a:lumOff val="0"/>
             <a:alphaOff val="0"/>
           </a:schemeClr>
         </a:solidFill>
-        <a:ln>
-          <a:noFill/>
-        </a:ln>
-        <a:effectLst/>
-      </dsp:spPr>
-      <dsp:style>
-        <a:lnRef idx="0">
-          <a:scrgbClr r="0" g="0" b="0"/>
-        </a:lnRef>
-        <a:fillRef idx="1">
-          <a:scrgbClr r="0" g="0" b="0"/>
-        </a:fillRef>
-        <a:effectRef idx="0">
-          <a:scrgbClr r="0" g="0" b="0"/>
-        </a:effectRef>
-        <a:fontRef idx="minor"/>
-      </dsp:style>
-    </dsp:sp>
-    <dsp:sp modelId="{BC3803D1-359D-4E17-AA9B-8AFB59DF71F0}">
-      <dsp:nvSpPr>
-        <dsp:cNvPr id="0" name=""/>
-        <dsp:cNvSpPr/>
-      </dsp:nvSpPr>
-      <dsp:spPr>
-        <a:xfrm>
-          <a:off x="482961" y="2355617"/>
-          <a:ext cx="878111" cy="878111"/>
-        </a:xfrm>
-        <a:prstGeom prst="rect">
-          <a:avLst/>
-        </a:prstGeom>
-        <a:blipFill>
-          <a:blip xmlns:r="http://schemas.openxmlformats.org/officeDocument/2006/relationships" r:embed="rId3">
-            <a:extLst>
-              <a:ext uri="{28A0092B-C50C-407E-A947-70E740481C1C}">
-                <a14:useLocalDpi xmlns:a14="http://schemas.microsoft.com/office/drawing/2010/main" val="0"/>
-              </a:ext>
-              <a:ext uri="{96DAC541-7B7A-43D3-8B79-37D633B846F1}">
-                <asvg:svgBlip xmlns:asvg="http://schemas.microsoft.com/office/drawing/2016/SVG/main" r:embed="rId4"/>
-              </a:ext>
-            </a:extLst>
-          </a:blip>
-          <a:stretch>
-            <a:fillRect/>
-          </a:stretch>
-        </a:blipFill>
         <a:ln w="25400" cap="flat" cmpd="sng" algn="ctr">
-          <a:noFill/>
+          <a:solidFill>
+            <a:schemeClr val="accent2">
+              <a:hueOff val="0"/>
+              <a:satOff val="0"/>
+              <a:lumOff val="0"/>
+              <a:alphaOff val="0"/>
+            </a:schemeClr>
+          </a:solidFill>
           <a:prstDash val="solid"/>
         </a:ln>
         <a:effectLst/>
@@ -9027,15 +9174,15 @@
         </a:fontRef>
       </dsp:style>
     </dsp:sp>
-    <dsp:sp modelId="{70C2A14A-5E59-48E0-9323-261A993B8E08}">
+    <dsp:sp modelId="{81E78DD5-DAB6-46E6-BA05-1E1AAB700FF8}">
       <dsp:nvSpPr>
         <dsp:cNvPr id="0" name=""/>
         <dsp:cNvSpPr/>
       </dsp:nvSpPr>
       <dsp:spPr>
         <a:xfrm>
-          <a:off x="1844034" y="1996390"/>
-          <a:ext cx="2839914" cy="1596566"/>
+          <a:off x="0" y="1844478"/>
+          <a:ext cx="4718785" cy="1841777"/>
         </a:xfrm>
         <a:prstGeom prst="rect">
           <a:avLst/>
@@ -9059,12 +9206,12 @@
         <a:fontRef idx="minor"/>
       </dsp:style>
       <dsp:txBody>
-        <a:bodyPr spcFirstLastPara="0" vert="horz" wrap="square" lIns="168970" tIns="168970" rIns="168970" bIns="168970" numCol="1" spcCol="1270" anchor="ctr" anchorCtr="0">
+        <a:bodyPr spcFirstLastPara="0" vert="horz" wrap="square" lIns="110490" tIns="110490" rIns="110490" bIns="110490" numCol="1" spcCol="1270" anchor="t" anchorCtr="0">
           <a:noAutofit/>
         </a:bodyPr>
         <a:lstStyle/>
         <a:p>
-          <a:pPr marL="0" lvl="0" indent="0" algn="l" defTabSz="800100">
+          <a:pPr marL="0" lvl="0" indent="0" algn="l" defTabSz="1289050">
             <a:lnSpc>
               <a:spcPct val="90000"/>
             </a:lnSpc>
@@ -9077,87 +9224,46 @@
             <a:buNone/>
           </a:pPr>
           <a:r>
-            <a:rPr lang="en-US" sz="1800" kern="1200"/>
+            <a:rPr lang="en-US" sz="2900" kern="1200"/>
             <a:t>Versão: 1.0</a:t>
           </a:r>
         </a:p>
       </dsp:txBody>
       <dsp:txXfrm>
-        <a:off x="1844034" y="1996390"/>
-        <a:ext cx="2839914" cy="1596566"/>
+        <a:off x="0" y="1844478"/>
+        <a:ext cx="4718785" cy="1841777"/>
       </dsp:txXfrm>
     </dsp:sp>
-    <dsp:sp modelId="{331B04E2-55AB-4412-9629-15688B37597D}">
+    <dsp:sp modelId="{14F625C6-EA7C-49EC-A1FC-B92896B78046}">
       <dsp:nvSpPr>
         <dsp:cNvPr id="0" name=""/>
         <dsp:cNvSpPr/>
       </dsp:nvSpPr>
       <dsp:spPr>
         <a:xfrm>
-          <a:off x="0" y="3992098"/>
-          <a:ext cx="4683949" cy="1596566"/>
+          <a:off x="0" y="3686256"/>
+          <a:ext cx="4718785" cy="0"/>
         </a:xfrm>
-        <a:prstGeom prst="roundRect">
-          <a:avLst>
-            <a:gd name="adj" fmla="val 10000"/>
-          </a:avLst>
+        <a:prstGeom prst="line">
+          <a:avLst/>
         </a:prstGeom>
         <a:solidFill>
-          <a:schemeClr val="accent4">
+          <a:schemeClr val="accent2">
             <a:hueOff val="0"/>
             <a:satOff val="0"/>
             <a:lumOff val="0"/>
             <a:alphaOff val="0"/>
           </a:schemeClr>
         </a:solidFill>
-        <a:ln>
-          <a:noFill/>
-        </a:ln>
-        <a:effectLst/>
-      </dsp:spPr>
-      <dsp:style>
-        <a:lnRef idx="0">
-          <a:scrgbClr r="0" g="0" b="0"/>
-        </a:lnRef>
-        <a:fillRef idx="1">
-          <a:scrgbClr r="0" g="0" b="0"/>
-        </a:fillRef>
-        <a:effectRef idx="0">
-          <a:scrgbClr r="0" g="0" b="0"/>
-        </a:effectRef>
-        <a:fontRef idx="minor"/>
-      </dsp:style>
-    </dsp:sp>
-    <dsp:sp modelId="{EA371313-00FF-4750-8105-F90BF19E9847}">
-      <dsp:nvSpPr>
-        <dsp:cNvPr id="0" name=""/>
-        <dsp:cNvSpPr/>
-      </dsp:nvSpPr>
-      <dsp:spPr>
-        <a:xfrm>
-          <a:off x="482961" y="4351325"/>
-          <a:ext cx="878111" cy="878111"/>
-        </a:xfrm>
-        <a:prstGeom prst="rect">
-          <a:avLst/>
-        </a:prstGeom>
-        <a:blipFill>
-          <a:blip xmlns:r="http://schemas.openxmlformats.org/officeDocument/2006/relationships" r:embed="rId5">
-            <a:extLst>
-              <a:ext uri="{28A0092B-C50C-407E-A947-70E740481C1C}">
-                <a14:useLocalDpi xmlns:a14="http://schemas.microsoft.com/office/drawing/2010/main" val="0"/>
-              </a:ext>
-              <a:ext uri="{96DAC541-7B7A-43D3-8B79-37D633B846F1}">
-                <asvg:svgBlip xmlns:asvg="http://schemas.microsoft.com/office/drawing/2016/SVG/main" r:embed="rId6"/>
-              </a:ext>
-            </a:extLst>
-          </a:blip>
-          <a:stretch>
-            <a:fillRect/>
-          </a:stretch>
-        </a:blipFill>
         <a:ln w="25400" cap="flat" cmpd="sng" algn="ctr">
-          <a:noFill/>
+          <a:solidFill>
+            <a:schemeClr val="accent2">
+              <a:hueOff val="0"/>
+              <a:satOff val="0"/>
+              <a:lumOff val="0"/>
+              <a:alphaOff val="0"/>
+            </a:schemeClr>
+          </a:solidFill>
           <a:prstDash val="solid"/>
         </a:ln>
         <a:effectLst/>
@@ -9177,15 +9283,15 @@
         </a:fontRef>
       </dsp:style>
     </dsp:sp>
-    <dsp:sp modelId="{5B408AE9-A9FE-4A7C-BA86-6529B0F6E94C}">
+    <dsp:sp modelId="{7615E398-1DD4-4C2D-89BE-1CABDDB5971D}">
       <dsp:nvSpPr>
         <dsp:cNvPr id="0" name=""/>
         <dsp:cNvSpPr/>
       </dsp:nvSpPr>
       <dsp:spPr>
         <a:xfrm>
-          <a:off x="1844034" y="3992098"/>
-          <a:ext cx="2839914" cy="1596566"/>
+          <a:off x="0" y="3686256"/>
+          <a:ext cx="4718785" cy="1841777"/>
         </a:xfrm>
         <a:prstGeom prst="rect">
           <a:avLst/>
@@ -9209,12 +9315,12 @@
         <a:fontRef idx="minor"/>
       </dsp:style>
       <dsp:txBody>
-        <a:bodyPr spcFirstLastPara="0" vert="horz" wrap="square" lIns="168970" tIns="168970" rIns="168970" bIns="168970" numCol="1" spcCol="1270" anchor="ctr" anchorCtr="0">
+        <a:bodyPr spcFirstLastPara="0" vert="horz" wrap="square" lIns="110490" tIns="110490" rIns="110490" bIns="110490" numCol="1" spcCol="1270" anchor="t" anchorCtr="0">
           <a:noAutofit/>
         </a:bodyPr>
         <a:lstStyle/>
         <a:p>
-          <a:pPr marL="0" lvl="0" indent="0" algn="l" defTabSz="800100">
+          <a:pPr marL="0" lvl="0" indent="0" algn="l" defTabSz="1289050">
             <a:lnSpc>
               <a:spcPct val="90000"/>
             </a:lnSpc>
@@ -9227,30 +9333,30 @@
             <a:buNone/>
           </a:pPr>
           <a:r>
-            <a:rPr lang="en-US" sz="1800" kern="1200"/>
+            <a:rPr lang="en-US" sz="2900" kern="1200"/>
             <a:t>Data: </a:t>
           </a:r>
           <a:r>
-            <a:rPr lang="pt-BR" sz="1800" kern="1200"/>
+            <a:rPr lang="pt-BR" sz="2900" kern="1200"/>
             <a:t>10</a:t>
           </a:r>
           <a:r>
-            <a:rPr lang="en-US" sz="1800" kern="1200"/>
+            <a:rPr lang="en-US" sz="2900" kern="1200"/>
             <a:t>/</a:t>
           </a:r>
           <a:r>
-            <a:rPr lang="pt-BR" sz="1800" kern="1200"/>
+            <a:rPr lang="pt-BR" sz="2900" kern="1200"/>
             <a:t>12</a:t>
           </a:r>
           <a:r>
-            <a:rPr lang="en-US" sz="1800" kern="1200"/>
+            <a:rPr lang="en-US" sz="2900" kern="1200"/>
             <a:t>/2025</a:t>
           </a:r>
         </a:p>
       </dsp:txBody>
       <dsp:txXfrm>
-        <a:off x="1844034" y="3992098"/>
-        <a:ext cx="2839914" cy="1596566"/>
+        <a:off x="0" y="3686256"/>
+        <a:ext cx="4718785" cy="1841777"/>
       </dsp:txXfrm>
     </dsp:sp>
   </dsp:spTree>
@@ -9662,17 +9768,17 @@
       <dsp:cNvGrpSpPr/>
     </dsp:nvGrpSpPr>
     <dsp:grpSpPr/>
-    <dsp:sp modelId="{1DF80606-7D06-4294-BFE0-8AF88FDCD51A}">
+    <dsp:sp modelId="{7BDDABC9-5858-4C6A-B2F4-1A99FA420370}">
       <dsp:nvSpPr>
         <dsp:cNvPr id="0" name=""/>
         <dsp:cNvSpPr/>
       </dsp:nvSpPr>
       <dsp:spPr>
         <a:xfrm>
-          <a:off x="0" y="815798"/>
-          <a:ext cx="4683949" cy="599625"/>
+          <a:off x="0" y="675"/>
+          <a:ext cx="4718785" cy="0"/>
         </a:xfrm>
-        <a:prstGeom prst="roundRect">
+        <a:prstGeom prst="line">
           <a:avLst/>
         </a:prstGeom>
         <a:solidFill>
@@ -9685,7 +9791,7 @@
         </a:solidFill>
         <a:ln w="25400" cap="flat" cmpd="sng" algn="ctr">
           <a:solidFill>
-            <a:schemeClr val="lt1">
+            <a:schemeClr val="accent2">
               <a:hueOff val="0"/>
               <a:satOff val="0"/>
               <a:lumOff val="0"/>
@@ -9710,13 +9816,45 @@
           <a:schemeClr val="lt1"/>
         </a:fontRef>
       </dsp:style>
+    </dsp:sp>
+    <dsp:sp modelId="{122689A0-03A3-49EC-B7E3-4260782D3B3F}">
+      <dsp:nvSpPr>
+        <dsp:cNvPr id="0" name=""/>
+        <dsp:cNvSpPr/>
+      </dsp:nvSpPr>
+      <dsp:spPr>
+        <a:xfrm>
+          <a:off x="0" y="675"/>
+          <a:ext cx="4718785" cy="552938"/>
+        </a:xfrm>
+        <a:prstGeom prst="rect">
+          <a:avLst/>
+        </a:prstGeom>
+        <a:noFill/>
+        <a:ln>
+          <a:noFill/>
+        </a:ln>
+        <a:effectLst/>
+      </dsp:spPr>
+      <dsp:style>
+        <a:lnRef idx="0">
+          <a:scrgbClr r="0" g="0" b="0"/>
+        </a:lnRef>
+        <a:fillRef idx="0">
+          <a:scrgbClr r="0" g="0" b="0"/>
+        </a:fillRef>
+        <a:effectRef idx="0">
+          <a:scrgbClr r="0" g="0" b="0"/>
+        </a:effectRef>
+        <a:fontRef idx="minor"/>
+      </dsp:style>
       <dsp:txBody>
-        <a:bodyPr spcFirstLastPara="0" vert="horz" wrap="square" lIns="95250" tIns="95250" rIns="95250" bIns="95250" numCol="1" spcCol="1270" anchor="ctr" anchorCtr="0">
+        <a:bodyPr spcFirstLastPara="0" vert="horz" wrap="square" lIns="41910" tIns="41910" rIns="41910" bIns="41910" numCol="1" spcCol="1270" anchor="t" anchorCtr="0">
           <a:noAutofit/>
         </a:bodyPr>
         <a:lstStyle/>
         <a:p>
-          <a:pPr marL="0" lvl="0" indent="0" algn="l" defTabSz="1111250">
+          <a:pPr marL="0" lvl="0" indent="0" algn="l" defTabSz="488950">
             <a:lnSpc>
               <a:spcPct val="90000"/>
             </a:lnSpc>
@@ -9729,40 +9867,41 @@
             <a:buNone/>
           </a:pPr>
           <a:r>
-            <a:rPr lang="en-US" sz="2500" kern="1200"/>
-            <a:t>- Sensor de gases</a:t>
+            <a:rPr lang="pt-PT" sz="1100" kern="1200" dirty="0"/>
+            <a:t>RF-01  O sistema deve conter um sensor para medir o volume de gases tóxicos/inflamáveis presentes no ambiente.</a:t>
           </a:r>
+          <a:endParaRPr lang="en-US" sz="1100" kern="1200" dirty="0"/>
         </a:p>
       </dsp:txBody>
       <dsp:txXfrm>
-        <a:off x="29271" y="845069"/>
-        <a:ext cx="4625407" cy="541083"/>
+        <a:off x="0" y="675"/>
+        <a:ext cx="4718785" cy="552938"/>
       </dsp:txXfrm>
     </dsp:sp>
-    <dsp:sp modelId="{4560046C-AA1B-4602-AA23-B165FA96D2E7}">
+    <dsp:sp modelId="{8328EB1E-BD32-405D-9E42-90227A5F0362}">
       <dsp:nvSpPr>
         <dsp:cNvPr id="0" name=""/>
         <dsp:cNvSpPr/>
       </dsp:nvSpPr>
       <dsp:spPr>
         <a:xfrm>
-          <a:off x="0" y="1487423"/>
-          <a:ext cx="4683949" cy="599625"/>
+          <a:off x="0" y="553613"/>
+          <a:ext cx="4718785" cy="0"/>
         </a:xfrm>
-        <a:prstGeom prst="roundRect">
+        <a:prstGeom prst="line">
           <a:avLst/>
         </a:prstGeom>
         <a:solidFill>
           <a:schemeClr val="accent2">
-            <a:hueOff val="936304"/>
-            <a:satOff val="-1168"/>
-            <a:lumOff val="275"/>
+            <a:hueOff val="0"/>
+            <a:satOff val="0"/>
+            <a:lumOff val="0"/>
             <a:alphaOff val="0"/>
           </a:schemeClr>
         </a:solidFill>
         <a:ln w="25400" cap="flat" cmpd="sng" algn="ctr">
           <a:solidFill>
-            <a:schemeClr val="lt1">
+            <a:schemeClr val="accent2">
               <a:hueOff val="0"/>
               <a:satOff val="0"/>
               <a:lumOff val="0"/>
@@ -9787,13 +9926,45 @@
           <a:schemeClr val="lt1"/>
         </a:fontRef>
       </dsp:style>
+    </dsp:sp>
+    <dsp:sp modelId="{78D3808E-FD8D-436F-8CB5-CF19430654DD}">
+      <dsp:nvSpPr>
+        <dsp:cNvPr id="0" name=""/>
+        <dsp:cNvSpPr/>
+      </dsp:nvSpPr>
+      <dsp:spPr>
+        <a:xfrm>
+          <a:off x="0" y="553613"/>
+          <a:ext cx="4718785" cy="552938"/>
+        </a:xfrm>
+        <a:prstGeom prst="rect">
+          <a:avLst/>
+        </a:prstGeom>
+        <a:noFill/>
+        <a:ln>
+          <a:noFill/>
+        </a:ln>
+        <a:effectLst/>
+      </dsp:spPr>
+      <dsp:style>
+        <a:lnRef idx="0">
+          <a:scrgbClr r="0" g="0" b="0"/>
+        </a:lnRef>
+        <a:fillRef idx="0">
+          <a:scrgbClr r="0" g="0" b="0"/>
+        </a:fillRef>
+        <a:effectRef idx="0">
+          <a:scrgbClr r="0" g="0" b="0"/>
+        </a:effectRef>
+        <a:fontRef idx="minor"/>
+      </dsp:style>
       <dsp:txBody>
-        <a:bodyPr spcFirstLastPara="0" vert="horz" wrap="square" lIns="95250" tIns="95250" rIns="95250" bIns="95250" numCol="1" spcCol="1270" anchor="ctr" anchorCtr="0">
+        <a:bodyPr spcFirstLastPara="0" vert="horz" wrap="square" lIns="41910" tIns="41910" rIns="41910" bIns="41910" numCol="1" spcCol="1270" anchor="t" anchorCtr="0">
           <a:noAutofit/>
         </a:bodyPr>
         <a:lstStyle/>
         <a:p>
-          <a:pPr marL="0" lvl="0" indent="0" algn="l" defTabSz="1111250">
+          <a:pPr marL="0" lvl="0" indent="0" algn="l" defTabSz="488950">
             <a:lnSpc>
               <a:spcPct val="90000"/>
             </a:lnSpc>
@@ -9806,40 +9977,41 @@
             <a:buNone/>
           </a:pPr>
           <a:r>
-            <a:rPr lang="en-US" sz="2500" kern="1200"/>
-            <a:t>- Sensor de presença</a:t>
+            <a:rPr lang="pt-PT" sz="1100" kern="1200"/>
+            <a:t>RF-02    O sistema deve conter um sensor de presença.</a:t>
           </a:r>
+          <a:endParaRPr lang="pt-BR" sz="1100" kern="1200"/>
         </a:p>
       </dsp:txBody>
       <dsp:txXfrm>
-        <a:off x="29271" y="1516694"/>
-        <a:ext cx="4625407" cy="541083"/>
+        <a:off x="0" y="553613"/>
+        <a:ext cx="4718785" cy="552938"/>
       </dsp:txXfrm>
     </dsp:sp>
-    <dsp:sp modelId="{9A0DAA70-F38F-4494-93FC-6167A73D8D9A}">
+    <dsp:sp modelId="{5C4296B2-2AFE-4690-B089-317E249984A0}">
       <dsp:nvSpPr>
         <dsp:cNvPr id="0" name=""/>
         <dsp:cNvSpPr/>
       </dsp:nvSpPr>
       <dsp:spPr>
         <a:xfrm>
-          <a:off x="0" y="2159048"/>
-          <a:ext cx="4683949" cy="599625"/>
+          <a:off x="0" y="1106552"/>
+          <a:ext cx="4718785" cy="0"/>
         </a:xfrm>
-        <a:prstGeom prst="roundRect">
+        <a:prstGeom prst="line">
           <a:avLst/>
         </a:prstGeom>
         <a:solidFill>
           <a:schemeClr val="accent2">
-            <a:hueOff val="1872608"/>
-            <a:satOff val="-2336"/>
-            <a:lumOff val="549"/>
+            <a:hueOff val="0"/>
+            <a:satOff val="0"/>
+            <a:lumOff val="0"/>
             <a:alphaOff val="0"/>
           </a:schemeClr>
         </a:solidFill>
         <a:ln w="25400" cap="flat" cmpd="sng" algn="ctr">
           <a:solidFill>
-            <a:schemeClr val="lt1">
+            <a:schemeClr val="accent2">
               <a:hueOff val="0"/>
               <a:satOff val="0"/>
               <a:lumOff val="0"/>
@@ -9864,13 +10036,45 @@
           <a:schemeClr val="lt1"/>
         </a:fontRef>
       </dsp:style>
+    </dsp:sp>
+    <dsp:sp modelId="{78E69FB7-9A69-4E26-A3E4-E00CCC9EE426}">
+      <dsp:nvSpPr>
+        <dsp:cNvPr id="0" name=""/>
+        <dsp:cNvSpPr/>
+      </dsp:nvSpPr>
+      <dsp:spPr>
+        <a:xfrm>
+          <a:off x="0" y="1106552"/>
+          <a:ext cx="4718785" cy="552938"/>
+        </a:xfrm>
+        <a:prstGeom prst="rect">
+          <a:avLst/>
+        </a:prstGeom>
+        <a:noFill/>
+        <a:ln>
+          <a:noFill/>
+        </a:ln>
+        <a:effectLst/>
+      </dsp:spPr>
+      <dsp:style>
+        <a:lnRef idx="0">
+          <a:scrgbClr r="0" g="0" b="0"/>
+        </a:lnRef>
+        <a:fillRef idx="0">
+          <a:scrgbClr r="0" g="0" b="0"/>
+        </a:fillRef>
+        <a:effectRef idx="0">
+          <a:scrgbClr r="0" g="0" b="0"/>
+        </a:effectRef>
+        <a:fontRef idx="minor"/>
+      </dsp:style>
       <dsp:txBody>
-        <a:bodyPr spcFirstLastPara="0" vert="horz" wrap="square" lIns="95250" tIns="95250" rIns="95250" bIns="95250" numCol="1" spcCol="1270" anchor="ctr" anchorCtr="0">
+        <a:bodyPr spcFirstLastPara="0" vert="horz" wrap="square" lIns="41910" tIns="41910" rIns="41910" bIns="41910" numCol="1" spcCol="1270" anchor="t" anchorCtr="0">
           <a:noAutofit/>
         </a:bodyPr>
         <a:lstStyle/>
         <a:p>
-          <a:pPr marL="0" lvl="0" indent="0" algn="l" defTabSz="1111250">
+          <a:pPr marL="0" lvl="0" indent="0" algn="l" defTabSz="488950">
             <a:lnSpc>
               <a:spcPct val="90000"/>
             </a:lnSpc>
@@ -9883,40 +10087,41 @@
             <a:buNone/>
           </a:pPr>
           <a:r>
-            <a:rPr lang="en-US" sz="2500" kern="1200"/>
-            <a:t>- Envio de dados a cada 1 min</a:t>
+            <a:rPr lang="pt-PT" sz="1100" kern="1200"/>
+            <a:t>RF-03   O sistema deve identificar se foi atingido o nível de 400 ppm de gás.</a:t>
           </a:r>
+          <a:endParaRPr lang="pt-BR" sz="1100" kern="1200"/>
         </a:p>
       </dsp:txBody>
       <dsp:txXfrm>
-        <a:off x="29271" y="2188319"/>
-        <a:ext cx="4625407" cy="541083"/>
+        <a:off x="0" y="1106552"/>
+        <a:ext cx="4718785" cy="552938"/>
       </dsp:txXfrm>
     </dsp:sp>
-    <dsp:sp modelId="{5814D466-1F92-42E5-A81A-D69F9E5F145C}">
+    <dsp:sp modelId="{0647D4E7-23C9-46A8-8597-D2678E82975A}">
       <dsp:nvSpPr>
         <dsp:cNvPr id="0" name=""/>
         <dsp:cNvSpPr/>
       </dsp:nvSpPr>
       <dsp:spPr>
         <a:xfrm>
-          <a:off x="0" y="2830673"/>
-          <a:ext cx="4683949" cy="599625"/>
+          <a:off x="0" y="1659490"/>
+          <a:ext cx="4718785" cy="0"/>
         </a:xfrm>
-        <a:prstGeom prst="roundRect">
+        <a:prstGeom prst="line">
           <a:avLst/>
         </a:prstGeom>
         <a:solidFill>
           <a:schemeClr val="accent2">
-            <a:hueOff val="2808911"/>
-            <a:satOff val="-3503"/>
-            <a:lumOff val="824"/>
+            <a:hueOff val="0"/>
+            <a:satOff val="0"/>
+            <a:lumOff val="0"/>
             <a:alphaOff val="0"/>
           </a:schemeClr>
         </a:solidFill>
         <a:ln w="25400" cap="flat" cmpd="sng" algn="ctr">
           <a:solidFill>
-            <a:schemeClr val="lt1">
+            <a:schemeClr val="accent2">
               <a:hueOff val="0"/>
               <a:satOff val="0"/>
               <a:lumOff val="0"/>
@@ -9941,13 +10146,45 @@
           <a:schemeClr val="lt1"/>
         </a:fontRef>
       </dsp:style>
+    </dsp:sp>
+    <dsp:sp modelId="{42C30A3E-28A9-429D-8F60-7271AEA916F8}">
+      <dsp:nvSpPr>
+        <dsp:cNvPr id="0" name=""/>
+        <dsp:cNvSpPr/>
+      </dsp:nvSpPr>
+      <dsp:spPr>
+        <a:xfrm>
+          <a:off x="0" y="1659490"/>
+          <a:ext cx="4718785" cy="552938"/>
+        </a:xfrm>
+        <a:prstGeom prst="rect">
+          <a:avLst/>
+        </a:prstGeom>
+        <a:noFill/>
+        <a:ln>
+          <a:noFill/>
+        </a:ln>
+        <a:effectLst/>
+      </dsp:spPr>
+      <dsp:style>
+        <a:lnRef idx="0">
+          <a:scrgbClr r="0" g="0" b="0"/>
+        </a:lnRef>
+        <a:fillRef idx="0">
+          <a:scrgbClr r="0" g="0" b="0"/>
+        </a:fillRef>
+        <a:effectRef idx="0">
+          <a:scrgbClr r="0" g="0" b="0"/>
+        </a:effectRef>
+        <a:fontRef idx="minor"/>
+      </dsp:style>
       <dsp:txBody>
-        <a:bodyPr spcFirstLastPara="0" vert="horz" wrap="square" lIns="95250" tIns="95250" rIns="95250" bIns="95250" numCol="1" spcCol="1270" anchor="ctr" anchorCtr="0">
+        <a:bodyPr spcFirstLastPara="0" vert="horz" wrap="square" lIns="41910" tIns="41910" rIns="41910" bIns="41910" numCol="1" spcCol="1270" anchor="t" anchorCtr="0">
           <a:noAutofit/>
         </a:bodyPr>
         <a:lstStyle/>
         <a:p>
-          <a:pPr marL="0" lvl="0" indent="0" algn="l" defTabSz="1111250">
+          <a:pPr marL="0" lvl="0" indent="0" algn="l" defTabSz="488950">
             <a:lnSpc>
               <a:spcPct val="90000"/>
             </a:lnSpc>
@@ -9960,40 +10197,41 @@
             <a:buNone/>
           </a:pPr>
           <a:r>
-            <a:rPr lang="en-US" sz="2500" kern="1200"/>
-            <a:t>- Memória para 24h</a:t>
+            <a:rPr lang="pt-PT" sz="1100" kern="1200" dirty="0"/>
+            <a:t>RF-04  O sistema deve transmitir dados indicando se há presença de pessoas e ou volume de gás a cada 1 minutos via rede sem fio para servidor IoT.</a:t>
           </a:r>
+          <a:endParaRPr lang="pt-BR" sz="1100" kern="1200" dirty="0"/>
         </a:p>
       </dsp:txBody>
       <dsp:txXfrm>
-        <a:off x="29271" y="2859944"/>
-        <a:ext cx="4625407" cy="541083"/>
+        <a:off x="0" y="1659490"/>
+        <a:ext cx="4718785" cy="552938"/>
       </dsp:txXfrm>
     </dsp:sp>
-    <dsp:sp modelId="{A5968135-11FB-4013-845D-B2B296C05757}">
+    <dsp:sp modelId="{F172999B-CBCF-4E84-AB6C-433C434652B1}">
       <dsp:nvSpPr>
         <dsp:cNvPr id="0" name=""/>
         <dsp:cNvSpPr/>
       </dsp:nvSpPr>
       <dsp:spPr>
         <a:xfrm>
-          <a:off x="0" y="3502298"/>
-          <a:ext cx="4683949" cy="599625"/>
+          <a:off x="0" y="2212429"/>
+          <a:ext cx="4718785" cy="0"/>
         </a:xfrm>
-        <a:prstGeom prst="roundRect">
+        <a:prstGeom prst="line">
           <a:avLst/>
         </a:prstGeom>
         <a:solidFill>
           <a:schemeClr val="accent2">
-            <a:hueOff val="3745215"/>
-            <a:satOff val="-4671"/>
-            <a:lumOff val="1098"/>
+            <a:hueOff val="0"/>
+            <a:satOff val="0"/>
+            <a:lumOff val="0"/>
             <a:alphaOff val="0"/>
           </a:schemeClr>
         </a:solidFill>
         <a:ln w="25400" cap="flat" cmpd="sng" algn="ctr">
           <a:solidFill>
-            <a:schemeClr val="lt1">
+            <a:schemeClr val="accent2">
               <a:hueOff val="0"/>
               <a:satOff val="0"/>
               <a:lumOff val="0"/>
@@ -10018,13 +10256,45 @@
           <a:schemeClr val="lt1"/>
         </a:fontRef>
       </dsp:style>
+    </dsp:sp>
+    <dsp:sp modelId="{178F9617-1ECC-4D4B-BDDB-79A31F1D5554}">
+      <dsp:nvSpPr>
+        <dsp:cNvPr id="0" name=""/>
+        <dsp:cNvSpPr/>
+      </dsp:nvSpPr>
+      <dsp:spPr>
+        <a:xfrm>
+          <a:off x="0" y="2212429"/>
+          <a:ext cx="4718785" cy="552938"/>
+        </a:xfrm>
+        <a:prstGeom prst="rect">
+          <a:avLst/>
+        </a:prstGeom>
+        <a:noFill/>
+        <a:ln>
+          <a:noFill/>
+        </a:ln>
+        <a:effectLst/>
+      </dsp:spPr>
+      <dsp:style>
+        <a:lnRef idx="0">
+          <a:scrgbClr r="0" g="0" b="0"/>
+        </a:lnRef>
+        <a:fillRef idx="0">
+          <a:scrgbClr r="0" g="0" b="0"/>
+        </a:fillRef>
+        <a:effectRef idx="0">
+          <a:scrgbClr r="0" g="0" b="0"/>
+        </a:effectRef>
+        <a:fontRef idx="minor"/>
+      </dsp:style>
       <dsp:txBody>
-        <a:bodyPr spcFirstLastPara="0" vert="horz" wrap="square" lIns="95250" tIns="95250" rIns="95250" bIns="95250" numCol="1" spcCol="1270" anchor="ctr" anchorCtr="0">
+        <a:bodyPr spcFirstLastPara="0" vert="horz" wrap="square" lIns="41910" tIns="41910" rIns="41910" bIns="41910" numCol="1" spcCol="1270" anchor="t" anchorCtr="0">
           <a:noAutofit/>
         </a:bodyPr>
         <a:lstStyle/>
         <a:p>
-          <a:pPr marL="0" lvl="0" indent="0" algn="l" defTabSz="1111250">
+          <a:pPr marL="0" lvl="0" indent="0" algn="l" defTabSz="488950">
             <a:lnSpc>
               <a:spcPct val="90000"/>
             </a:lnSpc>
@@ -10037,40 +10307,41 @@
             <a:buNone/>
           </a:pPr>
           <a:r>
-            <a:rPr lang="en-US" sz="2500" kern="1200"/>
-            <a:t>- LED + alarme</a:t>
+            <a:rPr lang="pt-PT" sz="1100" kern="1200" dirty="0"/>
+            <a:t>RF-05   Armazenar localmente até 24h de medições em caso de falha de conexão.</a:t>
           </a:r>
+          <a:endParaRPr lang="pt-BR" sz="1100" kern="1200" dirty="0"/>
         </a:p>
       </dsp:txBody>
       <dsp:txXfrm>
-        <a:off x="29271" y="3531569"/>
-        <a:ext cx="4625407" cy="541083"/>
+        <a:off x="0" y="2212429"/>
+        <a:ext cx="4718785" cy="552938"/>
       </dsp:txXfrm>
     </dsp:sp>
-    <dsp:sp modelId="{4436741A-51F3-49EB-8654-E6278ADECFA6}">
+    <dsp:sp modelId="{12207EB9-06CE-4763-B8A6-ACD7843DC888}">
       <dsp:nvSpPr>
         <dsp:cNvPr id="0" name=""/>
         <dsp:cNvSpPr/>
       </dsp:nvSpPr>
       <dsp:spPr>
         <a:xfrm>
-          <a:off x="0" y="4173923"/>
-          <a:ext cx="4683949" cy="599625"/>
+          <a:off x="0" y="2765367"/>
+          <a:ext cx="4718785" cy="0"/>
         </a:xfrm>
-        <a:prstGeom prst="roundRect">
+        <a:prstGeom prst="line">
           <a:avLst/>
         </a:prstGeom>
         <a:solidFill>
           <a:schemeClr val="accent2">
-            <a:hueOff val="4681519"/>
-            <a:satOff val="-5839"/>
-            <a:lumOff val="1373"/>
+            <a:hueOff val="0"/>
+            <a:satOff val="0"/>
+            <a:lumOff val="0"/>
             <a:alphaOff val="0"/>
           </a:schemeClr>
         </a:solidFill>
         <a:ln w="25400" cap="flat" cmpd="sng" algn="ctr">
           <a:solidFill>
-            <a:schemeClr val="lt1">
+            <a:schemeClr val="accent2">
               <a:hueOff val="0"/>
               <a:satOff val="0"/>
               <a:lumOff val="0"/>
@@ -10095,13 +10366,45 @@
           <a:schemeClr val="lt1"/>
         </a:fontRef>
       </dsp:style>
+    </dsp:sp>
+    <dsp:sp modelId="{70F73029-5233-4132-BC01-89EE6C38E8E3}">
+      <dsp:nvSpPr>
+        <dsp:cNvPr id="0" name=""/>
+        <dsp:cNvSpPr/>
+      </dsp:nvSpPr>
+      <dsp:spPr>
+        <a:xfrm>
+          <a:off x="0" y="2765367"/>
+          <a:ext cx="4718785" cy="552938"/>
+        </a:xfrm>
+        <a:prstGeom prst="rect">
+          <a:avLst/>
+        </a:prstGeom>
+        <a:noFill/>
+        <a:ln>
+          <a:noFill/>
+        </a:ln>
+        <a:effectLst/>
+      </dsp:spPr>
+      <dsp:style>
+        <a:lnRef idx="0">
+          <a:scrgbClr r="0" g="0" b="0"/>
+        </a:lnRef>
+        <a:fillRef idx="0">
+          <a:scrgbClr r="0" g="0" b="0"/>
+        </a:fillRef>
+        <a:effectRef idx="0">
+          <a:scrgbClr r="0" g="0" b="0"/>
+        </a:effectRef>
+        <a:fontRef idx="minor"/>
+      </dsp:style>
       <dsp:txBody>
-        <a:bodyPr spcFirstLastPara="0" vert="horz" wrap="square" lIns="95250" tIns="95250" rIns="95250" bIns="95250" numCol="1" spcCol="1270" anchor="ctr" anchorCtr="0">
+        <a:bodyPr spcFirstLastPara="0" vert="horz" wrap="square" lIns="41910" tIns="41910" rIns="41910" bIns="41910" numCol="1" spcCol="1270" anchor="t" anchorCtr="0">
           <a:noAutofit/>
         </a:bodyPr>
         <a:lstStyle/>
         <a:p>
-          <a:pPr marL="0" lvl="0" indent="0" algn="l" defTabSz="1111250">
+          <a:pPr marL="0" lvl="0" indent="0" algn="l" defTabSz="488950">
             <a:lnSpc>
               <a:spcPct val="90000"/>
             </a:lnSpc>
@@ -10114,14 +10417,455 @@
             <a:buNone/>
           </a:pPr>
           <a:r>
-            <a:rPr lang="en-US" sz="2500" kern="1200"/>
-            <a:t>- Microcontrolador + rede sem fio</a:t>
+            <a:rPr lang="pt-PT" sz="1100" kern="1200" dirty="0"/>
+            <a:t>RF-06    Verificar se há presença de pessoas no ambiente confinado.</a:t>
           </a:r>
+          <a:endParaRPr lang="pt-BR" sz="1100" kern="1200" dirty="0"/>
         </a:p>
       </dsp:txBody>
       <dsp:txXfrm>
-        <a:off x="29271" y="4203194"/>
-        <a:ext cx="4625407" cy="541083"/>
+        <a:off x="0" y="2765367"/>
+        <a:ext cx="4718785" cy="552938"/>
+      </dsp:txXfrm>
+    </dsp:sp>
+    <dsp:sp modelId="{AC5FC2CB-F7F7-44FC-8FAC-8721A03FF58E}">
+      <dsp:nvSpPr>
+        <dsp:cNvPr id="0" name=""/>
+        <dsp:cNvSpPr/>
+      </dsp:nvSpPr>
+      <dsp:spPr>
+        <a:xfrm>
+          <a:off x="0" y="3318305"/>
+          <a:ext cx="4718785" cy="0"/>
+        </a:xfrm>
+        <a:prstGeom prst="line">
+          <a:avLst/>
+        </a:prstGeom>
+        <a:solidFill>
+          <a:schemeClr val="accent2">
+            <a:hueOff val="0"/>
+            <a:satOff val="0"/>
+            <a:lumOff val="0"/>
+            <a:alphaOff val="0"/>
+          </a:schemeClr>
+        </a:solidFill>
+        <a:ln w="25400" cap="flat" cmpd="sng" algn="ctr">
+          <a:solidFill>
+            <a:schemeClr val="accent2">
+              <a:hueOff val="0"/>
+              <a:satOff val="0"/>
+              <a:lumOff val="0"/>
+              <a:alphaOff val="0"/>
+            </a:schemeClr>
+          </a:solidFill>
+          <a:prstDash val="solid"/>
+        </a:ln>
+        <a:effectLst/>
+      </dsp:spPr>
+      <dsp:style>
+        <a:lnRef idx="2">
+          <a:scrgbClr r="0" g="0" b="0"/>
+        </a:lnRef>
+        <a:fillRef idx="1">
+          <a:scrgbClr r="0" g="0" b="0"/>
+        </a:fillRef>
+        <a:effectRef idx="0">
+          <a:scrgbClr r="0" g="0" b="0"/>
+        </a:effectRef>
+        <a:fontRef idx="minor">
+          <a:schemeClr val="lt1"/>
+        </a:fontRef>
+      </dsp:style>
+    </dsp:sp>
+    <dsp:sp modelId="{57AD1B85-C95B-4A54-BDB6-6C6A755C4AE8}">
+      <dsp:nvSpPr>
+        <dsp:cNvPr id="0" name=""/>
+        <dsp:cNvSpPr/>
+      </dsp:nvSpPr>
+      <dsp:spPr>
+        <a:xfrm>
+          <a:off x="0" y="3318305"/>
+          <a:ext cx="4718785" cy="552938"/>
+        </a:xfrm>
+        <a:prstGeom prst="rect">
+          <a:avLst/>
+        </a:prstGeom>
+        <a:noFill/>
+        <a:ln>
+          <a:noFill/>
+        </a:ln>
+        <a:effectLst/>
+      </dsp:spPr>
+      <dsp:style>
+        <a:lnRef idx="0">
+          <a:scrgbClr r="0" g="0" b="0"/>
+        </a:lnRef>
+        <a:fillRef idx="0">
+          <a:scrgbClr r="0" g="0" b="0"/>
+        </a:fillRef>
+        <a:effectRef idx="0">
+          <a:scrgbClr r="0" g="0" b="0"/>
+        </a:effectRef>
+        <a:fontRef idx="minor"/>
+      </dsp:style>
+      <dsp:txBody>
+        <a:bodyPr spcFirstLastPara="0" vert="horz" wrap="square" lIns="41910" tIns="41910" rIns="41910" bIns="41910" numCol="1" spcCol="1270" anchor="t" anchorCtr="0">
+          <a:noAutofit/>
+        </a:bodyPr>
+        <a:lstStyle/>
+        <a:p>
+          <a:pPr marL="0" lvl="0" indent="0" algn="l" defTabSz="488950">
+            <a:lnSpc>
+              <a:spcPct val="90000"/>
+            </a:lnSpc>
+            <a:spcBef>
+              <a:spcPct val="0"/>
+            </a:spcBef>
+            <a:spcAft>
+              <a:spcPct val="35000"/>
+            </a:spcAft>
+            <a:buNone/>
+          </a:pPr>
+          <a:r>
+            <a:rPr lang="pt-PT" sz="1100" kern="1200" dirty="0"/>
+            <a:t>RF-07  Interface de rede para realizar a comunicação do embarcado com a plataforma IoT.</a:t>
+          </a:r>
+          <a:endParaRPr lang="pt-BR" sz="1100" kern="1200" dirty="0"/>
+        </a:p>
+      </dsp:txBody>
+      <dsp:txXfrm>
+        <a:off x="0" y="3318305"/>
+        <a:ext cx="4718785" cy="552938"/>
+      </dsp:txXfrm>
+    </dsp:sp>
+    <dsp:sp modelId="{D165BDD2-B9AA-4253-BF88-59304FC695C4}">
+      <dsp:nvSpPr>
+        <dsp:cNvPr id="0" name=""/>
+        <dsp:cNvSpPr/>
+      </dsp:nvSpPr>
+      <dsp:spPr>
+        <a:xfrm>
+          <a:off x="0" y="3871244"/>
+          <a:ext cx="4718785" cy="0"/>
+        </a:xfrm>
+        <a:prstGeom prst="line">
+          <a:avLst/>
+        </a:prstGeom>
+        <a:solidFill>
+          <a:schemeClr val="accent2">
+            <a:hueOff val="0"/>
+            <a:satOff val="0"/>
+            <a:lumOff val="0"/>
+            <a:alphaOff val="0"/>
+          </a:schemeClr>
+        </a:solidFill>
+        <a:ln w="25400" cap="flat" cmpd="sng" algn="ctr">
+          <a:solidFill>
+            <a:schemeClr val="accent2">
+              <a:hueOff val="0"/>
+              <a:satOff val="0"/>
+              <a:lumOff val="0"/>
+              <a:alphaOff val="0"/>
+            </a:schemeClr>
+          </a:solidFill>
+          <a:prstDash val="solid"/>
+        </a:ln>
+        <a:effectLst/>
+      </dsp:spPr>
+      <dsp:style>
+        <a:lnRef idx="2">
+          <a:scrgbClr r="0" g="0" b="0"/>
+        </a:lnRef>
+        <a:fillRef idx="1">
+          <a:scrgbClr r="0" g="0" b="0"/>
+        </a:fillRef>
+        <a:effectRef idx="0">
+          <a:scrgbClr r="0" g="0" b="0"/>
+        </a:effectRef>
+        <a:fontRef idx="minor">
+          <a:schemeClr val="lt1"/>
+        </a:fontRef>
+      </dsp:style>
+    </dsp:sp>
+    <dsp:sp modelId="{51BACDAA-6B5D-49DE-8C86-DBB71516C7A9}">
+      <dsp:nvSpPr>
+        <dsp:cNvPr id="0" name=""/>
+        <dsp:cNvSpPr/>
+      </dsp:nvSpPr>
+      <dsp:spPr>
+        <a:xfrm>
+          <a:off x="0" y="3871244"/>
+          <a:ext cx="4718785" cy="552938"/>
+        </a:xfrm>
+        <a:prstGeom prst="rect">
+          <a:avLst/>
+        </a:prstGeom>
+        <a:noFill/>
+        <a:ln>
+          <a:noFill/>
+        </a:ln>
+        <a:effectLst/>
+      </dsp:spPr>
+      <dsp:style>
+        <a:lnRef idx="0">
+          <a:scrgbClr r="0" g="0" b="0"/>
+        </a:lnRef>
+        <a:fillRef idx="0">
+          <a:scrgbClr r="0" g="0" b="0"/>
+        </a:fillRef>
+        <a:effectRef idx="0">
+          <a:scrgbClr r="0" g="0" b="0"/>
+        </a:effectRef>
+        <a:fontRef idx="minor"/>
+      </dsp:style>
+      <dsp:txBody>
+        <a:bodyPr spcFirstLastPara="0" vert="horz" wrap="square" lIns="41910" tIns="41910" rIns="41910" bIns="41910" numCol="1" spcCol="1270" anchor="t" anchorCtr="0">
+          <a:noAutofit/>
+        </a:bodyPr>
+        <a:lstStyle/>
+        <a:p>
+          <a:pPr marL="0" lvl="0" indent="0" algn="l" defTabSz="488950">
+            <a:lnSpc>
+              <a:spcPct val="90000"/>
+            </a:lnSpc>
+            <a:spcBef>
+              <a:spcPct val="0"/>
+            </a:spcBef>
+            <a:spcAft>
+              <a:spcPct val="35000"/>
+            </a:spcAft>
+            <a:buNone/>
+          </a:pPr>
+          <a:r>
+            <a:rPr lang="pt-PT" sz="1100" kern="1200"/>
+            <a:t>RF-08	Dispositivo para emitir alarme sonoro caso o sensor de gases detecte mais de 400 ppm e tenha pessoas no ambiente.</a:t>
+          </a:r>
+          <a:endParaRPr lang="pt-BR" sz="1100" kern="1200" dirty="0"/>
+        </a:p>
+      </dsp:txBody>
+      <dsp:txXfrm>
+        <a:off x="0" y="3871244"/>
+        <a:ext cx="4718785" cy="552938"/>
+      </dsp:txXfrm>
+    </dsp:sp>
+    <dsp:sp modelId="{CF70A836-1006-4207-93C8-D8E9AF7B95B5}">
+      <dsp:nvSpPr>
+        <dsp:cNvPr id="0" name=""/>
+        <dsp:cNvSpPr/>
+      </dsp:nvSpPr>
+      <dsp:spPr>
+        <a:xfrm>
+          <a:off x="0" y="4424182"/>
+          <a:ext cx="4718785" cy="0"/>
+        </a:xfrm>
+        <a:prstGeom prst="line">
+          <a:avLst/>
+        </a:prstGeom>
+        <a:solidFill>
+          <a:schemeClr val="accent2">
+            <a:hueOff val="0"/>
+            <a:satOff val="0"/>
+            <a:lumOff val="0"/>
+            <a:alphaOff val="0"/>
+          </a:schemeClr>
+        </a:solidFill>
+        <a:ln w="25400" cap="flat" cmpd="sng" algn="ctr">
+          <a:solidFill>
+            <a:schemeClr val="accent2">
+              <a:hueOff val="0"/>
+              <a:satOff val="0"/>
+              <a:lumOff val="0"/>
+              <a:alphaOff val="0"/>
+            </a:schemeClr>
+          </a:solidFill>
+          <a:prstDash val="solid"/>
+        </a:ln>
+        <a:effectLst/>
+      </dsp:spPr>
+      <dsp:style>
+        <a:lnRef idx="2">
+          <a:scrgbClr r="0" g="0" b="0"/>
+        </a:lnRef>
+        <a:fillRef idx="1">
+          <a:scrgbClr r="0" g="0" b="0"/>
+        </a:fillRef>
+        <a:effectRef idx="0">
+          <a:scrgbClr r="0" g="0" b="0"/>
+        </a:effectRef>
+        <a:fontRef idx="minor">
+          <a:schemeClr val="lt1"/>
+        </a:fontRef>
+      </dsp:style>
+    </dsp:sp>
+    <dsp:sp modelId="{2B70572E-A80C-4C91-A76B-F346B86FC0FA}">
+      <dsp:nvSpPr>
+        <dsp:cNvPr id="0" name=""/>
+        <dsp:cNvSpPr/>
+      </dsp:nvSpPr>
+      <dsp:spPr>
+        <a:xfrm>
+          <a:off x="0" y="4424182"/>
+          <a:ext cx="4718785" cy="552938"/>
+        </a:xfrm>
+        <a:prstGeom prst="rect">
+          <a:avLst/>
+        </a:prstGeom>
+        <a:noFill/>
+        <a:ln>
+          <a:noFill/>
+        </a:ln>
+        <a:effectLst/>
+      </dsp:spPr>
+      <dsp:style>
+        <a:lnRef idx="0">
+          <a:scrgbClr r="0" g="0" b="0"/>
+        </a:lnRef>
+        <a:fillRef idx="0">
+          <a:scrgbClr r="0" g="0" b="0"/>
+        </a:fillRef>
+        <a:effectRef idx="0">
+          <a:scrgbClr r="0" g="0" b="0"/>
+        </a:effectRef>
+        <a:fontRef idx="minor"/>
+      </dsp:style>
+      <dsp:txBody>
+        <a:bodyPr spcFirstLastPara="0" vert="horz" wrap="square" lIns="41910" tIns="41910" rIns="41910" bIns="41910" numCol="1" spcCol="1270" anchor="t" anchorCtr="0">
+          <a:noAutofit/>
+        </a:bodyPr>
+        <a:lstStyle/>
+        <a:p>
+          <a:pPr marL="0" lvl="0" indent="0" algn="l" defTabSz="488950">
+            <a:lnSpc>
+              <a:spcPct val="90000"/>
+            </a:lnSpc>
+            <a:spcBef>
+              <a:spcPct val="0"/>
+            </a:spcBef>
+            <a:spcAft>
+              <a:spcPct val="35000"/>
+            </a:spcAft>
+            <a:buNone/>
+          </a:pPr>
+          <a:r>
+            <a:rPr lang="pt-PT" sz="1100" kern="1200"/>
+            <a:t>RF-09 – Led para indicar caso o sensor de gases detecte mais de 400 ppm e tenha pessoas no ambiente.</a:t>
+          </a:r>
+          <a:endParaRPr lang="pt-BR" sz="1100" kern="1200"/>
+        </a:p>
+      </dsp:txBody>
+      <dsp:txXfrm>
+        <a:off x="0" y="4424182"/>
+        <a:ext cx="4718785" cy="552938"/>
+      </dsp:txXfrm>
+    </dsp:sp>
+    <dsp:sp modelId="{D205C6B0-0CC1-4C18-A70F-B947AF177780}">
+      <dsp:nvSpPr>
+        <dsp:cNvPr id="0" name=""/>
+        <dsp:cNvSpPr/>
+      </dsp:nvSpPr>
+      <dsp:spPr>
+        <a:xfrm>
+          <a:off x="0" y="4977121"/>
+          <a:ext cx="4718785" cy="0"/>
+        </a:xfrm>
+        <a:prstGeom prst="line">
+          <a:avLst/>
+        </a:prstGeom>
+        <a:solidFill>
+          <a:schemeClr val="accent2">
+            <a:hueOff val="0"/>
+            <a:satOff val="0"/>
+            <a:lumOff val="0"/>
+            <a:alphaOff val="0"/>
+          </a:schemeClr>
+        </a:solidFill>
+        <a:ln w="25400" cap="flat" cmpd="sng" algn="ctr">
+          <a:solidFill>
+            <a:schemeClr val="accent2">
+              <a:hueOff val="0"/>
+              <a:satOff val="0"/>
+              <a:lumOff val="0"/>
+              <a:alphaOff val="0"/>
+            </a:schemeClr>
+          </a:solidFill>
+          <a:prstDash val="solid"/>
+        </a:ln>
+        <a:effectLst/>
+      </dsp:spPr>
+      <dsp:style>
+        <a:lnRef idx="2">
+          <a:scrgbClr r="0" g="0" b="0"/>
+        </a:lnRef>
+        <a:fillRef idx="1">
+          <a:scrgbClr r="0" g="0" b="0"/>
+        </a:fillRef>
+        <a:effectRef idx="0">
+          <a:scrgbClr r="0" g="0" b="0"/>
+        </a:effectRef>
+        <a:fontRef idx="minor">
+          <a:schemeClr val="lt1"/>
+        </a:fontRef>
+      </dsp:style>
+    </dsp:sp>
+    <dsp:sp modelId="{B561691F-AC23-4673-8E3B-429A97BBB31D}">
+      <dsp:nvSpPr>
+        <dsp:cNvPr id="0" name=""/>
+        <dsp:cNvSpPr/>
+      </dsp:nvSpPr>
+      <dsp:spPr>
+        <a:xfrm>
+          <a:off x="0" y="4977121"/>
+          <a:ext cx="4718785" cy="552938"/>
+        </a:xfrm>
+        <a:prstGeom prst="rect">
+          <a:avLst/>
+        </a:prstGeom>
+        <a:noFill/>
+        <a:ln>
+          <a:noFill/>
+        </a:ln>
+        <a:effectLst/>
+      </dsp:spPr>
+      <dsp:style>
+        <a:lnRef idx="0">
+          <a:scrgbClr r="0" g="0" b="0"/>
+        </a:lnRef>
+        <a:fillRef idx="0">
+          <a:scrgbClr r="0" g="0" b="0"/>
+        </a:fillRef>
+        <a:effectRef idx="0">
+          <a:scrgbClr r="0" g="0" b="0"/>
+        </a:effectRef>
+        <a:fontRef idx="minor"/>
+      </dsp:style>
+      <dsp:txBody>
+        <a:bodyPr spcFirstLastPara="0" vert="horz" wrap="square" lIns="41910" tIns="41910" rIns="41910" bIns="41910" numCol="1" spcCol="1270" anchor="t" anchorCtr="0">
+          <a:noAutofit/>
+        </a:bodyPr>
+        <a:lstStyle/>
+        <a:p>
+          <a:pPr marL="0" lvl="0" indent="0" algn="l" defTabSz="488950">
+            <a:lnSpc>
+              <a:spcPct val="90000"/>
+            </a:lnSpc>
+            <a:spcBef>
+              <a:spcPct val="0"/>
+            </a:spcBef>
+            <a:spcAft>
+              <a:spcPct val="35000"/>
+            </a:spcAft>
+            <a:buNone/>
+          </a:pPr>
+          <a:r>
+            <a:rPr lang="pt-PT" sz="1100" kern="1200"/>
+            <a:t>RF-10 – O sistema deve conter um microcontrolador.</a:t>
+          </a:r>
+          <a:endParaRPr lang="pt-BR" sz="1100" kern="1200"/>
+        </a:p>
+      </dsp:txBody>
+      <dsp:txXfrm>
+        <a:off x="0" y="4977121"/>
+        <a:ext cx="4718785" cy="552938"/>
       </dsp:txXfrm>
     </dsp:sp>
   </dsp:spTree>
@@ -11800,40 +12544,94 @@
 </file>
 
 <file path=ppt/diagrams/layout1.xml><?xml version="1.0" encoding="utf-8"?>
-<dgm:layoutDef xmlns:dgm="http://schemas.openxmlformats.org/drawingml/2006/diagram" xmlns:a="http://schemas.openxmlformats.org/drawingml/2006/main" uniqueId="urn:microsoft.com/office/officeart/2018/2/layout/IconVerticalSolidList">
-  <dgm:title val="Icon Vertical Solid List"/>
-  <dgm:desc val="Use to show a series of visuals from top to bottom with Level 1 or Level 1 and Level 2 text grouped in a shape. Works best with icons or small pictures with lengthier descriptions."/>
+<dgm:layoutDef xmlns:dgm="http://schemas.openxmlformats.org/drawingml/2006/diagram" xmlns:a="http://schemas.openxmlformats.org/drawingml/2006/main" uniqueId="urn:microsoft.com/office/officeart/2008/layout/LinedList">
+  <dgm:title val=""/>
+  <dgm:desc val=""/>
   <dgm:catLst>
-    <dgm:cat type="icon" pri="500"/>
+    <dgm:cat type="hierarchy" pri="8000"/>
+    <dgm:cat type="list" pri="2500"/>
   </dgm:catLst>
-  <dgm:sampData useDef="1">
+  <dgm:sampData>
     <dgm:dataModel>
-      <dgm:ptLst/>
+      <dgm:ptLst>
+        <dgm:pt modelId="0" type="doc"/>
+        <dgm:pt modelId="1">
+          <dgm:prSet phldr="1"/>
+        </dgm:pt>
+        <dgm:pt modelId="11">
+          <dgm:prSet phldr="1"/>
+        </dgm:pt>
+        <dgm:pt modelId="12">
+          <dgm:prSet phldr="1"/>
+        </dgm:pt>
+        <dgm:pt modelId="13">
+          <dgm:prSet phldr="1"/>
+        </dgm:pt>
+      </dgm:ptLst>
+      <dgm:cxnLst>
+        <dgm:cxn modelId="2" srcId="0" destId="1" srcOrd="0" destOrd="0"/>
+        <dgm:cxn modelId="3" srcId="1" destId="11" srcOrd="0" destOrd="0"/>
+        <dgm:cxn modelId="4" srcId="1" destId="12" srcOrd="1" destOrd="0"/>
+        <dgm:cxn modelId="5" srcId="1" destId="13" srcOrd="2" destOrd="0"/>
+      </dgm:cxnLst>
       <dgm:bg/>
       <dgm:whole/>
     </dgm:dataModel>
   </dgm:sampData>
-  <dgm:styleData useDef="1">
+  <dgm:styleData>
     <dgm:dataModel>
-      <dgm:ptLst/>
+      <dgm:ptLst>
+        <dgm:pt modelId="0" type="doc"/>
+        <dgm:pt modelId="1">
+          <dgm:prSet phldr="1"/>
+        </dgm:pt>
+        <dgm:pt modelId="11">
+          <dgm:prSet phldr="1"/>
+        </dgm:pt>
+        <dgm:pt modelId="12">
+          <dgm:prSet phldr="1"/>
+        </dgm:pt>
+      </dgm:ptLst>
+      <dgm:cxnLst>
+        <dgm:cxn modelId="2" srcId="0" destId="1" srcOrd="0" destOrd="0"/>
+        <dgm:cxn modelId="3" srcId="1" destId="11" srcOrd="0" destOrd="0"/>
+        <dgm:cxn modelId="4" srcId="1" destId="12" srcOrd="1" destOrd="0"/>
+      </dgm:cxnLst>
       <dgm:bg/>
       <dgm:whole/>
     </dgm:dataModel>
   </dgm:styleData>
-  <dgm:clrData useDef="1">
+  <dgm:clrData>
     <dgm:dataModel>
-      <dgm:ptLst/>
+      <dgm:ptLst>
+        <dgm:pt modelId="0" type="doc"/>
+        <dgm:pt modelId="1">
+          <dgm:prSet phldr="1"/>
+        </dgm:pt>
+        <dgm:pt modelId="11">
+          <dgm:prSet phldr="1"/>
+        </dgm:pt>
+        <dgm:pt modelId="12">
+          <dgm:prSet phldr="1"/>
+        </dgm:pt>
+      </dgm:ptLst>
+      <dgm:cxnLst>
+        <dgm:cxn modelId="2" srcId="0" destId="1" srcOrd="0" destOrd="0"/>
+        <dgm:cxn modelId="3" srcId="1" destId="11" srcOrd="0" destOrd="0"/>
+        <dgm:cxn modelId="4" srcId="1" destId="12" srcOrd="1" destOrd="0"/>
+      </dgm:cxnLst>
       <dgm:bg/>
       <dgm:whole/>
     </dgm:dataModel>
   </dgm:clrData>
-  <dgm:layoutNode name="root">
+  <dgm:layoutNode name="vert0">
     <dgm:varLst>
       <dgm:dir/>
-      <dgm:resizeHandles val="exact"/>
+      <dgm:animOne val="branch"/>
+      <dgm:animLvl val="lvl"/>
     </dgm:varLst>
     <dgm:choose name="Name0">
-      <dgm:if name="Name1" axis="self" func="var" arg="dir" op="equ" val="norm">
+      <dgm:if name="Name1" func="var" arg="dir" op="equ" val="norm">
         <dgm:alg type="lin">
           <dgm:param type="linDir" val="fromT"/>
           <dgm:param type="nodeHorzAlign" val="l"/>
@@ -11850,246 +12648,364 @@
       <dgm:adjLst/>
     </dgm:shape>
     <dgm:presOf/>
-    <dgm:choose name="Name3">
-      <dgm:if name="Name4" axis="ch" ptType="node" func="cnt" op="lte" val="3">
-        <dgm:constrLst>
-          <dgm:constr type="h" for="ch" forName="compNode" refType="h" fact="0.3"/>
-          <dgm:constr type="w" for="ch" forName="compNode" refType="w"/>
-          <dgm:constr type="h" for="ch" forName="sibTrans" refType="h" refFor="ch" refForName="compNode" fact="0.25"/>
-          <dgm:constr type="primFontSz" for="des" forName="parTx" val="25"/>
-          <dgm:constr type="primFontSz" for="des" forName="desTx" refType="primFontSz" refFor="des" refForName="parTx" op="lte" fact="0.75"/>
-          <dgm:constr type="h" for="des" forName="compNode" op="equ"/>
-          <dgm:constr type="h" for="des" forName="bgRect" op="equ"/>
-          <dgm:constr type="h" for="des" forName="iconRect" op="equ"/>
-          <dgm:constr type="w" for="des" forName="iconRect" op="equ"/>
-          <dgm:constr type="h" for="des" forName="spaceRect" op="equ"/>
-          <dgm:constr type="h" for="des" forName="parTx" op="equ"/>
-          <dgm:constr type="h" for="des" forName="desTx" op="equ"/>
-        </dgm:constrLst>
-      </dgm:if>
-      <dgm:if name="Name5" axis="ch" ptType="node" func="cnt" op="lte" val="4">
-        <dgm:constrLst>
-          <dgm:constr type="h" for="ch" forName="compNode" refType="h" fact="0.3"/>
-          <dgm:constr type="w" for="ch" forName="compNode" refType="w"/>
-          <dgm:constr type="h" for="ch" forName="sibTrans" refType="h" refFor="ch" refForName="compNode" fact="0.25"/>
-          <dgm:constr type="primFontSz" for="des" forName="parTx" val="22"/>
-          <dgm:constr type="primFontSz" for="des" forName="desTx" refType="primFontSz" refFor="des" refForName="parTx" op="lte" fact="0.75"/>
-          <dgm:constr type="h" for="des" forName="compNode" op="equ"/>
-          <dgm:constr type="h" for="des" forName="bgRect" op="equ"/>
-          <dgm:constr type="h" for="des" forName="iconRect" op="equ"/>
-          <dgm:constr type="w" for="des" forName="iconRect" op="equ"/>
-          <dgm:constr type="h" for="des" forName="spaceRect" op="equ"/>
-          <dgm:constr type="h" for="des" forName="parTx" op="equ"/>
-          <dgm:constr type="h" for="des" forName="desTx" op="equ"/>
-        </dgm:constrLst>
-      </dgm:if>
-      <dgm:if name="Name6" axis="ch" ptType="node" func="cnt" op="lte" val="6">
-        <dgm:constrLst>
-          <dgm:constr type="h" for="ch" forName="compNode" refType="h" fact="0.3"/>
-          <dgm:constr type="w" for="ch" forName="compNode" refType="w"/>
-          <dgm:constr type="h" for="ch" forName="sibTrans" refType="h" refFor="ch" refForName="compNode" fact="0.25"/>
-          <dgm:constr type="primFontSz" for="des" forName="parTx" val="19"/>
-          <dgm:constr type="primFontSz" for="des" forName="desTx" refType="primFontSz" refFor="des" refForName="parTx" op="lte" fact="0.75"/>
-          <dgm:constr type="h" for="des" forName="compNode" op="equ"/>
-          <dgm:constr type="h" for="des" forName="bgRect" op="equ"/>
-          <dgm:constr type="h" for="des" forName="iconRect" op="equ"/>
-          <dgm:constr type="w" for="des" forName="iconRect" op="equ"/>
-          <dgm:constr type="h" for="des" forName="spaceRect" op="equ"/>
-          <dgm:constr type="h" for="des" forName="parTx" op="equ"/>
-          <dgm:constr type="h" for="des" forName="desTx" op="equ"/>
-        </dgm:constrLst>
-      </dgm:if>
-      <dgm:else name="Name7">
-        <dgm:constrLst>
-          <dgm:constr type="h" for="ch" forName="compNode" refType="h" fact="0.3"/>
-          <dgm:constr type="w" for="ch" forName="compNode" refType="w"/>
-          <dgm:constr type="h" for="ch" forName="sibTrans" refType="h" refFor="ch" refForName="compNode" fact="0.25"/>
-          <dgm:constr type="primFontSz" for="des" forName="parTx" val="16"/>
-          <dgm:constr type="primFontSz" for="des" forName="desTx" refType="primFontSz" refFor="des" refForName="parTx" op="lte" fact="0.75"/>
-          <dgm:constr type="h" for="des" forName="compNode" op="equ"/>
-          <dgm:constr type="h" for="des" forName="bgRect" op="equ"/>
-          <dgm:constr type="h" for="des" forName="iconRect" op="equ"/>
-          <dgm:constr type="w" for="des" forName="iconRect" op="equ"/>
-          <dgm:constr type="h" for="des" forName="spaceRect" op="equ"/>
-          <dgm:constr type="h" for="des" forName="parTx" op="equ"/>
-          <dgm:constr type="h" for="des" forName="desTx" op="equ"/>
-        </dgm:constrLst>
-      </dgm:else>
-    </dgm:choose>
-    <dgm:ruleLst>
-      <dgm:rule type="h" for="ch" forName="compNode" val="0" fact="NaN" max="NaN"/>
-    </dgm:ruleLst>
-    <dgm:forEach name="Name8" axis="ch" ptType="node">
-      <dgm:layoutNode name="compNode">
-        <dgm:alg type="composite"/>
+    <dgm:constrLst>
+      <dgm:constr type="w" for="ch" forName="horz1" refType="w"/>
+      <dgm:constr type="h" for="ch" forName="horz1" refType="h"/>
+      <dgm:constr type="h" for="des" forName="vert1" refType="h"/>
+      <dgm:constr type="h" for="des" forName="tx1" refType="h"/>
+      <dgm:constr type="h" for="des" forName="horz2" refType="h"/>
+      <dgm:constr type="h" for="des" forName="vert2" refType="h"/>
+      <dgm:constr type="h" for="des" forName="horz3" refType="h"/>
+      <dgm:constr type="h" for="des" forName="vert3" refType="h"/>
+      <dgm:constr type="h" for="des" forName="horz4" refType="h"/>
+      <dgm:constr type="h" for="des" ptType="node" refType="h"/>
+      <dgm:constr type="primFontSz" for="des" forName="tx1" op="equ" val="65"/>
+      <dgm:constr type="primFontSz" for="des" forName="tx2" op="equ" val="65"/>
+      <dgm:constr type="primFontSz" for="des" forName="tx3" op="equ" val="65"/>
+      <dgm:constr type="primFontSz" for="des" forName="tx4" op="equ" val="65"/>
+      <dgm:constr type="w" for="des" forName="thickLine" refType="w"/>
+      <dgm:constr type="h" for="des" forName="thickLine"/>
+      <dgm:constr type="h" for="des" forName="thinLine1"/>
+      <dgm:constr type="h" for="des" forName="thinLine2b"/>
+      <dgm:constr type="h" for="des" forName="thinLine3"/>
+      <dgm:constr type="h" for="des" forName="vertSpace2a" refType="h" fact="0.05"/>
+      <dgm:constr type="h" for="des" forName="vertSpace2b" refType="h" refFor="des" refForName="vertSpace2a"/>
+    </dgm:constrLst>
+    <dgm:forEach name="Name3" axis="ch" ptType="node">
+      <dgm:layoutNode name="thickLine" styleLbl="alignNode1">
+        <dgm:alg type="sp"/>
+        <dgm:shape xmlns:r="http://schemas.openxmlformats.org/officeDocument/2006/relationships" type="line" r:blip="">
+          <dgm:adjLst/>
+        </dgm:shape>
+        <dgm:presOf/>
+      </dgm:layoutNode>
+      <dgm:layoutNode name="horz1">
+        <dgm:choose name="Name4">
+          <dgm:if name="Name5" func="var" arg="dir" op="equ" val="norm">
+            <dgm:alg type="lin">
+              <dgm:param type="linDir" val="fromL"/>
+              <dgm:param type="nodeVertAlign" val="t"/>
+            </dgm:alg>
+          </dgm:if>
+          <dgm:else name="Name6">
+            <dgm:alg type="lin">
+              <dgm:param type="linDir" val="fromR"/>
+              <dgm:param type="nodeVertAlign" val="t"/>
+            </dgm:alg>
+          </dgm:else>
+        </dgm:choose>
         <dgm:shape xmlns:r="http://schemas.openxmlformats.org/officeDocument/2006/relationships" r:blip="">
           <dgm:adjLst/>
         </dgm:shape>
-        <dgm:presOf axis="self"/>
-        <dgm:choose name="Name9">
-          <dgm:if name="Name10" axis="ch" ptType="node" func="cnt" op="gte" val="1">
+        <dgm:presOf/>
+        <dgm:choose name="Name7">
+          <dgm:if name="Name8" axis="root des" func="maxDepth" op="equ" val="1">
             <dgm:constrLst>
-              <dgm:constr type="w" for="ch" forName="bgRect" refType="w"/>
-              <dgm:constr type="h" for="ch" forName="bgRect" refType="h"/>
-              <dgm:constr type="l" for="ch" forName="bgRect"/>
-              <dgm:constr type="t" for="ch" forName="bgRect"/>
-              <dgm:constr type="h" for="ch" forName="iconRect" refType="h" fact="0.55"/>
-              <dgm:constr type="w" for="ch" forName="iconRect" refType="h" refFor="ch" refForName="iconRect"/>
-              <dgm:constr type="l" for="ch" forName="iconRect" refType="h" refFor="ch" refForName="iconRect" fact="0.55"/>
-              <dgm:constr type="ctrY" for="ch" forName="iconRect" refType="ctrY" refFor="ch" refForName="bgRect"/>
-              <dgm:constr type="w" for="ch" forName="spaceRect" refType="l" refFor="ch" refForName="iconRect"/>
-              <dgm:constr type="h" for="ch" forName="spaceRect" refType="h"/>
-              <dgm:constr type="l" for="ch" forName="spaceRect" refType="r" refFor="ch" refForName="iconRect"/>
-              <dgm:constr type="t" for="ch" forName="spaceRect"/>
-              <dgm:constr type="w" for="ch" forName="parTx" refType="w" fact="0.45"/>
-              <dgm:constr type="h" for="ch" forName="parTx" refType="h"/>
-              <dgm:constr type="l" for="ch" forName="parTx" refType="r" refFor="ch" refForName="spaceRect"/>
-              <dgm:constr type="t" for="ch" forName="parTx"/>
-              <dgm:constr type="h" for="ch" forName="desTx" refType="h"/>
-              <dgm:constr type="l" for="ch" forName="desTx" refType="r" refFor="ch" refForName="parTx"/>
-              <dgm:constr type="t" for="ch" forName="desTx"/>
+              <dgm:constr type="w" for="ch" forName="tx1" refType="w"/>
             </dgm:constrLst>
           </dgm:if>
-          <dgm:else name="Name11">
+          <dgm:if name="Name9" axis="root des" func="maxDepth" op="equ" val="2">
             <dgm:constrLst>
-              <dgm:constr type="w" for="ch" forName="bgRect" refType="w"/>
-              <dgm:constr type="h" for="ch" forName="bgRect" refType="h"/>
-              <dgm:constr type="l" for="ch" forName="bgRect"/>
-              <dgm:constr type="t" for="ch" forName="bgRect"/>
-              <dgm:constr type="h" for="ch" forName="iconRect" refType="h" fact="0.55"/>
-              <dgm:constr type="w" for="ch" forName="iconRect" refType="h" refFor="ch" refForName="iconRect"/>
-              <dgm:constr type="l" for="ch" forName="iconRect" refType="h" refFor="ch" refForName="iconRect" fact="0.55"/>
-              <dgm:constr type="ctrY" for="ch" forName="iconRect" refType="ctrY" refFor="ch" refForName="bgRect"/>
-              <dgm:constr type="w" for="ch" forName="spaceRect" refType="l" refFor="ch" refForName="iconRect"/>
-              <dgm:constr type="h" for="ch" forName="spaceRect" refType="h"/>
-              <dgm:constr type="l" for="ch" forName="spaceRect" refType="r" refFor="ch" refForName="iconRect"/>
-              <dgm:constr type="t" for="ch" forName="spaceRect"/>
-              <dgm:constr type="h" for="ch" forName="parTx" refType="h"/>
-              <dgm:constr type="l" for="ch" forName="parTx" refType="r" refFor="ch" refForName="spaceRect"/>
-              <dgm:constr type="t" for="ch" forName="parTx"/>
+              <dgm:constr type="w" for="ch" forName="tx1" refType="w" fact="0.2"/>
+              <dgm:constr type="w" for="des" forName="tx2" refType="w" fact="0.785"/>
+              <dgm:constr type="w" for="des" forName="horzSpace2" refType="w" fact="0.015"/>
+              <dgm:constr type="w" for="des" forName="thinLine2b" refType="w" fact="0.8"/>
             </dgm:constrLst>
-          </dgm:else>
+          </dgm:if>
+          <dgm:if name="Name10" axis="root des" func="maxDepth" op="equ" val="3">
+            <dgm:constrLst>
+              <dgm:constr type="w" for="ch" forName="tx1" refType="w" fact="0.2"/>
+              <dgm:constr type="w" for="des" forName="tx2" refType="w" fact="0.385"/>
+              <dgm:constr type="w" for="des" forName="tx3" refType="w" fact="0.385"/>
+              <dgm:constr type="w" for="des" forName="horzSpace2" refType="w" fact="0.015"/>
+              <dgm:constr type="w" for="des" forName="horzSpace3" refType="w" fact="0.015"/>
+              <dgm:constr type="w" for="des" forName="thinLine2b" refType="w" fact="0.8"/>
+              <dgm:constr type="w" for="des" forName="thinLine3" refType="w" fact="0.385"/>
+            </dgm:constrLst>
+          </dgm:if>
+          <dgm:if name="Name11" axis="root des" func="maxDepth" op="gte" val="4">
+            <dgm:constrLst>
+              <dgm:constr type="w" for="ch" forName="tx1" refType="w" fact="0.2"/>
+              <dgm:constr type="w" for="des" forName="tx2" refType="w" fact="0.2516"/>
+              <dgm:constr type="w" for="des" forName="tx3" refType="w" fact="0.2516"/>
+              <dgm:constr type="w" for="des" forName="tx4" refType="w" fact="0.2516"/>
+              <dgm:constr type="w" for="des" forName="horzSpace2" refType="w" fact="0.015"/>
+              <dgm:constr type="w" for="des" forName="horzSpace3" refType="w" fact="0.015"/>
+              <dgm:constr type="w" for="des" forName="horzSpace4" refType="w" fact="0.015"/>
+              <dgm:constr type="w" for="des" forName="thinLine2b" refType="w" fact="0.8"/>
+              <dgm:constr type="w" for="des" forName="thinLine3" refType="w" fact="0.5332"/>
+            </dgm:constrLst>
+          </dgm:if>
+          <dgm:else name="Name12"/>
         </dgm:choose>
-        <dgm:ruleLst>
-          <dgm:rule type="h" val="INF" fact="NaN" max="NaN"/>
-        </dgm:ruleLst>
-        <dgm:layoutNode name="bgRect" styleLbl="bgShp">
-          <dgm:alg type="sp"/>
-          <dgm:shape xmlns:r="http://schemas.openxmlformats.org/officeDocument/2006/relationships" type="roundRect" r:blip="">
-            <dgm:adjLst>
-              <dgm:adj idx="1" val="0.1"/>
-            </dgm:adjLst>
-          </dgm:shape>
-          <dgm:presOf/>
-          <dgm:constrLst/>
-          <dgm:ruleLst/>
-        </dgm:layoutNode>
-        <dgm:layoutNode name="iconRect" styleLbl="node1">
-          <dgm:alg type="sp"/>
-          <dgm:shape xmlns:r="http://schemas.openxmlformats.org/officeDocument/2006/relationships" type="rect" r:blip="" blipPhldr="1">
+        <dgm:layoutNode name="tx1" styleLbl="revTx">
+          <dgm:alg type="tx">
+            <dgm:param type="parTxLTRAlign" val="l"/>
+            <dgm:param type="parTxRTLAlign" val="r"/>
+            <dgm:param type="txAnchorVert" val="t"/>
+          </dgm:alg>
+          <dgm:shape xmlns:r="http://schemas.openxmlformats.org/officeDocument/2006/relationships" type="rect" r:blip="">
             <dgm:adjLst/>
           </dgm:shape>
-          <dgm:presOf/>
-          <dgm:constrLst/>
-          <dgm:ruleLst/>
+          <dgm:presOf axis="self"/>
+          <dgm:constrLst>
+            <dgm:constr type="tMarg" refType="primFontSz" fact="0.3"/>
+            <dgm:constr type="bMarg" refType="primFontSz" fact="0.3"/>
+            <dgm:constr type="lMarg" refType="primFontSz" fact="0.3"/>
+            <dgm:constr type="rMarg" refType="primFontSz" fact="0.3"/>
+          </dgm:constrLst>
+          <dgm:ruleLst>
+            <dgm:rule type="primFontSz" val="5" fact="NaN" max="NaN"/>
+          </dgm:ruleLst>
         </dgm:layoutNode>
-        <dgm:layoutNode name="spaceRect">
-          <dgm:alg type="sp"/>
+        <dgm:layoutNode name="vert1">
+          <dgm:choose name="Name13">
+            <dgm:if name="Name14" func="var" arg="dir" op="equ" val="norm">
+              <dgm:alg type="lin">
+                <dgm:param type="linDir" val="fromT"/>
+                <dgm:param type="nodeHorzAlign" val="l"/>
+              </dgm:alg>
+            </dgm:if>
+            <dgm:else name="Name15">
+              <dgm:alg type="lin">
+                <dgm:param type="linDir" val="fromT"/>
+                <dgm:param type="nodeHorzAlign" val="r"/>
+              </dgm:alg>
+            </dgm:else>
+          </dgm:choose>
           <dgm:shape xmlns:r="http://schemas.openxmlformats.org/officeDocument/2006/relationships" r:blip="">
             <dgm:adjLst/>
           </dgm:shape>
           <dgm:presOf/>
-          <dgm:constrLst/>
-          <dgm:ruleLst/>
-        </dgm:layoutNode>
-        <dgm:layoutNode name="parTx" styleLbl="revTx">
-          <dgm:varLst>
-            <dgm:chMax val="0"/>
-            <dgm:chPref val="0"/>
-          </dgm:varLst>
-          <dgm:alg type="tx">
-            <dgm:param type="txAnchorVert" val="mid"/>
-            <dgm:param type="parTxLTRAlign" val="l"/>
-            <dgm:param type="shpTxLTRAlignCh" val="l"/>
-            <dgm:param type="parTxRTLAlign" val="r"/>
-            <dgm:param type="shpTxRTLAlignCh" val="r"/>
-          </dgm:alg>
-          <dgm:shape xmlns:r="http://schemas.openxmlformats.org/officeDocument/2006/relationships" type="rect" r:blip="">
-            <dgm:adjLst/>
-          </dgm:shape>
-          <dgm:presOf axis="self" ptType="node"/>
-          <dgm:constrLst>
-            <dgm:constr type="lMarg" refType="h" fact="0.3"/>
-            <dgm:constr type="rMarg" refType="h" fact="0.3"/>
-            <dgm:constr type="tMarg" refType="h" fact="0.3"/>
-            <dgm:constr type="bMarg" refType="h" fact="0.3"/>
-          </dgm:constrLst>
-          <dgm:ruleLst>
-            <dgm:rule type="primFontSz" val="14" fact="NaN" max="NaN"/>
-            <dgm:rule type="h" val="INF" fact="NaN" max="NaN"/>
-          </dgm:ruleLst>
-        </dgm:layoutNode>
-        <dgm:choose name="Name12">
-          <dgm:if name="Name13" axis="ch" ptType="node" func="cnt" op="gte" val="1">
-            <dgm:layoutNode name="desTx" styleLbl="revTx">
-              <dgm:varLst/>
-              <dgm:alg type="tx">
-                <dgm:param type="txAnchorVertCh" val="mid"/>
-                <dgm:param type="parTxLTRAlign" val="l"/>
-                <dgm:param type="shpTxLTRAlignCh" val="l"/>
-                <dgm:param type="parTxRTLAlign" val="r"/>
-                <dgm:param type="shpTxRTLAlignCh" val="r"/>
-                <dgm:param type="stBulletLvl" val="0"/>
-              </dgm:alg>
-              <dgm:shape xmlns:r="http://schemas.openxmlformats.org/officeDocument/2006/relationships" type="rect" r:blip="">
+          <dgm:forEach name="Name16" axis="ch" ptType="node">
+            <dgm:choose name="Name17">
+              <dgm:if name="Name18" axis="self" ptType="node" func="pos" op="equ" val="1">
+                <dgm:layoutNode name="vertSpace2a">
+                  <dgm:alg type="sp"/>
+                  <dgm:shape xmlns:r="http://schemas.openxmlformats.org/officeDocument/2006/relationships" r:blip="">
+                    <dgm:adjLst/>
+                  </dgm:shape>
+                  <dgm:presOf/>
+                </dgm:layoutNode>
+              </dgm:if>
+              <dgm:else name="Name19"/>
+            </dgm:choose>
+            <dgm:layoutNode name="horz2">
+              <dgm:choose name="Name20">
+                <dgm:if name="Name21" func="var" arg="dir" op="equ" val="norm">
+                  <dgm:alg type="lin">
+                    <dgm:param type="linDir" val="fromL"/>
+                    <dgm:param type="nodeVertAlign" val="t"/>
+                  </dgm:alg>
+                </dgm:if>
+                <dgm:else name="Name22">
+                  <dgm:alg type="lin">
+                    <dgm:param type="linDir" val="fromR"/>
+                    <dgm:param type="nodeVertAlign" val="t"/>
+                  </dgm:alg>
+                </dgm:else>
+              </dgm:choose>
+              <dgm:shape xmlns:r="http://schemas.openxmlformats.org/officeDocument/2006/relationships" r:blip="">
                 <dgm:adjLst/>
               </dgm:shape>
-              <dgm:presOf axis="des" ptType="node"/>
-              <dgm:constrLst>
-                <dgm:constr type="primFontSz" val="18"/>
-                <dgm:constr type="secFontSz" refType="primFontSz"/>
-                <dgm:constr type="lMarg" refType="h" fact="0.3"/>
-                <dgm:constr type="rMarg" refType="h" fact="0.3"/>
-                <dgm:constr type="tMarg" refType="h" fact="0.3"/>
-                <dgm:constr type="bMarg" refType="h" fact="0.3"/>
-              </dgm:constrLst>
-              <dgm:ruleLst>
-                <dgm:rule type="primFontSz" val="11" fact="NaN" max="NaN"/>
-              </dgm:ruleLst>
+              <dgm:presOf/>
+              <dgm:layoutNode name="horzSpace2">
+                <dgm:alg type="sp"/>
+                <dgm:shape xmlns:r="http://schemas.openxmlformats.org/officeDocument/2006/relationships" r:blip="">
+                  <dgm:adjLst/>
+                </dgm:shape>
+                <dgm:presOf/>
+              </dgm:layoutNode>
+              <dgm:layoutNode name="tx2" styleLbl="revTx">
+                <dgm:alg type="tx">
+                  <dgm:param type="parTxLTRAlign" val="l"/>
+                  <dgm:param type="parTxRTLAlign" val="r"/>
+                  <dgm:param type="txAnchorVert" val="t"/>
+                </dgm:alg>
+                <dgm:shape xmlns:r="http://schemas.openxmlformats.org/officeDocument/2006/relationships" type="rect" r:blip="">
+                  <dgm:adjLst/>
+                </dgm:shape>
+                <dgm:presOf axis="self"/>
+                <dgm:constrLst>
+                  <dgm:constr type="tMarg" refType="primFontSz" fact="0.3"/>
+                  <dgm:constr type="bMarg" refType="primFontSz" fact="0.3"/>
+                  <dgm:constr type="lMarg" refType="primFontSz" fact="0.3"/>
+                  <dgm:constr type="rMarg" refType="primFontSz" fact="0.3"/>
+                </dgm:constrLst>
+                <dgm:ruleLst>
+                  <dgm:rule type="primFontSz" val="5" fact="NaN" max="NaN"/>
+                </dgm:ruleLst>
+              </dgm:layoutNode>
+              <dgm:layoutNode name="vert2">
+                <dgm:choose name="Name23">
+                  <dgm:if name="Name24" func="var" arg="dir" op="equ" val="norm">
+                    <dgm:alg type="lin">
+                      <dgm:param type="linDir" val="fromT"/>
+                      <dgm:param type="nodeHorzAlign" val="l"/>
+                    </dgm:alg>
+                  </dgm:if>
+                  <dgm:else name="Name25">
+                    <dgm:alg type="lin">
+                      <dgm:param type="linDir" val="fromT"/>
+                      <dgm:param type="nodeHorzAlign" val="r"/>
+                    </dgm:alg>
+                  </dgm:else>
+                </dgm:choose>
+                <dgm:shape xmlns:r="http://schemas.openxmlformats.org/officeDocument/2006/relationships" r:blip="">
+                  <dgm:adjLst/>
+                </dgm:shape>
+                <dgm:presOf/>
+                <dgm:forEach name="Name26" axis="ch" ptType="node">
+                  <dgm:layoutNode name="horz3">
+                    <dgm:choose name="Name27">
+                      <dgm:if name="Name28" func="var" arg="dir" op="equ" val="norm">
+                        <dgm:alg type="lin">
+                          <dgm:param type="linDir" val="fromL"/>
+                          <dgm:param type="nodeVertAlign" val="t"/>
+                        </dgm:alg>
+                      </dgm:if>
+                      <dgm:else name="Name29">
+                        <dgm:alg type="lin">
+                          <dgm:param type="linDir" val="fromR"/>
+                          <dgm:param type="nodeVertAlign" val="t"/>
+                        </dgm:alg>
+                      </dgm:else>
+                    </dgm:choose>
+                    <dgm:shape xmlns:r="http://schemas.openxmlformats.org/officeDocument/2006/relationships" r:blip="">
+                      <dgm:adjLst/>
+                    </dgm:shape>
+                    <dgm:presOf/>
+                    <dgm:layoutNode name="horzSpace3">
+                      <dgm:alg type="sp"/>
+                      <dgm:shape xmlns:r="http://schemas.openxmlformats.org/officeDocument/2006/relationships" r:blip="">
+                        <dgm:adjLst/>
+                      </dgm:shape>
+                      <dgm:presOf/>
+                    </dgm:layoutNode>
+                    <dgm:layoutNode name="tx3" styleLbl="revTx">
+                      <dgm:alg type="tx">
+                        <dgm:param type="parTxLTRAlign" val="l"/>
+                        <dgm:param type="parTxRTLAlign" val="r"/>
+                        <dgm:param type="txAnchorVert" val="t"/>
+                      </dgm:alg>
+                      <dgm:shape xmlns:r="http://schemas.openxmlformats.org/officeDocument/2006/relationships" type="rect" r:blip="">
+                        <dgm:adjLst/>
+                      </dgm:shape>
+                      <dgm:presOf axis="self"/>
+                      <dgm:constrLst>
+                        <dgm:constr type="tMarg" refType="primFontSz" fact="0.3"/>
+                        <dgm:constr type="bMarg" refType="primFontSz" fact="0.3"/>
+                        <dgm:constr type="lMarg" refType="primFontSz" fact="0.3"/>
+                        <dgm:constr type="rMarg" refType="primFontSz" fact="0.3"/>
+                      </dgm:constrLst>
+                      <dgm:ruleLst>
+                        <dgm:rule type="primFontSz" val="5" fact="NaN" max="NaN"/>
+                      </dgm:ruleLst>
+                    </dgm:layoutNode>
+                    <dgm:layoutNode name="vert3">
+                      <dgm:choose name="Name30">
+                        <dgm:if name="Name31" func="var" arg="dir" op="equ" val="norm">
+                          <dgm:alg type="lin">
+                            <dgm:param type="linDir" val="fromT"/>
+                            <dgm:param type="nodeHorzAlign" val="l"/>
+                          </dgm:alg>
+                        </dgm:if>
+                        <dgm:else name="Name32">
+                          <dgm:alg type="lin">
+                            <dgm:param type="linDir" val="fromT"/>
+                            <dgm:param type="nodeHorzAlign" val="r"/>
+                          </dgm:alg>
+                        </dgm:else>
+                      </dgm:choose>
+                      <dgm:shape xmlns:r="http://schemas.openxmlformats.org/officeDocument/2006/relationships" r:blip="">
+                        <dgm:adjLst/>
+                      </dgm:shape>
+                      <dgm:presOf/>
+                      <dgm:forEach name="Name33" axis="ch" ptType="node">
+                        <dgm:layoutNode name="horz4">
+                          <dgm:choose name="Name34">
+                            <dgm:if name="Name35" func="var" arg="dir" op="equ" val="norm">
+                              <dgm:alg type="lin">
+                                <dgm:param type="linDir" val="fromL"/>
+                                <dgm:param type="nodeVertAlign" val="t"/>
+                              </dgm:alg>
+                            </dgm:if>
+                            <dgm:else name="Name36">
+                              <dgm:alg type="lin">
+                                <dgm:param type="linDir" val="fromR"/>
+                                <dgm:param type="nodeVertAlign" val="t"/>
+                              </dgm:alg>
+                            </dgm:else>
+                          </dgm:choose>
+                          <dgm:shape xmlns:r="http://schemas.openxmlformats.org/officeDocument/2006/relationships" r:blip="">
+                            <dgm:adjLst/>
+                          </dgm:shape>
+                          <dgm:presOf/>
+                          <dgm:layoutNode name="horzSpace4">
+                            <dgm:alg type="sp"/>
+                            <dgm:shape xmlns:r="http://schemas.openxmlformats.org/officeDocument/2006/relationships" r:blip="">
+                              <dgm:adjLst/>
+                            </dgm:shape>
+                            <dgm:presOf/>
+                          </dgm:layoutNode>
+                          <dgm:layoutNode name="tx4" styleLbl="revTx">
+                            <dgm:varLst>
+                              <dgm:bulletEnabled val="1"/>
+                            </dgm:varLst>
+                            <dgm:alg type="tx">
+                              <dgm:param type="parTxLTRAlign" val="l"/>
+                              <dgm:param type="parTxRTLAlign" val="r"/>
+                              <dgm:param type="txAnchorVert" val="t"/>
+                            </dgm:alg>
+                            <dgm:shape xmlns:r="http://schemas.openxmlformats.org/officeDocument/2006/relationships" type="rect" r:blip="">
+                              <dgm:adjLst/>
+                            </dgm:shape>
+                            <dgm:presOf axis="desOrSelf" ptType="node"/>
+                            <dgm:constrLst>
+                              <dgm:constr type="tMarg" refType="primFontSz" fact="0.3"/>
+                              <dgm:constr type="bMarg" refType="primFontSz" fact="0.3"/>
+                              <dgm:constr type="lMarg" refType="primFontSz" fact="0.3"/>
+                              <dgm:constr type="rMarg" refType="primFontSz" fact="0.3"/>
+                            </dgm:constrLst>
+                            <dgm:ruleLst>
+                              <dgm:rule type="primFontSz" val="5" fact="NaN" max="NaN"/>
+                            </dgm:ruleLst>
+                          </dgm:layoutNode>
+                        </dgm:layoutNode>
+                      </dgm:forEach>
+                    </dgm:layoutNode>
+                  </dgm:layoutNode>
+                  <dgm:forEach name="Name37" axis="followSib" ptType="sibTrans" cnt="1">
+                    <dgm:layoutNode name="thinLine3" styleLbl="callout">
+                      <dgm:alg type="sp"/>
+                      <dgm:shape xmlns:r="http://schemas.openxmlformats.org/officeDocument/2006/relationships" type="line" r:blip="">
+                        <dgm:adjLst/>
+                      </dgm:shape>
+                      <dgm:presOf/>
+                    </dgm:layoutNode>
+                  </dgm:forEach>
+                </dgm:forEach>
+              </dgm:layoutNode>
             </dgm:layoutNode>
-          </dgm:if>
-          <dgm:else name="Name14"/>
-        </dgm:choose>
+            <dgm:layoutNode name="thinLine2b" styleLbl="callout">
+              <dgm:alg type="sp"/>
+              <dgm:shape xmlns:r="http://schemas.openxmlformats.org/officeDocument/2006/relationships" type="line" r:blip="">
+                <dgm:adjLst/>
+              </dgm:shape>
+              <dgm:presOf/>
+            </dgm:layoutNode>
+            <dgm:layoutNode name="vertSpace2b">
+              <dgm:alg type="sp"/>
+              <dgm:shape xmlns:r="http://schemas.openxmlformats.org/officeDocument/2006/relationships" r:blip="">
+                <dgm:adjLst/>
+              </dgm:shape>
+              <dgm:presOf/>
+            </dgm:layoutNode>
+          </dgm:forEach>
+        </dgm:layoutNode>
       </dgm:layoutNode>
-      <dgm:forEach name="Name15" axis="followSib" ptType="sibTrans" cnt="1">
-        <dgm:layoutNode name="sibTrans">
-          <dgm:alg type="sp"/>
-          <dgm:shape xmlns:r="http://schemas.openxmlformats.org/officeDocument/2006/relationships" r:blip="">
-            <dgm:adjLst/>
-          </dgm:shape>
-          <dgm:presOf axis="self"/>
-          <dgm:constrLst/>
-          <dgm:ruleLst/>
-        </dgm:layoutNode>
-      </dgm:forEach>
     </dgm:forEach>
   </dgm:layoutNode>
-  <dgm:extLst>
-    <a:ext uri="{68A01E43-0DF5-4B5B-8FA6-DAF915123BFB}">
-      <dgm1612:lstStyle xmlns:dgm1612="http://schemas.microsoft.com/office/drawing/2016/12/diagram">
-        <a:lvl1pPr>
-          <a:lnSpc>
-            <a:spcPct val="100000"/>
-          </a:lnSpc>
-        </a:lvl1pPr>
-        <a:lvl2pPr>
-          <a:lnSpc>
-            <a:spcPct val="100000"/>
-          </a:lnSpc>
-        </a:lvl2pPr>
-      </dgm1612:lstStyle>
-    </a:ext>
-  </dgm:extLst>
 </dgm:layoutDef>
 </file>
 
@@ -12261,12 +13177,12 @@
 </file>
 
 <file path=ppt/diagrams/layout3.xml><?xml version="1.0" encoding="utf-8"?>
-<dgm:layoutDef xmlns:dgm="http://schemas.openxmlformats.org/drawingml/2006/diagram" xmlns:a="http://schemas.openxmlformats.org/drawingml/2006/main" uniqueId="urn:microsoft.com/office/officeart/2005/8/layout/vList2">
+<dgm:layoutDef xmlns:dgm="http://schemas.openxmlformats.org/drawingml/2006/diagram" xmlns:a="http://schemas.openxmlformats.org/drawingml/2006/main" uniqueId="urn:microsoft.com/office/officeart/2008/layout/LinedList">
   <dgm:title val=""/>
   <dgm:desc val=""/>
   <dgm:catLst>
-    <dgm:cat type="list" pri="3000"/>
-    <dgm:cat type="convert" pri="1000"/>
+    <dgm:cat type="hierarchy" pri="8000"/>
+    <dgm:cat type="list" pri="2500"/>
   </dgm:catLst>
   <dgm:sampData>
     <dgm:dataModel>
@@ -12278,18 +13194,18 @@
         <dgm:pt modelId="11">
           <dgm:prSet phldr="1"/>
         </dgm:pt>
-        <dgm:pt modelId="2">
+        <dgm:pt modelId="12">
           <dgm:prSet phldr="1"/>
         </dgm:pt>
-        <dgm:pt modelId="21">
+        <dgm:pt modelId="13">
           <dgm:prSet phldr="1"/>
         </dgm:pt>
       </dgm:ptLst>
       <dgm:cxnLst>
-        <dgm:cxn modelId="4" srcId="0" destId="1" srcOrd="0" destOrd="0"/>
-        <dgm:cxn modelId="5" srcId="0" destId="2" srcOrd="1" destOrd="0"/>
-        <dgm:cxn modelId="12" srcId="1" destId="11" srcOrd="0" destOrd="0"/>
-        <dgm:cxn modelId="23" srcId="2" destId="21" srcOrd="0" destOrd="0"/>
+        <dgm:cxn modelId="2" srcId="0" destId="1" srcOrd="0" destOrd="0"/>
+        <dgm:cxn modelId="3" srcId="1" destId="11" srcOrd="0" destOrd="0"/>
+        <dgm:cxn modelId="4" srcId="1" destId="12" srcOrd="1" destOrd="0"/>
+        <dgm:cxn modelId="5" srcId="1" destId="13" srcOrd="2" destOrd="0"/>
       </dgm:cxnLst>
       <dgm:bg/>
       <dgm:whole/>
@@ -12299,12 +13215,20 @@
     <dgm:dataModel>
       <dgm:ptLst>
         <dgm:pt modelId="0" type="doc"/>
-        <dgm:pt modelId="1"/>
-        <dgm:pt modelId="2"/>
+        <dgm:pt modelId="1">
+          <dgm:prSet phldr="1"/>
+        </dgm:pt>
+        <dgm:pt modelId="11">
+          <dgm:prSet phldr="1"/>
+        </dgm:pt>
+        <dgm:pt modelId="12">
+          <dgm:prSet phldr="1"/>
+        </dgm:pt>
       </dgm:ptLst>
       <dgm:cxnLst>
-        <dgm:cxn modelId="3" srcId="0" destId="1" srcOrd="0" destOrd="0"/>
-        <dgm:cxn modelId="4" srcId="0" destId="2" srcOrd="1" destOrd="0"/>
+        <dgm:cxn modelId="2" srcId="0" destId="1" srcOrd="0" destOrd="0"/>
+        <dgm:cxn modelId="3" srcId="1" destId="11" srcOrd="0" destOrd="0"/>
+        <dgm:cxn modelId="4" srcId="1" destId="12" srcOrd="1" destOrd="0"/>
       </dgm:cxnLst>
       <dgm:bg/>
       <dgm:whole/>
@@ -12314,114 +13238,405 @@
     <dgm:dataModel>
       <dgm:ptLst>
         <dgm:pt modelId="0" type="doc"/>
-        <dgm:pt modelId="1"/>
-        <dgm:pt modelId="2"/>
-        <dgm:pt modelId="3"/>
-        <dgm:pt modelId="4"/>
+        <dgm:pt modelId="1">
+          <dgm:prSet phldr="1"/>
+        </dgm:pt>
+        <dgm:pt modelId="11">
+          <dgm:prSet phldr="1"/>
+        </dgm:pt>
+        <dgm:pt modelId="12">
+          <dgm:prSet phldr="1"/>
+        </dgm:pt>
       </dgm:ptLst>
       <dgm:cxnLst>
-        <dgm:cxn modelId="5" srcId="0" destId="1" srcOrd="0" destOrd="0"/>
-        <dgm:cxn modelId="6" srcId="0" destId="2" srcOrd="1" destOrd="0"/>
-        <dgm:cxn modelId="7" srcId="0" destId="3" srcOrd="2" destOrd="0"/>
-        <dgm:cxn modelId="8" srcId="0" destId="4" srcOrd="3" destOrd="0"/>
+        <dgm:cxn modelId="2" srcId="0" destId="1" srcOrd="0" destOrd="0"/>
+        <dgm:cxn modelId="3" srcId="1" destId="11" srcOrd="0" destOrd="0"/>
+        <dgm:cxn modelId="4" srcId="1" destId="12" srcOrd="1" destOrd="0"/>
       </dgm:cxnLst>
       <dgm:bg/>
       <dgm:whole/>
     </dgm:dataModel>
   </dgm:clrData>
-  <dgm:layoutNode name="linear">
+  <dgm:layoutNode name="vert0">
     <dgm:varLst>
+      <dgm:dir/>
+      <dgm:animOne val="branch"/>
       <dgm:animLvl val="lvl"/>
-      <dgm:resizeHandles val="exact"/>
     </dgm:varLst>
-    <dgm:alg type="lin">
-      <dgm:param type="linDir" val="fromT"/>
-      <dgm:param type="vertAlign" val="mid"/>
-    </dgm:alg>
+    <dgm:choose name="Name0">
+      <dgm:if name="Name1" func="var" arg="dir" op="equ" val="norm">
+        <dgm:alg type="lin">
+          <dgm:param type="linDir" val="fromT"/>
+          <dgm:param type="nodeHorzAlign" val="l"/>
+        </dgm:alg>
+      </dgm:if>
+      <dgm:else name="Name2">
+        <dgm:alg type="lin">
+          <dgm:param type="linDir" val="fromT"/>
+          <dgm:param type="nodeHorzAlign" val="r"/>
+        </dgm:alg>
+      </dgm:else>
+    </dgm:choose>
     <dgm:shape xmlns:r="http://schemas.openxmlformats.org/officeDocument/2006/relationships" r:blip="">
       <dgm:adjLst/>
     </dgm:shape>
     <dgm:presOf/>
     <dgm:constrLst>
-      <dgm:constr type="w" for="ch" forName="parentText" refType="w"/>
-      <dgm:constr type="h" for="ch" forName="parentText" refType="primFontSz" refFor="ch" refForName="parentText" fact="0.52"/>
-      <dgm:constr type="w" for="ch" forName="childText" refType="w"/>
-      <dgm:constr type="h" for="ch" forName="childText" refType="primFontSz" refFor="ch" refForName="parentText" fact="0.46"/>
-      <dgm:constr type="h" for="ch" forName="parentText" op="equ"/>
-      <dgm:constr type="primFontSz" for="ch" forName="parentText" op="equ" val="65"/>
-      <dgm:constr type="primFontSz" for="ch" forName="childText" refType="primFontSz" refFor="ch" refForName="parentText" op="equ"/>
-      <dgm:constr type="h" for="ch" forName="spacer" refType="primFontSz" refFor="ch" refForName="parentText" fact="0.08"/>
+      <dgm:constr type="w" for="ch" forName="horz1" refType="w"/>
+      <dgm:constr type="h" for="ch" forName="horz1" refType="h"/>
+      <dgm:constr type="h" for="des" forName="vert1" refType="h"/>
+      <dgm:constr type="h" for="des" forName="tx1" refType="h"/>
+      <dgm:constr type="h" for="des" forName="horz2" refType="h"/>
+      <dgm:constr type="h" for="des" forName="vert2" refType="h"/>
+      <dgm:constr type="h" for="des" forName="horz3" refType="h"/>
+      <dgm:constr type="h" for="des" forName="vert3" refType="h"/>
+      <dgm:constr type="h" for="des" forName="horz4" refType="h"/>
+      <dgm:constr type="h" for="des" ptType="node" refType="h"/>
+      <dgm:constr type="primFontSz" for="des" forName="tx1" op="equ" val="65"/>
+      <dgm:constr type="primFontSz" for="des" forName="tx2" op="equ" val="65"/>
+      <dgm:constr type="primFontSz" for="des" forName="tx3" op="equ" val="65"/>
+      <dgm:constr type="primFontSz" for="des" forName="tx4" op="equ" val="65"/>
+      <dgm:constr type="w" for="des" forName="thickLine" refType="w"/>
+      <dgm:constr type="h" for="des" forName="thickLine"/>
+      <dgm:constr type="h" for="des" forName="thinLine1"/>
+      <dgm:constr type="h" for="des" forName="thinLine2b"/>
+      <dgm:constr type="h" for="des" forName="thinLine3"/>
+      <dgm:constr type="h" for="des" forName="vertSpace2a" refType="h" fact="0.05"/>
+      <dgm:constr type="h" for="des" forName="vertSpace2b" refType="h" refFor="des" refForName="vertSpace2a"/>
     </dgm:constrLst>
-    <dgm:ruleLst>
-      <dgm:rule type="primFontSz" for="ch" forName="parentText" val="5" fact="NaN" max="NaN"/>
-    </dgm:ruleLst>
-    <dgm:forEach name="Name0" axis="ch" ptType="node">
-      <dgm:layoutNode name="parentText" styleLbl="node1">
-        <dgm:varLst>
-          <dgm:chMax val="0"/>
-          <dgm:bulletEnabled val="1"/>
-        </dgm:varLst>
-        <dgm:alg type="tx">
-          <dgm:param type="parTxLTRAlign" val="l"/>
-          <dgm:param type="parTxRTLAlign" val="r"/>
-        </dgm:alg>
-        <dgm:shape xmlns:r="http://schemas.openxmlformats.org/officeDocument/2006/relationships" type="roundRect" r:blip="">
+    <dgm:forEach name="Name3" axis="ch" ptType="node">
+      <dgm:layoutNode name="thickLine" styleLbl="alignNode1">
+        <dgm:alg type="sp"/>
+        <dgm:shape xmlns:r="http://schemas.openxmlformats.org/officeDocument/2006/relationships" type="line" r:blip="">
           <dgm:adjLst/>
         </dgm:shape>
-        <dgm:presOf axis="self"/>
-        <dgm:constrLst>
-          <dgm:constr type="tMarg" refType="primFontSz" fact="0.3"/>
-          <dgm:constr type="bMarg" refType="primFontSz" fact="0.3"/>
-          <dgm:constr type="lMarg" refType="primFontSz" fact="0.3"/>
-          <dgm:constr type="rMarg" refType="primFontSz" fact="0.3"/>
-        </dgm:constrLst>
-        <dgm:ruleLst>
-          <dgm:rule type="h" val="INF" fact="NaN" max="NaN"/>
-        </dgm:ruleLst>
+        <dgm:presOf/>
       </dgm:layoutNode>
-      <dgm:choose name="Name1">
-        <dgm:if name="Name2" axis="ch" ptType="node" func="cnt" op="gte" val="1">
-          <dgm:layoutNode name="childText" styleLbl="revTx">
-            <dgm:varLst>
-              <dgm:bulletEnabled val="1"/>
-            </dgm:varLst>
-            <dgm:alg type="tx">
-              <dgm:param type="stBulletLvl" val="1"/>
-              <dgm:param type="lnSpAfChP" val="20"/>
+      <dgm:layoutNode name="horz1">
+        <dgm:choose name="Name4">
+          <dgm:if name="Name5" func="var" arg="dir" op="equ" val="norm">
+            <dgm:alg type="lin">
+              <dgm:param type="linDir" val="fromL"/>
+              <dgm:param type="nodeVertAlign" val="t"/>
             </dgm:alg>
-            <dgm:shape xmlns:r="http://schemas.openxmlformats.org/officeDocument/2006/relationships" type="rect" r:blip="">
-              <dgm:adjLst/>
-            </dgm:shape>
-            <dgm:presOf axis="des" ptType="node"/>
+          </dgm:if>
+          <dgm:else name="Name6">
+            <dgm:alg type="lin">
+              <dgm:param type="linDir" val="fromR"/>
+              <dgm:param type="nodeVertAlign" val="t"/>
+            </dgm:alg>
+          </dgm:else>
+        </dgm:choose>
+        <dgm:shape xmlns:r="http://schemas.openxmlformats.org/officeDocument/2006/relationships" r:blip="">
+          <dgm:adjLst/>
+        </dgm:shape>
+        <dgm:presOf/>
+        <dgm:choose name="Name7">
+          <dgm:if name="Name8" axis="root des" func="maxDepth" op="equ" val="1">
             <dgm:constrLst>
-              <dgm:constr type="tMarg" refType="primFontSz" fact="0.1"/>
-              <dgm:constr type="bMarg" refType="primFontSz" fact="0.1"/>
-              <dgm:constr type="lMarg" refType="w" fact="0.09"/>
+              <dgm:constr type="w" for="ch" forName="tx1" refType="w"/>
             </dgm:constrLst>
-            <dgm:ruleLst>
-              <dgm:rule type="h" val="INF" fact="NaN" max="NaN"/>
-            </dgm:ruleLst>
-          </dgm:layoutNode>
-        </dgm:if>
-        <dgm:else name="Name3">
-          <dgm:choose name="Name4">
-            <dgm:if name="Name5" axis="par ch" ptType="doc node" func="cnt" op="gte" val="2">
-              <dgm:forEach name="Name6" axis="followSib" ptType="sibTrans" cnt="1">
-                <dgm:layoutNode name="spacer">
+          </dgm:if>
+          <dgm:if name="Name9" axis="root des" func="maxDepth" op="equ" val="2">
+            <dgm:constrLst>
+              <dgm:constr type="w" for="ch" forName="tx1" refType="w" fact="0.2"/>
+              <dgm:constr type="w" for="des" forName="tx2" refType="w" fact="0.785"/>
+              <dgm:constr type="w" for="des" forName="horzSpace2" refType="w" fact="0.015"/>
+              <dgm:constr type="w" for="des" forName="thinLine2b" refType="w" fact="0.8"/>
+            </dgm:constrLst>
+          </dgm:if>
+          <dgm:if name="Name10" axis="root des" func="maxDepth" op="equ" val="3">
+            <dgm:constrLst>
+              <dgm:constr type="w" for="ch" forName="tx1" refType="w" fact="0.2"/>
+              <dgm:constr type="w" for="des" forName="tx2" refType="w" fact="0.385"/>
+              <dgm:constr type="w" for="des" forName="tx3" refType="w" fact="0.385"/>
+              <dgm:constr type="w" for="des" forName="horzSpace2" refType="w" fact="0.015"/>
+              <dgm:constr type="w" for="des" forName="horzSpace3" refType="w" fact="0.015"/>
+              <dgm:constr type="w" for="des" forName="thinLine2b" refType="w" fact="0.8"/>
+              <dgm:constr type="w" for="des" forName="thinLine3" refType="w" fact="0.385"/>
+            </dgm:constrLst>
+          </dgm:if>
+          <dgm:if name="Name11" axis="root des" func="maxDepth" op="gte" val="4">
+            <dgm:constrLst>
+              <dgm:constr type="w" for="ch" forName="tx1" refType="w" fact="0.2"/>
+              <dgm:constr type="w" for="des" forName="tx2" refType="w" fact="0.2516"/>
+              <dgm:constr type="w" for="des" forName="tx3" refType="w" fact="0.2516"/>
+              <dgm:constr type="w" for="des" forName="tx4" refType="w" fact="0.2516"/>
+              <dgm:constr type="w" for="des" forName="horzSpace2" refType="w" fact="0.015"/>
+              <dgm:constr type="w" for="des" forName="horzSpace3" refType="w" fact="0.015"/>
+              <dgm:constr type="w" for="des" forName="horzSpace4" refType="w" fact="0.015"/>
+              <dgm:constr type="w" for="des" forName="thinLine2b" refType="w" fact="0.8"/>
+              <dgm:constr type="w" for="des" forName="thinLine3" refType="w" fact="0.5332"/>
+            </dgm:constrLst>
+          </dgm:if>
+          <dgm:else name="Name12"/>
+        </dgm:choose>
+        <dgm:layoutNode name="tx1" styleLbl="revTx">
+          <dgm:alg type="tx">
+            <dgm:param type="parTxLTRAlign" val="l"/>
+            <dgm:param type="parTxRTLAlign" val="r"/>
+            <dgm:param type="txAnchorVert" val="t"/>
+          </dgm:alg>
+          <dgm:shape xmlns:r="http://schemas.openxmlformats.org/officeDocument/2006/relationships" type="rect" r:blip="">
+            <dgm:adjLst/>
+          </dgm:shape>
+          <dgm:presOf axis="self"/>
+          <dgm:constrLst>
+            <dgm:constr type="tMarg" refType="primFontSz" fact="0.3"/>
+            <dgm:constr type="bMarg" refType="primFontSz" fact="0.3"/>
+            <dgm:constr type="lMarg" refType="primFontSz" fact="0.3"/>
+            <dgm:constr type="rMarg" refType="primFontSz" fact="0.3"/>
+          </dgm:constrLst>
+          <dgm:ruleLst>
+            <dgm:rule type="primFontSz" val="5" fact="NaN" max="NaN"/>
+          </dgm:ruleLst>
+        </dgm:layoutNode>
+        <dgm:layoutNode name="vert1">
+          <dgm:choose name="Name13">
+            <dgm:if name="Name14" func="var" arg="dir" op="equ" val="norm">
+              <dgm:alg type="lin">
+                <dgm:param type="linDir" val="fromT"/>
+                <dgm:param type="nodeHorzAlign" val="l"/>
+              </dgm:alg>
+            </dgm:if>
+            <dgm:else name="Name15">
+              <dgm:alg type="lin">
+                <dgm:param type="linDir" val="fromT"/>
+                <dgm:param type="nodeHorzAlign" val="r"/>
+              </dgm:alg>
+            </dgm:else>
+          </dgm:choose>
+          <dgm:shape xmlns:r="http://schemas.openxmlformats.org/officeDocument/2006/relationships" r:blip="">
+            <dgm:adjLst/>
+          </dgm:shape>
+          <dgm:presOf/>
+          <dgm:forEach name="Name16" axis="ch" ptType="node">
+            <dgm:choose name="Name17">
+              <dgm:if name="Name18" axis="self" ptType="node" func="pos" op="equ" val="1">
+                <dgm:layoutNode name="vertSpace2a">
                   <dgm:alg type="sp"/>
                   <dgm:shape xmlns:r="http://schemas.openxmlformats.org/officeDocument/2006/relationships" r:blip="">
                     <dgm:adjLst/>
                   </dgm:shape>
                   <dgm:presOf/>
-                  <dgm:constrLst/>
-                  <dgm:ruleLst/>
                 </dgm:layoutNode>
-              </dgm:forEach>
-            </dgm:if>
-            <dgm:else name="Name7"/>
-          </dgm:choose>
-        </dgm:else>
-      </dgm:choose>
+              </dgm:if>
+              <dgm:else name="Name19"/>
+            </dgm:choose>
+            <dgm:layoutNode name="horz2">
+              <dgm:choose name="Name20">
+                <dgm:if name="Name21" func="var" arg="dir" op="equ" val="norm">
+                  <dgm:alg type="lin">
+                    <dgm:param type="linDir" val="fromL"/>
+                    <dgm:param type="nodeVertAlign" val="t"/>
+                  </dgm:alg>
+                </dgm:if>
+                <dgm:else name="Name22">
+                  <dgm:alg type="lin">
+                    <dgm:param type="linDir" val="fromR"/>
+                    <dgm:param type="nodeVertAlign" val="t"/>
+                  </dgm:alg>
+                </dgm:else>
+              </dgm:choose>
+              <dgm:shape xmlns:r="http://schemas.openxmlformats.org/officeDocument/2006/relationships" r:blip="">
+                <dgm:adjLst/>
+              </dgm:shape>
+              <dgm:presOf/>
+              <dgm:layoutNode name="horzSpace2">
+                <dgm:alg type="sp"/>
+                <dgm:shape xmlns:r="http://schemas.openxmlformats.org/officeDocument/2006/relationships" r:blip="">
+                  <dgm:adjLst/>
+                </dgm:shape>
+                <dgm:presOf/>
+              </dgm:layoutNode>
+              <dgm:layoutNode name="tx2" styleLbl="revTx">
+                <dgm:alg type="tx">
+                  <dgm:param type="parTxLTRAlign" val="l"/>
+                  <dgm:param type="parTxRTLAlign" val="r"/>
+                  <dgm:param type="txAnchorVert" val="t"/>
+                </dgm:alg>
+                <dgm:shape xmlns:r="http://schemas.openxmlformats.org/officeDocument/2006/relationships" type="rect" r:blip="">
+                  <dgm:adjLst/>
+                </dgm:shape>
+                <dgm:presOf axis="self"/>
+                <dgm:constrLst>
+                  <dgm:constr type="tMarg" refType="primFontSz" fact="0.3"/>
+                  <dgm:constr type="bMarg" refType="primFontSz" fact="0.3"/>
+                  <dgm:constr type="lMarg" refType="primFontSz" fact="0.3"/>
+                  <dgm:constr type="rMarg" refType="primFontSz" fact="0.3"/>
+                </dgm:constrLst>
+                <dgm:ruleLst>
+                  <dgm:rule type="primFontSz" val="5" fact="NaN" max="NaN"/>
+                </dgm:ruleLst>
+              </dgm:layoutNode>
+              <dgm:layoutNode name="vert2">
+                <dgm:choose name="Name23">
+                  <dgm:if name="Name24" func="var" arg="dir" op="equ" val="norm">
+                    <dgm:alg type="lin">
+                      <dgm:param type="linDir" val="fromT"/>
+                      <dgm:param type="nodeHorzAlign" val="l"/>
+                    </dgm:alg>
+                  </dgm:if>
+                  <dgm:else name="Name25">
+                    <dgm:alg type="lin">
+                      <dgm:param type="linDir" val="fromT"/>
+                      <dgm:param type="nodeHorzAlign" val="r"/>
+                    </dgm:alg>
+                  </dgm:else>
+                </dgm:choose>
+                <dgm:shape xmlns:r="http://schemas.openxmlformats.org/officeDocument/2006/relationships" r:blip="">
+                  <dgm:adjLst/>
+                </dgm:shape>
+                <dgm:presOf/>
+                <dgm:forEach name="Name26" axis="ch" ptType="node">
+                  <dgm:layoutNode name="horz3">
+                    <dgm:choose name="Name27">
+                      <dgm:if name="Name28" func="var" arg="dir" op="equ" val="norm">
+                        <dgm:alg type="lin">
+                          <dgm:param type="linDir" val="fromL"/>
+                          <dgm:param type="nodeVertAlign" val="t"/>
+                        </dgm:alg>
+                      </dgm:if>
+                      <dgm:else name="Name29">
+                        <dgm:alg type="lin">
+                          <dgm:param type="linDir" val="fromR"/>
+                          <dgm:param type="nodeVertAlign" val="t"/>
+                        </dgm:alg>
+                      </dgm:else>
+                    </dgm:choose>
+                    <dgm:shape xmlns:r="http://schemas.openxmlformats.org/officeDocument/2006/relationships" r:blip="">
+                      <dgm:adjLst/>
+                    </dgm:shape>
+                    <dgm:presOf/>
+                    <dgm:layoutNode name="horzSpace3">
+                      <dgm:alg type="sp"/>
+                      <dgm:shape xmlns:r="http://schemas.openxmlformats.org/officeDocument/2006/relationships" r:blip="">
+                        <dgm:adjLst/>
+                      </dgm:shape>
+                      <dgm:presOf/>
+                    </dgm:layoutNode>
+                    <dgm:layoutNode name="tx3" styleLbl="revTx">
+                      <dgm:alg type="tx">
+                        <dgm:param type="parTxLTRAlign" val="l"/>
+                        <dgm:param type="parTxRTLAlign" val="r"/>
+                        <dgm:param type="txAnchorVert" val="t"/>
+                      </dgm:alg>
+                      <dgm:shape xmlns:r="http://schemas.openxmlformats.org/officeDocument/2006/relationships" type="rect" r:blip="">
+                        <dgm:adjLst/>
+                      </dgm:shape>
+                      <dgm:presOf axis="self"/>
+                      <dgm:constrLst>
+                        <dgm:constr type="tMarg" refType="primFontSz" fact="0.3"/>
+                        <dgm:constr type="bMarg" refType="primFontSz" fact="0.3"/>
+                        <dgm:constr type="lMarg" refType="primFontSz" fact="0.3"/>
+                        <dgm:constr type="rMarg" refType="primFontSz" fact="0.3"/>
+                      </dgm:constrLst>
+                      <dgm:ruleLst>
+                        <dgm:rule type="primFontSz" val="5" fact="NaN" max="NaN"/>
+                      </dgm:ruleLst>
+                    </dgm:layoutNode>
+                    <dgm:layoutNode name="vert3">
+                      <dgm:choose name="Name30">
+                        <dgm:if name="Name31" func="var" arg="dir" op="equ" val="norm">
+                          <dgm:alg type="lin">
+                            <dgm:param type="linDir" val="fromT"/>
+                            <dgm:param type="nodeHorzAlign" val="l"/>
+                          </dgm:alg>
+                        </dgm:if>
+                        <dgm:else name="Name32">
+                          <dgm:alg type="lin">
+                            <dgm:param type="linDir" val="fromT"/>
+                            <dgm:param type="nodeHorzAlign" val="r"/>
+                          </dgm:alg>
+                        </dgm:else>
+                      </dgm:choose>
+                      <dgm:shape xmlns:r="http://schemas.openxmlformats.org/officeDocument/2006/relationships" r:blip="">
+                        <dgm:adjLst/>
+                      </dgm:shape>
+                      <dgm:presOf/>
+                      <dgm:forEach name="Name33" axis="ch" ptType="node">
+                        <dgm:layoutNode name="horz4">
+                          <dgm:choose name="Name34">
+                            <dgm:if name="Name35" func="var" arg="dir" op="equ" val="norm">
+                              <dgm:alg type="lin">
+                                <dgm:param type="linDir" val="fromL"/>
+                                <dgm:param type="nodeVertAlign" val="t"/>
+                              </dgm:alg>
+                            </dgm:if>
+                            <dgm:else name="Name36">
+                              <dgm:alg type="lin">
+                                <dgm:param type="linDir" val="fromR"/>
+                                <dgm:param type="nodeVertAlign" val="t"/>
+                              </dgm:alg>
+                            </dgm:else>
+                          </dgm:choose>
+                          <dgm:shape xmlns:r="http://schemas.openxmlformats.org/officeDocument/2006/relationships" r:blip="">
+                            <dgm:adjLst/>
+                          </dgm:shape>
+                          <dgm:presOf/>
+                          <dgm:layoutNode name="horzSpace4">
+                            <dgm:alg type="sp"/>
+                            <dgm:shape xmlns:r="http://schemas.openxmlformats.org/officeDocument/2006/relationships" r:blip="">
+                              <dgm:adjLst/>
+                            </dgm:shape>
+                            <dgm:presOf/>
+                          </dgm:layoutNode>
+                          <dgm:layoutNode name="tx4" styleLbl="revTx">
+                            <dgm:varLst>
+                              <dgm:bulletEnabled val="1"/>
+                            </dgm:varLst>
+                            <dgm:alg type="tx">
+                              <dgm:param type="parTxLTRAlign" val="l"/>
+                              <dgm:param type="parTxRTLAlign" val="r"/>
+                              <dgm:param type="txAnchorVert" val="t"/>
+                            </dgm:alg>
+                            <dgm:shape xmlns:r="http://schemas.openxmlformats.org/officeDocument/2006/relationships" type="rect" r:blip="">
+                              <dgm:adjLst/>
+                            </dgm:shape>
+                            <dgm:presOf axis="desOrSelf" ptType="node"/>
+                            <dgm:constrLst>
+                              <dgm:constr type="tMarg" refType="primFontSz" fact="0.3"/>
+                              <dgm:constr type="bMarg" refType="primFontSz" fact="0.3"/>
+                              <dgm:constr type="lMarg" refType="primFontSz" fact="0.3"/>
+                              <dgm:constr type="rMarg" refType="primFontSz" fact="0.3"/>
+                            </dgm:constrLst>
+                            <dgm:ruleLst>
+                              <dgm:rule type="primFontSz" val="5" fact="NaN" max="NaN"/>
+                            </dgm:ruleLst>
+                          </dgm:layoutNode>
+                        </dgm:layoutNode>
+                      </dgm:forEach>
+                    </dgm:layoutNode>
+                  </dgm:layoutNode>
+                  <dgm:forEach name="Name37" axis="followSib" ptType="sibTrans" cnt="1">
+                    <dgm:layoutNode name="thinLine3" styleLbl="callout">
+                      <dgm:alg type="sp"/>
+                      <dgm:shape xmlns:r="http://schemas.openxmlformats.org/officeDocument/2006/relationships" type="line" r:blip="">
+                        <dgm:adjLst/>
+                      </dgm:shape>
+                      <dgm:presOf/>
+                    </dgm:layoutNode>
+                  </dgm:forEach>
+                </dgm:forEach>
+              </dgm:layoutNode>
+            </dgm:layoutNode>
+            <dgm:layoutNode name="thinLine2b" styleLbl="callout">
+              <dgm:alg type="sp"/>
+              <dgm:shape xmlns:r="http://schemas.openxmlformats.org/officeDocument/2006/relationships" type="line" r:blip="">
+                <dgm:adjLst/>
+              </dgm:shape>
+              <dgm:presOf/>
+            </dgm:layoutNode>
+            <dgm:layoutNode name="vertSpace2b">
+              <dgm:alg type="sp"/>
+              <dgm:shape xmlns:r="http://schemas.openxmlformats.org/officeDocument/2006/relationships" r:blip="">
+                <dgm:adjLst/>
+              </dgm:shape>
+              <dgm:presOf/>
+            </dgm:layoutNode>
+          </dgm:forEach>
+        </dgm:layoutNode>
+      </dgm:layoutNode>
     </dgm:forEach>
   </dgm:layoutNode>
 </dgm:layoutDef>
@@ -24638,10 +25853,10 @@
       </p:grpSpPr>
       <p:sp useBgFill="1">
         <p:nvSpPr>
-          <p:cNvPr id="9" name="Rectangle 8">
+          <p:cNvPr id="16" name="Rectangle 15">
             <a:extLst>
               <a:ext uri="{FF2B5EF4-FFF2-40B4-BE49-F238E27FC236}">
-                <a16:creationId xmlns:a16="http://schemas.microsoft.com/office/drawing/2014/main" id="{2659FDB4-FCBE-4A89-B46D-43D4FA54464D}"/>
+                <a16:creationId xmlns:a16="http://schemas.microsoft.com/office/drawing/2014/main" id="{9DBC8166-481C-4473-95F5-9A5B9073B7F1}"/>
               </a:ext>
               <a:ext uri="{C183D7F6-B498-43B3-948B-1728B52AA6E4}">
                 <adec:decorative xmlns:adec="http://schemas.microsoft.com/office/drawing/2017/decorative" val="1"/>
@@ -24661,8 +25876,8 @@
         </p:nvSpPr>
         <p:spPr>
           <a:xfrm>
-            <a:off x="0" y="8313"/>
-            <a:ext cx="9144000" cy="6858000"/>
+            <a:off x="0" y="0"/>
+            <a:ext cx="9141714" cy="6858000"/>
           </a:xfrm>
           <a:prstGeom prst="rect">
             <a:avLst/>
@@ -24692,6 +25907,142 @@
           <a:lstStyle/>
           <a:p>
             <a:pPr algn="ctr"/>
+            <a:endParaRPr lang="en-US"/>
+          </a:p>
+        </p:txBody>
+      </p:sp>
+      <p:sp>
+        <p:nvSpPr>
+          <p:cNvPr id="18" name="Freeform: Shape 17">
+            <a:extLst>
+              <a:ext uri="{FF2B5EF4-FFF2-40B4-BE49-F238E27FC236}">
+                <a16:creationId xmlns:a16="http://schemas.microsoft.com/office/drawing/2014/main" id="{A5A5CE6E-90AF-4D43-A014-1F9EC83EB93D}"/>
+              </a:ext>
+              <a:ext uri="{C183D7F6-B498-43B3-948B-1728B52AA6E4}">
+                <adec:decorative xmlns:adec="http://schemas.microsoft.com/office/drawing/2017/decorative" val="1"/>
+              </a:ext>
+            </a:extLst>
+          </p:cNvPr>
+          <p:cNvSpPr>
+            <a:spLocks noGrp="1" noRot="1" noChangeAspect="1" noMove="1" noResize="1" noEditPoints="1" noAdjustHandles="1" noChangeArrowheads="1" noChangeShapeType="1" noTextEdit="1"/>
+          </p:cNvSpPr>
+          <p:nvPr>
+            <p:extLst>
+              <p:ext uri="{386F3935-93C4-4BCD-93E2-E3B085C9AB24}">
+                <p16:designElem xmlns:p16="http://schemas.microsoft.com/office/powerpoint/2015/main" val="1"/>
+              </p:ext>
+            </p:extLst>
+          </p:nvPr>
+        </p:nvSpPr>
+        <p:spPr>
+          <a:xfrm>
+            <a:off x="0" y="1"/>
+            <a:ext cx="3384350" cy="6858000"/>
+          </a:xfrm>
+          <a:custGeom>
+            <a:avLst/>
+            <a:gdLst>
+              <a:gd name="connsiteX0" fmla="*/ 0 w 4512467"/>
+              <a:gd name="connsiteY0" fmla="*/ 0 h 6858000"/>
+              <a:gd name="connsiteX1" fmla="*/ 2579526 w 4512467"/>
+              <a:gd name="connsiteY1" fmla="*/ 0 h 6858000"/>
+              <a:gd name="connsiteX2" fmla="*/ 2583267 w 4512467"/>
+              <a:gd name="connsiteY2" fmla="*/ 2151 h 6858000"/>
+              <a:gd name="connsiteX3" fmla="*/ 4512467 w 4512467"/>
+              <a:gd name="connsiteY3" fmla="*/ 3429000 h 6858000"/>
+              <a:gd name="connsiteX4" fmla="*/ 2583267 w 4512467"/>
+              <a:gd name="connsiteY4" fmla="*/ 6855849 h 6858000"/>
+              <a:gd name="connsiteX5" fmla="*/ 2579526 w 4512467"/>
+              <a:gd name="connsiteY5" fmla="*/ 6858000 h 6858000"/>
+              <a:gd name="connsiteX6" fmla="*/ 0 w 4512467"/>
+              <a:gd name="connsiteY6" fmla="*/ 6858000 h 6858000"/>
+            </a:gdLst>
+            <a:ahLst/>
+            <a:cxnLst>
+              <a:cxn ang="0">
+                <a:pos x="connsiteX0" y="connsiteY0"/>
+              </a:cxn>
+              <a:cxn ang="0">
+                <a:pos x="connsiteX1" y="connsiteY1"/>
+              </a:cxn>
+              <a:cxn ang="0">
+                <a:pos x="connsiteX2" y="connsiteY2"/>
+              </a:cxn>
+              <a:cxn ang="0">
+                <a:pos x="connsiteX3" y="connsiteY3"/>
+              </a:cxn>
+              <a:cxn ang="0">
+                <a:pos x="connsiteX4" y="connsiteY4"/>
+              </a:cxn>
+              <a:cxn ang="0">
+                <a:pos x="connsiteX5" y="connsiteY5"/>
+              </a:cxn>
+              <a:cxn ang="0">
+                <a:pos x="connsiteX6" y="connsiteY6"/>
+              </a:cxn>
+            </a:cxnLst>
+            <a:rect l="l" t="t" r="r" b="b"/>
+            <a:pathLst>
+              <a:path w="4512467" h="6858000">
+                <a:moveTo>
+                  <a:pt x="0" y="0"/>
+                </a:moveTo>
+                <a:lnTo>
+                  <a:pt x="2579526" y="0"/>
+                </a:lnTo>
+                <a:lnTo>
+                  <a:pt x="2583267" y="2151"/>
+                </a:lnTo>
+                <a:cubicBezTo>
+                  <a:pt x="3739868" y="704919"/>
+                  <a:pt x="4512467" y="1976735"/>
+                  <a:pt x="4512467" y="3429000"/>
+                </a:cubicBezTo>
+                <a:cubicBezTo>
+                  <a:pt x="4512467" y="4881266"/>
+                  <a:pt x="3739868" y="6153081"/>
+                  <a:pt x="2583267" y="6855849"/>
+                </a:cubicBezTo>
+                <a:lnTo>
+                  <a:pt x="2579526" y="6858000"/>
+                </a:lnTo>
+                <a:lnTo>
+                  <a:pt x="0" y="6858000"/>
+                </a:lnTo>
+                <a:close/>
+              </a:path>
+            </a:pathLst>
+          </a:custGeom>
+          <a:solidFill>
+            <a:schemeClr val="accent2"/>
+          </a:solidFill>
+          <a:ln>
+            <a:noFill/>
+          </a:ln>
+        </p:spPr>
+        <p:style>
+          <a:lnRef idx="2">
+            <a:schemeClr val="accent1">
+              <a:shade val="50000"/>
+            </a:schemeClr>
+          </a:lnRef>
+          <a:fillRef idx="1">
+            <a:schemeClr val="accent1"/>
+          </a:fillRef>
+          <a:effectRef idx="0">
+            <a:schemeClr val="accent1"/>
+          </a:effectRef>
+          <a:fontRef idx="minor">
+            <a:schemeClr val="lt1"/>
+          </a:fontRef>
+        </p:style>
+        <p:txBody>
+          <a:bodyPr wrap="square" rtlCol="0" anchor="ctr">
+            <a:noAutofit/>
+          </a:bodyPr>
+          <a:lstStyle/>
+          <a:p>
+            <a:pPr algn="ctr"/>
             <a:endParaRPr lang="en-US">
               <a:solidFill>
                 <a:schemeClr val="bg1"/>
@@ -24712,8 +26063,8 @@
         </p:nvSpPr>
         <p:spPr>
           <a:xfrm>
-            <a:off x="359545" y="1070800"/>
-            <a:ext cx="2954766" cy="5583126"/>
+            <a:off x="628650" y="643467"/>
+            <a:ext cx="2213403" cy="5571066"/>
           </a:xfrm>
         </p:spPr>
         <p:txBody>
@@ -24722,80 +26073,22 @@
           </a:bodyPr>
           <a:lstStyle/>
           <a:p>
-            <a:pPr algn="r">
+            <a:pPr>
               <a:lnSpc>
                 <a:spcPct val="90000"/>
               </a:lnSpc>
             </a:pPr>
             <a:r>
-              <a:rPr lang="pt-BR" sz="3300"/>
-              <a:t>Sistema de Monitoramento de Presença e Gases</a:t>
+              <a:rPr lang="pt-BR" sz="2400">
+                <a:solidFill>
+                  <a:srgbClr val="FFFFFF"/>
+                </a:solidFill>
+              </a:rPr>
+              <a:t>Sistema de Monitoramento de Presença e Gases – Safe Track</a:t>
             </a:r>
           </a:p>
         </p:txBody>
       </p:sp>
-      <p:cxnSp>
-        <p:nvCxnSpPr>
-          <p:cNvPr id="11" name="Straight Connector 10">
-            <a:extLst>
-              <a:ext uri="{FF2B5EF4-FFF2-40B4-BE49-F238E27FC236}">
-                <a16:creationId xmlns:a16="http://schemas.microsoft.com/office/drawing/2014/main" id="{C8F51B3F-8331-4E4A-AE96-D47B1006EEAD}"/>
-              </a:ext>
-              <a:ext uri="{C183D7F6-B498-43B3-948B-1728B52AA6E4}">
-                <adec:decorative xmlns:adec="http://schemas.microsoft.com/office/drawing/2017/decorative" val="1"/>
-              </a:ext>
-            </a:extLst>
-          </p:cNvPr>
-          <p:cNvCxnSpPr>
-            <a:cxnSpLocks noGrp="1" noRot="1" noChangeAspect="1" noMove="1" noResize="1" noEditPoints="1" noAdjustHandles="1" noChangeArrowheads="1" noChangeShapeType="1"/>
-          </p:cNvCxnSpPr>
-          <p:nvPr>
-            <p:extLst>
-              <p:ext uri="{386F3935-93C4-4BCD-93E2-E3B085C9AB24}">
-                <p16:designElem xmlns:p16="http://schemas.microsoft.com/office/powerpoint/2015/main" val="1"/>
-              </p:ext>
-            </p:extLst>
-          </p:nvPr>
-        </p:nvCxnSpPr>
-        <p:spPr>
-          <a:xfrm>
-            <a:off x="3546039" y="1132114"/>
-            <a:ext cx="0" cy="5717573"/>
-          </a:xfrm>
-          <a:prstGeom prst="line">
-            <a:avLst/>
-          </a:prstGeom>
-          <a:ln w="25400" cap="sq">
-            <a:gradFill flip="none" rotWithShape="1">
-              <a:gsLst>
-                <a:gs pos="0">
-                  <a:schemeClr val="accent1"/>
-                </a:gs>
-                <a:gs pos="100000">
-                  <a:schemeClr val="accent2"/>
-                </a:gs>
-              </a:gsLst>
-              <a:lin ang="16200000" scaled="1"/>
-              <a:tileRect/>
-            </a:gradFill>
-            <a:bevel/>
-          </a:ln>
-        </p:spPr>
-        <p:style>
-          <a:lnRef idx="1">
-            <a:schemeClr val="accent1"/>
-          </a:lnRef>
-          <a:fillRef idx="0">
-            <a:schemeClr val="accent1"/>
-          </a:fillRef>
-          <a:effectRef idx="0">
-            <a:schemeClr val="accent1"/>
-          </a:effectRef>
-          <a:fontRef idx="minor">
-            <a:schemeClr val="tx1"/>
-          </a:fontRef>
-        </p:style>
-      </p:cxnSp>
       <p:graphicFrame>
         <p:nvGraphicFramePr>
           <p:cNvPr id="5" name="Content Placeholder 2">
@@ -24812,14 +26105,14 @@
             <p:ph idx="1"/>
             <p:extLst>
               <p:ext uri="{D42A27DB-BD31-4B8C-83A1-F6EECF244321}">
-                <p14:modId xmlns:p14="http://schemas.microsoft.com/office/powerpoint/2010/main" val="3965090030"/>
+                <p14:modId xmlns:p14="http://schemas.microsoft.com/office/powerpoint/2010/main" val="1512249181"/>
               </p:ext>
             </p:extLst>
           </p:nvPr>
         </p:nvGraphicFramePr>
         <p:xfrm>
-          <a:off x="3831401" y="1070800"/>
-          <a:ext cx="4683949" cy="5589347"/>
+          <a:off x="3905730" y="643466"/>
+          <a:ext cx="4718785" cy="5530735"/>
         </p:xfrm>
         <a:graphic>
           <a:graphicData uri="http://schemas.openxmlformats.org/drawingml/2006/diagram">
@@ -25082,10 +26375,10 @@
       </p:grpSpPr>
       <p:sp useBgFill="1">
         <p:nvSpPr>
-          <p:cNvPr id="9" name="Rectangle 8">
+          <p:cNvPr id="42" name="Rectangle 20">
             <a:extLst>
               <a:ext uri="{FF2B5EF4-FFF2-40B4-BE49-F238E27FC236}">
-                <a16:creationId xmlns:a16="http://schemas.microsoft.com/office/drawing/2014/main" id="{2659FDB4-FCBE-4A89-B46D-43D4FA54464D}"/>
+                <a16:creationId xmlns:a16="http://schemas.microsoft.com/office/drawing/2014/main" id="{9DBC8166-481C-4473-95F5-9A5B9073B7F1}"/>
               </a:ext>
               <a:ext uri="{C183D7F6-B498-43B3-948B-1728B52AA6E4}">
                 <adec:decorative xmlns:adec="http://schemas.microsoft.com/office/drawing/2017/decorative" val="1"/>
@@ -25105,8 +26398,8 @@
         </p:nvSpPr>
         <p:spPr>
           <a:xfrm>
-            <a:off x="0" y="8313"/>
-            <a:ext cx="9144000" cy="6858000"/>
+            <a:off x="0" y="0"/>
+            <a:ext cx="9141714" cy="6858000"/>
           </a:xfrm>
           <a:prstGeom prst="rect">
             <a:avLst/>
@@ -25136,6 +26429,142 @@
           <a:lstStyle/>
           <a:p>
             <a:pPr algn="ctr"/>
+            <a:endParaRPr lang="en-US"/>
+          </a:p>
+        </p:txBody>
+      </p:sp>
+      <p:sp>
+        <p:nvSpPr>
+          <p:cNvPr id="43" name="Freeform: Shape 22">
+            <a:extLst>
+              <a:ext uri="{FF2B5EF4-FFF2-40B4-BE49-F238E27FC236}">
+                <a16:creationId xmlns:a16="http://schemas.microsoft.com/office/drawing/2014/main" id="{A5A5CE6E-90AF-4D43-A014-1F9EC83EB93D}"/>
+              </a:ext>
+              <a:ext uri="{C183D7F6-B498-43B3-948B-1728B52AA6E4}">
+                <adec:decorative xmlns:adec="http://schemas.microsoft.com/office/drawing/2017/decorative" val="1"/>
+              </a:ext>
+            </a:extLst>
+          </p:cNvPr>
+          <p:cNvSpPr>
+            <a:spLocks noGrp="1" noRot="1" noChangeAspect="1" noMove="1" noResize="1" noEditPoints="1" noAdjustHandles="1" noChangeArrowheads="1" noChangeShapeType="1" noTextEdit="1"/>
+          </p:cNvSpPr>
+          <p:nvPr>
+            <p:extLst>
+              <p:ext uri="{386F3935-93C4-4BCD-93E2-E3B085C9AB24}">
+                <p16:designElem xmlns:p16="http://schemas.microsoft.com/office/powerpoint/2015/main" val="1"/>
+              </p:ext>
+            </p:extLst>
+          </p:nvPr>
+        </p:nvSpPr>
+        <p:spPr>
+          <a:xfrm>
+            <a:off x="0" y="1"/>
+            <a:ext cx="3384350" cy="6858000"/>
+          </a:xfrm>
+          <a:custGeom>
+            <a:avLst/>
+            <a:gdLst>
+              <a:gd name="connsiteX0" fmla="*/ 0 w 4512467"/>
+              <a:gd name="connsiteY0" fmla="*/ 0 h 6858000"/>
+              <a:gd name="connsiteX1" fmla="*/ 2579526 w 4512467"/>
+              <a:gd name="connsiteY1" fmla="*/ 0 h 6858000"/>
+              <a:gd name="connsiteX2" fmla="*/ 2583267 w 4512467"/>
+              <a:gd name="connsiteY2" fmla="*/ 2151 h 6858000"/>
+              <a:gd name="connsiteX3" fmla="*/ 4512467 w 4512467"/>
+              <a:gd name="connsiteY3" fmla="*/ 3429000 h 6858000"/>
+              <a:gd name="connsiteX4" fmla="*/ 2583267 w 4512467"/>
+              <a:gd name="connsiteY4" fmla="*/ 6855849 h 6858000"/>
+              <a:gd name="connsiteX5" fmla="*/ 2579526 w 4512467"/>
+              <a:gd name="connsiteY5" fmla="*/ 6858000 h 6858000"/>
+              <a:gd name="connsiteX6" fmla="*/ 0 w 4512467"/>
+              <a:gd name="connsiteY6" fmla="*/ 6858000 h 6858000"/>
+            </a:gdLst>
+            <a:ahLst/>
+            <a:cxnLst>
+              <a:cxn ang="0">
+                <a:pos x="connsiteX0" y="connsiteY0"/>
+              </a:cxn>
+              <a:cxn ang="0">
+                <a:pos x="connsiteX1" y="connsiteY1"/>
+              </a:cxn>
+              <a:cxn ang="0">
+                <a:pos x="connsiteX2" y="connsiteY2"/>
+              </a:cxn>
+              <a:cxn ang="0">
+                <a:pos x="connsiteX3" y="connsiteY3"/>
+              </a:cxn>
+              <a:cxn ang="0">
+                <a:pos x="connsiteX4" y="connsiteY4"/>
+              </a:cxn>
+              <a:cxn ang="0">
+                <a:pos x="connsiteX5" y="connsiteY5"/>
+              </a:cxn>
+              <a:cxn ang="0">
+                <a:pos x="connsiteX6" y="connsiteY6"/>
+              </a:cxn>
+            </a:cxnLst>
+            <a:rect l="l" t="t" r="r" b="b"/>
+            <a:pathLst>
+              <a:path w="4512467" h="6858000">
+                <a:moveTo>
+                  <a:pt x="0" y="0"/>
+                </a:moveTo>
+                <a:lnTo>
+                  <a:pt x="2579526" y="0"/>
+                </a:lnTo>
+                <a:lnTo>
+                  <a:pt x="2583267" y="2151"/>
+                </a:lnTo>
+                <a:cubicBezTo>
+                  <a:pt x="3739868" y="704919"/>
+                  <a:pt x="4512467" y="1976735"/>
+                  <a:pt x="4512467" y="3429000"/>
+                </a:cubicBezTo>
+                <a:cubicBezTo>
+                  <a:pt x="4512467" y="4881266"/>
+                  <a:pt x="3739868" y="6153081"/>
+                  <a:pt x="2583267" y="6855849"/>
+                </a:cubicBezTo>
+                <a:lnTo>
+                  <a:pt x="2579526" y="6858000"/>
+                </a:lnTo>
+                <a:lnTo>
+                  <a:pt x="0" y="6858000"/>
+                </a:lnTo>
+                <a:close/>
+              </a:path>
+            </a:pathLst>
+          </a:custGeom>
+          <a:solidFill>
+            <a:schemeClr val="accent2"/>
+          </a:solidFill>
+          <a:ln>
+            <a:noFill/>
+          </a:ln>
+        </p:spPr>
+        <p:style>
+          <a:lnRef idx="2">
+            <a:schemeClr val="accent1">
+              <a:shade val="50000"/>
+            </a:schemeClr>
+          </a:lnRef>
+          <a:fillRef idx="1">
+            <a:schemeClr val="accent1"/>
+          </a:fillRef>
+          <a:effectRef idx="0">
+            <a:schemeClr val="accent1"/>
+          </a:effectRef>
+          <a:fontRef idx="minor">
+            <a:schemeClr val="lt1"/>
+          </a:fontRef>
+        </p:style>
+        <p:txBody>
+          <a:bodyPr wrap="square" rtlCol="0" anchor="ctr">
+            <a:noAutofit/>
+          </a:bodyPr>
+          <a:lstStyle/>
+          <a:p>
+            <a:pPr algn="ctr"/>
             <a:endParaRPr lang="en-US">
               <a:solidFill>
                 <a:schemeClr val="bg1"/>
@@ -25156,8 +26585,8 @@
         </p:nvSpPr>
         <p:spPr>
           <a:xfrm>
-            <a:off x="359545" y="1070800"/>
-            <a:ext cx="2954766" cy="5583126"/>
+            <a:off x="628650" y="643467"/>
+            <a:ext cx="2213403" cy="5571066"/>
           </a:xfrm>
         </p:spPr>
         <p:txBody>
@@ -25166,76 +26595,17 @@
           </a:bodyPr>
           <a:lstStyle/>
           <a:p>
-            <a:pPr algn="r"/>
             <a:r>
-              <a:rPr lang="pt-BR" sz="4900"/>
+              <a:rPr lang="pt-BR" sz="3400">
+                <a:solidFill>
+                  <a:srgbClr val="FFFFFF"/>
+                </a:solidFill>
+              </a:rPr>
               <a:t>Requisitos do Dispositivo</a:t>
             </a:r>
           </a:p>
         </p:txBody>
       </p:sp>
-      <p:cxnSp>
-        <p:nvCxnSpPr>
-          <p:cNvPr id="11" name="Straight Connector 10">
-            <a:extLst>
-              <a:ext uri="{FF2B5EF4-FFF2-40B4-BE49-F238E27FC236}">
-                <a16:creationId xmlns:a16="http://schemas.microsoft.com/office/drawing/2014/main" id="{C8F51B3F-8331-4E4A-AE96-D47B1006EEAD}"/>
-              </a:ext>
-              <a:ext uri="{C183D7F6-B498-43B3-948B-1728B52AA6E4}">
-                <adec:decorative xmlns:adec="http://schemas.microsoft.com/office/drawing/2017/decorative" val="1"/>
-              </a:ext>
-            </a:extLst>
-          </p:cNvPr>
-          <p:cNvCxnSpPr>
-            <a:cxnSpLocks noGrp="1" noRot="1" noChangeAspect="1" noMove="1" noResize="1" noEditPoints="1" noAdjustHandles="1" noChangeArrowheads="1" noChangeShapeType="1"/>
-          </p:cNvCxnSpPr>
-          <p:nvPr>
-            <p:extLst>
-              <p:ext uri="{386F3935-93C4-4BCD-93E2-E3B085C9AB24}">
-                <p16:designElem xmlns:p16="http://schemas.microsoft.com/office/powerpoint/2015/main" val="1"/>
-              </p:ext>
-            </p:extLst>
-          </p:nvPr>
-        </p:nvCxnSpPr>
-        <p:spPr>
-          <a:xfrm>
-            <a:off x="3546039" y="1132114"/>
-            <a:ext cx="0" cy="5717573"/>
-          </a:xfrm>
-          <a:prstGeom prst="line">
-            <a:avLst/>
-          </a:prstGeom>
-          <a:ln w="25400" cap="sq">
-            <a:gradFill flip="none" rotWithShape="1">
-              <a:gsLst>
-                <a:gs pos="0">
-                  <a:schemeClr val="accent1"/>
-                </a:gs>
-                <a:gs pos="100000">
-                  <a:schemeClr val="accent2"/>
-                </a:gs>
-              </a:gsLst>
-              <a:lin ang="16200000" scaled="1"/>
-              <a:tileRect/>
-            </a:gradFill>
-            <a:bevel/>
-          </a:ln>
-        </p:spPr>
-        <p:style>
-          <a:lnRef idx="1">
-            <a:schemeClr val="accent1"/>
-          </a:lnRef>
-          <a:fillRef idx="0">
-            <a:schemeClr val="accent1"/>
-          </a:fillRef>
-          <a:effectRef idx="0">
-            <a:schemeClr val="accent1"/>
-          </a:effectRef>
-          <a:fontRef idx="minor">
-            <a:schemeClr val="tx1"/>
-          </a:fontRef>
-        </p:style>
-      </p:cxnSp>
       <p:graphicFrame>
         <p:nvGraphicFramePr>
           <p:cNvPr id="5" name="Content Placeholder 2">
@@ -25252,14 +26622,14 @@
             <p:ph idx="1"/>
             <p:extLst>
               <p:ext uri="{D42A27DB-BD31-4B8C-83A1-F6EECF244321}">
-                <p14:modId xmlns:p14="http://schemas.microsoft.com/office/powerpoint/2010/main" val="1792995418"/>
+                <p14:modId xmlns:p14="http://schemas.microsoft.com/office/powerpoint/2010/main" val="3655684109"/>
               </p:ext>
             </p:extLst>
           </p:nvPr>
         </p:nvGraphicFramePr>
         <p:xfrm>
-          <a:off x="3831401" y="1070800"/>
-          <a:ext cx="4683949" cy="5589347"/>
+          <a:off x="3905730" y="643466"/>
+          <a:ext cx="4718785" cy="5530735"/>
         </p:xfrm>
         <a:graphic>
           <a:graphicData uri="http://schemas.openxmlformats.org/drawingml/2006/diagram">

--- a/Sistema_Embarcado_Monitoramento.pptx
+++ b/Sistema_Embarcado_Monitoramento.pptx
@@ -12,8 +12,9 @@
     <p:sldId id="260" r:id="rId6"/>
     <p:sldId id="261" r:id="rId7"/>
     <p:sldId id="262" r:id="rId8"/>
-    <p:sldId id="263" r:id="rId9"/>
-    <p:sldId id="264" r:id="rId10"/>
+    <p:sldId id="265" r:id="rId9"/>
+    <p:sldId id="263" r:id="rId10"/>
+    <p:sldId id="264" r:id="rId11"/>
   </p:sldIdLst>
   <p:sldSz cx="9144000" cy="6858000" type="screen4x3"/>
   <p:notesSz cx="6858000" cy="9144000"/>
@@ -134,7 +135,7 @@
 <file path=ppt/revisionInfo.xml><?xml version="1.0" encoding="utf-8"?>
 <p1510:revInfo xmlns:a="http://schemas.openxmlformats.org/drawingml/2006/main" xmlns:r="http://schemas.openxmlformats.org/officeDocument/2006/relationships" xmlns:p1510="http://schemas.microsoft.com/office/powerpoint/2015/10/main">
   <p1510:revLst>
-    <p1510:client id="{5984AAC9-020F-42B9-BA1F-82638D6643C3}" v="2" dt="2025-12-03T00:37:54.535"/>
+    <p1510:client id="{5984AAC9-020F-42B9-BA1F-82638D6643C3}" v="4" dt="2025-12-03T00:53:03.454"/>
   </p1510:revLst>
 </p1510:revInfo>
 </file>
@@ -143,8 +144,8 @@
 <pc:chgInfo xmlns:a="http://schemas.openxmlformats.org/drawingml/2006/main" xmlns:r="http://schemas.openxmlformats.org/officeDocument/2006/relationships" xmlns:ac="http://schemas.microsoft.com/office/drawing/2013/main/command" xmlns:pc="http://schemas.microsoft.com/office/powerpoint/2013/main/command">
   <pc:docChgLst>
     <pc:chgData name="Nathan Saldanha" userId="1a8e11d681821b69" providerId="LiveId" clId="{DD1AE910-D254-47AF-A879-2E25B4632160}"/>
-    <pc:docChg chg="undo custSel modSld">
-      <pc:chgData name="Nathan Saldanha" userId="1a8e11d681821b69" providerId="LiveId" clId="{DD1AE910-D254-47AF-A879-2E25B4632160}" dt="2025-12-03T00:39:52.297" v="32" actId="20577"/>
+    <pc:docChg chg="undo custSel addSld modSld">
+      <pc:chgData name="Nathan Saldanha" userId="1a8e11d681821b69" providerId="LiveId" clId="{DD1AE910-D254-47AF-A879-2E25B4632160}" dt="2025-12-03T00:53:10.406" v="44" actId="26606"/>
       <pc:docMkLst>
         <pc:docMk/>
       </pc:docMkLst>
@@ -311,6 +312,181 @@
             <pc:docMk/>
             <pc:sldMk cId="0" sldId="258"/>
             <ac:cxnSpMk id="11" creationId="{C8F51B3F-8331-4E4A-AE96-D47B1006EEAD}"/>
+          </ac:cxnSpMkLst>
+        </pc:cxnChg>
+      </pc:sldChg>
+      <pc:sldChg chg="addSp delSp modSp new mod setBg">
+        <pc:chgData name="Nathan Saldanha" userId="1a8e11d681821b69" providerId="LiveId" clId="{DD1AE910-D254-47AF-A879-2E25B4632160}" dt="2025-12-03T00:53:10.406" v="44" actId="26606"/>
+        <pc:sldMkLst>
+          <pc:docMk/>
+          <pc:sldMk cId="3738461331" sldId="265"/>
+        </pc:sldMkLst>
+        <pc:spChg chg="mod">
+          <ac:chgData name="Nathan Saldanha" userId="1a8e11d681821b69" providerId="LiveId" clId="{DD1AE910-D254-47AF-A879-2E25B4632160}" dt="2025-12-03T00:53:10.406" v="44" actId="26606"/>
+          <ac:spMkLst>
+            <pc:docMk/>
+            <pc:sldMk cId="3738461331" sldId="265"/>
+            <ac:spMk id="2" creationId="{EA0B791E-92E6-B31C-38E1-B0B8E65C01CB}"/>
+          </ac:spMkLst>
+        </pc:spChg>
+        <pc:spChg chg="del">
+          <ac:chgData name="Nathan Saldanha" userId="1a8e11d681821b69" providerId="LiveId" clId="{DD1AE910-D254-47AF-A879-2E25B4632160}" dt="2025-12-03T00:51:38.026" v="34" actId="931"/>
+          <ac:spMkLst>
+            <pc:docMk/>
+            <pc:sldMk cId="3738461331" sldId="265"/>
+            <ac:spMk id="3" creationId="{810F5F09-7563-E9DF-ADD5-D50AC894AA61}"/>
+          </ac:spMkLst>
+        </pc:spChg>
+        <pc:spChg chg="add del">
+          <ac:chgData name="Nathan Saldanha" userId="1a8e11d681821b69" providerId="LiveId" clId="{DD1AE910-D254-47AF-A879-2E25B4632160}" dt="2025-12-03T00:52:07.017" v="38" actId="26606"/>
+          <ac:spMkLst>
+            <pc:docMk/>
+            <pc:sldMk cId="3738461331" sldId="265"/>
+            <ac:spMk id="9" creationId="{7571658A-31C8-0E40-5A36-DEC8271DEBA0}"/>
+          </ac:spMkLst>
+        </pc:spChg>
+        <pc:spChg chg="add del">
+          <ac:chgData name="Nathan Saldanha" userId="1a8e11d681821b69" providerId="LiveId" clId="{DD1AE910-D254-47AF-A879-2E25B4632160}" dt="2025-12-03T00:52:07.017" v="38" actId="26606"/>
+          <ac:spMkLst>
+            <pc:docMk/>
+            <pc:sldMk cId="3738461331" sldId="265"/>
+            <ac:spMk id="12" creationId="{327D73B4-9F5C-4A64-A179-51B9500CB8B5}"/>
+          </ac:spMkLst>
+        </pc:spChg>
+        <pc:spChg chg="add del">
+          <ac:chgData name="Nathan Saldanha" userId="1a8e11d681821b69" providerId="LiveId" clId="{DD1AE910-D254-47AF-A879-2E25B4632160}" dt="2025-12-03T00:52:07.017" v="38" actId="26606"/>
+          <ac:spMkLst>
+            <pc:docMk/>
+            <pc:sldMk cId="3738461331" sldId="265"/>
+            <ac:spMk id="14" creationId="{C1F06963-6374-4B48-844F-071A9BAAAE02}"/>
+          </ac:spMkLst>
+        </pc:spChg>
+        <pc:spChg chg="add del">
+          <ac:chgData name="Nathan Saldanha" userId="1a8e11d681821b69" providerId="LiveId" clId="{DD1AE910-D254-47AF-A879-2E25B4632160}" dt="2025-12-03T00:52:07.017" v="38" actId="26606"/>
+          <ac:spMkLst>
+            <pc:docMk/>
+            <pc:sldMk cId="3738461331" sldId="265"/>
+            <ac:spMk id="20" creationId="{E3020543-B24B-4EC4-8FFC-8DD88EEA91A8}"/>
+          </ac:spMkLst>
+        </pc:spChg>
+        <pc:spChg chg="add del">
+          <ac:chgData name="Nathan Saldanha" userId="1a8e11d681821b69" providerId="LiveId" clId="{DD1AE910-D254-47AF-A879-2E25B4632160}" dt="2025-12-03T00:53:10.406" v="44" actId="26606"/>
+          <ac:spMkLst>
+            <pc:docMk/>
+            <pc:sldMk cId="3738461331" sldId="265"/>
+            <ac:spMk id="24" creationId="{A2679492-7988-4050-9056-542444452411}"/>
+          </ac:spMkLst>
+        </pc:spChg>
+        <pc:spChg chg="add del">
+          <ac:chgData name="Nathan Saldanha" userId="1a8e11d681821b69" providerId="LiveId" clId="{DD1AE910-D254-47AF-A879-2E25B4632160}" dt="2025-12-03T00:53:10.406" v="44" actId="26606"/>
+          <ac:spMkLst>
+            <pc:docMk/>
+            <pc:sldMk cId="3738461331" sldId="265"/>
+            <ac:spMk id="25" creationId="{B091B163-7D61-4891-ABCF-5C13D9C418D0}"/>
+          </ac:spMkLst>
+        </pc:spChg>
+        <pc:spChg chg="add mod">
+          <ac:chgData name="Nathan Saldanha" userId="1a8e11d681821b69" providerId="LiveId" clId="{DD1AE910-D254-47AF-A879-2E25B4632160}" dt="2025-12-03T00:53:10.406" v="43" actId="26606"/>
+          <ac:spMkLst>
+            <pc:docMk/>
+            <pc:sldMk cId="3738461331" sldId="265"/>
+            <ac:spMk id="26" creationId="{96F3BD61-65DD-C818-7FC1-370F962372A9}"/>
+          </ac:spMkLst>
+        </pc:spChg>
+        <pc:spChg chg="add del">
+          <ac:chgData name="Nathan Saldanha" userId="1a8e11d681821b69" providerId="LiveId" clId="{DD1AE910-D254-47AF-A879-2E25B4632160}" dt="2025-12-03T00:53:10.406" v="43" actId="26606"/>
+          <ac:spMkLst>
+            <pc:docMk/>
+            <pc:sldMk cId="3738461331" sldId="265"/>
+            <ac:spMk id="32" creationId="{327D73B4-9F5C-4A64-A179-51B9500CB8B5}"/>
+          </ac:spMkLst>
+        </pc:spChg>
+        <pc:spChg chg="add del">
+          <ac:chgData name="Nathan Saldanha" userId="1a8e11d681821b69" providerId="LiveId" clId="{DD1AE910-D254-47AF-A879-2E25B4632160}" dt="2025-12-03T00:53:10.406" v="43" actId="26606"/>
+          <ac:spMkLst>
+            <pc:docMk/>
+            <pc:sldMk cId="3738461331" sldId="265"/>
+            <ac:spMk id="34" creationId="{C1F06963-6374-4B48-844F-071A9BAAAE02}"/>
+          </ac:spMkLst>
+        </pc:spChg>
+        <pc:spChg chg="add del">
+          <ac:chgData name="Nathan Saldanha" userId="1a8e11d681821b69" providerId="LiveId" clId="{DD1AE910-D254-47AF-A879-2E25B4632160}" dt="2025-12-03T00:53:10.406" v="43" actId="26606"/>
+          <ac:spMkLst>
+            <pc:docMk/>
+            <pc:sldMk cId="3738461331" sldId="265"/>
+            <ac:spMk id="36" creationId="{6CB927A4-E432-4310-9CD5-E89FF5063179}"/>
+          </ac:spMkLst>
+        </pc:spChg>
+        <pc:spChg chg="add del">
+          <ac:chgData name="Nathan Saldanha" userId="1a8e11d681821b69" providerId="LiveId" clId="{DD1AE910-D254-47AF-A879-2E25B4632160}" dt="2025-12-03T00:53:10.406" v="43" actId="26606"/>
+          <ac:spMkLst>
+            <pc:docMk/>
+            <pc:sldMk cId="3738461331" sldId="265"/>
+            <ac:spMk id="38" creationId="{1453BF6C-B012-48B7-B4E8-6D7AC7C27D02}"/>
+          </ac:spMkLst>
+        </pc:spChg>
+        <pc:spChg chg="add del">
+          <ac:chgData name="Nathan Saldanha" userId="1a8e11d681821b69" providerId="LiveId" clId="{DD1AE910-D254-47AF-A879-2E25B4632160}" dt="2025-12-03T00:53:10.406" v="43" actId="26606"/>
+          <ac:spMkLst>
+            <pc:docMk/>
+            <pc:sldMk cId="3738461331" sldId="265"/>
+            <ac:spMk id="40" creationId="{E3020543-B24B-4EC4-8FFC-8DD88EEA91A8}"/>
+          </ac:spMkLst>
+        </pc:spChg>
+        <pc:spChg chg="add">
+          <ac:chgData name="Nathan Saldanha" userId="1a8e11d681821b69" providerId="LiveId" clId="{DD1AE910-D254-47AF-A879-2E25B4632160}" dt="2025-12-03T00:53:10.406" v="44" actId="26606"/>
+          <ac:spMkLst>
+            <pc:docMk/>
+            <pc:sldMk cId="3738461331" sldId="265"/>
+            <ac:spMk id="44" creationId="{A2679492-7988-4050-9056-542444452411}"/>
+          </ac:spMkLst>
+        </pc:spChg>
+        <pc:spChg chg="add">
+          <ac:chgData name="Nathan Saldanha" userId="1a8e11d681821b69" providerId="LiveId" clId="{DD1AE910-D254-47AF-A879-2E25B4632160}" dt="2025-12-03T00:53:10.406" v="44" actId="26606"/>
+          <ac:spMkLst>
+            <pc:docMk/>
+            <pc:sldMk cId="3738461331" sldId="265"/>
+            <ac:spMk id="45" creationId="{B091B163-7D61-4891-ABCF-5C13D9C418D0}"/>
+          </ac:spMkLst>
+        </pc:spChg>
+        <pc:grpChg chg="add del">
+          <ac:chgData name="Nathan Saldanha" userId="1a8e11d681821b69" providerId="LiveId" clId="{DD1AE910-D254-47AF-A879-2E25B4632160}" dt="2025-12-03T00:52:07.017" v="38" actId="26606"/>
+          <ac:grpSpMkLst>
+            <pc:docMk/>
+            <pc:sldMk cId="3738461331" sldId="265"/>
+            <ac:grpSpMk id="16" creationId="{5614C7C0-FA1D-4105-8345-1DF76F9870A8}"/>
+          </ac:grpSpMkLst>
+        </pc:grpChg>
+        <pc:picChg chg="add mod">
+          <ac:chgData name="Nathan Saldanha" userId="1a8e11d681821b69" providerId="LiveId" clId="{DD1AE910-D254-47AF-A879-2E25B4632160}" dt="2025-12-03T00:53:10.406" v="43" actId="26606"/>
+          <ac:picMkLst>
+            <pc:docMk/>
+            <pc:sldMk cId="3738461331" sldId="265"/>
+            <ac:picMk id="5" creationId="{FC6B6865-DC52-B4C4-70EF-40CF7345815D}"/>
+          </ac:picMkLst>
+        </pc:picChg>
+        <pc:cxnChg chg="add del">
+          <ac:chgData name="Nathan Saldanha" userId="1a8e11d681821b69" providerId="LiveId" clId="{DD1AE910-D254-47AF-A879-2E25B4632160}" dt="2025-12-03T00:52:07.017" v="38" actId="26606"/>
+          <ac:cxnSpMkLst>
+            <pc:docMk/>
+            <pc:sldMk cId="3738461331" sldId="265"/>
+            <ac:cxnSpMk id="22" creationId="{C49DA8F6-BCC1-4447-B54C-57856834B94B}"/>
+          </ac:cxnSpMkLst>
+        </pc:cxnChg>
+        <pc:cxnChg chg="add del">
+          <ac:chgData name="Nathan Saldanha" userId="1a8e11d681821b69" providerId="LiveId" clId="{DD1AE910-D254-47AF-A879-2E25B4632160}" dt="2025-12-03T00:53:10.406" v="44" actId="26606"/>
+          <ac:cxnSpMkLst>
+            <pc:docMk/>
+            <pc:sldMk cId="3738461331" sldId="265"/>
+            <ac:cxnSpMk id="27" creationId="{C49DA8F6-BCC1-4447-B54C-57856834B94B}"/>
+          </ac:cxnSpMkLst>
+        </pc:cxnChg>
+        <pc:cxnChg chg="add">
+          <ac:chgData name="Nathan Saldanha" userId="1a8e11d681821b69" providerId="LiveId" clId="{DD1AE910-D254-47AF-A879-2E25B4632160}" dt="2025-12-03T00:53:10.406" v="44" actId="26606"/>
+          <ac:cxnSpMkLst>
+            <pc:docMk/>
+            <pc:sldMk cId="3738461331" sldId="265"/>
+            <ac:cxnSpMk id="46" creationId="{C49DA8F6-BCC1-4447-B54C-57856834B94B}"/>
           </ac:cxnSpMkLst>
         </pc:cxnChg>
       </pc:sldChg>
@@ -26128,6 +26304,226 @@
 </p:sld>
 </file>
 
+<file path=ppt/slides/slide10.xml><?xml version="1.0" encoding="utf-8"?>
+<p:sld xmlns:a="http://schemas.openxmlformats.org/drawingml/2006/main" xmlns:r="http://schemas.openxmlformats.org/officeDocument/2006/relationships" xmlns:p="http://schemas.openxmlformats.org/presentationml/2006/main">
+  <p:cSld>
+    <p:bg>
+      <p:bgPr>
+        <a:solidFill>
+          <a:schemeClr val="bg1"/>
+        </a:solidFill>
+        <a:effectLst/>
+      </p:bgPr>
+    </p:bg>
+    <p:spTree>
+      <p:nvGrpSpPr>
+        <p:cNvPr id="1" name=""/>
+        <p:cNvGrpSpPr/>
+        <p:nvPr/>
+      </p:nvGrpSpPr>
+      <p:grpSpPr>
+        <a:xfrm>
+          <a:off x="0" y="0"/>
+          <a:ext cx="0" cy="0"/>
+          <a:chOff x="0" y="0"/>
+          <a:chExt cx="0" cy="0"/>
+        </a:xfrm>
+      </p:grpSpPr>
+      <p:sp useBgFill="1">
+        <p:nvSpPr>
+          <p:cNvPr id="9" name="Rectangle 8">
+            <a:extLst>
+              <a:ext uri="{FF2B5EF4-FFF2-40B4-BE49-F238E27FC236}">
+                <a16:creationId xmlns:a16="http://schemas.microsoft.com/office/drawing/2014/main" id="{2659FDB4-FCBE-4A89-B46D-43D4FA54464D}"/>
+              </a:ext>
+              <a:ext uri="{C183D7F6-B498-43B3-948B-1728B52AA6E4}">
+                <adec:decorative xmlns:adec="http://schemas.microsoft.com/office/drawing/2017/decorative" val="1"/>
+              </a:ext>
+            </a:extLst>
+          </p:cNvPr>
+          <p:cNvSpPr>
+            <a:spLocks noGrp="1" noRot="1" noChangeAspect="1" noMove="1" noResize="1" noEditPoints="1" noAdjustHandles="1" noChangeArrowheads="1" noChangeShapeType="1" noTextEdit="1"/>
+          </p:cNvSpPr>
+          <p:nvPr>
+            <p:extLst>
+              <p:ext uri="{386F3935-93C4-4BCD-93E2-E3B085C9AB24}">
+                <p16:designElem xmlns:p16="http://schemas.microsoft.com/office/powerpoint/2015/main" val="1"/>
+              </p:ext>
+            </p:extLst>
+          </p:nvPr>
+        </p:nvSpPr>
+        <p:spPr>
+          <a:xfrm>
+            <a:off x="0" y="8313"/>
+            <a:ext cx="9144000" cy="6858000"/>
+          </a:xfrm>
+          <a:prstGeom prst="rect">
+            <a:avLst/>
+          </a:prstGeom>
+          <a:ln>
+            <a:noFill/>
+          </a:ln>
+        </p:spPr>
+        <p:style>
+          <a:lnRef idx="2">
+            <a:schemeClr val="accent1">
+              <a:shade val="50000"/>
+            </a:schemeClr>
+          </a:lnRef>
+          <a:fillRef idx="1">
+            <a:schemeClr val="accent1"/>
+          </a:fillRef>
+          <a:effectRef idx="0">
+            <a:schemeClr val="accent1"/>
+          </a:effectRef>
+          <a:fontRef idx="minor">
+            <a:schemeClr val="lt1"/>
+          </a:fontRef>
+        </p:style>
+        <p:txBody>
+          <a:bodyPr rtlCol="0" anchor="ctr"/>
+          <a:lstStyle/>
+          <a:p>
+            <a:pPr algn="ctr"/>
+            <a:endParaRPr lang="en-US">
+              <a:solidFill>
+                <a:schemeClr val="bg1"/>
+              </a:solidFill>
+            </a:endParaRPr>
+          </a:p>
+        </p:txBody>
+      </p:sp>
+      <p:sp>
+        <p:nvSpPr>
+          <p:cNvPr id="2" name="Title 1"/>
+          <p:cNvSpPr>
+            <a:spLocks noGrp="1"/>
+          </p:cNvSpPr>
+          <p:nvPr>
+            <p:ph type="title"/>
+          </p:nvPr>
+        </p:nvSpPr>
+        <p:spPr>
+          <a:xfrm>
+            <a:off x="359545" y="1070800"/>
+            <a:ext cx="2954766" cy="5583126"/>
+          </a:xfrm>
+        </p:spPr>
+        <p:txBody>
+          <a:bodyPr>
+            <a:normAutofit/>
+          </a:bodyPr>
+          <a:lstStyle/>
+          <a:p>
+            <a:pPr algn="r"/>
+            <a:r>
+              <a:t>Testes da Plataforma IoT</a:t>
+            </a:r>
+            <a:endParaRPr lang="pt-BR"/>
+          </a:p>
+        </p:txBody>
+      </p:sp>
+      <p:cxnSp>
+        <p:nvCxnSpPr>
+          <p:cNvPr id="11" name="Straight Connector 10">
+            <a:extLst>
+              <a:ext uri="{FF2B5EF4-FFF2-40B4-BE49-F238E27FC236}">
+                <a16:creationId xmlns:a16="http://schemas.microsoft.com/office/drawing/2014/main" id="{C8F51B3F-8331-4E4A-AE96-D47B1006EEAD}"/>
+              </a:ext>
+              <a:ext uri="{C183D7F6-B498-43B3-948B-1728B52AA6E4}">
+                <adec:decorative xmlns:adec="http://schemas.microsoft.com/office/drawing/2017/decorative" val="1"/>
+              </a:ext>
+            </a:extLst>
+          </p:cNvPr>
+          <p:cNvCxnSpPr>
+            <a:cxnSpLocks noGrp="1" noRot="1" noChangeAspect="1" noMove="1" noResize="1" noEditPoints="1" noAdjustHandles="1" noChangeArrowheads="1" noChangeShapeType="1"/>
+          </p:cNvCxnSpPr>
+          <p:nvPr>
+            <p:extLst>
+              <p:ext uri="{386F3935-93C4-4BCD-93E2-E3B085C9AB24}">
+                <p16:designElem xmlns:p16="http://schemas.microsoft.com/office/powerpoint/2015/main" val="1"/>
+              </p:ext>
+            </p:extLst>
+          </p:nvPr>
+        </p:nvCxnSpPr>
+        <p:spPr>
+          <a:xfrm>
+            <a:off x="3546039" y="1132114"/>
+            <a:ext cx="0" cy="5717573"/>
+          </a:xfrm>
+          <a:prstGeom prst="line">
+            <a:avLst/>
+          </a:prstGeom>
+          <a:ln w="25400" cap="sq">
+            <a:gradFill flip="none" rotWithShape="1">
+              <a:gsLst>
+                <a:gs pos="0">
+                  <a:schemeClr val="accent1"/>
+                </a:gs>
+                <a:gs pos="100000">
+                  <a:schemeClr val="accent2"/>
+                </a:gs>
+              </a:gsLst>
+              <a:lin ang="16200000" scaled="1"/>
+              <a:tileRect/>
+            </a:gradFill>
+            <a:bevel/>
+          </a:ln>
+        </p:spPr>
+        <p:style>
+          <a:lnRef idx="1">
+            <a:schemeClr val="accent1"/>
+          </a:lnRef>
+          <a:fillRef idx="0">
+            <a:schemeClr val="accent1"/>
+          </a:fillRef>
+          <a:effectRef idx="0">
+            <a:schemeClr val="accent1"/>
+          </a:effectRef>
+          <a:fontRef idx="minor">
+            <a:schemeClr val="tx1"/>
+          </a:fontRef>
+        </p:style>
+      </p:cxnSp>
+      <p:graphicFrame>
+        <p:nvGraphicFramePr>
+          <p:cNvPr id="5" name="Content Placeholder 2">
+            <a:extLst>
+              <a:ext uri="{FF2B5EF4-FFF2-40B4-BE49-F238E27FC236}">
+                <a16:creationId xmlns:a16="http://schemas.microsoft.com/office/drawing/2014/main" id="{F5A696AC-9870-E992-6523-CB7A6730A230}"/>
+              </a:ext>
+            </a:extLst>
+          </p:cNvPr>
+          <p:cNvGraphicFramePr>
+            <a:graphicFrameLocks noGrp="1"/>
+          </p:cNvGraphicFramePr>
+          <p:nvPr>
+            <p:ph idx="1"/>
+            <p:extLst>
+              <p:ext uri="{D42A27DB-BD31-4B8C-83A1-F6EECF244321}">
+                <p14:modId xmlns:p14="http://schemas.microsoft.com/office/powerpoint/2010/main" val="3248267695"/>
+              </p:ext>
+            </p:extLst>
+          </p:nvPr>
+        </p:nvGraphicFramePr>
+        <p:xfrm>
+          <a:off x="3831401" y="1070800"/>
+          <a:ext cx="4683949" cy="5589347"/>
+        </p:xfrm>
+        <a:graphic>
+          <a:graphicData uri="http://schemas.openxmlformats.org/drawingml/2006/diagram">
+            <dgm:relIds xmlns:dgm="http://schemas.openxmlformats.org/drawingml/2006/diagram" xmlns:r="http://schemas.openxmlformats.org/officeDocument/2006/relationships" r:dm="rId2" r:lo="rId3" r:qs="rId4" r:cs="rId5"/>
+          </a:graphicData>
+        </a:graphic>
+      </p:graphicFrame>
+    </p:spTree>
+  </p:cSld>
+  <p:clrMapOvr>
+    <a:masterClrMapping/>
+  </p:clrMapOvr>
+</p:sld>
+</file>
+
 <file path=ppt/slides/slide2.xml><?xml version="1.0" encoding="utf-8"?>
 <p:sld xmlns:a="http://schemas.openxmlformats.org/drawingml/2006/main" xmlns:r="http://schemas.openxmlformats.org/officeDocument/2006/relationships" xmlns:p="http://schemas.openxmlformats.org/presentationml/2006/main">
   <p:cSld>
@@ -27842,6 +28238,342 @@
       </p:grpSpPr>
       <p:sp useBgFill="1">
         <p:nvSpPr>
+          <p:cNvPr id="44" name="Rectangle 31">
+            <a:extLst>
+              <a:ext uri="{FF2B5EF4-FFF2-40B4-BE49-F238E27FC236}">
+                <a16:creationId xmlns:a16="http://schemas.microsoft.com/office/drawing/2014/main" id="{A2679492-7988-4050-9056-542444452411}"/>
+              </a:ext>
+              <a:ext uri="{C183D7F6-B498-43B3-948B-1728B52AA6E4}">
+                <adec:decorative xmlns:adec="http://schemas.microsoft.com/office/drawing/2017/decorative" val="1"/>
+              </a:ext>
+            </a:extLst>
+          </p:cNvPr>
+          <p:cNvSpPr>
+            <a:spLocks noGrp="1" noRot="1" noChangeAspect="1" noMove="1" noResize="1" noEditPoints="1" noAdjustHandles="1" noChangeArrowheads="1" noChangeShapeType="1" noTextEdit="1"/>
+          </p:cNvSpPr>
+          <p:nvPr>
+            <p:extLst>
+              <p:ext uri="{386F3935-93C4-4BCD-93E2-E3B085C9AB24}">
+                <p16:designElem xmlns:p16="http://schemas.microsoft.com/office/powerpoint/2015/main" val="1"/>
+              </p:ext>
+            </p:extLst>
+          </p:nvPr>
+        </p:nvSpPr>
+        <p:spPr>
+          <a:xfrm>
+            <a:off x="0" y="0"/>
+            <a:ext cx="9144000" cy="6858000"/>
+          </a:xfrm>
+          <a:prstGeom prst="rect">
+            <a:avLst/>
+          </a:prstGeom>
+          <a:ln>
+            <a:noFill/>
+          </a:ln>
+        </p:spPr>
+        <p:style>
+          <a:lnRef idx="2">
+            <a:schemeClr val="accent1">
+              <a:shade val="50000"/>
+            </a:schemeClr>
+          </a:lnRef>
+          <a:fillRef idx="1">
+            <a:schemeClr val="accent1"/>
+          </a:fillRef>
+          <a:effectRef idx="0">
+            <a:schemeClr val="accent1"/>
+          </a:effectRef>
+          <a:fontRef idx="minor">
+            <a:schemeClr val="lt1"/>
+          </a:fontRef>
+        </p:style>
+        <p:txBody>
+          <a:bodyPr rtlCol="0" anchor="ctr"/>
+          <a:lstStyle/>
+          <a:p>
+            <a:pPr algn="ctr"/>
+            <a:endParaRPr lang="en-US"/>
+          </a:p>
+        </p:txBody>
+      </p:sp>
+      <p:sp>
+        <p:nvSpPr>
+          <p:cNvPr id="2" name="Título 1">
+            <a:extLst>
+              <a:ext uri="{FF2B5EF4-FFF2-40B4-BE49-F238E27FC236}">
+                <a16:creationId xmlns:a16="http://schemas.microsoft.com/office/drawing/2014/main" id="{EA0B791E-92E6-B31C-38E1-B0B8E65C01CB}"/>
+              </a:ext>
+            </a:extLst>
+          </p:cNvPr>
+          <p:cNvSpPr>
+            <a:spLocks noGrp="1"/>
+          </p:cNvSpPr>
+          <p:nvPr>
+            <p:ph type="title"/>
+          </p:nvPr>
+        </p:nvSpPr>
+        <p:spPr>
+          <a:xfrm>
+            <a:off x="4809068" y="501651"/>
+            <a:ext cx="3296505" cy="1716255"/>
+          </a:xfrm>
+        </p:spPr>
+        <p:txBody>
+          <a:bodyPr anchor="b">
+            <a:normAutofit/>
+          </a:bodyPr>
+          <a:lstStyle/>
+          <a:p>
+            <a:r>
+              <a:rPr lang="pt-BR" sz="4900"/>
+              <a:t>Arquitetura do Sistema</a:t>
+            </a:r>
+            <a:endParaRPr lang="pt-BR" sz="4900" dirty="0"/>
+          </a:p>
+        </p:txBody>
+      </p:sp>
+      <p:sp>
+        <p:nvSpPr>
+          <p:cNvPr id="45" name="Rectangle 33">
+            <a:extLst>
+              <a:ext uri="{FF2B5EF4-FFF2-40B4-BE49-F238E27FC236}">
+                <a16:creationId xmlns:a16="http://schemas.microsoft.com/office/drawing/2014/main" id="{B091B163-7D61-4891-ABCF-5C13D9C418D0}"/>
+              </a:ext>
+              <a:ext uri="{C183D7F6-B498-43B3-948B-1728B52AA6E4}">
+                <adec:decorative xmlns:adec="http://schemas.microsoft.com/office/drawing/2017/decorative" val="1"/>
+              </a:ext>
+            </a:extLst>
+          </p:cNvPr>
+          <p:cNvSpPr>
+            <a:spLocks noGrp="1" noRot="1" noChangeAspect="1" noMove="1" noResize="1" noEditPoints="1" noAdjustHandles="1" noChangeArrowheads="1" noChangeShapeType="1" noTextEdit="1"/>
+          </p:cNvSpPr>
+          <p:nvPr>
+            <p:extLst>
+              <p:ext uri="{386F3935-93C4-4BCD-93E2-E3B085C9AB24}">
+                <p16:designElem xmlns:p16="http://schemas.microsoft.com/office/powerpoint/2015/main" val="1"/>
+              </p:ext>
+            </p:extLst>
+          </p:nvPr>
+        </p:nvSpPr>
+        <p:spPr>
+          <a:xfrm>
+            <a:off x="0" y="0"/>
+            <a:ext cx="4334933" cy="6858000"/>
+          </a:xfrm>
+          <a:prstGeom prst="rect">
+            <a:avLst/>
+          </a:prstGeom>
+          <a:gradFill flip="none" rotWithShape="1">
+            <a:gsLst>
+              <a:gs pos="0">
+                <a:schemeClr val="accent1"/>
+              </a:gs>
+              <a:gs pos="100000">
+                <a:schemeClr val="accent2"/>
+              </a:gs>
+            </a:gsLst>
+            <a:lin ang="2700000" scaled="1"/>
+            <a:tileRect/>
+          </a:gradFill>
+          <a:ln>
+            <a:noFill/>
+          </a:ln>
+        </p:spPr>
+        <p:style>
+          <a:lnRef idx="2">
+            <a:schemeClr val="accent1">
+              <a:shade val="50000"/>
+            </a:schemeClr>
+          </a:lnRef>
+          <a:fillRef idx="1">
+            <a:schemeClr val="accent1"/>
+          </a:fillRef>
+          <a:effectRef idx="0">
+            <a:schemeClr val="accent1"/>
+          </a:effectRef>
+          <a:fontRef idx="minor">
+            <a:schemeClr val="lt1"/>
+          </a:fontRef>
+        </p:style>
+        <p:txBody>
+          <a:bodyPr rtlCol="0" anchor="ctr"/>
+          <a:lstStyle/>
+          <a:p>
+            <a:pPr algn="ctr"/>
+            <a:endParaRPr lang="en-US"/>
+          </a:p>
+        </p:txBody>
+      </p:sp>
+      <p:pic>
+        <p:nvPicPr>
+          <p:cNvPr id="5" name="Espaço Reservado para Conteúdo 4" descr="Diagrama&#10;&#10;O conteúdo gerado por IA pode estar incorreto.">
+            <a:extLst>
+              <a:ext uri="{FF2B5EF4-FFF2-40B4-BE49-F238E27FC236}">
+                <a16:creationId xmlns:a16="http://schemas.microsoft.com/office/drawing/2014/main" id="{FC6B6865-DC52-B4C4-70EF-40CF7345815D}"/>
+              </a:ext>
+            </a:extLst>
+          </p:cNvPr>
+          <p:cNvPicPr>
+            <a:picLocks noChangeAspect="1"/>
+          </p:cNvPicPr>
+          <p:nvPr/>
+        </p:nvPicPr>
+        <p:blipFill>
+          <a:blip r:embed="rId2"/>
+          <a:stretch>
+            <a:fillRect/>
+          </a:stretch>
+        </p:blipFill>
+        <p:spPr>
+          <a:xfrm>
+            <a:off x="209357" y="1362394"/>
+            <a:ext cx="3916219" cy="4133212"/>
+          </a:xfrm>
+          <a:prstGeom prst="rect">
+            <a:avLst/>
+          </a:prstGeom>
+        </p:spPr>
+      </p:pic>
+      <p:sp>
+        <p:nvSpPr>
+          <p:cNvPr id="26" name="Content Placeholder 8">
+            <a:extLst>
+              <a:ext uri="{FF2B5EF4-FFF2-40B4-BE49-F238E27FC236}">
+                <a16:creationId xmlns:a16="http://schemas.microsoft.com/office/drawing/2014/main" id="{96F3BD61-65DD-C818-7FC1-370F962372A9}"/>
+              </a:ext>
+            </a:extLst>
+          </p:cNvPr>
+          <p:cNvSpPr>
+            <a:spLocks noGrp="1"/>
+          </p:cNvSpPr>
+          <p:nvPr>
+            <p:ph idx="1"/>
+          </p:nvPr>
+        </p:nvSpPr>
+        <p:spPr>
+          <a:xfrm>
+            <a:off x="4794437" y="2645922"/>
+            <a:ext cx="3326041" cy="3710427"/>
+          </a:xfrm>
+        </p:spPr>
+        <p:txBody>
+          <a:bodyPr anchor="t">
+            <a:normAutofit/>
+          </a:bodyPr>
+          <a:lstStyle/>
+          <a:p>
+            <a:endParaRPr lang="en-US" sz="1700">
+              <a:solidFill>
+                <a:schemeClr val="tx1">
+                  <a:alpha val="80000"/>
+                </a:schemeClr>
+              </a:solidFill>
+            </a:endParaRPr>
+          </a:p>
+        </p:txBody>
+      </p:sp>
+      <p:cxnSp>
+        <p:nvCxnSpPr>
+          <p:cNvPr id="46" name="Straight Connector 35">
+            <a:extLst>
+              <a:ext uri="{FF2B5EF4-FFF2-40B4-BE49-F238E27FC236}">
+                <a16:creationId xmlns:a16="http://schemas.microsoft.com/office/drawing/2014/main" id="{C49DA8F6-BCC1-4447-B54C-57856834B94B}"/>
+              </a:ext>
+              <a:ext uri="{C183D7F6-B498-43B3-948B-1728B52AA6E4}">
+                <adec:decorative xmlns:adec="http://schemas.microsoft.com/office/drawing/2017/decorative" val="1"/>
+              </a:ext>
+            </a:extLst>
+          </p:cNvPr>
+          <p:cNvCxnSpPr>
+            <a:cxnSpLocks noGrp="1" noRot="1" noChangeAspect="1" noMove="1" noResize="1" noEditPoints="1" noAdjustHandles="1" noChangeArrowheads="1" noChangeShapeType="1"/>
+          </p:cNvCxnSpPr>
+          <p:nvPr>
+            <p:extLst>
+              <p:ext uri="{386F3935-93C4-4BCD-93E2-E3B085C9AB24}">
+                <p16:designElem xmlns:p16="http://schemas.microsoft.com/office/powerpoint/2015/main" val="1"/>
+              </p:ext>
+            </p:extLst>
+          </p:nvPr>
+        </p:nvCxnSpPr>
+        <p:spPr>
+          <a:xfrm>
+            <a:off x="8689621" y="3610394"/>
+            <a:ext cx="0" cy="3238728"/>
+          </a:xfrm>
+          <a:prstGeom prst="line">
+            <a:avLst/>
+          </a:prstGeom>
+          <a:ln w="25400" cap="sq">
+            <a:gradFill flip="none" rotWithShape="1">
+              <a:gsLst>
+                <a:gs pos="0">
+                  <a:schemeClr val="accent1"/>
+                </a:gs>
+                <a:gs pos="100000">
+                  <a:schemeClr val="accent2"/>
+                </a:gs>
+              </a:gsLst>
+              <a:lin ang="16200000" scaled="1"/>
+              <a:tileRect/>
+            </a:gradFill>
+            <a:bevel/>
+          </a:ln>
+        </p:spPr>
+        <p:style>
+          <a:lnRef idx="1">
+            <a:schemeClr val="accent1"/>
+          </a:lnRef>
+          <a:fillRef idx="0">
+            <a:schemeClr val="accent1"/>
+          </a:fillRef>
+          <a:effectRef idx="0">
+            <a:schemeClr val="accent1"/>
+          </a:effectRef>
+          <a:fontRef idx="minor">
+            <a:schemeClr val="tx1"/>
+          </a:fontRef>
+        </p:style>
+      </p:cxnSp>
+    </p:spTree>
+    <p:extLst>
+      <p:ext uri="{BB962C8B-B14F-4D97-AF65-F5344CB8AC3E}">
+        <p14:creationId xmlns:p14="http://schemas.microsoft.com/office/powerpoint/2010/main" val="3738461331"/>
+      </p:ext>
+    </p:extLst>
+  </p:cSld>
+  <p:clrMapOvr>
+    <a:masterClrMapping/>
+  </p:clrMapOvr>
+</p:sld>
+</file>
+
+<file path=ppt/slides/slide9.xml><?xml version="1.0" encoding="utf-8"?>
+<p:sld xmlns:a="http://schemas.openxmlformats.org/drawingml/2006/main" xmlns:r="http://schemas.openxmlformats.org/officeDocument/2006/relationships" xmlns:p="http://schemas.openxmlformats.org/presentationml/2006/main">
+  <p:cSld>
+    <p:bg>
+      <p:bgPr>
+        <a:solidFill>
+          <a:schemeClr val="bg1"/>
+        </a:solidFill>
+        <a:effectLst/>
+      </p:bgPr>
+    </p:bg>
+    <p:spTree>
+      <p:nvGrpSpPr>
+        <p:cNvPr id="1" name=""/>
+        <p:cNvGrpSpPr/>
+        <p:nvPr/>
+      </p:nvGrpSpPr>
+      <p:grpSpPr>
+        <a:xfrm>
+          <a:off x="0" y="0"/>
+          <a:ext cx="0" cy="0"/>
+          <a:chOff x="0" y="0"/>
+          <a:chExt cx="0" cy="0"/>
+        </a:xfrm>
+      </p:grpSpPr>
+      <p:sp useBgFill="1">
+        <p:nvSpPr>
           <p:cNvPr id="9" name="Rectangle 8">
             <a:extLst>
               <a:ext uri="{FF2B5EF4-FFF2-40B4-BE49-F238E27FC236}">
@@ -28013,226 +28745,6 @@
             <p:extLst>
               <p:ext uri="{D42A27DB-BD31-4B8C-83A1-F6EECF244321}">
                 <p14:modId xmlns:p14="http://schemas.microsoft.com/office/powerpoint/2010/main" val="1663930248"/>
-              </p:ext>
-            </p:extLst>
-          </p:nvPr>
-        </p:nvGraphicFramePr>
-        <p:xfrm>
-          <a:off x="3831401" y="1070800"/>
-          <a:ext cx="4683949" cy="5589347"/>
-        </p:xfrm>
-        <a:graphic>
-          <a:graphicData uri="http://schemas.openxmlformats.org/drawingml/2006/diagram">
-            <dgm:relIds xmlns:dgm="http://schemas.openxmlformats.org/drawingml/2006/diagram" xmlns:r="http://schemas.openxmlformats.org/officeDocument/2006/relationships" r:dm="rId2" r:lo="rId3" r:qs="rId4" r:cs="rId5"/>
-          </a:graphicData>
-        </a:graphic>
-      </p:graphicFrame>
-    </p:spTree>
-  </p:cSld>
-  <p:clrMapOvr>
-    <a:masterClrMapping/>
-  </p:clrMapOvr>
-</p:sld>
-</file>
-
-<file path=ppt/slides/slide9.xml><?xml version="1.0" encoding="utf-8"?>
-<p:sld xmlns:a="http://schemas.openxmlformats.org/drawingml/2006/main" xmlns:r="http://schemas.openxmlformats.org/officeDocument/2006/relationships" xmlns:p="http://schemas.openxmlformats.org/presentationml/2006/main">
-  <p:cSld>
-    <p:bg>
-      <p:bgPr>
-        <a:solidFill>
-          <a:schemeClr val="bg1"/>
-        </a:solidFill>
-        <a:effectLst/>
-      </p:bgPr>
-    </p:bg>
-    <p:spTree>
-      <p:nvGrpSpPr>
-        <p:cNvPr id="1" name=""/>
-        <p:cNvGrpSpPr/>
-        <p:nvPr/>
-      </p:nvGrpSpPr>
-      <p:grpSpPr>
-        <a:xfrm>
-          <a:off x="0" y="0"/>
-          <a:ext cx="0" cy="0"/>
-          <a:chOff x="0" y="0"/>
-          <a:chExt cx="0" cy="0"/>
-        </a:xfrm>
-      </p:grpSpPr>
-      <p:sp useBgFill="1">
-        <p:nvSpPr>
-          <p:cNvPr id="9" name="Rectangle 8">
-            <a:extLst>
-              <a:ext uri="{FF2B5EF4-FFF2-40B4-BE49-F238E27FC236}">
-                <a16:creationId xmlns:a16="http://schemas.microsoft.com/office/drawing/2014/main" id="{2659FDB4-FCBE-4A89-B46D-43D4FA54464D}"/>
-              </a:ext>
-              <a:ext uri="{C183D7F6-B498-43B3-948B-1728B52AA6E4}">
-                <adec:decorative xmlns:adec="http://schemas.microsoft.com/office/drawing/2017/decorative" val="1"/>
-              </a:ext>
-            </a:extLst>
-          </p:cNvPr>
-          <p:cNvSpPr>
-            <a:spLocks noGrp="1" noRot="1" noChangeAspect="1" noMove="1" noResize="1" noEditPoints="1" noAdjustHandles="1" noChangeArrowheads="1" noChangeShapeType="1" noTextEdit="1"/>
-          </p:cNvSpPr>
-          <p:nvPr>
-            <p:extLst>
-              <p:ext uri="{386F3935-93C4-4BCD-93E2-E3B085C9AB24}">
-                <p16:designElem xmlns:p16="http://schemas.microsoft.com/office/powerpoint/2015/main" val="1"/>
-              </p:ext>
-            </p:extLst>
-          </p:nvPr>
-        </p:nvSpPr>
-        <p:spPr>
-          <a:xfrm>
-            <a:off x="0" y="8313"/>
-            <a:ext cx="9144000" cy="6858000"/>
-          </a:xfrm>
-          <a:prstGeom prst="rect">
-            <a:avLst/>
-          </a:prstGeom>
-          <a:ln>
-            <a:noFill/>
-          </a:ln>
-        </p:spPr>
-        <p:style>
-          <a:lnRef idx="2">
-            <a:schemeClr val="accent1">
-              <a:shade val="50000"/>
-            </a:schemeClr>
-          </a:lnRef>
-          <a:fillRef idx="1">
-            <a:schemeClr val="accent1"/>
-          </a:fillRef>
-          <a:effectRef idx="0">
-            <a:schemeClr val="accent1"/>
-          </a:effectRef>
-          <a:fontRef idx="minor">
-            <a:schemeClr val="lt1"/>
-          </a:fontRef>
-        </p:style>
-        <p:txBody>
-          <a:bodyPr rtlCol="0" anchor="ctr"/>
-          <a:lstStyle/>
-          <a:p>
-            <a:pPr algn="ctr"/>
-            <a:endParaRPr lang="en-US">
-              <a:solidFill>
-                <a:schemeClr val="bg1"/>
-              </a:solidFill>
-            </a:endParaRPr>
-          </a:p>
-        </p:txBody>
-      </p:sp>
-      <p:sp>
-        <p:nvSpPr>
-          <p:cNvPr id="2" name="Title 1"/>
-          <p:cNvSpPr>
-            <a:spLocks noGrp="1"/>
-          </p:cNvSpPr>
-          <p:nvPr>
-            <p:ph type="title"/>
-          </p:nvPr>
-        </p:nvSpPr>
-        <p:spPr>
-          <a:xfrm>
-            <a:off x="359545" y="1070800"/>
-            <a:ext cx="2954766" cy="5583126"/>
-          </a:xfrm>
-        </p:spPr>
-        <p:txBody>
-          <a:bodyPr>
-            <a:normAutofit/>
-          </a:bodyPr>
-          <a:lstStyle/>
-          <a:p>
-            <a:pPr algn="r"/>
-            <a:r>
-              <a:t>Testes da Plataforma IoT</a:t>
-            </a:r>
-            <a:endParaRPr lang="pt-BR"/>
-          </a:p>
-        </p:txBody>
-      </p:sp>
-      <p:cxnSp>
-        <p:nvCxnSpPr>
-          <p:cNvPr id="11" name="Straight Connector 10">
-            <a:extLst>
-              <a:ext uri="{FF2B5EF4-FFF2-40B4-BE49-F238E27FC236}">
-                <a16:creationId xmlns:a16="http://schemas.microsoft.com/office/drawing/2014/main" id="{C8F51B3F-8331-4E4A-AE96-D47B1006EEAD}"/>
-              </a:ext>
-              <a:ext uri="{C183D7F6-B498-43B3-948B-1728B52AA6E4}">
-                <adec:decorative xmlns:adec="http://schemas.microsoft.com/office/drawing/2017/decorative" val="1"/>
-              </a:ext>
-            </a:extLst>
-          </p:cNvPr>
-          <p:cNvCxnSpPr>
-            <a:cxnSpLocks noGrp="1" noRot="1" noChangeAspect="1" noMove="1" noResize="1" noEditPoints="1" noAdjustHandles="1" noChangeArrowheads="1" noChangeShapeType="1"/>
-          </p:cNvCxnSpPr>
-          <p:nvPr>
-            <p:extLst>
-              <p:ext uri="{386F3935-93C4-4BCD-93E2-E3B085C9AB24}">
-                <p16:designElem xmlns:p16="http://schemas.microsoft.com/office/powerpoint/2015/main" val="1"/>
-              </p:ext>
-            </p:extLst>
-          </p:nvPr>
-        </p:nvCxnSpPr>
-        <p:spPr>
-          <a:xfrm>
-            <a:off x="3546039" y="1132114"/>
-            <a:ext cx="0" cy="5717573"/>
-          </a:xfrm>
-          <a:prstGeom prst="line">
-            <a:avLst/>
-          </a:prstGeom>
-          <a:ln w="25400" cap="sq">
-            <a:gradFill flip="none" rotWithShape="1">
-              <a:gsLst>
-                <a:gs pos="0">
-                  <a:schemeClr val="accent1"/>
-                </a:gs>
-                <a:gs pos="100000">
-                  <a:schemeClr val="accent2"/>
-                </a:gs>
-              </a:gsLst>
-              <a:lin ang="16200000" scaled="1"/>
-              <a:tileRect/>
-            </a:gradFill>
-            <a:bevel/>
-          </a:ln>
-        </p:spPr>
-        <p:style>
-          <a:lnRef idx="1">
-            <a:schemeClr val="accent1"/>
-          </a:lnRef>
-          <a:fillRef idx="0">
-            <a:schemeClr val="accent1"/>
-          </a:fillRef>
-          <a:effectRef idx="0">
-            <a:schemeClr val="accent1"/>
-          </a:effectRef>
-          <a:fontRef idx="minor">
-            <a:schemeClr val="tx1"/>
-          </a:fontRef>
-        </p:style>
-      </p:cxnSp>
-      <p:graphicFrame>
-        <p:nvGraphicFramePr>
-          <p:cNvPr id="5" name="Content Placeholder 2">
-            <a:extLst>
-              <a:ext uri="{FF2B5EF4-FFF2-40B4-BE49-F238E27FC236}">
-                <a16:creationId xmlns:a16="http://schemas.microsoft.com/office/drawing/2014/main" id="{F5A696AC-9870-E992-6523-CB7A6730A230}"/>
-              </a:ext>
-            </a:extLst>
-          </p:cNvPr>
-          <p:cNvGraphicFramePr>
-            <a:graphicFrameLocks noGrp="1"/>
-          </p:cNvGraphicFramePr>
-          <p:nvPr>
-            <p:ph idx="1"/>
-            <p:extLst>
-              <p:ext uri="{D42A27DB-BD31-4B8C-83A1-F6EECF244321}">
-                <p14:modId xmlns:p14="http://schemas.microsoft.com/office/powerpoint/2010/main" val="3248267695"/>
               </p:ext>
             </p:extLst>
           </p:nvPr>

--- a/Sistema_Embarcado_Monitoramento.pptx
+++ b/Sistema_Embarcado_Monitoramento.pptx
@@ -7256,17 +7256,23 @@
       </dgm:t>
     </dgm:pt>
     <dgm:pt modelId="{591CF5CF-8F2D-46F2-A1F0-4676A30D0A74}">
-      <dgm:prSet/>
+      <dgm:prSet custT="1"/>
       <dgm:spPr/>
       <dgm:t>
         <a:bodyPr/>
         <a:lstStyle/>
         <a:p>
           <a:r>
-            <a:rPr lang="pt-PT" dirty="0"/>
-            <a:t>RF-01  O sistema deve conter um sensor para medir o volume de gases tóxicos/inflamáveis presentes no ambiente.</a:t>
+            <a:rPr lang="pt-PT" sz="1100" dirty="0"/>
+            <a:t>RF-01  O sistema deve conter um sensor para medir o volume de gases tóxicos/inflamáveis presentes no ambiente. </a:t>
           </a:r>
-          <a:endParaRPr lang="en-US" dirty="0"/>
+          <a:r>
+            <a:rPr lang="pt-PT" sz="1800" dirty="0">
+              <a:sym typeface="Wingdings 2" panose="05020102010507070707" pitchFamily="18" charset="2"/>
+            </a:rPr>
+            <a:t></a:t>
+          </a:r>
+          <a:endParaRPr lang="en-US" sz="1800" dirty="0"/>
         </a:p>
       </dgm:t>
     </dgm:pt>
@@ -7293,7 +7299,7 @@
       </dgm:t>
     </dgm:pt>
     <dgm:pt modelId="{61440B69-23C4-4055-A698-9A052369147F}">
-      <dgm:prSet/>
+      <dgm:prSet custT="1"/>
       <dgm:spPr/>
       <dgm:t>
         <a:bodyPr/>
@@ -7303,10 +7309,16 @@
             <a:buNone/>
           </a:pPr>
           <a:r>
-            <a:rPr lang="pt-PT"/>
-            <a:t>RF-02    O sistema deve conter um sensor de presença.</a:t>
+            <a:rPr lang="pt-PT" sz="1100" dirty="0"/>
+            <a:t>RF-02    O sistema deve conter um sensor de presença. </a:t>
           </a:r>
-          <a:endParaRPr lang="pt-BR"/>
+          <a:r>
+            <a:rPr lang="pt-PT" sz="1800" dirty="0">
+              <a:sym typeface="Wingdings 2" panose="05020102010507070707" pitchFamily="18" charset="2"/>
+            </a:rPr>
+            <a:t></a:t>
+          </a:r>
+          <a:endParaRPr lang="pt-BR" sz="1800" dirty="0"/>
         </a:p>
       </dgm:t>
     </dgm:pt>
@@ -7333,7 +7345,7 @@
       </dgm:t>
     </dgm:pt>
     <dgm:pt modelId="{10211204-4537-4336-89A9-C8081F61B82F}">
-      <dgm:prSet/>
+      <dgm:prSet custT="1"/>
       <dgm:spPr/>
       <dgm:t>
         <a:bodyPr/>
@@ -7343,10 +7355,16 @@
             <a:buNone/>
           </a:pPr>
           <a:r>
-            <a:rPr lang="pt-PT"/>
-            <a:t>RF-03   O sistema deve identificar se foi atingido o nível de 400 ppm de gás.</a:t>
+            <a:rPr lang="pt-PT" sz="1100" dirty="0"/>
+            <a:t>RF-03   O sistema deve identificar se foi atingido o nível de 400 ppm de gás. </a:t>
           </a:r>
-          <a:endParaRPr lang="pt-BR"/>
+          <a:r>
+            <a:rPr lang="pt-PT" sz="1800" dirty="0">
+              <a:sym typeface="Wingdings 2" panose="05020102010507070707" pitchFamily="18" charset="2"/>
+            </a:rPr>
+            <a:t></a:t>
+          </a:r>
+          <a:endParaRPr lang="pt-BR" sz="1800" dirty="0"/>
         </a:p>
       </dgm:t>
     </dgm:pt>
@@ -7413,7 +7431,7 @@
       </dgm:t>
     </dgm:pt>
     <dgm:pt modelId="{67CBE557-2E31-406A-A7D4-518A7BFEE93D}">
-      <dgm:prSet/>
+      <dgm:prSet custT="1"/>
       <dgm:spPr/>
       <dgm:t>
         <a:bodyPr/>
@@ -7423,10 +7441,16 @@
             <a:buNone/>
           </a:pPr>
           <a:r>
-            <a:rPr lang="pt-PT" dirty="0"/>
-            <a:t>RF-05   Armazenar localmente até 24h de medições em caso de falha de conexão.</a:t>
+            <a:rPr lang="pt-PT" sz="1100" dirty="0"/>
+            <a:t>RF-05   Armazenar localmente até 24h de medições em caso de falha de conexão. </a:t>
           </a:r>
-          <a:endParaRPr lang="pt-BR" dirty="0"/>
+          <a:r>
+            <a:rPr lang="pt-PT" sz="1800" dirty="0">
+              <a:sym typeface="Wingdings 2" panose="05020102010507070707" pitchFamily="18" charset="2"/>
+            </a:rPr>
+            <a:t></a:t>
+          </a:r>
+          <a:endParaRPr lang="pt-BR" sz="1800" dirty="0"/>
         </a:p>
       </dgm:t>
     </dgm:pt>
@@ -7453,7 +7477,7 @@
       </dgm:t>
     </dgm:pt>
     <dgm:pt modelId="{A2C335CE-4308-4F73-BEBB-A96E55EB216A}">
-      <dgm:prSet/>
+      <dgm:prSet custT="1"/>
       <dgm:spPr/>
       <dgm:t>
         <a:bodyPr/>
@@ -7463,10 +7487,16 @@
             <a:buNone/>
           </a:pPr>
           <a:r>
-            <a:rPr lang="pt-PT" dirty="0"/>
-            <a:t>RF-06    Verificar se há presença de pessoas no ambiente confinado.</a:t>
+            <a:rPr lang="pt-PT" sz="1100" dirty="0"/>
+            <a:t>RF-06    Verificar se há presença de pessoas no ambiente confinado. </a:t>
           </a:r>
-          <a:endParaRPr lang="pt-BR" dirty="0"/>
+          <a:r>
+            <a:rPr lang="pt-PT" sz="1800" dirty="0">
+              <a:sym typeface="Wingdings 2" panose="05020102010507070707" pitchFamily="18" charset="2"/>
+            </a:rPr>
+            <a:t></a:t>
+          </a:r>
+          <a:endParaRPr lang="pt-BR" sz="1800" dirty="0"/>
         </a:p>
       </dgm:t>
     </dgm:pt>
@@ -7533,7 +7563,7 @@
       </dgm:t>
     </dgm:pt>
     <dgm:pt modelId="{04F806EF-F3D3-4C1D-B123-DAF933FC75CB}">
-      <dgm:prSet/>
+      <dgm:prSet custT="1"/>
       <dgm:spPr/>
       <dgm:t>
         <a:bodyPr/>
@@ -7543,10 +7573,16 @@
             <a:buNone/>
           </a:pPr>
           <a:r>
-            <a:rPr lang="pt-PT"/>
-            <a:t>RF-08	Dispositivo para emitir alarme sonoro caso o sensor de gases detecte mais de 400 ppm e tenha pessoas no ambiente.</a:t>
+            <a:rPr lang="pt-PT" sz="1100" dirty="0"/>
+            <a:t>RF-08	Dispositivo para emitir alarme sonoro caso o sensor de gases detecte mais de 400 ppm e tenha pessoas no ambiente. </a:t>
           </a:r>
-          <a:endParaRPr lang="pt-BR" dirty="0"/>
+          <a:r>
+            <a:rPr lang="pt-PT" sz="1800" dirty="0">
+              <a:sym typeface="Wingdings 2" panose="05020102010507070707" pitchFamily="18" charset="2"/>
+            </a:rPr>
+            <a:t></a:t>
+          </a:r>
+          <a:endParaRPr lang="pt-BR" sz="1800" dirty="0"/>
         </a:p>
       </dgm:t>
     </dgm:pt>
@@ -7573,7 +7609,7 @@
       </dgm:t>
     </dgm:pt>
     <dgm:pt modelId="{BA35E8BF-A9AE-4828-8197-FE6690833BD9}">
-      <dgm:prSet/>
+      <dgm:prSet custT="1"/>
       <dgm:spPr/>
       <dgm:t>
         <a:bodyPr/>
@@ -7583,10 +7619,16 @@
             <a:buNone/>
           </a:pPr>
           <a:r>
-            <a:rPr lang="pt-PT"/>
-            <a:t>RF-09 – Led para indicar caso o sensor de gases detecte mais de 400 ppm e tenha pessoas no ambiente.</a:t>
+            <a:rPr lang="pt-PT" sz="1100" dirty="0"/>
+            <a:t>RF-09 – Led para indicar caso o sensor de gases detecte mais de 400 ppm e tenha pessoas no ambiente. </a:t>
           </a:r>
-          <a:endParaRPr lang="pt-BR"/>
+          <a:r>
+            <a:rPr lang="pt-PT" sz="1800" dirty="0">
+              <a:sym typeface="Wingdings 2" panose="05020102010507070707" pitchFamily="18" charset="2"/>
+            </a:rPr>
+            <a:t></a:t>
+          </a:r>
+          <a:endParaRPr lang="pt-BR" sz="1800" dirty="0"/>
         </a:p>
       </dgm:t>
     </dgm:pt>
@@ -7613,7 +7655,7 @@
       </dgm:t>
     </dgm:pt>
     <dgm:pt modelId="{20E6D860-4D31-43C0-9ED3-4F611ED14B6B}">
-      <dgm:prSet/>
+      <dgm:prSet custT="1"/>
       <dgm:spPr/>
       <dgm:t>
         <a:bodyPr/>
@@ -7623,10 +7665,16 @@
             <a:buNone/>
           </a:pPr>
           <a:r>
-            <a:rPr lang="pt-PT"/>
-            <a:t>RF-10 – O sistema deve conter um microcontrolador.</a:t>
+            <a:rPr lang="pt-PT" sz="1100" dirty="0"/>
+            <a:t>RF-10 – O sistema deve conter um microcontrolador. </a:t>
           </a:r>
-          <a:endParaRPr lang="pt-BR"/>
+          <a:r>
+            <a:rPr lang="pt-PT" sz="1800" dirty="0">
+              <a:sym typeface="Wingdings 2" panose="05020102010507070707" pitchFamily="18" charset="2"/>
+            </a:rPr>
+            <a:t></a:t>
+          </a:r>
+          <a:endParaRPr lang="pt-BR" sz="1800" dirty="0"/>
         </a:p>
       </dgm:t>
     </dgm:pt>
@@ -7824,67 +7872,67 @@
     </dgm:pt>
   </dgm:ptLst>
   <dgm:cxnLst>
-    <dgm:cxn modelId="{09F56A03-963D-4532-9B0B-27C274D8484C}" type="presOf" srcId="{27CAF07B-A5D6-47CE-B303-4DFEFA98F1F3}" destId="{57AD1B85-C95B-4A54-BDB6-6C6A755C4AE8}" srcOrd="0" destOrd="0" presId="urn:microsoft.com/office/officeart/2008/layout/LinedList"/>
-    <dgm:cxn modelId="{4373460A-D674-4C75-A7CE-F862EA9E1223}" type="presOf" srcId="{20E6D860-4D31-43C0-9ED3-4F611ED14B6B}" destId="{B561691F-AC23-4673-8E3B-429A97BBB31D}" srcOrd="0" destOrd="0" presId="urn:microsoft.com/office/officeart/2008/layout/LinedList"/>
     <dgm:cxn modelId="{23901011-15CC-483E-88F1-960554859EE3}" srcId="{752508F4-F204-42CB-BE79-275F44EF59CE}" destId="{591CF5CF-8F2D-46F2-A1F0-4676A30D0A74}" srcOrd="0" destOrd="0" parTransId="{850EC5A8-9A55-4E46-9BD7-793F7EE75E06}" sibTransId="{ABEB2F2E-1B81-4B2E-8D34-9A707D266D5C}"/>
-    <dgm:cxn modelId="{86CA6824-230E-43AE-8842-B3052C397218}" type="presOf" srcId="{61440B69-23C4-4055-A698-9A052369147F}" destId="{78D3808E-FD8D-436F-8CB5-CF19430654DD}" srcOrd="0" destOrd="0" presId="urn:microsoft.com/office/officeart/2008/layout/LinedList"/>
     <dgm:cxn modelId="{F6B7D227-2446-49C9-AD4F-21B1E4B163AA}" srcId="{752508F4-F204-42CB-BE79-275F44EF59CE}" destId="{20E6D860-4D31-43C0-9ED3-4F611ED14B6B}" srcOrd="9" destOrd="0" parTransId="{2D836E69-A180-4C25-BEB5-11866CA0F660}" sibTransId="{F98CE2B5-8384-4BEF-A0BF-3B33B407E8F0}"/>
+    <dgm:cxn modelId="{9876B13E-CA7D-4F03-9170-7B9C4B38A554}" type="presOf" srcId="{27CAF07B-A5D6-47CE-B303-4DFEFA98F1F3}" destId="{57AD1B85-C95B-4A54-BDB6-6C6A755C4AE8}" srcOrd="0" destOrd="0" presId="urn:microsoft.com/office/officeart/2008/layout/LinedList"/>
     <dgm:cxn modelId="{C000F65E-C612-4AD1-B2AE-53639BC2F3F1}" srcId="{752508F4-F204-42CB-BE79-275F44EF59CE}" destId="{27CAF07B-A5D6-47CE-B303-4DFEFA98F1F3}" srcOrd="6" destOrd="0" parTransId="{E3881F25-3EDD-4969-8AF3-160D650A07E2}" sibTransId="{D591A3A2-994C-455A-9F82-9E2A97E355D1}"/>
-    <dgm:cxn modelId="{5E880660-E7AB-46B6-BE41-680DFAC072E5}" type="presOf" srcId="{04F806EF-F3D3-4C1D-B123-DAF933FC75CB}" destId="{51BACDAA-6B5D-49DE-8C86-DBB71516C7A9}" srcOrd="0" destOrd="0" presId="urn:microsoft.com/office/officeart/2008/layout/LinedList"/>
-    <dgm:cxn modelId="{E9C93167-0DCE-47DC-BEE5-6A8B89A63F53}" type="presOf" srcId="{A2C335CE-4308-4F73-BEBB-A96E55EB216A}" destId="{70F73029-5233-4132-BC01-89EE6C38E8E3}" srcOrd="0" destOrd="0" presId="urn:microsoft.com/office/officeart/2008/layout/LinedList"/>
-    <dgm:cxn modelId="{8C134167-7018-4361-9AB9-7B9CB42E166E}" type="presOf" srcId="{591CF5CF-8F2D-46F2-A1F0-4676A30D0A74}" destId="{122689A0-03A3-49EC-B7E3-4260782D3B3F}" srcOrd="0" destOrd="0" presId="urn:microsoft.com/office/officeart/2008/layout/LinedList"/>
+    <dgm:cxn modelId="{0AA9E162-ABE0-40DB-AE24-488240BD836E}" type="presOf" srcId="{10211204-4537-4336-89A9-C8081F61B82F}" destId="{78E69FB7-9A69-4E26-A3E4-E00CCC9EE426}" srcOrd="0" destOrd="0" presId="urn:microsoft.com/office/officeart/2008/layout/LinedList"/>
+    <dgm:cxn modelId="{929EAB63-8994-4488-AB20-AD28433352F2}" type="presOf" srcId="{752508F4-F204-42CB-BE79-275F44EF59CE}" destId="{16A4D7A6-CCC4-46DF-9754-BCDDFF545647}" srcOrd="0" destOrd="0" presId="urn:microsoft.com/office/officeart/2008/layout/LinedList"/>
+    <dgm:cxn modelId="{87CC0E64-B479-4292-9B4A-0434C0904801}" type="presOf" srcId="{04F806EF-F3D3-4C1D-B123-DAF933FC75CB}" destId="{51BACDAA-6B5D-49DE-8C86-DBB71516C7A9}" srcOrd="0" destOrd="0" presId="urn:microsoft.com/office/officeart/2008/layout/LinedList"/>
     <dgm:cxn modelId="{E70DA878-D09B-4D08-882D-8700A6E9B5BF}" srcId="{752508F4-F204-42CB-BE79-275F44EF59CE}" destId="{BA35E8BF-A9AE-4828-8197-FE6690833BD9}" srcOrd="8" destOrd="0" parTransId="{DCA654F6-9064-449F-9731-136FB94BB598}" sibTransId="{B6DEB0AD-AD94-4546-AA5C-35242BE01632}"/>
     <dgm:cxn modelId="{EB597B7F-2E2F-4323-8399-5683D8AB60A2}" srcId="{752508F4-F204-42CB-BE79-275F44EF59CE}" destId="{61440B69-23C4-4055-A698-9A052369147F}" srcOrd="1" destOrd="0" parTransId="{87B6A63E-1B56-4FB8-ABFB-1C78647A9AF4}" sibTransId="{BCCBA00A-1458-4105-888B-A1739075D13B}"/>
+    <dgm:cxn modelId="{B98E2D82-121B-48DA-96EF-9E6C4EE68A50}" type="presOf" srcId="{A2C335CE-4308-4F73-BEBB-A96E55EB216A}" destId="{70F73029-5233-4132-BC01-89EE6C38E8E3}" srcOrd="0" destOrd="0" presId="urn:microsoft.com/office/officeart/2008/layout/LinedList"/>
     <dgm:cxn modelId="{8ABA8484-DC20-4BCF-A94F-AE0D95230BDC}" srcId="{752508F4-F204-42CB-BE79-275F44EF59CE}" destId="{DB23D6AD-05C9-4EC0-8F6D-F9517BA9B3C5}" srcOrd="3" destOrd="0" parTransId="{BB358BED-12FD-47DE-9CEE-9EA11BAA3948}" sibTransId="{4786D3BB-560B-4E41-8A82-E6A0B953DF95}"/>
-    <dgm:cxn modelId="{62B98C9C-D8AC-4EDE-9655-22BFD07A9F23}" type="presOf" srcId="{752508F4-F204-42CB-BE79-275F44EF59CE}" destId="{16A4D7A6-CCC4-46DF-9754-BCDDFF545647}" srcOrd="0" destOrd="0" presId="urn:microsoft.com/office/officeart/2008/layout/LinedList"/>
-    <dgm:cxn modelId="{59A180A7-D4C7-4562-9746-575B046FEEBE}" type="presOf" srcId="{67CBE557-2E31-406A-A7D4-518A7BFEE93D}" destId="{178F9617-1ECC-4D4B-BDDB-79A31F1D5554}" srcOrd="0" destOrd="0" presId="urn:microsoft.com/office/officeart/2008/layout/LinedList"/>
+    <dgm:cxn modelId="{48E80199-8A18-45B6-8EEE-555854F03FDB}" type="presOf" srcId="{67CBE557-2E31-406A-A7D4-518A7BFEE93D}" destId="{178F9617-1ECC-4D4B-BDDB-79A31F1D5554}" srcOrd="0" destOrd="0" presId="urn:microsoft.com/office/officeart/2008/layout/LinedList"/>
+    <dgm:cxn modelId="{C9C4549B-71A8-4EFB-B25D-C76FCE27AA07}" type="presOf" srcId="{BA35E8BF-A9AE-4828-8197-FE6690833BD9}" destId="{2B70572E-A80C-4C91-A76B-F346B86FC0FA}" srcOrd="0" destOrd="0" presId="urn:microsoft.com/office/officeart/2008/layout/LinedList"/>
+    <dgm:cxn modelId="{A7D0F69E-8A00-4E92-9DC0-C78A2F2D35AF}" type="presOf" srcId="{61440B69-23C4-4055-A698-9A052369147F}" destId="{78D3808E-FD8D-436F-8CB5-CF19430654DD}" srcOrd="0" destOrd="0" presId="urn:microsoft.com/office/officeart/2008/layout/LinedList"/>
     <dgm:cxn modelId="{1598F9AC-7835-42AD-AC9E-814702F209A6}" srcId="{752508F4-F204-42CB-BE79-275F44EF59CE}" destId="{A2C335CE-4308-4F73-BEBB-A96E55EB216A}" srcOrd="5" destOrd="0" parTransId="{DDDAE2FB-83F8-4588-977C-6E178E57C203}" sibTransId="{CE16CEDE-F17E-4A58-AB4A-2776A2264275}"/>
     <dgm:cxn modelId="{E28926BA-247D-49CF-9E05-24A433809503}" srcId="{752508F4-F204-42CB-BE79-275F44EF59CE}" destId="{67CBE557-2E31-406A-A7D4-518A7BFEE93D}" srcOrd="4" destOrd="0" parTransId="{82611553-46B7-4AD3-9C52-57F4F61CFE76}" sibTransId="{CACFB764-F2B2-4BA6-8C30-986B729C03F6}"/>
     <dgm:cxn modelId="{C1EF61BE-57F0-4808-8BD4-C0FF38B14948}" srcId="{752508F4-F204-42CB-BE79-275F44EF59CE}" destId="{10211204-4537-4336-89A9-C8081F61B82F}" srcOrd="2" destOrd="0" parTransId="{05AC3C30-1822-4FB8-8CFD-8ADB741E7C1A}" sibTransId="{C78372CD-CEF2-4579-BEBE-B2EBF3E0BD87}"/>
-    <dgm:cxn modelId="{36A640C4-D6E8-4022-B101-A5971AAE39AF}" type="presOf" srcId="{10211204-4537-4336-89A9-C8081F61B82F}" destId="{78E69FB7-9A69-4E26-A3E4-E00CCC9EE426}" srcOrd="0" destOrd="0" presId="urn:microsoft.com/office/officeart/2008/layout/LinedList"/>
     <dgm:cxn modelId="{2CC376D4-4243-42FE-9918-41B59155522D}" srcId="{752508F4-F204-42CB-BE79-275F44EF59CE}" destId="{04F806EF-F3D3-4C1D-B123-DAF933FC75CB}" srcOrd="7" destOrd="0" parTransId="{23FA862B-1B8B-45FD-A1C8-8B5943E27887}" sibTransId="{0F7821D9-F8B4-4FA3-8170-05A2B0441405}"/>
-    <dgm:cxn modelId="{F8C27FDA-4E34-421D-A76F-D3D8BA93DD07}" type="presOf" srcId="{BA35E8BF-A9AE-4828-8197-FE6690833BD9}" destId="{2B70572E-A80C-4C91-A76B-F346B86FC0FA}" srcOrd="0" destOrd="0" presId="urn:microsoft.com/office/officeart/2008/layout/LinedList"/>
-    <dgm:cxn modelId="{3BAB5AFC-5622-4BA3-8347-996D963BF49C}" type="presOf" srcId="{DB23D6AD-05C9-4EC0-8F6D-F9517BA9B3C5}" destId="{42C30A3E-28A9-429D-8F60-7271AEA916F8}" srcOrd="0" destOrd="0" presId="urn:microsoft.com/office/officeart/2008/layout/LinedList"/>
-    <dgm:cxn modelId="{451C44A7-8A2B-4285-808E-74A7F0066209}" type="presParOf" srcId="{16A4D7A6-CCC4-46DF-9754-BCDDFF545647}" destId="{7BDDABC9-5858-4C6A-B2F4-1A99FA420370}" srcOrd="0" destOrd="0" presId="urn:microsoft.com/office/officeart/2008/layout/LinedList"/>
-    <dgm:cxn modelId="{F80725A2-7541-405D-B664-FDB161BE8F56}" type="presParOf" srcId="{16A4D7A6-CCC4-46DF-9754-BCDDFF545647}" destId="{C18AD6C7-E914-427D-AFF7-DDEFE64C3847}" srcOrd="1" destOrd="0" presId="urn:microsoft.com/office/officeart/2008/layout/LinedList"/>
-    <dgm:cxn modelId="{DDC0ABBA-6451-49FB-B7E3-7934709A3AAA}" type="presParOf" srcId="{C18AD6C7-E914-427D-AFF7-DDEFE64C3847}" destId="{122689A0-03A3-49EC-B7E3-4260782D3B3F}" srcOrd="0" destOrd="0" presId="urn:microsoft.com/office/officeart/2008/layout/LinedList"/>
-    <dgm:cxn modelId="{1B2D57DB-9FE5-4167-8C51-07DEB3CED0EE}" type="presParOf" srcId="{C18AD6C7-E914-427D-AFF7-DDEFE64C3847}" destId="{CDC9A010-4264-4865-B770-DD0476B37140}" srcOrd="1" destOrd="0" presId="urn:microsoft.com/office/officeart/2008/layout/LinedList"/>
-    <dgm:cxn modelId="{B0E8CB39-79E0-4F53-AB6E-3C6EE899F1FA}" type="presParOf" srcId="{16A4D7A6-CCC4-46DF-9754-BCDDFF545647}" destId="{8328EB1E-BD32-405D-9E42-90227A5F0362}" srcOrd="2" destOrd="0" presId="urn:microsoft.com/office/officeart/2008/layout/LinedList"/>
-    <dgm:cxn modelId="{2CE0468C-0040-4F87-AA96-3ADAC81FC1F7}" type="presParOf" srcId="{16A4D7A6-CCC4-46DF-9754-BCDDFF545647}" destId="{070A81E2-4B37-4F05-816A-CF53A51BF176}" srcOrd="3" destOrd="0" presId="urn:microsoft.com/office/officeart/2008/layout/LinedList"/>
-    <dgm:cxn modelId="{01AE09E0-8573-4C33-9C41-028D93C37718}" type="presParOf" srcId="{070A81E2-4B37-4F05-816A-CF53A51BF176}" destId="{78D3808E-FD8D-436F-8CB5-CF19430654DD}" srcOrd="0" destOrd="0" presId="urn:microsoft.com/office/officeart/2008/layout/LinedList"/>
-    <dgm:cxn modelId="{CD4BC116-49C4-4A0B-89EC-C4E9F6CD4DEF}" type="presParOf" srcId="{070A81E2-4B37-4F05-816A-CF53A51BF176}" destId="{96844083-C722-4B7B-8D9B-2588E5C898F7}" srcOrd="1" destOrd="0" presId="urn:microsoft.com/office/officeart/2008/layout/LinedList"/>
-    <dgm:cxn modelId="{9C691820-C58A-4DF2-B5EB-F310C05D24EE}" type="presParOf" srcId="{16A4D7A6-CCC4-46DF-9754-BCDDFF545647}" destId="{5C4296B2-2AFE-4690-B089-317E249984A0}" srcOrd="4" destOrd="0" presId="urn:microsoft.com/office/officeart/2008/layout/LinedList"/>
-    <dgm:cxn modelId="{A1E725D9-5B22-4DB6-B19B-56B9A821FBA2}" type="presParOf" srcId="{16A4D7A6-CCC4-46DF-9754-BCDDFF545647}" destId="{94503C25-C699-400D-A865-87A0B7CE38BD}" srcOrd="5" destOrd="0" presId="urn:microsoft.com/office/officeart/2008/layout/LinedList"/>
-    <dgm:cxn modelId="{91C5911E-5DD4-4842-9B6E-F71F46228714}" type="presParOf" srcId="{94503C25-C699-400D-A865-87A0B7CE38BD}" destId="{78E69FB7-9A69-4E26-A3E4-E00CCC9EE426}" srcOrd="0" destOrd="0" presId="urn:microsoft.com/office/officeart/2008/layout/LinedList"/>
-    <dgm:cxn modelId="{743654AD-4AAE-4ED2-B889-D97F698C78FE}" type="presParOf" srcId="{94503C25-C699-400D-A865-87A0B7CE38BD}" destId="{C9D2C65F-90BB-4970-91D1-82D38222803F}" srcOrd="1" destOrd="0" presId="urn:microsoft.com/office/officeart/2008/layout/LinedList"/>
-    <dgm:cxn modelId="{2816D0D2-0FAD-4FC7-9B89-D6E89E66EDA3}" type="presParOf" srcId="{16A4D7A6-CCC4-46DF-9754-BCDDFF545647}" destId="{0647D4E7-23C9-46A8-8597-D2678E82975A}" srcOrd="6" destOrd="0" presId="urn:microsoft.com/office/officeart/2008/layout/LinedList"/>
-    <dgm:cxn modelId="{8D294A39-86BF-4ADA-9B75-357ED3ABB4E3}" type="presParOf" srcId="{16A4D7A6-CCC4-46DF-9754-BCDDFF545647}" destId="{CEC670AE-F043-4B48-B702-AF6AF08CE964}" srcOrd="7" destOrd="0" presId="urn:microsoft.com/office/officeart/2008/layout/LinedList"/>
-    <dgm:cxn modelId="{7F11FD01-D87F-4E00-9997-8DEE3DF1B3C7}" type="presParOf" srcId="{CEC670AE-F043-4B48-B702-AF6AF08CE964}" destId="{42C30A3E-28A9-429D-8F60-7271AEA916F8}" srcOrd="0" destOrd="0" presId="urn:microsoft.com/office/officeart/2008/layout/LinedList"/>
-    <dgm:cxn modelId="{705D9E28-187A-4711-B204-125499E874C2}" type="presParOf" srcId="{CEC670AE-F043-4B48-B702-AF6AF08CE964}" destId="{ECFE16D6-AA83-4B11-ABA8-704588C60666}" srcOrd="1" destOrd="0" presId="urn:microsoft.com/office/officeart/2008/layout/LinedList"/>
-    <dgm:cxn modelId="{231EF548-D546-4C20-9C05-84EB3F5AE61C}" type="presParOf" srcId="{16A4D7A6-CCC4-46DF-9754-BCDDFF545647}" destId="{F172999B-CBCF-4E84-AB6C-433C434652B1}" srcOrd="8" destOrd="0" presId="urn:microsoft.com/office/officeart/2008/layout/LinedList"/>
-    <dgm:cxn modelId="{D3DE21F5-1F46-4727-99DA-BDA5A955E7F9}" type="presParOf" srcId="{16A4D7A6-CCC4-46DF-9754-BCDDFF545647}" destId="{A00D4987-E7E6-412B-944D-C533ADF9F6C8}" srcOrd="9" destOrd="0" presId="urn:microsoft.com/office/officeart/2008/layout/LinedList"/>
-    <dgm:cxn modelId="{7F0FF9C0-FB6D-4CC1-9AF0-1785C55AD06B}" type="presParOf" srcId="{A00D4987-E7E6-412B-944D-C533ADF9F6C8}" destId="{178F9617-1ECC-4D4B-BDDB-79A31F1D5554}" srcOrd="0" destOrd="0" presId="urn:microsoft.com/office/officeart/2008/layout/LinedList"/>
-    <dgm:cxn modelId="{01AFE5A3-4FB1-41E1-A82C-DB1F19021798}" type="presParOf" srcId="{A00D4987-E7E6-412B-944D-C533ADF9F6C8}" destId="{7AFF3068-AB2B-4F94-A9E5-ADF5F2A7AB78}" srcOrd="1" destOrd="0" presId="urn:microsoft.com/office/officeart/2008/layout/LinedList"/>
-    <dgm:cxn modelId="{0DC24521-B49E-4591-8631-9DBA9521BE93}" type="presParOf" srcId="{16A4D7A6-CCC4-46DF-9754-BCDDFF545647}" destId="{12207EB9-06CE-4763-B8A6-ACD7843DC888}" srcOrd="10" destOrd="0" presId="urn:microsoft.com/office/officeart/2008/layout/LinedList"/>
-    <dgm:cxn modelId="{6666275E-D8BD-40D5-8B5D-42D00389C13B}" type="presParOf" srcId="{16A4D7A6-CCC4-46DF-9754-BCDDFF545647}" destId="{A072BD3B-0765-4524-960B-42E355A4CBE5}" srcOrd="11" destOrd="0" presId="urn:microsoft.com/office/officeart/2008/layout/LinedList"/>
-    <dgm:cxn modelId="{92AD9841-CF64-4D07-90E4-2742193258B7}" type="presParOf" srcId="{A072BD3B-0765-4524-960B-42E355A4CBE5}" destId="{70F73029-5233-4132-BC01-89EE6C38E8E3}" srcOrd="0" destOrd="0" presId="urn:microsoft.com/office/officeart/2008/layout/LinedList"/>
-    <dgm:cxn modelId="{E5D9F6A6-9A6F-43D0-90B0-27924BA3C2BE}" type="presParOf" srcId="{A072BD3B-0765-4524-960B-42E355A4CBE5}" destId="{7B9786E0-7F79-47A7-B7E2-B48DFA3C4133}" srcOrd="1" destOrd="0" presId="urn:microsoft.com/office/officeart/2008/layout/LinedList"/>
-    <dgm:cxn modelId="{CC89EF7D-6B18-425D-8A83-E752A53B9FF0}" type="presParOf" srcId="{16A4D7A6-CCC4-46DF-9754-BCDDFF545647}" destId="{AC5FC2CB-F7F7-44FC-8FAC-8721A03FF58E}" srcOrd="12" destOrd="0" presId="urn:microsoft.com/office/officeart/2008/layout/LinedList"/>
-    <dgm:cxn modelId="{E081FAE2-F2F7-44E8-AA59-49682429572B}" type="presParOf" srcId="{16A4D7A6-CCC4-46DF-9754-BCDDFF545647}" destId="{1D546BFD-1671-4ABD-8857-3D14307AC6C9}" srcOrd="13" destOrd="0" presId="urn:microsoft.com/office/officeart/2008/layout/LinedList"/>
-    <dgm:cxn modelId="{5ECC1B4D-C902-42A9-AE72-ACDCB64FFF9E}" type="presParOf" srcId="{1D546BFD-1671-4ABD-8857-3D14307AC6C9}" destId="{57AD1B85-C95B-4A54-BDB6-6C6A755C4AE8}" srcOrd="0" destOrd="0" presId="urn:microsoft.com/office/officeart/2008/layout/LinedList"/>
-    <dgm:cxn modelId="{10AA90B9-524C-41D6-BADE-C6559BE5F833}" type="presParOf" srcId="{1D546BFD-1671-4ABD-8857-3D14307AC6C9}" destId="{9E54FF9A-496C-42F4-A81C-1C67F0EB3B58}" srcOrd="1" destOrd="0" presId="urn:microsoft.com/office/officeart/2008/layout/LinedList"/>
-    <dgm:cxn modelId="{87484EB0-BB0D-448D-9F03-802A10BEF111}" type="presParOf" srcId="{16A4D7A6-CCC4-46DF-9754-BCDDFF545647}" destId="{D165BDD2-B9AA-4253-BF88-59304FC695C4}" srcOrd="14" destOrd="0" presId="urn:microsoft.com/office/officeart/2008/layout/LinedList"/>
-    <dgm:cxn modelId="{375B36B6-33BA-483A-BBAD-B4F0969F3CF9}" type="presParOf" srcId="{16A4D7A6-CCC4-46DF-9754-BCDDFF545647}" destId="{CCC427EF-4B8C-4D7A-BBAF-59B32640FD31}" srcOrd="15" destOrd="0" presId="urn:microsoft.com/office/officeart/2008/layout/LinedList"/>
-    <dgm:cxn modelId="{D6132594-76BB-41BE-A61F-B90BFBB8CBDF}" type="presParOf" srcId="{CCC427EF-4B8C-4D7A-BBAF-59B32640FD31}" destId="{51BACDAA-6B5D-49DE-8C86-DBB71516C7A9}" srcOrd="0" destOrd="0" presId="urn:microsoft.com/office/officeart/2008/layout/LinedList"/>
-    <dgm:cxn modelId="{971D0C3F-62B7-40F8-8746-D683200DCC39}" type="presParOf" srcId="{CCC427EF-4B8C-4D7A-BBAF-59B32640FD31}" destId="{0D2041F3-416E-444D-9C32-2FFC891BF0D6}" srcOrd="1" destOrd="0" presId="urn:microsoft.com/office/officeart/2008/layout/LinedList"/>
-    <dgm:cxn modelId="{85C744C3-56F1-4CE6-A22E-2AA4204CBD06}" type="presParOf" srcId="{16A4D7A6-CCC4-46DF-9754-BCDDFF545647}" destId="{CF70A836-1006-4207-93C8-D8E9AF7B95B5}" srcOrd="16" destOrd="0" presId="urn:microsoft.com/office/officeart/2008/layout/LinedList"/>
-    <dgm:cxn modelId="{89684A87-6867-4882-87C2-9D7C85DFD63E}" type="presParOf" srcId="{16A4D7A6-CCC4-46DF-9754-BCDDFF545647}" destId="{C8D33100-68EE-4443-85AA-754F79D88173}" srcOrd="17" destOrd="0" presId="urn:microsoft.com/office/officeart/2008/layout/LinedList"/>
-    <dgm:cxn modelId="{AF912108-92AB-43D7-9431-BCFD1444D979}" type="presParOf" srcId="{C8D33100-68EE-4443-85AA-754F79D88173}" destId="{2B70572E-A80C-4C91-A76B-F346B86FC0FA}" srcOrd="0" destOrd="0" presId="urn:microsoft.com/office/officeart/2008/layout/LinedList"/>
-    <dgm:cxn modelId="{06451C70-A069-40EB-846A-BD68D2C5FF7A}" type="presParOf" srcId="{C8D33100-68EE-4443-85AA-754F79D88173}" destId="{3CE86FD5-83C0-455C-8DAF-6D21954C757C}" srcOrd="1" destOrd="0" presId="urn:microsoft.com/office/officeart/2008/layout/LinedList"/>
-    <dgm:cxn modelId="{FCDB2C66-1447-4D7B-A7C2-5A6EC448B51D}" type="presParOf" srcId="{16A4D7A6-CCC4-46DF-9754-BCDDFF545647}" destId="{D205C6B0-0CC1-4C18-A70F-B947AF177780}" srcOrd="18" destOrd="0" presId="urn:microsoft.com/office/officeart/2008/layout/LinedList"/>
-    <dgm:cxn modelId="{89EDA5AD-33A7-48A0-96BE-D75DCFBAA092}" type="presParOf" srcId="{16A4D7A6-CCC4-46DF-9754-BCDDFF545647}" destId="{A2D9B952-B13B-4251-8DE8-6DB5DAAFE9CE}" srcOrd="19" destOrd="0" presId="urn:microsoft.com/office/officeart/2008/layout/LinedList"/>
-    <dgm:cxn modelId="{E6E8295E-A8B7-4152-BCEE-DACAD34C3EB7}" type="presParOf" srcId="{A2D9B952-B13B-4251-8DE8-6DB5DAAFE9CE}" destId="{B561691F-AC23-4673-8E3B-429A97BBB31D}" srcOrd="0" destOrd="0" presId="urn:microsoft.com/office/officeart/2008/layout/LinedList"/>
-    <dgm:cxn modelId="{A1C7BD9A-BA7D-4ACF-8EF3-E3BDAB7C21D8}" type="presParOf" srcId="{A2D9B952-B13B-4251-8DE8-6DB5DAAFE9CE}" destId="{B9B7F02B-51BC-440A-B425-74B652417887}" srcOrd="1" destOrd="0" presId="urn:microsoft.com/office/officeart/2008/layout/LinedList"/>
+    <dgm:cxn modelId="{0FED1ADE-9C22-46FC-BAE5-0939BB95E3F7}" type="presOf" srcId="{20E6D860-4D31-43C0-9ED3-4F611ED14B6B}" destId="{B561691F-AC23-4673-8E3B-429A97BBB31D}" srcOrd="0" destOrd="0" presId="urn:microsoft.com/office/officeart/2008/layout/LinedList"/>
+    <dgm:cxn modelId="{25C292EA-88DC-40E6-B5F3-A78DBD2C58C5}" type="presOf" srcId="{591CF5CF-8F2D-46F2-A1F0-4676A30D0A74}" destId="{122689A0-03A3-49EC-B7E3-4260782D3B3F}" srcOrd="0" destOrd="0" presId="urn:microsoft.com/office/officeart/2008/layout/LinedList"/>
+    <dgm:cxn modelId="{40A7E0FA-8356-4505-99BB-79ED2C817CEE}" type="presOf" srcId="{DB23D6AD-05C9-4EC0-8F6D-F9517BA9B3C5}" destId="{42C30A3E-28A9-429D-8F60-7271AEA916F8}" srcOrd="0" destOrd="0" presId="urn:microsoft.com/office/officeart/2008/layout/LinedList"/>
+    <dgm:cxn modelId="{C6147702-492F-4E85-8CE9-46B50881E4E5}" type="presParOf" srcId="{16A4D7A6-CCC4-46DF-9754-BCDDFF545647}" destId="{7BDDABC9-5858-4C6A-B2F4-1A99FA420370}" srcOrd="0" destOrd="0" presId="urn:microsoft.com/office/officeart/2008/layout/LinedList"/>
+    <dgm:cxn modelId="{1B10F664-565D-4BB5-A153-362520874609}" type="presParOf" srcId="{16A4D7A6-CCC4-46DF-9754-BCDDFF545647}" destId="{C18AD6C7-E914-427D-AFF7-DDEFE64C3847}" srcOrd="1" destOrd="0" presId="urn:microsoft.com/office/officeart/2008/layout/LinedList"/>
+    <dgm:cxn modelId="{68862DB5-71B3-44EA-8367-264907F6A182}" type="presParOf" srcId="{C18AD6C7-E914-427D-AFF7-DDEFE64C3847}" destId="{122689A0-03A3-49EC-B7E3-4260782D3B3F}" srcOrd="0" destOrd="0" presId="urn:microsoft.com/office/officeart/2008/layout/LinedList"/>
+    <dgm:cxn modelId="{FEE9E163-7BC9-4C92-97F2-BB212C58B360}" type="presParOf" srcId="{C18AD6C7-E914-427D-AFF7-DDEFE64C3847}" destId="{CDC9A010-4264-4865-B770-DD0476B37140}" srcOrd="1" destOrd="0" presId="urn:microsoft.com/office/officeart/2008/layout/LinedList"/>
+    <dgm:cxn modelId="{5449504D-17CF-4E90-A79E-2AFCFD7A821F}" type="presParOf" srcId="{16A4D7A6-CCC4-46DF-9754-BCDDFF545647}" destId="{8328EB1E-BD32-405D-9E42-90227A5F0362}" srcOrd="2" destOrd="0" presId="urn:microsoft.com/office/officeart/2008/layout/LinedList"/>
+    <dgm:cxn modelId="{72A0ACB2-C74A-4091-BA49-145E8785B079}" type="presParOf" srcId="{16A4D7A6-CCC4-46DF-9754-BCDDFF545647}" destId="{070A81E2-4B37-4F05-816A-CF53A51BF176}" srcOrd="3" destOrd="0" presId="urn:microsoft.com/office/officeart/2008/layout/LinedList"/>
+    <dgm:cxn modelId="{CB7182AD-95C8-4503-A2A5-C679CAF6F25A}" type="presParOf" srcId="{070A81E2-4B37-4F05-816A-CF53A51BF176}" destId="{78D3808E-FD8D-436F-8CB5-CF19430654DD}" srcOrd="0" destOrd="0" presId="urn:microsoft.com/office/officeart/2008/layout/LinedList"/>
+    <dgm:cxn modelId="{B4E59C18-E29A-4633-85C9-B1CB250BAE46}" type="presParOf" srcId="{070A81E2-4B37-4F05-816A-CF53A51BF176}" destId="{96844083-C722-4B7B-8D9B-2588E5C898F7}" srcOrd="1" destOrd="0" presId="urn:microsoft.com/office/officeart/2008/layout/LinedList"/>
+    <dgm:cxn modelId="{C1DD7A94-6FE7-45C3-B171-063C112919C8}" type="presParOf" srcId="{16A4D7A6-CCC4-46DF-9754-BCDDFF545647}" destId="{5C4296B2-2AFE-4690-B089-317E249984A0}" srcOrd="4" destOrd="0" presId="urn:microsoft.com/office/officeart/2008/layout/LinedList"/>
+    <dgm:cxn modelId="{1F99379A-E318-453D-859B-5D1AE9C5EC86}" type="presParOf" srcId="{16A4D7A6-CCC4-46DF-9754-BCDDFF545647}" destId="{94503C25-C699-400D-A865-87A0B7CE38BD}" srcOrd="5" destOrd="0" presId="urn:microsoft.com/office/officeart/2008/layout/LinedList"/>
+    <dgm:cxn modelId="{110D89DE-522C-4A3A-9A4A-0CFE48AA1C81}" type="presParOf" srcId="{94503C25-C699-400D-A865-87A0B7CE38BD}" destId="{78E69FB7-9A69-4E26-A3E4-E00CCC9EE426}" srcOrd="0" destOrd="0" presId="urn:microsoft.com/office/officeart/2008/layout/LinedList"/>
+    <dgm:cxn modelId="{DC195009-23FA-4AC6-8314-78499F972601}" type="presParOf" srcId="{94503C25-C699-400D-A865-87A0B7CE38BD}" destId="{C9D2C65F-90BB-4970-91D1-82D38222803F}" srcOrd="1" destOrd="0" presId="urn:microsoft.com/office/officeart/2008/layout/LinedList"/>
+    <dgm:cxn modelId="{A61A9C71-D91B-436E-9A3D-FC1C5FDE735A}" type="presParOf" srcId="{16A4D7A6-CCC4-46DF-9754-BCDDFF545647}" destId="{0647D4E7-23C9-46A8-8597-D2678E82975A}" srcOrd="6" destOrd="0" presId="urn:microsoft.com/office/officeart/2008/layout/LinedList"/>
+    <dgm:cxn modelId="{4ACB021D-166D-4B0A-9507-6304B567BCD5}" type="presParOf" srcId="{16A4D7A6-CCC4-46DF-9754-BCDDFF545647}" destId="{CEC670AE-F043-4B48-B702-AF6AF08CE964}" srcOrd="7" destOrd="0" presId="urn:microsoft.com/office/officeart/2008/layout/LinedList"/>
+    <dgm:cxn modelId="{964C6D8D-CE30-49D9-8754-74FF53D89E47}" type="presParOf" srcId="{CEC670AE-F043-4B48-B702-AF6AF08CE964}" destId="{42C30A3E-28A9-429D-8F60-7271AEA916F8}" srcOrd="0" destOrd="0" presId="urn:microsoft.com/office/officeart/2008/layout/LinedList"/>
+    <dgm:cxn modelId="{83C0D73C-C478-4013-99C8-DC841CD1A3A0}" type="presParOf" srcId="{CEC670AE-F043-4B48-B702-AF6AF08CE964}" destId="{ECFE16D6-AA83-4B11-ABA8-704588C60666}" srcOrd="1" destOrd="0" presId="urn:microsoft.com/office/officeart/2008/layout/LinedList"/>
+    <dgm:cxn modelId="{FA79FAF5-328C-4B13-ACE4-B0EFEFD2E52B}" type="presParOf" srcId="{16A4D7A6-CCC4-46DF-9754-BCDDFF545647}" destId="{F172999B-CBCF-4E84-AB6C-433C434652B1}" srcOrd="8" destOrd="0" presId="urn:microsoft.com/office/officeart/2008/layout/LinedList"/>
+    <dgm:cxn modelId="{F76F8A3F-6BAD-4A89-B953-1A772812E232}" type="presParOf" srcId="{16A4D7A6-CCC4-46DF-9754-BCDDFF545647}" destId="{A00D4987-E7E6-412B-944D-C533ADF9F6C8}" srcOrd="9" destOrd="0" presId="urn:microsoft.com/office/officeart/2008/layout/LinedList"/>
+    <dgm:cxn modelId="{4663E378-64AF-47D5-B4B7-612D3AE2E6F7}" type="presParOf" srcId="{A00D4987-E7E6-412B-944D-C533ADF9F6C8}" destId="{178F9617-1ECC-4D4B-BDDB-79A31F1D5554}" srcOrd="0" destOrd="0" presId="urn:microsoft.com/office/officeart/2008/layout/LinedList"/>
+    <dgm:cxn modelId="{E12FFFE0-0F28-4E7C-BCAA-14EF6D3E0663}" type="presParOf" srcId="{A00D4987-E7E6-412B-944D-C533ADF9F6C8}" destId="{7AFF3068-AB2B-4F94-A9E5-ADF5F2A7AB78}" srcOrd="1" destOrd="0" presId="urn:microsoft.com/office/officeart/2008/layout/LinedList"/>
+    <dgm:cxn modelId="{B20803A4-A962-4D81-A32C-D4309846A3D0}" type="presParOf" srcId="{16A4D7A6-CCC4-46DF-9754-BCDDFF545647}" destId="{12207EB9-06CE-4763-B8A6-ACD7843DC888}" srcOrd="10" destOrd="0" presId="urn:microsoft.com/office/officeart/2008/layout/LinedList"/>
+    <dgm:cxn modelId="{CF5D6744-14E9-4E62-9CA7-C297BD13E0C1}" type="presParOf" srcId="{16A4D7A6-CCC4-46DF-9754-BCDDFF545647}" destId="{A072BD3B-0765-4524-960B-42E355A4CBE5}" srcOrd="11" destOrd="0" presId="urn:microsoft.com/office/officeart/2008/layout/LinedList"/>
+    <dgm:cxn modelId="{24A35112-D34D-497B-815E-0ACBB2662B2F}" type="presParOf" srcId="{A072BD3B-0765-4524-960B-42E355A4CBE5}" destId="{70F73029-5233-4132-BC01-89EE6C38E8E3}" srcOrd="0" destOrd="0" presId="urn:microsoft.com/office/officeart/2008/layout/LinedList"/>
+    <dgm:cxn modelId="{01BE6179-5F3A-4DC2-BDDC-075B5AB54D01}" type="presParOf" srcId="{A072BD3B-0765-4524-960B-42E355A4CBE5}" destId="{7B9786E0-7F79-47A7-B7E2-B48DFA3C4133}" srcOrd="1" destOrd="0" presId="urn:microsoft.com/office/officeart/2008/layout/LinedList"/>
+    <dgm:cxn modelId="{9B4526C3-362D-46B3-AD98-91F29E967E7B}" type="presParOf" srcId="{16A4D7A6-CCC4-46DF-9754-BCDDFF545647}" destId="{AC5FC2CB-F7F7-44FC-8FAC-8721A03FF58E}" srcOrd="12" destOrd="0" presId="urn:microsoft.com/office/officeart/2008/layout/LinedList"/>
+    <dgm:cxn modelId="{227B6B30-1193-4FE3-A04E-3BF2E825DFF7}" type="presParOf" srcId="{16A4D7A6-CCC4-46DF-9754-BCDDFF545647}" destId="{1D546BFD-1671-4ABD-8857-3D14307AC6C9}" srcOrd="13" destOrd="0" presId="urn:microsoft.com/office/officeart/2008/layout/LinedList"/>
+    <dgm:cxn modelId="{821E3CF8-14A9-45C3-9EAD-773A8D6004B2}" type="presParOf" srcId="{1D546BFD-1671-4ABD-8857-3D14307AC6C9}" destId="{57AD1B85-C95B-4A54-BDB6-6C6A755C4AE8}" srcOrd="0" destOrd="0" presId="urn:microsoft.com/office/officeart/2008/layout/LinedList"/>
+    <dgm:cxn modelId="{19625E70-740E-4A16-B083-DD4333B648EF}" type="presParOf" srcId="{1D546BFD-1671-4ABD-8857-3D14307AC6C9}" destId="{9E54FF9A-496C-42F4-A81C-1C67F0EB3B58}" srcOrd="1" destOrd="0" presId="urn:microsoft.com/office/officeart/2008/layout/LinedList"/>
+    <dgm:cxn modelId="{4AAA29B1-CE59-410F-BBD0-2A4041A72782}" type="presParOf" srcId="{16A4D7A6-CCC4-46DF-9754-BCDDFF545647}" destId="{D165BDD2-B9AA-4253-BF88-59304FC695C4}" srcOrd="14" destOrd="0" presId="urn:microsoft.com/office/officeart/2008/layout/LinedList"/>
+    <dgm:cxn modelId="{8DEE144A-B522-45C8-A61C-7434AE427EFD}" type="presParOf" srcId="{16A4D7A6-CCC4-46DF-9754-BCDDFF545647}" destId="{CCC427EF-4B8C-4D7A-BBAF-59B32640FD31}" srcOrd="15" destOrd="0" presId="urn:microsoft.com/office/officeart/2008/layout/LinedList"/>
+    <dgm:cxn modelId="{511773E5-AEDB-417D-91F7-07730A90354A}" type="presParOf" srcId="{CCC427EF-4B8C-4D7A-BBAF-59B32640FD31}" destId="{51BACDAA-6B5D-49DE-8C86-DBB71516C7A9}" srcOrd="0" destOrd="0" presId="urn:microsoft.com/office/officeart/2008/layout/LinedList"/>
+    <dgm:cxn modelId="{2CE39302-FF9E-4619-9F99-A675ECB7F5A3}" type="presParOf" srcId="{CCC427EF-4B8C-4D7A-BBAF-59B32640FD31}" destId="{0D2041F3-416E-444D-9C32-2FFC891BF0D6}" srcOrd="1" destOrd="0" presId="urn:microsoft.com/office/officeart/2008/layout/LinedList"/>
+    <dgm:cxn modelId="{66666CDD-74A5-476C-9732-30834FF7BE47}" type="presParOf" srcId="{16A4D7A6-CCC4-46DF-9754-BCDDFF545647}" destId="{CF70A836-1006-4207-93C8-D8E9AF7B95B5}" srcOrd="16" destOrd="0" presId="urn:microsoft.com/office/officeart/2008/layout/LinedList"/>
+    <dgm:cxn modelId="{D43B3369-81A8-429C-80D0-644467502184}" type="presParOf" srcId="{16A4D7A6-CCC4-46DF-9754-BCDDFF545647}" destId="{C8D33100-68EE-4443-85AA-754F79D88173}" srcOrd="17" destOrd="0" presId="urn:microsoft.com/office/officeart/2008/layout/LinedList"/>
+    <dgm:cxn modelId="{83CC52AD-9C63-43E9-A61F-CBA3D074271B}" type="presParOf" srcId="{C8D33100-68EE-4443-85AA-754F79D88173}" destId="{2B70572E-A80C-4C91-A76B-F346B86FC0FA}" srcOrd="0" destOrd="0" presId="urn:microsoft.com/office/officeart/2008/layout/LinedList"/>
+    <dgm:cxn modelId="{2DFBBC20-ED8A-4ADF-A7CD-75410EE260EC}" type="presParOf" srcId="{C8D33100-68EE-4443-85AA-754F79D88173}" destId="{3CE86FD5-83C0-455C-8DAF-6D21954C757C}" srcOrd="1" destOrd="0" presId="urn:microsoft.com/office/officeart/2008/layout/LinedList"/>
+    <dgm:cxn modelId="{93515344-94E0-4E45-9831-81CA3DF8EE89}" type="presParOf" srcId="{16A4D7A6-CCC4-46DF-9754-BCDDFF545647}" destId="{D205C6B0-0CC1-4C18-A70F-B947AF177780}" srcOrd="18" destOrd="0" presId="urn:microsoft.com/office/officeart/2008/layout/LinedList"/>
+    <dgm:cxn modelId="{CD584BC2-8E61-48DB-B4EB-69CBE5101746}" type="presParOf" srcId="{16A4D7A6-CCC4-46DF-9754-BCDDFF545647}" destId="{A2D9B952-B13B-4251-8DE8-6DB5DAAFE9CE}" srcOrd="19" destOrd="0" presId="urn:microsoft.com/office/officeart/2008/layout/LinedList"/>
+    <dgm:cxn modelId="{4D87671C-E957-48EF-9EF8-6DF2AB096419}" type="presParOf" srcId="{A2D9B952-B13B-4251-8DE8-6DB5DAAFE9CE}" destId="{B561691F-AC23-4673-8E3B-429A97BBB31D}" srcOrd="0" destOrd="0" presId="urn:microsoft.com/office/officeart/2008/layout/LinedList"/>
+    <dgm:cxn modelId="{A0E1B678-EAC9-471C-B389-8C774A519721}" type="presParOf" srcId="{A2D9B952-B13B-4251-8DE8-6DB5DAAFE9CE}" destId="{B9B7F02B-51BC-440A-B425-74B652417887}" srcOrd="1" destOrd="0" presId="urn:microsoft.com/office/officeart/2008/layout/LinedList"/>
   </dgm:cxnLst>
   <dgm:bg/>
   <dgm:whole/>
@@ -10044,9 +10092,15 @@
           </a:pPr>
           <a:r>
             <a:rPr lang="pt-PT" sz="1100" kern="1200" dirty="0"/>
-            <a:t>RF-01  O sistema deve conter um sensor para medir o volume de gases tóxicos/inflamáveis presentes no ambiente.</a:t>
+            <a:t>RF-01  O sistema deve conter um sensor para medir o volume de gases tóxicos/inflamáveis presentes no ambiente. </a:t>
           </a:r>
-          <a:endParaRPr lang="en-US" sz="1100" kern="1200" dirty="0"/>
+          <a:r>
+            <a:rPr lang="pt-PT" sz="1800" kern="1200" dirty="0">
+              <a:sym typeface="Wingdings 2" panose="05020102010507070707" pitchFamily="18" charset="2"/>
+            </a:rPr>
+            <a:t></a:t>
+          </a:r>
+          <a:endParaRPr lang="en-US" sz="1800" kern="1200" dirty="0"/>
         </a:p>
       </dsp:txBody>
       <dsp:txXfrm>
@@ -10153,10 +10207,16 @@
             <a:buNone/>
           </a:pPr>
           <a:r>
-            <a:rPr lang="pt-PT" sz="1100" kern="1200"/>
-            <a:t>RF-02    O sistema deve conter um sensor de presença.</a:t>
+            <a:rPr lang="pt-PT" sz="1100" kern="1200" dirty="0"/>
+            <a:t>RF-02    O sistema deve conter um sensor de presença. </a:t>
           </a:r>
-          <a:endParaRPr lang="pt-BR" sz="1100" kern="1200"/>
+          <a:r>
+            <a:rPr lang="pt-PT" sz="1800" kern="1200" dirty="0">
+              <a:sym typeface="Wingdings 2" panose="05020102010507070707" pitchFamily="18" charset="2"/>
+            </a:rPr>
+            <a:t></a:t>
+          </a:r>
+          <a:endParaRPr lang="pt-BR" sz="1800" kern="1200" dirty="0"/>
         </a:p>
       </dsp:txBody>
       <dsp:txXfrm>
@@ -10263,10 +10323,16 @@
             <a:buNone/>
           </a:pPr>
           <a:r>
-            <a:rPr lang="pt-PT" sz="1100" kern="1200"/>
-            <a:t>RF-03   O sistema deve identificar se foi atingido o nível de 400 ppm de gás.</a:t>
+            <a:rPr lang="pt-PT" sz="1100" kern="1200" dirty="0"/>
+            <a:t>RF-03   O sistema deve identificar se foi atingido o nível de 400 ppm de gás. </a:t>
           </a:r>
-          <a:endParaRPr lang="pt-BR" sz="1100" kern="1200"/>
+          <a:r>
+            <a:rPr lang="pt-PT" sz="1800" kern="1200" dirty="0">
+              <a:sym typeface="Wingdings 2" panose="05020102010507070707" pitchFamily="18" charset="2"/>
+            </a:rPr>
+            <a:t></a:t>
+          </a:r>
+          <a:endParaRPr lang="pt-BR" sz="1800" kern="1200" dirty="0"/>
         </a:p>
       </dsp:txBody>
       <dsp:txXfrm>
@@ -10484,9 +10550,15 @@
           </a:pPr>
           <a:r>
             <a:rPr lang="pt-PT" sz="1100" kern="1200" dirty="0"/>
-            <a:t>RF-05   Armazenar localmente até 24h de medições em caso de falha de conexão.</a:t>
+            <a:t>RF-05   Armazenar localmente até 24h de medições em caso de falha de conexão. </a:t>
           </a:r>
-          <a:endParaRPr lang="pt-BR" sz="1100" kern="1200" dirty="0"/>
+          <a:r>
+            <a:rPr lang="pt-PT" sz="1800" kern="1200" dirty="0">
+              <a:sym typeface="Wingdings 2" panose="05020102010507070707" pitchFamily="18" charset="2"/>
+            </a:rPr>
+            <a:t></a:t>
+          </a:r>
+          <a:endParaRPr lang="pt-BR" sz="1800" kern="1200" dirty="0"/>
         </a:p>
       </dsp:txBody>
       <dsp:txXfrm>
@@ -10594,9 +10666,15 @@
           </a:pPr>
           <a:r>
             <a:rPr lang="pt-PT" sz="1100" kern="1200" dirty="0"/>
-            <a:t>RF-06    Verificar se há presença de pessoas no ambiente confinado.</a:t>
+            <a:t>RF-06    Verificar se há presença de pessoas no ambiente confinado. </a:t>
           </a:r>
-          <a:endParaRPr lang="pt-BR" sz="1100" kern="1200" dirty="0"/>
+          <a:r>
+            <a:rPr lang="pt-PT" sz="1800" kern="1200" dirty="0">
+              <a:sym typeface="Wingdings 2" panose="05020102010507070707" pitchFamily="18" charset="2"/>
+            </a:rPr>
+            <a:t></a:t>
+          </a:r>
+          <a:endParaRPr lang="pt-BR" sz="1800" kern="1200" dirty="0"/>
         </a:p>
       </dsp:txBody>
       <dsp:txXfrm>
@@ -10813,10 +10891,16 @@
             <a:buNone/>
           </a:pPr>
           <a:r>
-            <a:rPr lang="pt-PT" sz="1100" kern="1200"/>
-            <a:t>RF-08	Dispositivo para emitir alarme sonoro caso o sensor de gases detecte mais de 400 ppm e tenha pessoas no ambiente.</a:t>
+            <a:rPr lang="pt-PT" sz="1100" kern="1200" dirty="0"/>
+            <a:t>RF-08	Dispositivo para emitir alarme sonoro caso o sensor de gases detecte mais de 400 ppm e tenha pessoas no ambiente. </a:t>
           </a:r>
-          <a:endParaRPr lang="pt-BR" sz="1100" kern="1200" dirty="0"/>
+          <a:r>
+            <a:rPr lang="pt-PT" sz="1800" kern="1200" dirty="0">
+              <a:sym typeface="Wingdings 2" panose="05020102010507070707" pitchFamily="18" charset="2"/>
+            </a:rPr>
+            <a:t></a:t>
+          </a:r>
+          <a:endParaRPr lang="pt-BR" sz="1800" kern="1200" dirty="0"/>
         </a:p>
       </dsp:txBody>
       <dsp:txXfrm>
@@ -10923,10 +11007,16 @@
             <a:buNone/>
           </a:pPr>
           <a:r>
-            <a:rPr lang="pt-PT" sz="1100" kern="1200"/>
-            <a:t>RF-09 – Led para indicar caso o sensor de gases detecte mais de 400 ppm e tenha pessoas no ambiente.</a:t>
+            <a:rPr lang="pt-PT" sz="1100" kern="1200" dirty="0"/>
+            <a:t>RF-09 – Led para indicar caso o sensor de gases detecte mais de 400 ppm e tenha pessoas no ambiente. </a:t>
           </a:r>
-          <a:endParaRPr lang="pt-BR" sz="1100" kern="1200"/>
+          <a:r>
+            <a:rPr lang="pt-PT" sz="1800" kern="1200" dirty="0">
+              <a:sym typeface="Wingdings 2" panose="05020102010507070707" pitchFamily="18" charset="2"/>
+            </a:rPr>
+            <a:t></a:t>
+          </a:r>
+          <a:endParaRPr lang="pt-BR" sz="1800" kern="1200" dirty="0"/>
         </a:p>
       </dsp:txBody>
       <dsp:txXfrm>
@@ -11033,10 +11123,16 @@
             <a:buNone/>
           </a:pPr>
           <a:r>
-            <a:rPr lang="pt-PT" sz="1100" kern="1200"/>
-            <a:t>RF-10 – O sistema deve conter um microcontrolador.</a:t>
+            <a:rPr lang="pt-PT" sz="1100" kern="1200" dirty="0"/>
+            <a:t>RF-10 – O sistema deve conter um microcontrolador. </a:t>
           </a:r>
-          <a:endParaRPr lang="pt-BR" sz="1100" kern="1200"/>
+          <a:r>
+            <a:rPr lang="pt-PT" sz="1800" kern="1200" dirty="0">
+              <a:sym typeface="Wingdings 2" panose="05020102010507070707" pitchFamily="18" charset="2"/>
+            </a:rPr>
+            <a:t></a:t>
+          </a:r>
+          <a:endParaRPr lang="pt-BR" sz="1800" kern="1200" dirty="0"/>
         </a:p>
       </dsp:txBody>
       <dsp:txXfrm>
@@ -23231,7 +23327,7 @@
           <a:p>
             <a:fld id="{5BCAD085-E8A6-8845-BD4E-CB4CCA059FC4}" type="datetimeFigureOut">
               <a:rPr lang="en-US" smtClean="0"/>
-              <a:t>12/2/2025</a:t>
+              <a:t>12/3/2025</a:t>
             </a:fld>
             <a:endParaRPr lang="en-US"/>
           </a:p>
@@ -23399,7 +23495,7 @@
           <a:p>
             <a:fld id="{5BCAD085-E8A6-8845-BD4E-CB4CCA059FC4}" type="datetimeFigureOut">
               <a:rPr lang="en-US" smtClean="0"/>
-              <a:t>12/2/2025</a:t>
+              <a:t>12/3/2025</a:t>
             </a:fld>
             <a:endParaRPr lang="en-US"/>
           </a:p>
@@ -23577,7 +23673,7 @@
           <a:p>
             <a:fld id="{5BCAD085-E8A6-8845-BD4E-CB4CCA059FC4}" type="datetimeFigureOut">
               <a:rPr lang="en-US" smtClean="0"/>
-              <a:t>12/2/2025</a:t>
+              <a:t>12/3/2025</a:t>
             </a:fld>
             <a:endParaRPr lang="en-US"/>
           </a:p>
@@ -23745,7 +23841,7 @@
           <a:p>
             <a:fld id="{5BCAD085-E8A6-8845-BD4E-CB4CCA059FC4}" type="datetimeFigureOut">
               <a:rPr lang="en-US" smtClean="0"/>
-              <a:t>12/2/2025</a:t>
+              <a:t>12/3/2025</a:t>
             </a:fld>
             <a:endParaRPr lang="en-US"/>
           </a:p>
@@ -23990,7 +24086,7 @@
           <a:p>
             <a:fld id="{5BCAD085-E8A6-8845-BD4E-CB4CCA059FC4}" type="datetimeFigureOut">
               <a:rPr lang="en-US" smtClean="0"/>
-              <a:t>12/2/2025</a:t>
+              <a:t>12/3/2025</a:t>
             </a:fld>
             <a:endParaRPr lang="en-US"/>
           </a:p>
@@ -24275,7 +24371,7 @@
           <a:p>
             <a:fld id="{5BCAD085-E8A6-8845-BD4E-CB4CCA059FC4}" type="datetimeFigureOut">
               <a:rPr lang="en-US" smtClean="0"/>
-              <a:t>12/2/2025</a:t>
+              <a:t>12/3/2025</a:t>
             </a:fld>
             <a:endParaRPr lang="en-US"/>
           </a:p>
@@ -24694,7 +24790,7 @@
           <a:p>
             <a:fld id="{5BCAD085-E8A6-8845-BD4E-CB4CCA059FC4}" type="datetimeFigureOut">
               <a:rPr lang="en-US" smtClean="0"/>
-              <a:t>12/2/2025</a:t>
+              <a:t>12/3/2025</a:t>
             </a:fld>
             <a:endParaRPr lang="en-US"/>
           </a:p>
@@ -24811,7 +24907,7 @@
           <a:p>
             <a:fld id="{5BCAD085-E8A6-8845-BD4E-CB4CCA059FC4}" type="datetimeFigureOut">
               <a:rPr lang="en-US" smtClean="0"/>
-              <a:t>12/2/2025</a:t>
+              <a:t>12/3/2025</a:t>
             </a:fld>
             <a:endParaRPr lang="en-US"/>
           </a:p>
@@ -24906,7 +25002,7 @@
           <a:p>
             <a:fld id="{5BCAD085-E8A6-8845-BD4E-CB4CCA059FC4}" type="datetimeFigureOut">
               <a:rPr lang="en-US" smtClean="0"/>
-              <a:t>12/2/2025</a:t>
+              <a:t>12/3/2025</a:t>
             </a:fld>
             <a:endParaRPr lang="en-US"/>
           </a:p>
@@ -25181,7 +25277,7 @@
           <a:p>
             <a:fld id="{5BCAD085-E8A6-8845-BD4E-CB4CCA059FC4}" type="datetimeFigureOut">
               <a:rPr lang="en-US" smtClean="0"/>
-              <a:t>12/2/2025</a:t>
+              <a:t>12/3/2025</a:t>
             </a:fld>
             <a:endParaRPr lang="en-US"/>
           </a:p>
@@ -25433,7 +25529,7 @@
           <a:p>
             <a:fld id="{5BCAD085-E8A6-8845-BD4E-CB4CCA059FC4}" type="datetimeFigureOut">
               <a:rPr lang="en-US" smtClean="0"/>
-              <a:t>12/2/2025</a:t>
+              <a:t>12/3/2025</a:t>
             </a:fld>
             <a:endParaRPr lang="en-US"/>
           </a:p>
@@ -25644,7 +25740,7 @@
           <a:p>
             <a:fld id="{5BCAD085-E8A6-8845-BD4E-CB4CCA059FC4}" type="datetimeFigureOut">
               <a:rPr lang="en-US" smtClean="0"/>
-              <a:t>12/2/2025</a:t>
+              <a:t>12/3/2025</a:t>
             </a:fld>
             <a:endParaRPr lang="en-US"/>
           </a:p>
@@ -27018,7 +27114,7 @@
             <p:ph idx="1"/>
             <p:extLst>
               <p:ext uri="{D42A27DB-BD31-4B8C-83A1-F6EECF244321}">
-                <p14:modId xmlns:p14="http://schemas.microsoft.com/office/powerpoint/2010/main" val="3655684109"/>
+                <p14:modId xmlns:p14="http://schemas.microsoft.com/office/powerpoint/2010/main" val="1836322622"/>
               </p:ext>
             </p:extLst>
           </p:nvPr>
